--- a/Oli.pptx
+++ b/Oli.pptx
@@ -5618,7 +5618,7 @@
         <p:spPr>
           <a:xfrm>
             <a:off x="10686832" y="4014918"/>
-            <a:ext cx="1312222" cy="1773885"/>
+            <a:ext cx="1312222" cy="2052729"/>
           </a:xfrm>
           <a:prstGeom prst="roundRect">
             <a:avLst/>
@@ -5685,7 +5685,7 @@
               <a:buChar char="•"/>
             </a:pPr>
             <a:r>
-              <a:rPr lang="en-GB" sz="1100" dirty="0"/>
+              <a:rPr lang="en-GB" sz="1100" strike="sngStrike" dirty="0"/>
               <a:t>Create webpages</a:t>
             </a:r>
           </a:p>
@@ -5697,6 +5697,24 @@
             <a:r>
               <a:rPr lang="en-GB" sz="1100" dirty="0"/>
               <a:t>Create scenario in SW</a:t>
+            </a:r>
+          </a:p>
+          <a:p>
+            <a:pPr marL="171450" indent="-171450">
+              <a:buFont typeface="Arial" panose="020B0604020202020204" pitchFamily="34" charset="0"/>
+              <a:buChar char="•"/>
+            </a:pPr>
+            <a:r>
+              <a:rPr lang="en-GB" sz="1100" dirty="0"/>
+              <a:t>Mode AP </a:t>
+            </a:r>
+            <a:r>
+              <a:rPr lang="en-GB" sz="1100" dirty="0" err="1"/>
+              <a:t>en</a:t>
+            </a:r>
+            <a:r>
+              <a:rPr lang="en-GB" sz="1100" dirty="0"/>
+              <a:t> STA</a:t>
             </a:r>
           </a:p>
         </p:txBody>

--- a/Oli.pptx
+++ b/Oli.pptx
@@ -6,6 +6,7 @@
   </p:sldMasterIdLst>
   <p:sldIdLst>
     <p:sldId id="256" r:id="rId2"/>
+    <p:sldId id="257" r:id="rId3"/>
   </p:sldIdLst>
   <p:sldSz cx="12192000" cy="6858000"/>
   <p:notesSz cx="6858000" cy="9144000"/>
@@ -3391,7 +3392,7 @@
             <a:pPr algn="ctr"/>
             <a:r>
               <a:rPr lang="en-NL" sz="1100" dirty="0"/>
-              <a:t>Mode: AccessPoint</a:t>
+              <a:t>Mode: APSTA</a:t>
             </a:r>
           </a:p>
           <a:p>
@@ -3470,7 +3471,7 @@
         </p:nvSpPr>
         <p:spPr>
           <a:xfrm>
-            <a:off x="3767511" y="1069197"/>
+            <a:off x="3616204" y="1069197"/>
             <a:ext cx="866330" cy="838664"/>
           </a:xfrm>
           <a:prstGeom prst="roundRect">
@@ -3591,7 +3592,7 @@
         </p:nvSpPr>
         <p:spPr>
           <a:xfrm>
-            <a:off x="1445501" y="5403193"/>
+            <a:off x="1445501" y="5928520"/>
             <a:ext cx="767256" cy="561222"/>
           </a:xfrm>
           <a:prstGeom prst="roundRect">
@@ -3752,21 +3753,14 @@
             <a:pPr algn="ctr"/>
             <a:r>
               <a:rPr lang="en-NL" sz="1100" dirty="0"/>
-              <a:t>Mode: Station</a:t>
+              <a:t>Connect to Your WiFi</a:t>
             </a:r>
           </a:p>
           <a:p>
             <a:pPr algn="ctr"/>
             <a:r>
               <a:rPr lang="en-NL" sz="1100" dirty="0"/>
-              <a:t>Connect to Your WiFi</a:t>
-            </a:r>
-          </a:p>
-          <a:p>
-            <a:pPr algn="ctr"/>
-            <a:r>
-              <a:rPr lang="en-NL" sz="1100" dirty="0"/>
-              <a:t>Hostname: Oli</a:t>
+              <a:t>Hostname: Oli.local</a:t>
             </a:r>
           </a:p>
           <a:p>
@@ -3792,7 +3786,7 @@
         </p:nvSpPr>
         <p:spPr>
           <a:xfrm>
-            <a:off x="4960646" y="2658578"/>
+            <a:off x="4960646" y="2283127"/>
             <a:ext cx="767257" cy="280611"/>
           </a:xfrm>
           <a:prstGeom prst="roundRect">
@@ -3864,7 +3858,7 @@
         </p:nvSpPr>
         <p:spPr>
           <a:xfrm>
-            <a:off x="3767511" y="2946074"/>
+            <a:off x="3662193" y="2568806"/>
             <a:ext cx="866330" cy="838664"/>
           </a:xfrm>
           <a:prstGeom prst="roundRect">
@@ -3913,8 +3907,8 @@
         </p:nvSpPr>
         <p:spPr>
           <a:xfrm>
-            <a:off x="4960646" y="2939189"/>
-            <a:ext cx="783677" cy="838664"/>
+            <a:off x="4712894" y="2563738"/>
+            <a:ext cx="1312222" cy="838664"/>
           </a:xfrm>
           <a:prstGeom prst="roundRect">
             <a:avLst/>
@@ -3942,8 +3936,31 @@
           <a:p>
             <a:pPr algn="ctr"/>
             <a:r>
+              <a:rPr lang="en-NL" sz="1100" dirty="0">
+                <a:solidFill>
+                  <a:schemeClr val="bg1"/>
+                </a:solidFill>
+                <a:hlinkClick r:id="rId2">
+                  <a:extLst>
+                    <a:ext uri="{A12FA001-AC4F-418D-AE19-62706E023703}">
+                      <ahyp:hlinkClr xmlns:ahyp="http://schemas.microsoft.com/office/drawing/2018/hyperlinkcolor" val="tx"/>
+                    </a:ext>
+                  </a:extLst>
+                </a:hlinkClick>
+              </a:rPr>
+              <a:t>http://oli.local</a:t>
+            </a:r>
+            <a:endParaRPr lang="en-NL" sz="1100" dirty="0">
+              <a:solidFill>
+                <a:schemeClr val="bg1"/>
+              </a:solidFill>
+            </a:endParaRPr>
+          </a:p>
+          <a:p>
+            <a:pPr algn="ctr"/>
+            <a:r>
               <a:rPr lang="en-NL" sz="1100" dirty="0"/>
-              <a:t>http://oli</a:t>
+              <a:t>http://192.168.x.y</a:t>
             </a:r>
           </a:p>
         </p:txBody>
@@ -4034,8 +4051,8 @@
         </p:nvSpPr>
         <p:spPr>
           <a:xfrm>
-            <a:off x="4960646" y="1069197"/>
-            <a:ext cx="783677" cy="838664"/>
+            <a:off x="4720856" y="1069197"/>
+            <a:ext cx="1304260" cy="838664"/>
           </a:xfrm>
           <a:prstGeom prst="roundRect">
             <a:avLst/>
@@ -4063,8 +4080,31 @@
           <a:p>
             <a:pPr algn="ctr"/>
             <a:r>
+              <a:rPr lang="en-NL" sz="1100" dirty="0">
+                <a:solidFill>
+                  <a:schemeClr val="bg1"/>
+                </a:solidFill>
+                <a:hlinkClick r:id="rId2">
+                  <a:extLst>
+                    <a:ext uri="{A12FA001-AC4F-418D-AE19-62706E023703}">
+                      <ahyp:hlinkClr xmlns:ahyp="http://schemas.microsoft.com/office/drawing/2018/hyperlinkcolor" val="tx"/>
+                    </a:ext>
+                  </a:extLst>
+                </a:hlinkClick>
+              </a:rPr>
+              <a:t>http://oli.local</a:t>
+            </a:r>
+            <a:endParaRPr lang="en-NL" sz="1100" dirty="0">
+              <a:solidFill>
+                <a:schemeClr val="bg1"/>
+              </a:solidFill>
+            </a:endParaRPr>
+          </a:p>
+          <a:p>
+            <a:pPr algn="ctr"/>
+            <a:r>
               <a:rPr lang="en-NL" sz="1100" dirty="0"/>
-              <a:t>http://oli</a:t>
+              <a:t>http://10.0.0.0</a:t>
             </a:r>
           </a:p>
         </p:txBody>
@@ -4092,7 +4132,7 @@
           </a:xfrm>
           <a:prstGeom prst="bentConnector3">
             <a:avLst>
-              <a:gd name="adj1" fmla="val 42176"/>
+              <a:gd name="adj1" fmla="val 24036"/>
             </a:avLst>
           </a:prstGeom>
           <a:ln w="82550">
@@ -4131,7 +4171,7 @@
         </p:nvSpPr>
         <p:spPr>
           <a:xfrm>
-            <a:off x="6372516" y="4299958"/>
+            <a:off x="6222423" y="3466718"/>
             <a:ext cx="1629722" cy="461641"/>
           </a:xfrm>
           <a:prstGeom prst="roundRect">
@@ -4180,7 +4220,7 @@
         </p:nvSpPr>
         <p:spPr>
           <a:xfrm>
-            <a:off x="8175916" y="4299958"/>
+            <a:off x="8025823" y="3466718"/>
             <a:ext cx="783677" cy="461641"/>
           </a:xfrm>
           <a:prstGeom prst="roundRect">
@@ -4229,7 +4269,7 @@
         </p:nvSpPr>
         <p:spPr>
           <a:xfrm>
-            <a:off x="257723" y="5387013"/>
+            <a:off x="257723" y="5912340"/>
             <a:ext cx="767256" cy="561222"/>
           </a:xfrm>
           <a:prstGeom prst="roundRect">
@@ -4400,7 +4440,7 @@
           <a:p>
             <a:r>
               <a:rPr lang="en-NL" sz="1100" dirty="0"/>
-              <a:t>AP-mode</a:t>
+              <a:t>APSTA-mode</a:t>
             </a:r>
           </a:p>
         </p:txBody>
@@ -4498,7 +4538,7 @@
           <a:p>
             <a:r>
               <a:rPr lang="en-NL" sz="1100" dirty="0"/>
-              <a:t>STA-mode</a:t>
+              <a:t>APSTA-mode</a:t>
             </a:r>
           </a:p>
         </p:txBody>
@@ -4517,7 +4557,7 @@
         </p:nvSpPr>
         <p:spPr>
           <a:xfrm>
-            <a:off x="2677566" y="5601195"/>
+            <a:off x="2677566" y="6126522"/>
             <a:ext cx="2012950" cy="612648"/>
           </a:xfrm>
           <a:prstGeom prst="wedgeEllipseCallout">
@@ -4574,7 +4614,7 @@
         </p:nvSpPr>
         <p:spPr>
           <a:xfrm>
-            <a:off x="6546194" y="4731758"/>
+            <a:off x="6396101" y="3898518"/>
             <a:ext cx="1629722" cy="461641"/>
           </a:xfrm>
           <a:prstGeom prst="roundRect">
@@ -4623,7 +4663,7 @@
         </p:nvSpPr>
         <p:spPr>
           <a:xfrm>
-            <a:off x="8349594" y="4731758"/>
+            <a:off x="8199501" y="3898518"/>
             <a:ext cx="783677" cy="461641"/>
           </a:xfrm>
           <a:prstGeom prst="roundRect">
@@ -4672,7 +4712,7 @@
         </p:nvSpPr>
         <p:spPr>
           <a:xfrm>
-            <a:off x="1435100" y="4770621"/>
+            <a:off x="1435100" y="5295948"/>
             <a:ext cx="767256" cy="561222"/>
           </a:xfrm>
           <a:prstGeom prst="roundRect">
@@ -4720,7 +4760,7 @@
         </p:nvSpPr>
         <p:spPr>
           <a:xfrm>
-            <a:off x="1024979" y="4909342"/>
+            <a:off x="1024979" y="5434669"/>
             <a:ext cx="410121" cy="283780"/>
           </a:xfrm>
           <a:prstGeom prst="rightArrow">
@@ -4766,7 +4806,7 @@
         </p:nvSpPr>
         <p:spPr>
           <a:xfrm>
-            <a:off x="257723" y="4762531"/>
+            <a:off x="257723" y="5287858"/>
             <a:ext cx="767256" cy="561222"/>
           </a:xfrm>
           <a:prstGeom prst="roundRect">
@@ -4812,7 +4852,7 @@
         </p:nvSpPr>
         <p:spPr>
           <a:xfrm>
-            <a:off x="3802558" y="4770621"/>
+            <a:off x="3802558" y="5295948"/>
             <a:ext cx="767256" cy="561222"/>
           </a:xfrm>
           <a:prstGeom prst="roundRect">
@@ -4860,7 +4900,7 @@
         </p:nvSpPr>
         <p:spPr>
           <a:xfrm>
-            <a:off x="2618829" y="4762531"/>
+            <a:off x="2618829" y="5287858"/>
             <a:ext cx="767256" cy="561222"/>
           </a:xfrm>
           <a:prstGeom prst="roundRect">
@@ -4910,7 +4950,7 @@
         </p:nvSpPr>
         <p:spPr>
           <a:xfrm>
-            <a:off x="4979935" y="4748765"/>
+            <a:off x="4979935" y="5274092"/>
             <a:ext cx="767256" cy="561222"/>
           </a:xfrm>
           <a:prstGeom prst="roundRect">
@@ -4958,7 +4998,7 @@
         </p:nvSpPr>
         <p:spPr>
           <a:xfrm>
-            <a:off x="4576166" y="4901252"/>
+            <a:off x="4576166" y="5426579"/>
             <a:ext cx="410121" cy="283780"/>
           </a:xfrm>
           <a:prstGeom prst="rightArrow">
@@ -5004,7 +5044,7 @@
         </p:nvSpPr>
         <p:spPr>
           <a:xfrm>
-            <a:off x="3386085" y="4901252"/>
+            <a:off x="3386085" y="5426579"/>
             <a:ext cx="410121" cy="283780"/>
           </a:xfrm>
           <a:prstGeom prst="rightArrow">
@@ -5050,7 +5090,7 @@
         </p:nvSpPr>
         <p:spPr>
           <a:xfrm>
-            <a:off x="2202356" y="4901252"/>
+            <a:off x="2202356" y="5426579"/>
             <a:ext cx="410121" cy="283780"/>
           </a:xfrm>
           <a:prstGeom prst="rightArrow">
@@ -5096,7 +5136,7 @@
         </p:nvSpPr>
         <p:spPr>
           <a:xfrm>
-            <a:off x="1024979" y="5533824"/>
+            <a:off x="1024979" y="6059151"/>
             <a:ext cx="410121" cy="283780"/>
           </a:xfrm>
           <a:prstGeom prst="rightArrow">
@@ -5199,7 +5239,7 @@
         </p:nvSpPr>
         <p:spPr>
           <a:xfrm>
-            <a:off x="7105941" y="3475703"/>
+            <a:off x="6955848" y="2642463"/>
             <a:ext cx="2012950" cy="612648"/>
           </a:xfrm>
           <a:prstGeom prst="wedgeEllipseCallout">
@@ -5276,7 +5316,7 @@
         </p:nvSpPr>
         <p:spPr>
           <a:xfrm>
-            <a:off x="6489700" y="5788803"/>
+            <a:off x="6534529" y="6034103"/>
             <a:ext cx="2494055" cy="571500"/>
           </a:xfrm>
           <a:prstGeom prst="ellipse">
@@ -5309,6 +5349,13 @@
               <a:t>Execute scenarios</a:t>
             </a:r>
           </a:p>
+          <a:p>
+            <a:pPr algn="ctr"/>
+            <a:r>
+              <a:rPr lang="en-NL" sz="1100" dirty="0"/>
+              <a:t>Manage summer &amp; wintertime</a:t>
+            </a:r>
+          </a:p>
         </p:txBody>
       </p:sp>
       <p:sp>
@@ -5360,7 +5407,7 @@
         </p:nvSpPr>
         <p:spPr>
           <a:xfrm>
-            <a:off x="7187377" y="5334056"/>
+            <a:off x="7232206" y="5579356"/>
             <a:ext cx="1098699" cy="369332"/>
           </a:xfrm>
           <a:prstGeom prst="rect">
@@ -5470,7 +5517,7 @@
             </a:r>
             <a:r>
               <a:rPr lang="en-GB" sz="1100" dirty="0">
-                <a:hlinkClick r:id="rId2"/>
+                <a:hlinkClick r:id="rId3"/>
               </a:rPr>
               <a:t>http://oli</a:t>
             </a:r>
@@ -5617,8 +5664,8 @@
         </p:nvSpPr>
         <p:spPr>
           <a:xfrm>
-            <a:off x="10686832" y="4014918"/>
-            <a:ext cx="1312222" cy="2052729"/>
+            <a:off x="9514434" y="3918888"/>
+            <a:ext cx="2514723" cy="2087379"/>
           </a:xfrm>
           <a:prstGeom prst="roundRect">
             <a:avLst/>
@@ -5655,7 +5702,7 @@
               <a:buChar char="•"/>
             </a:pPr>
             <a:r>
-              <a:rPr lang="en-GB" sz="1100" dirty="0"/>
+              <a:rPr lang="en-GB" sz="1100" strike="sngStrike" dirty="0"/>
               <a:t>Control LEDs</a:t>
             </a:r>
           </a:p>
@@ -5666,7 +5713,7 @@
             </a:pPr>
             <a:r>
               <a:rPr lang="en-GB" sz="1100" dirty="0"/>
-              <a:t>RTC</a:t>
+              <a:t>Store data in flash</a:t>
             </a:r>
           </a:p>
           <a:p>
@@ -5675,8 +5722,8 @@
               <a:buChar char="•"/>
             </a:pPr>
             <a:r>
-              <a:rPr lang="en-GB" sz="1100" dirty="0"/>
-              <a:t>Store data in flash</a:t>
+              <a:rPr lang="en-GB" sz="1100" strike="sngStrike" dirty="0"/>
+              <a:t>Create webpages</a:t>
             </a:r>
           </a:p>
           <a:p>
@@ -5685,8 +5732,8 @@
               <a:buChar char="•"/>
             </a:pPr>
             <a:r>
-              <a:rPr lang="en-GB" sz="1100" strike="sngStrike" dirty="0"/>
-              <a:t>Create webpages</a:t>
+              <a:rPr lang="en-GB" sz="1100" dirty="0"/>
+              <a:t>Create scenario in SW</a:t>
             </a:r>
           </a:p>
           <a:p>
@@ -5696,7 +5743,15 @@
             </a:pPr>
             <a:r>
               <a:rPr lang="en-GB" sz="1100" dirty="0"/>
-              <a:t>Create scenario in SW</a:t>
+              <a:t>Mode AP </a:t>
+            </a:r>
+            <a:r>
+              <a:rPr lang="en-GB" sz="1100" dirty="0" err="1"/>
+              <a:t>en</a:t>
+            </a:r>
+            <a:r>
+              <a:rPr lang="en-GB" sz="1100" dirty="0"/>
+              <a:t> STA</a:t>
             </a:r>
           </a:p>
           <a:p>
@@ -5706,16 +5761,67 @@
             </a:pPr>
             <a:r>
               <a:rPr lang="en-GB" sz="1100" dirty="0"/>
-              <a:t>Mode AP </a:t>
-            </a:r>
-            <a:r>
-              <a:rPr lang="en-GB" sz="1100" dirty="0" err="1"/>
-              <a:t>en</a:t>
-            </a:r>
-            <a:r>
+              <a:t>RTC:</a:t>
+            </a:r>
+          </a:p>
+          <a:p>
+            <a:pPr marL="628650" lvl="1" indent="-171450">
+              <a:buFont typeface="Arial" panose="020B0604020202020204" pitchFamily="34" charset="0"/>
+              <a:buChar char="•"/>
+            </a:pPr>
+            <a:r>
+              <a:rPr lang="en-GB" sz="1100" dirty="0">
+                <a:solidFill>
+                  <a:schemeClr val="bg1"/>
+                </a:solidFill>
+                <a:hlinkClick r:id="rId4">
+                  <a:extLst>
+                    <a:ext uri="{A12FA001-AC4F-418D-AE19-62706E023703}">
+                      <ahyp:hlinkClr xmlns:ahyp="http://schemas.microsoft.com/office/drawing/2018/hyperlinkcolor" val="tx"/>
+                    </a:ext>
+                  </a:extLst>
+                </a:hlinkClick>
+              </a:rPr>
+              <a:t>https://github.com/JChristensen/Timezone</a:t>
+            </a:r>
+            <a:endParaRPr lang="en-GB" sz="1100" dirty="0">
+              <a:solidFill>
+                <a:schemeClr val="bg1"/>
+              </a:solidFill>
+            </a:endParaRPr>
+          </a:p>
+          <a:p>
+            <a:pPr marL="628650" lvl="1" indent="-171450">
+              <a:buFont typeface="Arial" panose="020B0604020202020204" pitchFamily="34" charset="0"/>
+              <a:buChar char="•"/>
+            </a:pPr>
+            <a:r>
+              <a:rPr lang="en-GB" sz="1100" dirty="0">
+                <a:solidFill>
+                  <a:schemeClr val="bg1"/>
+                </a:solidFill>
+                <a:hlinkClick r:id="rId5">
+                  <a:extLst>
+                    <a:ext uri="{A12FA001-AC4F-418D-AE19-62706E023703}">
+                      <ahyp:hlinkClr xmlns:ahyp="http://schemas.microsoft.com/office/drawing/2018/hyperlinkcolor" val="tx"/>
+                    </a:ext>
+                  </a:extLst>
+                </a:hlinkClick>
+              </a:rPr>
+              <a:t>https://github.com/PaulStoffregen/Time</a:t>
+            </a:r>
+            <a:r>
+              <a:rPr lang="en-GB" sz="1100" dirty="0">
+                <a:solidFill>
+                  <a:schemeClr val="bg1"/>
+                </a:solidFill>
+              </a:rPr>
+              <a:t> </a:t>
+            </a:r>
+            <a:br>
               <a:rPr lang="en-GB" sz="1100" dirty="0"/>
-              <a:t> STA</a:t>
-            </a:r>
+            </a:br>
+            <a:endParaRPr lang="en-GB" sz="1100" dirty="0"/>
           </a:p>
         </p:txBody>
       </p:sp>
@@ -5850,8 +5956,8 @@
         </p:nvCxnSpPr>
         <p:spPr>
           <a:xfrm>
-            <a:off x="1073150" y="4206431"/>
-            <a:ext cx="3113036" cy="564190"/>
+            <a:off x="1024979" y="4947156"/>
+            <a:ext cx="3161207" cy="348792"/>
           </a:xfrm>
           <a:prstGeom prst="bentConnector2">
             <a:avLst/>
@@ -5892,8 +5998,8 @@
         </p:nvSpPr>
         <p:spPr>
           <a:xfrm>
-            <a:off x="257723" y="3972341"/>
-            <a:ext cx="815427" cy="468179"/>
+            <a:off x="257723" y="4713066"/>
+            <a:ext cx="767256" cy="468179"/>
           </a:xfrm>
           <a:prstGeom prst="roundRect">
             <a:avLst/>
@@ -5939,11 +6045,11 @@
         <p:spPr>
           <a:xfrm>
             <a:off x="1679731" y="241836"/>
-            <a:ext cx="1524213" cy="541744"/>
+            <a:ext cx="1857367" cy="541744"/>
           </a:xfrm>
           <a:prstGeom prst="wedgeEllipseCallout">
             <a:avLst>
-              <a:gd name="adj1" fmla="val -106780"/>
+              <a:gd name="adj1" fmla="val -85790"/>
               <a:gd name="adj2" fmla="val 91790"/>
             </a:avLst>
           </a:prstGeom>
@@ -5976,7 +6082,7 @@
           <a:p>
             <a:r>
               <a:rPr lang="en-NL" sz="1100" dirty="0"/>
-              <a:t>No configured</a:t>
+              <a:t>Not configured</a:t>
             </a:r>
           </a:p>
           <a:p>
@@ -5986,7 +6092,7 @@
                   <a:srgbClr val="FF0000"/>
                 </a:solidFill>
               </a:rPr>
-              <a:t>Soft red color</a:t>
+              <a:t>LED1: Soft red color</a:t>
             </a:r>
           </a:p>
         </p:txBody>
@@ -6075,13 +6181,13 @@
         </p:nvSpPr>
         <p:spPr>
           <a:xfrm>
-            <a:off x="8938520" y="5204352"/>
+            <a:off x="7138349" y="4592956"/>
             <a:ext cx="1630160" cy="541744"/>
           </a:xfrm>
           <a:prstGeom prst="wedgeEllipseCallout">
             <a:avLst>
-              <a:gd name="adj1" fmla="val -42860"/>
-              <a:gd name="adj2" fmla="val -65222"/>
+              <a:gd name="adj1" fmla="val 31061"/>
+              <a:gd name="adj2" fmla="val -96624"/>
             </a:avLst>
           </a:prstGeom>
           <a:solidFill>
@@ -6364,10 +6470,1366 @@
           </a:p>
         </p:txBody>
       </p:sp>
+      <p:sp>
+        <p:nvSpPr>
+          <p:cNvPr id="99" name="Rounded Rectangle 98">
+            <a:extLst>
+              <a:ext uri="{FF2B5EF4-FFF2-40B4-BE49-F238E27FC236}">
+                <a16:creationId xmlns:a16="http://schemas.microsoft.com/office/drawing/2014/main" id="{CF0B40E5-FB9F-756A-C1B0-A72706E300C5}"/>
+              </a:ext>
+            </a:extLst>
+          </p:cNvPr>
+          <p:cNvSpPr/>
+          <p:nvPr/>
+        </p:nvSpPr>
+        <p:spPr>
+          <a:xfrm>
+            <a:off x="3662192" y="3465248"/>
+            <a:ext cx="2355577" cy="461641"/>
+          </a:xfrm>
+          <a:prstGeom prst="roundRect">
+            <a:avLst/>
+          </a:prstGeom>
+        </p:spPr>
+        <p:style>
+          <a:lnRef idx="2">
+            <a:schemeClr val="accent5">
+              <a:shade val="15000"/>
+            </a:schemeClr>
+          </a:lnRef>
+          <a:fillRef idx="1">
+            <a:schemeClr val="accent5"/>
+          </a:fillRef>
+          <a:effectRef idx="0">
+            <a:schemeClr val="accent5"/>
+          </a:effectRef>
+          <a:fontRef idx="minor">
+            <a:schemeClr val="lt1"/>
+          </a:fontRef>
+        </p:style>
+        <p:txBody>
+          <a:bodyPr rtlCol="0" anchor="ctr"/>
+          <a:lstStyle/>
+          <a:p>
+            <a:pPr algn="ctr"/>
+            <a:r>
+              <a:rPr lang="en-NL" sz="1100" dirty="0"/>
+              <a:t>Switch off AP mode if STA connect succeeds</a:t>
+            </a:r>
+          </a:p>
+        </p:txBody>
+      </p:sp>
+      <p:sp>
+        <p:nvSpPr>
+          <p:cNvPr id="102" name="Rounded Rectangle 101">
+            <a:extLst>
+              <a:ext uri="{FF2B5EF4-FFF2-40B4-BE49-F238E27FC236}">
+                <a16:creationId xmlns:a16="http://schemas.microsoft.com/office/drawing/2014/main" id="{87A708D1-AB56-C0BD-3E2C-ED7ED4609474}"/>
+              </a:ext>
+            </a:extLst>
+          </p:cNvPr>
+          <p:cNvSpPr/>
+          <p:nvPr/>
+        </p:nvSpPr>
+        <p:spPr>
+          <a:xfrm>
+            <a:off x="11134385" y="2444782"/>
+            <a:ext cx="767257" cy="280611"/>
+          </a:xfrm>
+          <a:prstGeom prst="roundRect">
+            <a:avLst/>
+          </a:prstGeom>
+        </p:spPr>
+        <p:style>
+          <a:lnRef idx="1">
+            <a:schemeClr val="accent3"/>
+          </a:lnRef>
+          <a:fillRef idx="2">
+            <a:schemeClr val="accent3"/>
+          </a:fillRef>
+          <a:effectRef idx="1">
+            <a:schemeClr val="accent3"/>
+          </a:effectRef>
+          <a:fontRef idx="minor">
+            <a:schemeClr val="dk1"/>
+          </a:fontRef>
+        </p:style>
+        <p:txBody>
+          <a:bodyPr rtlCol="0" anchor="ctr"/>
+          <a:lstStyle/>
+          <a:p>
+            <a:pPr algn="ctr"/>
+            <a:r>
+              <a:rPr lang="en-NL" sz="1100" dirty="0">
+                <a:solidFill>
+                  <a:schemeClr val="tx1"/>
+                </a:solidFill>
+              </a:rPr>
+              <a:t>Redirect</a:t>
+            </a:r>
+          </a:p>
+        </p:txBody>
+      </p:sp>
     </p:spTree>
     <p:extLst>
       <p:ext uri="{BB962C8B-B14F-4D97-AF65-F5344CB8AC3E}">
         <p14:creationId xmlns:p14="http://schemas.microsoft.com/office/powerpoint/2010/main" val="3326699150"/>
+      </p:ext>
+    </p:extLst>
+  </p:cSld>
+  <p:clrMapOvr>
+    <a:masterClrMapping/>
+  </p:clrMapOvr>
+</p:sld>
+</file>
+
+<file path=ppt/slides/slide2.xml><?xml version="1.0" encoding="utf-8"?>
+<p:sld xmlns:a="http://schemas.openxmlformats.org/drawingml/2006/main" xmlns:r="http://schemas.openxmlformats.org/officeDocument/2006/relationships" xmlns:p="http://schemas.openxmlformats.org/presentationml/2006/main">
+  <p:cSld>
+    <p:spTree>
+      <p:nvGrpSpPr>
+        <p:cNvPr id="1" name=""/>
+        <p:cNvGrpSpPr/>
+        <p:nvPr/>
+      </p:nvGrpSpPr>
+      <p:grpSpPr>
+        <a:xfrm>
+          <a:off x="0" y="0"/>
+          <a:ext cx="0" cy="0"/>
+          <a:chOff x="0" y="0"/>
+          <a:chExt cx="0" cy="0"/>
+        </a:xfrm>
+      </p:grpSpPr>
+      <p:sp>
+        <p:nvSpPr>
+          <p:cNvPr id="4" name="Oval 3">
+            <a:extLst>
+              <a:ext uri="{FF2B5EF4-FFF2-40B4-BE49-F238E27FC236}">
+                <a16:creationId xmlns:a16="http://schemas.microsoft.com/office/drawing/2014/main" id="{2FD76287-EBD3-0B68-DF8F-0E369FBFDADC}"/>
+              </a:ext>
+            </a:extLst>
+          </p:cNvPr>
+          <p:cNvSpPr/>
+          <p:nvPr/>
+        </p:nvSpPr>
+        <p:spPr>
+          <a:xfrm>
+            <a:off x="1984743" y="1409272"/>
+            <a:ext cx="219739" cy="226828"/>
+          </a:xfrm>
+          <a:prstGeom prst="ellipse">
+            <a:avLst/>
+          </a:prstGeom>
+        </p:spPr>
+        <p:style>
+          <a:lnRef idx="2">
+            <a:schemeClr val="accent5">
+              <a:shade val="15000"/>
+            </a:schemeClr>
+          </a:lnRef>
+          <a:fillRef idx="1">
+            <a:schemeClr val="accent5"/>
+          </a:fillRef>
+          <a:effectRef idx="0">
+            <a:schemeClr val="accent5"/>
+          </a:effectRef>
+          <a:fontRef idx="minor">
+            <a:schemeClr val="lt1"/>
+          </a:fontRef>
+        </p:style>
+        <p:txBody>
+          <a:bodyPr rtlCol="0" anchor="ctr"/>
+          <a:lstStyle/>
+          <a:p>
+            <a:pPr algn="ctr"/>
+            <a:endParaRPr lang="en-NL"/>
+          </a:p>
+        </p:txBody>
+      </p:sp>
+      <p:sp>
+        <p:nvSpPr>
+          <p:cNvPr id="5" name="Rounded Rectangle 4">
+            <a:extLst>
+              <a:ext uri="{FF2B5EF4-FFF2-40B4-BE49-F238E27FC236}">
+                <a16:creationId xmlns:a16="http://schemas.microsoft.com/office/drawing/2014/main" id="{B3638FA8-BDCE-DE91-67F7-AE8D7BFBF68D}"/>
+              </a:ext>
+            </a:extLst>
+          </p:cNvPr>
+          <p:cNvSpPr/>
+          <p:nvPr/>
+        </p:nvSpPr>
+        <p:spPr>
+          <a:xfrm>
+            <a:off x="1555897" y="2679405"/>
+            <a:ext cx="1077432" cy="368595"/>
+          </a:xfrm>
+          <a:prstGeom prst="roundRect">
+            <a:avLst/>
+          </a:prstGeom>
+        </p:spPr>
+        <p:style>
+          <a:lnRef idx="2">
+            <a:schemeClr val="accent5">
+              <a:shade val="15000"/>
+            </a:schemeClr>
+          </a:lnRef>
+          <a:fillRef idx="1">
+            <a:schemeClr val="accent5"/>
+          </a:fillRef>
+          <a:effectRef idx="0">
+            <a:schemeClr val="accent5"/>
+          </a:effectRef>
+          <a:fontRef idx="minor">
+            <a:schemeClr val="lt1"/>
+          </a:fontRef>
+        </p:style>
+        <p:txBody>
+          <a:bodyPr rtlCol="0" anchor="ctr"/>
+          <a:lstStyle/>
+          <a:p>
+            <a:pPr algn="ctr"/>
+            <a:r>
+              <a:rPr lang="en-NL" sz="1200" dirty="0"/>
+              <a:t>AP=true</a:t>
+            </a:r>
+          </a:p>
+          <a:p>
+            <a:pPr algn="ctr"/>
+            <a:r>
+              <a:rPr lang="en-NL" sz="1200" dirty="0"/>
+              <a:t>STA=false</a:t>
+            </a:r>
+          </a:p>
+        </p:txBody>
+      </p:sp>
+      <p:cxnSp>
+        <p:nvCxnSpPr>
+          <p:cNvPr id="7" name="Curved Connector 6">
+            <a:extLst>
+              <a:ext uri="{FF2B5EF4-FFF2-40B4-BE49-F238E27FC236}">
+                <a16:creationId xmlns:a16="http://schemas.microsoft.com/office/drawing/2014/main" id="{ADB89847-05A5-F193-B033-30AEDD24F8CA}"/>
+              </a:ext>
+            </a:extLst>
+          </p:cNvPr>
+          <p:cNvCxnSpPr>
+            <a:stCxn id="4" idx="4"/>
+            <a:endCxn id="5" idx="0"/>
+          </p:cNvCxnSpPr>
+          <p:nvPr/>
+        </p:nvCxnSpPr>
+        <p:spPr>
+          <a:xfrm rot="5400000">
+            <a:off x="1572961" y="2157752"/>
+            <a:ext cx="1043305" cy="12700"/>
+          </a:xfrm>
+          <a:prstGeom prst="curvedConnector3">
+            <a:avLst/>
+          </a:prstGeom>
+          <a:ln w="38100">
+            <a:tailEnd type="triangle"/>
+          </a:ln>
+        </p:spPr>
+        <p:style>
+          <a:lnRef idx="1">
+            <a:schemeClr val="accent1"/>
+          </a:lnRef>
+          <a:fillRef idx="0">
+            <a:schemeClr val="accent1"/>
+          </a:fillRef>
+          <a:effectRef idx="0">
+            <a:schemeClr val="accent1"/>
+          </a:effectRef>
+          <a:fontRef idx="minor">
+            <a:schemeClr val="tx1"/>
+          </a:fontRef>
+        </p:style>
+      </p:cxnSp>
+      <p:sp>
+        <p:nvSpPr>
+          <p:cNvPr id="8" name="TextBox 7">
+            <a:extLst>
+              <a:ext uri="{FF2B5EF4-FFF2-40B4-BE49-F238E27FC236}">
+                <a16:creationId xmlns:a16="http://schemas.microsoft.com/office/drawing/2014/main" id="{EC07317B-8465-BC50-1B29-CD3CB264801C}"/>
+              </a:ext>
+            </a:extLst>
+          </p:cNvPr>
+          <p:cNvSpPr txBox="1"/>
+          <p:nvPr/>
+        </p:nvSpPr>
+        <p:spPr>
+          <a:xfrm>
+            <a:off x="1363262" y="1674575"/>
+            <a:ext cx="737702" cy="430887"/>
+          </a:xfrm>
+          <a:prstGeom prst="rect">
+            <a:avLst/>
+          </a:prstGeom>
+          <a:noFill/>
+        </p:spPr>
+        <p:txBody>
+          <a:bodyPr wrap="none" rtlCol="0">
+            <a:spAutoFit/>
+          </a:bodyPr>
+          <a:lstStyle/>
+          <a:p>
+            <a:r>
+              <a:rPr lang="en-GB" sz="1050" dirty="0"/>
+              <a:t>AP=false</a:t>
+            </a:r>
+          </a:p>
+          <a:p>
+            <a:r>
+              <a:rPr lang="en-GB" sz="1050" dirty="0"/>
+              <a:t>STA=false</a:t>
+            </a:r>
+            <a:endParaRPr lang="en-NL" sz="1050" dirty="0"/>
+          </a:p>
+        </p:txBody>
+      </p:sp>
+      <p:sp>
+        <p:nvSpPr>
+          <p:cNvPr id="9" name="TextBox 8">
+            <a:extLst>
+              <a:ext uri="{FF2B5EF4-FFF2-40B4-BE49-F238E27FC236}">
+                <a16:creationId xmlns:a16="http://schemas.microsoft.com/office/drawing/2014/main" id="{7EA01405-C5FB-B365-2D7D-2221B65CA183}"/>
+              </a:ext>
+            </a:extLst>
+          </p:cNvPr>
+          <p:cNvSpPr txBox="1"/>
+          <p:nvPr/>
+        </p:nvSpPr>
+        <p:spPr>
+          <a:xfrm>
+            <a:off x="2099191" y="1680873"/>
+            <a:ext cx="662361" cy="415498"/>
+          </a:xfrm>
+          <a:prstGeom prst="rect">
+            <a:avLst/>
+          </a:prstGeom>
+          <a:noFill/>
+        </p:spPr>
+        <p:txBody>
+          <a:bodyPr wrap="none" rtlCol="0">
+            <a:spAutoFit/>
+          </a:bodyPr>
+          <a:lstStyle/>
+          <a:p>
+            <a:r>
+              <a:rPr lang="en-GB" sz="1050" dirty="0" err="1"/>
+              <a:t>Start_AP</a:t>
+            </a:r>
+            <a:endParaRPr lang="en-GB" sz="1050" dirty="0"/>
+          </a:p>
+          <a:p>
+            <a:r>
+              <a:rPr lang="en-GB" sz="1050" dirty="0"/>
+              <a:t>AP=true</a:t>
+            </a:r>
+          </a:p>
+        </p:txBody>
+      </p:sp>
+      <p:cxnSp>
+        <p:nvCxnSpPr>
+          <p:cNvPr id="17" name="Elbow Connector 16">
+            <a:extLst>
+              <a:ext uri="{FF2B5EF4-FFF2-40B4-BE49-F238E27FC236}">
+                <a16:creationId xmlns:a16="http://schemas.microsoft.com/office/drawing/2014/main" id="{D647C47E-F3E8-D9DD-F3E2-0CABE33EA999}"/>
+              </a:ext>
+            </a:extLst>
+          </p:cNvPr>
+          <p:cNvCxnSpPr>
+            <a:cxnSpLocks/>
+            <a:stCxn id="5" idx="1"/>
+            <a:endCxn id="5" idx="2"/>
+          </p:cNvCxnSpPr>
+          <p:nvPr/>
+        </p:nvCxnSpPr>
+        <p:spPr>
+          <a:xfrm rot="10800000" flipH="1" flipV="1">
+            <a:off x="1555897" y="2863702"/>
+            <a:ext cx="538716" cy="184297"/>
+          </a:xfrm>
+          <a:prstGeom prst="bentConnector4">
+            <a:avLst>
+              <a:gd name="adj1" fmla="val -224012"/>
+              <a:gd name="adj2" fmla="val 235577"/>
+            </a:avLst>
+          </a:prstGeom>
+          <a:ln w="38100">
+            <a:tailEnd type="triangle"/>
+          </a:ln>
+        </p:spPr>
+        <p:style>
+          <a:lnRef idx="1">
+            <a:schemeClr val="accent1"/>
+          </a:lnRef>
+          <a:fillRef idx="0">
+            <a:schemeClr val="accent1"/>
+          </a:fillRef>
+          <a:effectRef idx="0">
+            <a:schemeClr val="accent1"/>
+          </a:effectRef>
+          <a:fontRef idx="minor">
+            <a:schemeClr val="tx1"/>
+          </a:fontRef>
+        </p:style>
+      </p:cxnSp>
+      <p:sp>
+        <p:nvSpPr>
+          <p:cNvPr id="18" name="TextBox 17">
+            <a:extLst>
+              <a:ext uri="{FF2B5EF4-FFF2-40B4-BE49-F238E27FC236}">
+                <a16:creationId xmlns:a16="http://schemas.microsoft.com/office/drawing/2014/main" id="{A28C0ED9-DE43-75A7-551E-A2ACC69AC96D}"/>
+              </a:ext>
+            </a:extLst>
+          </p:cNvPr>
+          <p:cNvSpPr txBox="1"/>
+          <p:nvPr/>
+        </p:nvSpPr>
+        <p:spPr>
+          <a:xfrm>
+            <a:off x="345335" y="3013375"/>
+            <a:ext cx="1701107" cy="738664"/>
+          </a:xfrm>
+          <a:prstGeom prst="rect">
+            <a:avLst/>
+          </a:prstGeom>
+          <a:noFill/>
+        </p:spPr>
+        <p:txBody>
+          <a:bodyPr wrap="none" rtlCol="0">
+            <a:spAutoFit/>
+          </a:bodyPr>
+          <a:lstStyle/>
+          <a:p>
+            <a:r>
+              <a:rPr lang="en-GB" sz="1050" dirty="0"/>
+              <a:t>AP=true &amp; TO &amp; </a:t>
+            </a:r>
+            <a:r>
+              <a:rPr lang="en-GB" sz="1050" dirty="0" err="1"/>
+              <a:t>APchanged</a:t>
+            </a:r>
+            <a:endParaRPr lang="en-GB" sz="1050" dirty="0"/>
+          </a:p>
+          <a:p>
+            <a:endParaRPr lang="en-GB" sz="1050" dirty="0"/>
+          </a:p>
+          <a:p>
+            <a:r>
+              <a:rPr lang="en-GB" sz="1050" dirty="0" err="1"/>
+              <a:t>stopAP</a:t>
+            </a:r>
+            <a:r>
+              <a:rPr lang="en-GB" sz="1050" dirty="0"/>
+              <a:t>, </a:t>
+            </a:r>
+            <a:r>
+              <a:rPr lang="en-GB" sz="1050" dirty="0" err="1"/>
+              <a:t>startAP</a:t>
+            </a:r>
+            <a:endParaRPr lang="en-GB" sz="1050" dirty="0"/>
+          </a:p>
+          <a:p>
+            <a:r>
+              <a:rPr lang="en-GB" sz="1050" dirty="0"/>
+              <a:t>AP=true</a:t>
+            </a:r>
+          </a:p>
+        </p:txBody>
+      </p:sp>
+      <p:sp>
+        <p:nvSpPr>
+          <p:cNvPr id="21" name="Rounded Rectangle 20">
+            <a:extLst>
+              <a:ext uri="{FF2B5EF4-FFF2-40B4-BE49-F238E27FC236}">
+                <a16:creationId xmlns:a16="http://schemas.microsoft.com/office/drawing/2014/main" id="{09AD7397-71DF-863E-B9CA-6A7FCD2DB4AB}"/>
+              </a:ext>
+            </a:extLst>
+          </p:cNvPr>
+          <p:cNvSpPr/>
+          <p:nvPr/>
+        </p:nvSpPr>
+        <p:spPr>
+          <a:xfrm>
+            <a:off x="4132520" y="2573079"/>
+            <a:ext cx="1318438" cy="577081"/>
+          </a:xfrm>
+          <a:prstGeom prst="roundRect">
+            <a:avLst/>
+          </a:prstGeom>
+        </p:spPr>
+        <p:style>
+          <a:lnRef idx="2">
+            <a:schemeClr val="accent5">
+              <a:shade val="15000"/>
+            </a:schemeClr>
+          </a:lnRef>
+          <a:fillRef idx="1">
+            <a:schemeClr val="accent5"/>
+          </a:fillRef>
+          <a:effectRef idx="0">
+            <a:schemeClr val="accent5"/>
+          </a:effectRef>
+          <a:fontRef idx="minor">
+            <a:schemeClr val="lt1"/>
+          </a:fontRef>
+        </p:style>
+        <p:txBody>
+          <a:bodyPr rtlCol="0" anchor="ctr"/>
+          <a:lstStyle/>
+          <a:p>
+            <a:pPr algn="ctr"/>
+            <a:r>
+              <a:rPr lang="en-NL" sz="1200" dirty="0"/>
+              <a:t>AP=x</a:t>
+            </a:r>
+            <a:br>
+              <a:rPr lang="en-NL" sz="1200" dirty="0"/>
+            </a:br>
+            <a:r>
+              <a:rPr lang="en-NL" sz="1200" dirty="0"/>
+              <a:t>STA=false connecting</a:t>
+            </a:r>
+          </a:p>
+        </p:txBody>
+      </p:sp>
+      <p:cxnSp>
+        <p:nvCxnSpPr>
+          <p:cNvPr id="22" name="Elbow Connector 21">
+            <a:extLst>
+              <a:ext uri="{FF2B5EF4-FFF2-40B4-BE49-F238E27FC236}">
+                <a16:creationId xmlns:a16="http://schemas.microsoft.com/office/drawing/2014/main" id="{0EFD51E9-A84D-A3BD-12BA-DE1C970C3E98}"/>
+              </a:ext>
+            </a:extLst>
+          </p:cNvPr>
+          <p:cNvCxnSpPr>
+            <a:cxnSpLocks/>
+            <a:stCxn id="5" idx="3"/>
+            <a:endCxn id="21" idx="1"/>
+          </p:cNvCxnSpPr>
+          <p:nvPr/>
+        </p:nvCxnSpPr>
+        <p:spPr>
+          <a:xfrm flipV="1">
+            <a:off x="2633329" y="2861620"/>
+            <a:ext cx="1499191" cy="2083"/>
+          </a:xfrm>
+          <a:prstGeom prst="bentConnector3">
+            <a:avLst>
+              <a:gd name="adj1" fmla="val 50000"/>
+            </a:avLst>
+          </a:prstGeom>
+          <a:ln w="38100">
+            <a:tailEnd type="triangle"/>
+          </a:ln>
+        </p:spPr>
+        <p:style>
+          <a:lnRef idx="1">
+            <a:schemeClr val="accent1"/>
+          </a:lnRef>
+          <a:fillRef idx="0">
+            <a:schemeClr val="accent1"/>
+          </a:fillRef>
+          <a:effectRef idx="0">
+            <a:schemeClr val="accent1"/>
+          </a:effectRef>
+          <a:fontRef idx="minor">
+            <a:schemeClr val="tx1"/>
+          </a:fontRef>
+        </p:style>
+      </p:cxnSp>
+      <p:sp>
+        <p:nvSpPr>
+          <p:cNvPr id="25" name="TextBox 24">
+            <a:extLst>
+              <a:ext uri="{FF2B5EF4-FFF2-40B4-BE49-F238E27FC236}">
+                <a16:creationId xmlns:a16="http://schemas.microsoft.com/office/drawing/2014/main" id="{49946261-F549-EEA5-FBB5-F498008B3853}"/>
+              </a:ext>
+            </a:extLst>
+          </p:cNvPr>
+          <p:cNvSpPr txBox="1"/>
+          <p:nvPr/>
+        </p:nvSpPr>
+        <p:spPr>
+          <a:xfrm>
+            <a:off x="2597242" y="2377728"/>
+            <a:ext cx="1529586" cy="738664"/>
+          </a:xfrm>
+          <a:prstGeom prst="rect">
+            <a:avLst/>
+          </a:prstGeom>
+          <a:noFill/>
+        </p:spPr>
+        <p:txBody>
+          <a:bodyPr wrap="none" rtlCol="0">
+            <a:spAutoFit/>
+          </a:bodyPr>
+          <a:lstStyle/>
+          <a:p>
+            <a:r>
+              <a:rPr lang="en-GB" sz="1050" dirty="0"/>
+              <a:t>[TO &amp; STA credentials ||</a:t>
+            </a:r>
+            <a:br>
+              <a:rPr lang="en-GB" sz="1050" dirty="0"/>
+            </a:br>
+            <a:r>
+              <a:rPr lang="en-GB" sz="1050" dirty="0"/>
+              <a:t>STA credentials change]</a:t>
+            </a:r>
+          </a:p>
+          <a:p>
+            <a:endParaRPr lang="en-GB" sz="1050" dirty="0"/>
+          </a:p>
+          <a:p>
+            <a:r>
+              <a:rPr lang="en-GB" sz="1050" dirty="0" err="1"/>
+              <a:t>startSTA</a:t>
+            </a:r>
+            <a:endParaRPr lang="en-GB" sz="1050" dirty="0"/>
+          </a:p>
+        </p:txBody>
+      </p:sp>
+      <p:cxnSp>
+        <p:nvCxnSpPr>
+          <p:cNvPr id="31" name="Elbow Connector 30">
+            <a:extLst>
+              <a:ext uri="{FF2B5EF4-FFF2-40B4-BE49-F238E27FC236}">
+                <a16:creationId xmlns:a16="http://schemas.microsoft.com/office/drawing/2014/main" id="{63B32901-E35B-65D1-C1E5-44B50000BDA5}"/>
+              </a:ext>
+            </a:extLst>
+          </p:cNvPr>
+          <p:cNvCxnSpPr>
+            <a:cxnSpLocks/>
+            <a:stCxn id="21" idx="2"/>
+            <a:endCxn id="5" idx="2"/>
+          </p:cNvCxnSpPr>
+          <p:nvPr/>
+        </p:nvCxnSpPr>
+        <p:spPr>
+          <a:xfrm rot="5400000" flipH="1">
+            <a:off x="3392096" y="1750517"/>
+            <a:ext cx="102160" cy="2697126"/>
+          </a:xfrm>
+          <a:prstGeom prst="bentConnector3">
+            <a:avLst>
+              <a:gd name="adj1" fmla="val -556815"/>
+            </a:avLst>
+          </a:prstGeom>
+          <a:ln w="38100">
+            <a:tailEnd type="triangle"/>
+          </a:ln>
+        </p:spPr>
+        <p:style>
+          <a:lnRef idx="1">
+            <a:schemeClr val="accent1"/>
+          </a:lnRef>
+          <a:fillRef idx="0">
+            <a:schemeClr val="accent1"/>
+          </a:fillRef>
+          <a:effectRef idx="0">
+            <a:schemeClr val="accent1"/>
+          </a:effectRef>
+          <a:fontRef idx="minor">
+            <a:schemeClr val="tx1"/>
+          </a:fontRef>
+        </p:style>
+      </p:cxnSp>
+      <p:sp>
+        <p:nvSpPr>
+          <p:cNvPr id="35" name="TextBox 34">
+            <a:extLst>
+              <a:ext uri="{FF2B5EF4-FFF2-40B4-BE49-F238E27FC236}">
+                <a16:creationId xmlns:a16="http://schemas.microsoft.com/office/drawing/2014/main" id="{734F3C2B-DEB7-D87B-4346-F64C2D0AE1ED}"/>
+              </a:ext>
+            </a:extLst>
+          </p:cNvPr>
+          <p:cNvSpPr txBox="1"/>
+          <p:nvPr/>
+        </p:nvSpPr>
+        <p:spPr>
+          <a:xfrm>
+            <a:off x="3549892" y="3498123"/>
+            <a:ext cx="1228221" cy="738664"/>
+          </a:xfrm>
+          <a:prstGeom prst="rect">
+            <a:avLst/>
+          </a:prstGeom>
+          <a:noFill/>
+        </p:spPr>
+        <p:txBody>
+          <a:bodyPr wrap="none" rtlCol="0">
+            <a:spAutoFit/>
+          </a:bodyPr>
+          <a:lstStyle/>
+          <a:p>
+            <a:r>
+              <a:rPr lang="en-GB" sz="1050" dirty="0"/>
+              <a:t>STA connect fails</a:t>
+            </a:r>
+          </a:p>
+          <a:p>
+            <a:endParaRPr lang="en-GB" sz="1050" dirty="0"/>
+          </a:p>
+          <a:p>
+            <a:r>
+              <a:rPr lang="en-GB" sz="1050" dirty="0"/>
+              <a:t>If AP=false: </a:t>
+            </a:r>
+            <a:r>
+              <a:rPr lang="en-GB" sz="1050" dirty="0" err="1"/>
+              <a:t>startAP</a:t>
+            </a:r>
+            <a:endParaRPr lang="en-GB" sz="1050" dirty="0"/>
+          </a:p>
+          <a:p>
+            <a:r>
+              <a:rPr lang="en-GB" sz="1050" dirty="0"/>
+              <a:t>AP=true</a:t>
+            </a:r>
+          </a:p>
+        </p:txBody>
+      </p:sp>
+      <p:sp>
+        <p:nvSpPr>
+          <p:cNvPr id="39" name="Rounded Rectangle 38">
+            <a:extLst>
+              <a:ext uri="{FF2B5EF4-FFF2-40B4-BE49-F238E27FC236}">
+                <a16:creationId xmlns:a16="http://schemas.microsoft.com/office/drawing/2014/main" id="{365E69CD-C02E-6AD4-DE66-2BB1E2CBC36C}"/>
+              </a:ext>
+            </a:extLst>
+          </p:cNvPr>
+          <p:cNvSpPr/>
+          <p:nvPr/>
+        </p:nvSpPr>
+        <p:spPr>
+          <a:xfrm>
+            <a:off x="6455733" y="2569495"/>
+            <a:ext cx="1201474" cy="577081"/>
+          </a:xfrm>
+          <a:prstGeom prst="roundRect">
+            <a:avLst/>
+          </a:prstGeom>
+        </p:spPr>
+        <p:style>
+          <a:lnRef idx="2">
+            <a:schemeClr val="accent5">
+              <a:shade val="15000"/>
+            </a:schemeClr>
+          </a:lnRef>
+          <a:fillRef idx="1">
+            <a:schemeClr val="accent5"/>
+          </a:fillRef>
+          <a:effectRef idx="0">
+            <a:schemeClr val="accent5"/>
+          </a:effectRef>
+          <a:fontRef idx="minor">
+            <a:schemeClr val="lt1"/>
+          </a:fontRef>
+        </p:style>
+        <p:txBody>
+          <a:bodyPr rtlCol="0" anchor="ctr"/>
+          <a:lstStyle/>
+          <a:p>
+            <a:pPr algn="ctr"/>
+            <a:r>
+              <a:rPr lang="en-NL" sz="1200" dirty="0"/>
+              <a:t>STA=true</a:t>
+            </a:r>
+          </a:p>
+          <a:p>
+            <a:pPr algn="ctr"/>
+            <a:r>
+              <a:rPr lang="en-NL" sz="1200" dirty="0"/>
+              <a:t>AP=true</a:t>
+            </a:r>
+          </a:p>
+        </p:txBody>
+      </p:sp>
+      <p:cxnSp>
+        <p:nvCxnSpPr>
+          <p:cNvPr id="46" name="Elbow Connector 45">
+            <a:extLst>
+              <a:ext uri="{FF2B5EF4-FFF2-40B4-BE49-F238E27FC236}">
+                <a16:creationId xmlns:a16="http://schemas.microsoft.com/office/drawing/2014/main" id="{F7F14D78-AB26-9ABE-BFA5-5C3920E027AE}"/>
+              </a:ext>
+            </a:extLst>
+          </p:cNvPr>
+          <p:cNvCxnSpPr>
+            <a:cxnSpLocks/>
+            <a:stCxn id="21" idx="3"/>
+            <a:endCxn id="39" idx="1"/>
+          </p:cNvCxnSpPr>
+          <p:nvPr/>
+        </p:nvCxnSpPr>
+        <p:spPr>
+          <a:xfrm flipV="1">
+            <a:off x="5450958" y="2858036"/>
+            <a:ext cx="1004775" cy="3584"/>
+          </a:xfrm>
+          <a:prstGeom prst="bentConnector3">
+            <a:avLst>
+              <a:gd name="adj1" fmla="val 50000"/>
+            </a:avLst>
+          </a:prstGeom>
+          <a:ln w="38100">
+            <a:tailEnd type="triangle"/>
+          </a:ln>
+        </p:spPr>
+        <p:style>
+          <a:lnRef idx="1">
+            <a:schemeClr val="accent1"/>
+          </a:lnRef>
+          <a:fillRef idx="0">
+            <a:schemeClr val="accent1"/>
+          </a:fillRef>
+          <a:effectRef idx="0">
+            <a:schemeClr val="accent1"/>
+          </a:effectRef>
+          <a:fontRef idx="minor">
+            <a:schemeClr val="tx1"/>
+          </a:fontRef>
+        </p:style>
+      </p:cxnSp>
+      <p:sp>
+        <p:nvSpPr>
+          <p:cNvPr id="50" name="TextBox 49">
+            <a:extLst>
+              <a:ext uri="{FF2B5EF4-FFF2-40B4-BE49-F238E27FC236}">
+                <a16:creationId xmlns:a16="http://schemas.microsoft.com/office/drawing/2014/main" id="{E85B867C-BCB5-F7B7-CB69-37501BD166CF}"/>
+              </a:ext>
+            </a:extLst>
+          </p:cNvPr>
+          <p:cNvSpPr txBox="1"/>
+          <p:nvPr/>
+        </p:nvSpPr>
+        <p:spPr>
+          <a:xfrm>
+            <a:off x="5514755" y="2579403"/>
+            <a:ext cx="776175" cy="577081"/>
+          </a:xfrm>
+          <a:prstGeom prst="rect">
+            <a:avLst/>
+          </a:prstGeom>
+          <a:noFill/>
+        </p:spPr>
+        <p:txBody>
+          <a:bodyPr wrap="none" rtlCol="0">
+            <a:spAutoFit/>
+          </a:bodyPr>
+          <a:lstStyle/>
+          <a:p>
+            <a:r>
+              <a:rPr lang="en-GB" sz="1050" dirty="0"/>
+              <a:t>Connected</a:t>
+            </a:r>
+          </a:p>
+          <a:p>
+            <a:endParaRPr lang="en-GB" sz="1050" dirty="0"/>
+          </a:p>
+          <a:p>
+            <a:r>
+              <a:rPr lang="en-GB" sz="1050" dirty="0"/>
+              <a:t>STA=true</a:t>
+            </a:r>
+          </a:p>
+        </p:txBody>
+      </p:sp>
+      <p:sp>
+        <p:nvSpPr>
+          <p:cNvPr id="53" name="Rounded Rectangle 52">
+            <a:extLst>
+              <a:ext uri="{FF2B5EF4-FFF2-40B4-BE49-F238E27FC236}">
+                <a16:creationId xmlns:a16="http://schemas.microsoft.com/office/drawing/2014/main" id="{0D0E66B1-84F0-6E15-26BD-810420BCD409}"/>
+              </a:ext>
+            </a:extLst>
+          </p:cNvPr>
+          <p:cNvSpPr/>
+          <p:nvPr/>
+        </p:nvSpPr>
+        <p:spPr>
+          <a:xfrm>
+            <a:off x="8588578" y="2564909"/>
+            <a:ext cx="1201474" cy="577081"/>
+          </a:xfrm>
+          <a:prstGeom prst="roundRect">
+            <a:avLst/>
+          </a:prstGeom>
+        </p:spPr>
+        <p:style>
+          <a:lnRef idx="2">
+            <a:schemeClr val="accent5">
+              <a:shade val="15000"/>
+            </a:schemeClr>
+          </a:lnRef>
+          <a:fillRef idx="1">
+            <a:schemeClr val="accent5"/>
+          </a:fillRef>
+          <a:effectRef idx="0">
+            <a:schemeClr val="accent5"/>
+          </a:effectRef>
+          <a:fontRef idx="minor">
+            <a:schemeClr val="lt1"/>
+          </a:fontRef>
+        </p:style>
+        <p:txBody>
+          <a:bodyPr rtlCol="0" anchor="ctr"/>
+          <a:lstStyle/>
+          <a:p>
+            <a:pPr algn="ctr"/>
+            <a:r>
+              <a:rPr lang="en-NL" sz="1200" dirty="0"/>
+              <a:t>STA=true</a:t>
+            </a:r>
+          </a:p>
+          <a:p>
+            <a:pPr algn="ctr"/>
+            <a:r>
+              <a:rPr lang="en-NL" sz="1200" dirty="0"/>
+              <a:t>AP=false</a:t>
+            </a:r>
+          </a:p>
+        </p:txBody>
+      </p:sp>
+      <p:cxnSp>
+        <p:nvCxnSpPr>
+          <p:cNvPr id="54" name="Elbow Connector 53">
+            <a:extLst>
+              <a:ext uri="{FF2B5EF4-FFF2-40B4-BE49-F238E27FC236}">
+                <a16:creationId xmlns:a16="http://schemas.microsoft.com/office/drawing/2014/main" id="{61F2773F-C593-A06C-B155-205B7BE7C934}"/>
+              </a:ext>
+            </a:extLst>
+          </p:cNvPr>
+          <p:cNvCxnSpPr>
+            <a:cxnSpLocks/>
+            <a:stCxn id="39" idx="3"/>
+            <a:endCxn id="53" idx="1"/>
+          </p:cNvCxnSpPr>
+          <p:nvPr/>
+        </p:nvCxnSpPr>
+        <p:spPr>
+          <a:xfrm flipV="1">
+            <a:off x="7657207" y="2853450"/>
+            <a:ext cx="931371" cy="4586"/>
+          </a:xfrm>
+          <a:prstGeom prst="bentConnector3">
+            <a:avLst>
+              <a:gd name="adj1" fmla="val 50000"/>
+            </a:avLst>
+          </a:prstGeom>
+          <a:ln w="38100">
+            <a:tailEnd type="triangle"/>
+          </a:ln>
+        </p:spPr>
+        <p:style>
+          <a:lnRef idx="1">
+            <a:schemeClr val="accent1"/>
+          </a:lnRef>
+          <a:fillRef idx="0">
+            <a:schemeClr val="accent1"/>
+          </a:fillRef>
+          <a:effectRef idx="0">
+            <a:schemeClr val="accent1"/>
+          </a:effectRef>
+          <a:fontRef idx="minor">
+            <a:schemeClr val="tx1"/>
+          </a:fontRef>
+        </p:style>
+      </p:cxnSp>
+      <p:sp>
+        <p:nvSpPr>
+          <p:cNvPr id="55" name="TextBox 54">
+            <a:extLst>
+              <a:ext uri="{FF2B5EF4-FFF2-40B4-BE49-F238E27FC236}">
+                <a16:creationId xmlns:a16="http://schemas.microsoft.com/office/drawing/2014/main" id="{0AF52E57-96FF-E991-D48A-9803FFAE74AA}"/>
+              </a:ext>
+            </a:extLst>
+          </p:cNvPr>
+          <p:cNvSpPr txBox="1"/>
+          <p:nvPr/>
+        </p:nvSpPr>
+        <p:spPr>
+          <a:xfrm>
+            <a:off x="7657207" y="2573079"/>
+            <a:ext cx="1004775" cy="738664"/>
+          </a:xfrm>
+          <a:prstGeom prst="rect">
+            <a:avLst/>
+          </a:prstGeom>
+          <a:noFill/>
+        </p:spPr>
+        <p:txBody>
+          <a:bodyPr wrap="square" rtlCol="0">
+            <a:spAutoFit/>
+          </a:bodyPr>
+          <a:lstStyle/>
+          <a:p>
+            <a:r>
+              <a:rPr lang="en-GB" sz="1050" dirty="0"/>
+              <a:t>STA=true &amp;TO</a:t>
+            </a:r>
+          </a:p>
+          <a:p>
+            <a:endParaRPr lang="en-GB" sz="1050" dirty="0"/>
+          </a:p>
+          <a:p>
+            <a:r>
+              <a:rPr lang="en-GB" sz="1050" dirty="0" err="1"/>
+              <a:t>stopAP</a:t>
+            </a:r>
+            <a:endParaRPr lang="en-GB" sz="1050" dirty="0"/>
+          </a:p>
+          <a:p>
+            <a:r>
+              <a:rPr lang="en-GB" sz="1050" dirty="0"/>
+              <a:t>AP=false</a:t>
+            </a:r>
+          </a:p>
+        </p:txBody>
+      </p:sp>
+      <p:cxnSp>
+        <p:nvCxnSpPr>
+          <p:cNvPr id="64" name="Elbow Connector 63">
+            <a:extLst>
+              <a:ext uri="{FF2B5EF4-FFF2-40B4-BE49-F238E27FC236}">
+                <a16:creationId xmlns:a16="http://schemas.microsoft.com/office/drawing/2014/main" id="{1305EF6C-9923-770B-85F5-E5EBAAB95760}"/>
+              </a:ext>
+            </a:extLst>
+          </p:cNvPr>
+          <p:cNvCxnSpPr>
+            <a:cxnSpLocks/>
+            <a:stCxn id="53" idx="3"/>
+            <a:endCxn id="53" idx="0"/>
+          </p:cNvCxnSpPr>
+          <p:nvPr/>
+        </p:nvCxnSpPr>
+        <p:spPr>
+          <a:xfrm flipH="1" flipV="1">
+            <a:off x="9189315" y="2564909"/>
+            <a:ext cx="600737" cy="288541"/>
+          </a:xfrm>
+          <a:prstGeom prst="bentConnector4">
+            <a:avLst>
+              <a:gd name="adj1" fmla="val -38053"/>
+              <a:gd name="adj2" fmla="val 179226"/>
+            </a:avLst>
+          </a:prstGeom>
+          <a:ln w="38100">
+            <a:tailEnd type="triangle"/>
+          </a:ln>
+        </p:spPr>
+        <p:style>
+          <a:lnRef idx="1">
+            <a:schemeClr val="accent1"/>
+          </a:lnRef>
+          <a:fillRef idx="0">
+            <a:schemeClr val="accent1"/>
+          </a:fillRef>
+          <a:effectRef idx="0">
+            <a:schemeClr val="accent1"/>
+          </a:effectRef>
+          <a:fontRef idx="minor">
+            <a:schemeClr val="tx1"/>
+          </a:fontRef>
+        </p:style>
+      </p:cxnSp>
+      <p:sp>
+        <p:nvSpPr>
+          <p:cNvPr id="67" name="TextBox 66">
+            <a:extLst>
+              <a:ext uri="{FF2B5EF4-FFF2-40B4-BE49-F238E27FC236}">
+                <a16:creationId xmlns:a16="http://schemas.microsoft.com/office/drawing/2014/main" id="{14964236-E088-7D3F-A813-D561B4C02632}"/>
+              </a:ext>
+            </a:extLst>
+          </p:cNvPr>
+          <p:cNvSpPr txBox="1"/>
+          <p:nvPr/>
+        </p:nvSpPr>
+        <p:spPr>
+          <a:xfrm>
+            <a:off x="9102399" y="2134130"/>
+            <a:ext cx="340158" cy="253916"/>
+          </a:xfrm>
+          <a:prstGeom prst="rect">
+            <a:avLst/>
+          </a:prstGeom>
+          <a:noFill/>
+        </p:spPr>
+        <p:txBody>
+          <a:bodyPr wrap="none" rtlCol="0">
+            <a:spAutoFit/>
+          </a:bodyPr>
+          <a:lstStyle/>
+          <a:p>
+            <a:r>
+              <a:rPr lang="en-GB" sz="1050" dirty="0"/>
+              <a:t>TO</a:t>
+            </a:r>
+          </a:p>
+        </p:txBody>
+      </p:sp>
+      <p:cxnSp>
+        <p:nvCxnSpPr>
+          <p:cNvPr id="68" name="Elbow Connector 67">
+            <a:extLst>
+              <a:ext uri="{FF2B5EF4-FFF2-40B4-BE49-F238E27FC236}">
+                <a16:creationId xmlns:a16="http://schemas.microsoft.com/office/drawing/2014/main" id="{96ABC89D-08F9-7EF1-64D2-F3C9959889F6}"/>
+              </a:ext>
+            </a:extLst>
+          </p:cNvPr>
+          <p:cNvCxnSpPr>
+            <a:cxnSpLocks/>
+            <a:stCxn id="53" idx="3"/>
+            <a:endCxn id="21" idx="2"/>
+          </p:cNvCxnSpPr>
+          <p:nvPr/>
+        </p:nvCxnSpPr>
+        <p:spPr>
+          <a:xfrm flipH="1">
+            <a:off x="4791739" y="2853450"/>
+            <a:ext cx="4998313" cy="296710"/>
+          </a:xfrm>
+          <a:prstGeom prst="bentConnector4">
+            <a:avLst>
+              <a:gd name="adj1" fmla="val -4574"/>
+              <a:gd name="adj2" fmla="val 415944"/>
+            </a:avLst>
+          </a:prstGeom>
+          <a:ln w="38100">
+            <a:tailEnd type="triangle"/>
+          </a:ln>
+        </p:spPr>
+        <p:style>
+          <a:lnRef idx="1">
+            <a:schemeClr val="accent1"/>
+          </a:lnRef>
+          <a:fillRef idx="0">
+            <a:schemeClr val="accent1"/>
+          </a:fillRef>
+          <a:effectRef idx="0">
+            <a:schemeClr val="accent1"/>
+          </a:effectRef>
+          <a:fontRef idx="minor">
+            <a:schemeClr val="tx1"/>
+          </a:fontRef>
+        </p:style>
+      </p:cxnSp>
+      <p:sp>
+        <p:nvSpPr>
+          <p:cNvPr id="72" name="TextBox 71">
+            <a:extLst>
+              <a:ext uri="{FF2B5EF4-FFF2-40B4-BE49-F238E27FC236}">
+                <a16:creationId xmlns:a16="http://schemas.microsoft.com/office/drawing/2014/main" id="{FE4585D0-50F5-8AB0-18C9-E454B5A9CBB3}"/>
+              </a:ext>
+            </a:extLst>
+          </p:cNvPr>
+          <p:cNvSpPr txBox="1"/>
+          <p:nvPr/>
+        </p:nvSpPr>
+        <p:spPr>
+          <a:xfrm>
+            <a:off x="5293364" y="3498123"/>
+            <a:ext cx="1718927" cy="1223412"/>
+          </a:xfrm>
+          <a:prstGeom prst="rect">
+            <a:avLst/>
+          </a:prstGeom>
+          <a:noFill/>
+        </p:spPr>
+        <p:txBody>
+          <a:bodyPr wrap="square" rtlCol="0">
+            <a:spAutoFit/>
+          </a:bodyPr>
+          <a:lstStyle/>
+          <a:p>
+            <a:r>
+              <a:rPr lang="en-GB" sz="1050" dirty="0"/>
+              <a:t>STA=true &amp;&amp;</a:t>
+            </a:r>
+            <a:br>
+              <a:rPr lang="en-GB" sz="1050" dirty="0"/>
+            </a:br>
+            <a:r>
+              <a:rPr lang="en-GB" sz="1050" dirty="0"/>
+              <a:t>[STA Connect lost || </a:t>
+            </a:r>
+            <a:br>
+              <a:rPr lang="en-GB" sz="1050" dirty="0"/>
+            </a:br>
+            <a:r>
+              <a:rPr lang="en-GB" sz="1050" dirty="0"/>
+              <a:t>STA credentials change]</a:t>
+            </a:r>
+          </a:p>
+          <a:p>
+            <a:endParaRPr lang="en-GB" sz="1050" dirty="0"/>
+          </a:p>
+          <a:p>
+            <a:r>
+              <a:rPr lang="en-GB" sz="1050" dirty="0" err="1"/>
+              <a:t>stopSTA</a:t>
+            </a:r>
+            <a:endParaRPr lang="en-GB" sz="1050" dirty="0"/>
+          </a:p>
+          <a:p>
+            <a:r>
+              <a:rPr lang="en-GB" sz="1050" dirty="0"/>
+              <a:t>STA=false</a:t>
+            </a:r>
+          </a:p>
+          <a:p>
+            <a:r>
+              <a:rPr lang="en-GB" sz="1050" dirty="0" err="1"/>
+              <a:t>startSTA</a:t>
+            </a:r>
+            <a:endParaRPr lang="en-GB" sz="1050" dirty="0"/>
+          </a:p>
+        </p:txBody>
+      </p:sp>
+      <p:cxnSp>
+        <p:nvCxnSpPr>
+          <p:cNvPr id="112" name="Elbow Connector 111">
+            <a:extLst>
+              <a:ext uri="{FF2B5EF4-FFF2-40B4-BE49-F238E27FC236}">
+                <a16:creationId xmlns:a16="http://schemas.microsoft.com/office/drawing/2014/main" id="{BD6B12FB-0E86-38B5-2EC7-0B6B2C3E6EB2}"/>
+              </a:ext>
+            </a:extLst>
+          </p:cNvPr>
+          <p:cNvCxnSpPr>
+            <a:cxnSpLocks/>
+            <a:stCxn id="39" idx="2"/>
+            <a:endCxn id="21" idx="2"/>
+          </p:cNvCxnSpPr>
+          <p:nvPr/>
+        </p:nvCxnSpPr>
+        <p:spPr>
+          <a:xfrm rot="5400000">
+            <a:off x="5922313" y="2016003"/>
+            <a:ext cx="3584" cy="2264731"/>
+          </a:xfrm>
+          <a:prstGeom prst="bentConnector3">
+            <a:avLst>
+              <a:gd name="adj1" fmla="val 26256166"/>
+            </a:avLst>
+          </a:prstGeom>
+          <a:ln w="38100">
+            <a:tailEnd type="triangle"/>
+          </a:ln>
+        </p:spPr>
+        <p:style>
+          <a:lnRef idx="1">
+            <a:schemeClr val="accent1"/>
+          </a:lnRef>
+          <a:fillRef idx="0">
+            <a:schemeClr val="accent1"/>
+          </a:fillRef>
+          <a:effectRef idx="0">
+            <a:schemeClr val="accent1"/>
+          </a:effectRef>
+          <a:fontRef idx="minor">
+            <a:schemeClr val="tx1"/>
+          </a:fontRef>
+        </p:style>
+      </p:cxnSp>
+      <p:cxnSp>
+        <p:nvCxnSpPr>
+          <p:cNvPr id="126" name="Elbow Connector 125">
+            <a:extLst>
+              <a:ext uri="{FF2B5EF4-FFF2-40B4-BE49-F238E27FC236}">
+                <a16:creationId xmlns:a16="http://schemas.microsoft.com/office/drawing/2014/main" id="{9A541257-B946-A224-7F3F-967E724B7822}"/>
+              </a:ext>
+            </a:extLst>
+          </p:cNvPr>
+          <p:cNvCxnSpPr>
+            <a:cxnSpLocks/>
+            <a:stCxn id="4" idx="6"/>
+            <a:endCxn id="21" idx="0"/>
+          </p:cNvCxnSpPr>
+          <p:nvPr/>
+        </p:nvCxnSpPr>
+        <p:spPr>
+          <a:xfrm>
+            <a:off x="2204482" y="1522686"/>
+            <a:ext cx="2587257" cy="1050393"/>
+          </a:xfrm>
+          <a:prstGeom prst="bentConnector2">
+            <a:avLst/>
+          </a:prstGeom>
+          <a:ln w="38100">
+            <a:tailEnd type="triangle"/>
+          </a:ln>
+        </p:spPr>
+        <p:style>
+          <a:lnRef idx="1">
+            <a:schemeClr val="accent1"/>
+          </a:lnRef>
+          <a:fillRef idx="0">
+            <a:schemeClr val="accent1"/>
+          </a:fillRef>
+          <a:effectRef idx="0">
+            <a:schemeClr val="accent1"/>
+          </a:effectRef>
+          <a:fontRef idx="minor">
+            <a:schemeClr val="tx1"/>
+          </a:fontRef>
+        </p:style>
+      </p:cxnSp>
+      <p:sp>
+        <p:nvSpPr>
+          <p:cNvPr id="129" name="TextBox 128">
+            <a:extLst>
+              <a:ext uri="{FF2B5EF4-FFF2-40B4-BE49-F238E27FC236}">
+                <a16:creationId xmlns:a16="http://schemas.microsoft.com/office/drawing/2014/main" id="{AA2BDC5A-79EB-217C-5874-F15A11B49BAB}"/>
+              </a:ext>
+            </a:extLst>
+          </p:cNvPr>
+          <p:cNvSpPr txBox="1"/>
+          <p:nvPr/>
+        </p:nvSpPr>
+        <p:spPr>
+          <a:xfrm>
+            <a:off x="3593173" y="1073724"/>
+            <a:ext cx="1024639" cy="738664"/>
+          </a:xfrm>
+          <a:prstGeom prst="rect">
+            <a:avLst/>
+          </a:prstGeom>
+          <a:noFill/>
+        </p:spPr>
+        <p:txBody>
+          <a:bodyPr wrap="none" rtlCol="0">
+            <a:spAutoFit/>
+          </a:bodyPr>
+          <a:lstStyle/>
+          <a:p>
+            <a:r>
+              <a:rPr lang="en-GB" sz="1050" dirty="0"/>
+              <a:t>AP=false</a:t>
+            </a:r>
+          </a:p>
+          <a:p>
+            <a:r>
+              <a:rPr lang="en-GB" sz="1050" dirty="0"/>
+              <a:t>STA=false</a:t>
+            </a:r>
+          </a:p>
+          <a:p>
+            <a:endParaRPr lang="en-GB" sz="1050" dirty="0"/>
+          </a:p>
+          <a:p>
+            <a:r>
+              <a:rPr lang="en-GB" sz="1050" dirty="0"/>
+              <a:t>STA credentials</a:t>
+            </a:r>
+            <a:endParaRPr lang="en-NL" sz="1050" dirty="0"/>
+          </a:p>
+        </p:txBody>
+      </p:sp>
+    </p:spTree>
+    <p:extLst>
+      <p:ext uri="{BB962C8B-B14F-4D97-AF65-F5344CB8AC3E}">
+        <p14:creationId xmlns:p14="http://schemas.microsoft.com/office/powerpoint/2010/main" val="3118492507"/>
       </p:ext>
     </p:extLst>
   </p:cSld>

--- a/Oli.pptx
+++ b/Oli.pptx
@@ -4,9 +4,17 @@
   <p:sldMasterIdLst>
     <p:sldMasterId id="2147483648" r:id="rId1"/>
   </p:sldMasterIdLst>
+  <p:notesMasterIdLst>
+    <p:notesMasterId r:id="rId9"/>
+  </p:notesMasterIdLst>
   <p:sldIdLst>
     <p:sldId id="256" r:id="rId2"/>
     <p:sldId id="257" r:id="rId3"/>
+    <p:sldId id="260" r:id="rId4"/>
+    <p:sldId id="261" r:id="rId5"/>
+    <p:sldId id="259" r:id="rId6"/>
+    <p:sldId id="258" r:id="rId7"/>
+    <p:sldId id="262" r:id="rId8"/>
   </p:sldIdLst>
   <p:sldSz cx="12192000" cy="6858000"/>
   <p:notesSz cx="6858000" cy="9144000"/>
@@ -111,6 +119,440 @@
     </p:ext>
   </p:extLst>
 </p:presentation>
+</file>
+
+<file path=ppt/notesMasters/notesMaster1.xml><?xml version="1.0" encoding="utf-8"?>
+<p:notesMaster xmlns:a="http://schemas.openxmlformats.org/drawingml/2006/main" xmlns:r="http://schemas.openxmlformats.org/officeDocument/2006/relationships" xmlns:p="http://schemas.openxmlformats.org/presentationml/2006/main">
+  <p:cSld>
+    <p:bg>
+      <p:bgRef idx="1001">
+        <a:schemeClr val="bg1"/>
+      </p:bgRef>
+    </p:bg>
+    <p:spTree>
+      <p:nvGrpSpPr>
+        <p:cNvPr id="1" name=""/>
+        <p:cNvGrpSpPr/>
+        <p:nvPr/>
+      </p:nvGrpSpPr>
+      <p:grpSpPr>
+        <a:xfrm>
+          <a:off x="0" y="0"/>
+          <a:ext cx="0" cy="0"/>
+          <a:chOff x="0" y="0"/>
+          <a:chExt cx="0" cy="0"/>
+        </a:xfrm>
+      </p:grpSpPr>
+      <p:sp>
+        <p:nvSpPr>
+          <p:cNvPr id="2" name="Header Placeholder 1"/>
+          <p:cNvSpPr>
+            <a:spLocks noGrp="1"/>
+          </p:cNvSpPr>
+          <p:nvPr>
+            <p:ph type="hdr" sz="quarter"/>
+          </p:nvPr>
+        </p:nvSpPr>
+        <p:spPr>
+          <a:xfrm>
+            <a:off x="0" y="0"/>
+            <a:ext cx="2971800" cy="458788"/>
+          </a:xfrm>
+          <a:prstGeom prst="rect">
+            <a:avLst/>
+          </a:prstGeom>
+        </p:spPr>
+        <p:txBody>
+          <a:bodyPr vert="horz" lIns="91440" tIns="45720" rIns="91440" bIns="45720" rtlCol="0"/>
+          <a:lstStyle>
+            <a:lvl1pPr algn="l">
+              <a:defRPr sz="1200"/>
+            </a:lvl1pPr>
+          </a:lstStyle>
+          <a:p>
+            <a:endParaRPr lang="en-NL"/>
+          </a:p>
+        </p:txBody>
+      </p:sp>
+      <p:sp>
+        <p:nvSpPr>
+          <p:cNvPr id="3" name="Date Placeholder 2"/>
+          <p:cNvSpPr>
+            <a:spLocks noGrp="1"/>
+          </p:cNvSpPr>
+          <p:nvPr>
+            <p:ph type="dt" idx="1"/>
+          </p:nvPr>
+        </p:nvSpPr>
+        <p:spPr>
+          <a:xfrm>
+            <a:off x="3884613" y="0"/>
+            <a:ext cx="2971800" cy="458788"/>
+          </a:xfrm>
+          <a:prstGeom prst="rect">
+            <a:avLst/>
+          </a:prstGeom>
+        </p:spPr>
+        <p:txBody>
+          <a:bodyPr vert="horz" lIns="91440" tIns="45720" rIns="91440" bIns="45720" rtlCol="0"/>
+          <a:lstStyle>
+            <a:lvl1pPr algn="r">
+              <a:defRPr sz="1200"/>
+            </a:lvl1pPr>
+          </a:lstStyle>
+          <a:p>
+            <a:fld id="{960BDE04-FFF7-AF40-AF4F-D72359A71013}" type="datetimeFigureOut">
+              <a:rPr lang="en-NL" smtClean="0"/>
+              <a:t>26/10/2023</a:t>
+            </a:fld>
+            <a:endParaRPr lang="en-NL"/>
+          </a:p>
+        </p:txBody>
+      </p:sp>
+      <p:sp>
+        <p:nvSpPr>
+          <p:cNvPr id="4" name="Slide Image Placeholder 3"/>
+          <p:cNvSpPr>
+            <a:spLocks noGrp="1" noRot="1" noChangeAspect="1"/>
+          </p:cNvSpPr>
+          <p:nvPr>
+            <p:ph type="sldImg" idx="2"/>
+          </p:nvPr>
+        </p:nvSpPr>
+        <p:spPr>
+          <a:xfrm>
+            <a:off x="685800" y="1143000"/>
+            <a:ext cx="5486400" cy="3086100"/>
+          </a:xfrm>
+          <a:prstGeom prst="rect">
+            <a:avLst/>
+          </a:prstGeom>
+          <a:noFill/>
+          <a:ln w="12700">
+            <a:solidFill>
+              <a:prstClr val="black"/>
+            </a:solidFill>
+          </a:ln>
+        </p:spPr>
+        <p:txBody>
+          <a:bodyPr vert="horz" lIns="91440" tIns="45720" rIns="91440" bIns="45720" rtlCol="0" anchor="ctr"/>
+          <a:lstStyle/>
+          <a:p>
+            <a:endParaRPr lang="en-NL"/>
+          </a:p>
+        </p:txBody>
+      </p:sp>
+      <p:sp>
+        <p:nvSpPr>
+          <p:cNvPr id="5" name="Notes Placeholder 4"/>
+          <p:cNvSpPr>
+            <a:spLocks noGrp="1"/>
+          </p:cNvSpPr>
+          <p:nvPr>
+            <p:ph type="body" sz="quarter" idx="3"/>
+          </p:nvPr>
+        </p:nvSpPr>
+        <p:spPr>
+          <a:xfrm>
+            <a:off x="685800" y="4400550"/>
+            <a:ext cx="5486400" cy="3600450"/>
+          </a:xfrm>
+          <a:prstGeom prst="rect">
+            <a:avLst/>
+          </a:prstGeom>
+        </p:spPr>
+        <p:txBody>
+          <a:bodyPr vert="horz" lIns="91440" tIns="45720" rIns="91440" bIns="45720" rtlCol="0"/>
+          <a:lstStyle/>
+          <a:p>
+            <a:pPr lvl="0"/>
+            <a:r>
+              <a:rPr lang="en-GB"/>
+              <a:t>Click to edit Master text styles</a:t>
+            </a:r>
+          </a:p>
+          <a:p>
+            <a:pPr lvl="1"/>
+            <a:r>
+              <a:rPr lang="en-GB"/>
+              <a:t>Second level</a:t>
+            </a:r>
+          </a:p>
+          <a:p>
+            <a:pPr lvl="2"/>
+            <a:r>
+              <a:rPr lang="en-GB"/>
+              <a:t>Third level</a:t>
+            </a:r>
+          </a:p>
+          <a:p>
+            <a:pPr lvl="3"/>
+            <a:r>
+              <a:rPr lang="en-GB"/>
+              <a:t>Fourth level</a:t>
+            </a:r>
+          </a:p>
+          <a:p>
+            <a:pPr lvl="4"/>
+            <a:r>
+              <a:rPr lang="en-GB"/>
+              <a:t>Fifth level</a:t>
+            </a:r>
+            <a:endParaRPr lang="en-NL"/>
+          </a:p>
+        </p:txBody>
+      </p:sp>
+      <p:sp>
+        <p:nvSpPr>
+          <p:cNvPr id="6" name="Footer Placeholder 5"/>
+          <p:cNvSpPr>
+            <a:spLocks noGrp="1"/>
+          </p:cNvSpPr>
+          <p:nvPr>
+            <p:ph type="ftr" sz="quarter" idx="4"/>
+          </p:nvPr>
+        </p:nvSpPr>
+        <p:spPr>
+          <a:xfrm>
+            <a:off x="0" y="8685213"/>
+            <a:ext cx="2971800" cy="458787"/>
+          </a:xfrm>
+          <a:prstGeom prst="rect">
+            <a:avLst/>
+          </a:prstGeom>
+        </p:spPr>
+        <p:txBody>
+          <a:bodyPr vert="horz" lIns="91440" tIns="45720" rIns="91440" bIns="45720" rtlCol="0" anchor="b"/>
+          <a:lstStyle>
+            <a:lvl1pPr algn="l">
+              <a:defRPr sz="1200"/>
+            </a:lvl1pPr>
+          </a:lstStyle>
+          <a:p>
+            <a:endParaRPr lang="en-NL"/>
+          </a:p>
+        </p:txBody>
+      </p:sp>
+      <p:sp>
+        <p:nvSpPr>
+          <p:cNvPr id="7" name="Slide Number Placeholder 6"/>
+          <p:cNvSpPr>
+            <a:spLocks noGrp="1"/>
+          </p:cNvSpPr>
+          <p:nvPr>
+            <p:ph type="sldNum" sz="quarter" idx="5"/>
+          </p:nvPr>
+        </p:nvSpPr>
+        <p:spPr>
+          <a:xfrm>
+            <a:off x="3884613" y="8685213"/>
+            <a:ext cx="2971800" cy="458787"/>
+          </a:xfrm>
+          <a:prstGeom prst="rect">
+            <a:avLst/>
+          </a:prstGeom>
+        </p:spPr>
+        <p:txBody>
+          <a:bodyPr vert="horz" lIns="91440" tIns="45720" rIns="91440" bIns="45720" rtlCol="0" anchor="b"/>
+          <a:lstStyle>
+            <a:lvl1pPr algn="r">
+              <a:defRPr sz="1200"/>
+            </a:lvl1pPr>
+          </a:lstStyle>
+          <a:p>
+            <a:fld id="{0974AE18-EEB7-1145-866C-5D9ECF8E0B0D}" type="slidenum">
+              <a:rPr lang="en-NL" smtClean="0"/>
+              <a:t>‹#›</a:t>
+            </a:fld>
+            <a:endParaRPr lang="en-NL"/>
+          </a:p>
+        </p:txBody>
+      </p:sp>
+    </p:spTree>
+    <p:extLst>
+      <p:ext uri="{BB962C8B-B14F-4D97-AF65-F5344CB8AC3E}">
+        <p14:creationId xmlns:p14="http://schemas.microsoft.com/office/powerpoint/2010/main" val="1859566420"/>
+      </p:ext>
+    </p:extLst>
+  </p:cSld>
+  <p:clrMap bg1="lt1" tx1="dk1" bg2="lt2" tx2="dk2" accent1="accent1" accent2="accent2" accent3="accent3" accent4="accent4" accent5="accent5" accent6="accent6" hlink="hlink" folHlink="folHlink"/>
+  <p:notesStyle>
+    <a:lvl1pPr marL="0" algn="l" defTabSz="914400" rtl="0" eaLnBrk="1" latinLnBrk="0" hangingPunct="1">
+      <a:defRPr sz="1200" kern="1200">
+        <a:solidFill>
+          <a:schemeClr val="tx1"/>
+        </a:solidFill>
+        <a:latin typeface="+mn-lt"/>
+        <a:ea typeface="+mn-ea"/>
+        <a:cs typeface="+mn-cs"/>
+      </a:defRPr>
+    </a:lvl1pPr>
+    <a:lvl2pPr marL="457200" algn="l" defTabSz="914400" rtl="0" eaLnBrk="1" latinLnBrk="0" hangingPunct="1">
+      <a:defRPr sz="1200" kern="1200">
+        <a:solidFill>
+          <a:schemeClr val="tx1"/>
+        </a:solidFill>
+        <a:latin typeface="+mn-lt"/>
+        <a:ea typeface="+mn-ea"/>
+        <a:cs typeface="+mn-cs"/>
+      </a:defRPr>
+    </a:lvl2pPr>
+    <a:lvl3pPr marL="914400" algn="l" defTabSz="914400" rtl="0" eaLnBrk="1" latinLnBrk="0" hangingPunct="1">
+      <a:defRPr sz="1200" kern="1200">
+        <a:solidFill>
+          <a:schemeClr val="tx1"/>
+        </a:solidFill>
+        <a:latin typeface="+mn-lt"/>
+        <a:ea typeface="+mn-ea"/>
+        <a:cs typeface="+mn-cs"/>
+      </a:defRPr>
+    </a:lvl3pPr>
+    <a:lvl4pPr marL="1371600" algn="l" defTabSz="914400" rtl="0" eaLnBrk="1" latinLnBrk="0" hangingPunct="1">
+      <a:defRPr sz="1200" kern="1200">
+        <a:solidFill>
+          <a:schemeClr val="tx1"/>
+        </a:solidFill>
+        <a:latin typeface="+mn-lt"/>
+        <a:ea typeface="+mn-ea"/>
+        <a:cs typeface="+mn-cs"/>
+      </a:defRPr>
+    </a:lvl4pPr>
+    <a:lvl5pPr marL="1828800" algn="l" defTabSz="914400" rtl="0" eaLnBrk="1" latinLnBrk="0" hangingPunct="1">
+      <a:defRPr sz="1200" kern="1200">
+        <a:solidFill>
+          <a:schemeClr val="tx1"/>
+        </a:solidFill>
+        <a:latin typeface="+mn-lt"/>
+        <a:ea typeface="+mn-ea"/>
+        <a:cs typeface="+mn-cs"/>
+      </a:defRPr>
+    </a:lvl5pPr>
+    <a:lvl6pPr marL="2286000" algn="l" defTabSz="914400" rtl="0" eaLnBrk="1" latinLnBrk="0" hangingPunct="1">
+      <a:defRPr sz="1200" kern="1200">
+        <a:solidFill>
+          <a:schemeClr val="tx1"/>
+        </a:solidFill>
+        <a:latin typeface="+mn-lt"/>
+        <a:ea typeface="+mn-ea"/>
+        <a:cs typeface="+mn-cs"/>
+      </a:defRPr>
+    </a:lvl6pPr>
+    <a:lvl7pPr marL="2743200" algn="l" defTabSz="914400" rtl="0" eaLnBrk="1" latinLnBrk="0" hangingPunct="1">
+      <a:defRPr sz="1200" kern="1200">
+        <a:solidFill>
+          <a:schemeClr val="tx1"/>
+        </a:solidFill>
+        <a:latin typeface="+mn-lt"/>
+        <a:ea typeface="+mn-ea"/>
+        <a:cs typeface="+mn-cs"/>
+      </a:defRPr>
+    </a:lvl7pPr>
+    <a:lvl8pPr marL="3200400" algn="l" defTabSz="914400" rtl="0" eaLnBrk="1" latinLnBrk="0" hangingPunct="1">
+      <a:defRPr sz="1200" kern="1200">
+        <a:solidFill>
+          <a:schemeClr val="tx1"/>
+        </a:solidFill>
+        <a:latin typeface="+mn-lt"/>
+        <a:ea typeface="+mn-ea"/>
+        <a:cs typeface="+mn-cs"/>
+      </a:defRPr>
+    </a:lvl8pPr>
+    <a:lvl9pPr marL="3657600" algn="l" defTabSz="914400" rtl="0" eaLnBrk="1" latinLnBrk="0" hangingPunct="1">
+      <a:defRPr sz="1200" kern="1200">
+        <a:solidFill>
+          <a:schemeClr val="tx1"/>
+        </a:solidFill>
+        <a:latin typeface="+mn-lt"/>
+        <a:ea typeface="+mn-ea"/>
+        <a:cs typeface="+mn-cs"/>
+      </a:defRPr>
+    </a:lvl9pPr>
+  </p:notesStyle>
+</p:notesMaster>
+</file>
+
+<file path=ppt/notesSlides/notesSlide1.xml><?xml version="1.0" encoding="utf-8"?>
+<p:notes xmlns:a="http://schemas.openxmlformats.org/drawingml/2006/main" xmlns:r="http://schemas.openxmlformats.org/officeDocument/2006/relationships" xmlns:p="http://schemas.openxmlformats.org/presentationml/2006/main">
+  <p:cSld>
+    <p:spTree>
+      <p:nvGrpSpPr>
+        <p:cNvPr id="1" name=""/>
+        <p:cNvGrpSpPr/>
+        <p:nvPr/>
+      </p:nvGrpSpPr>
+      <p:grpSpPr>
+        <a:xfrm>
+          <a:off x="0" y="0"/>
+          <a:ext cx="0" cy="0"/>
+          <a:chOff x="0" y="0"/>
+          <a:chExt cx="0" cy="0"/>
+        </a:xfrm>
+      </p:grpSpPr>
+      <p:sp>
+        <p:nvSpPr>
+          <p:cNvPr id="2" name="Slide Image Placeholder 1"/>
+          <p:cNvSpPr>
+            <a:spLocks noGrp="1" noRot="1" noChangeAspect="1"/>
+          </p:cNvSpPr>
+          <p:nvPr>
+            <p:ph type="sldImg"/>
+          </p:nvPr>
+        </p:nvSpPr>
+        <p:spPr/>
+      </p:sp>
+      <p:sp>
+        <p:nvSpPr>
+          <p:cNvPr id="3" name="Notes Placeholder 2"/>
+          <p:cNvSpPr>
+            <a:spLocks noGrp="1"/>
+          </p:cNvSpPr>
+          <p:nvPr>
+            <p:ph type="body" idx="1"/>
+          </p:nvPr>
+        </p:nvSpPr>
+        <p:spPr/>
+        <p:txBody>
+          <a:bodyPr/>
+          <a:lstStyle/>
+          <a:p>
+            <a:endParaRPr lang="en-NL"/>
+          </a:p>
+        </p:txBody>
+      </p:sp>
+      <p:sp>
+        <p:nvSpPr>
+          <p:cNvPr id="4" name="Slide Number Placeholder 3"/>
+          <p:cNvSpPr>
+            <a:spLocks noGrp="1"/>
+          </p:cNvSpPr>
+          <p:nvPr>
+            <p:ph type="sldNum" sz="quarter" idx="5"/>
+          </p:nvPr>
+        </p:nvSpPr>
+        <p:spPr/>
+        <p:txBody>
+          <a:bodyPr/>
+          <a:lstStyle/>
+          <a:p>
+            <a:fld id="{0974AE18-EEB7-1145-866C-5D9ECF8E0B0D}" type="slidenum">
+              <a:rPr lang="en-NL" smtClean="0"/>
+              <a:t>1</a:t>
+            </a:fld>
+            <a:endParaRPr lang="en-NL"/>
+          </a:p>
+        </p:txBody>
+      </p:sp>
+    </p:spTree>
+    <p:extLst>
+      <p:ext uri="{BB962C8B-B14F-4D97-AF65-F5344CB8AC3E}">
+        <p14:creationId xmlns:p14="http://schemas.microsoft.com/office/powerpoint/2010/main" val="7430152"/>
+      </p:ext>
+    </p:extLst>
+  </p:cSld>
+  <p:clrMapOvr>
+    <a:masterClrMapping/>
+  </p:clrMapOvr>
+</p:notes>
 </file>
 
 <file path=ppt/slideLayouts/slideLayout1.xml><?xml version="1.0" encoding="utf-8"?>
@@ -3786,7 +4228,7 @@
         </p:nvSpPr>
         <p:spPr>
           <a:xfrm>
-            <a:off x="4960646" y="2283127"/>
+            <a:off x="4794676" y="2678608"/>
             <a:ext cx="767257" cy="280611"/>
           </a:xfrm>
           <a:prstGeom prst="roundRect">
@@ -3858,7 +4300,7 @@
         </p:nvSpPr>
         <p:spPr>
           <a:xfrm>
-            <a:off x="3662193" y="2568806"/>
+            <a:off x="3496223" y="2964287"/>
             <a:ext cx="866330" cy="838664"/>
           </a:xfrm>
           <a:prstGeom prst="roundRect">
@@ -3907,7 +4349,7 @@
         </p:nvSpPr>
         <p:spPr>
           <a:xfrm>
-            <a:off x="4712894" y="2563738"/>
+            <a:off x="4546924" y="2959219"/>
             <a:ext cx="1312222" cy="838664"/>
           </a:xfrm>
           <a:prstGeom prst="roundRect">
@@ -3940,7 +4382,7 @@
                 <a:solidFill>
                   <a:schemeClr val="bg1"/>
                 </a:solidFill>
-                <a:hlinkClick r:id="rId2">
+                <a:hlinkClick r:id="rId3">
                   <a:extLst>
                     <a:ext uri="{A12FA001-AC4F-418D-AE19-62706E023703}">
                       <ahyp:hlinkClr xmlns:ahyp="http://schemas.microsoft.com/office/drawing/2018/hyperlinkcolor" val="tx"/>
@@ -4084,7 +4526,7 @@
                 <a:solidFill>
                   <a:schemeClr val="bg1"/>
                 </a:solidFill>
-                <a:hlinkClick r:id="rId2">
+                <a:hlinkClick r:id="rId3">
                   <a:extLst>
                     <a:ext uri="{A12FA001-AC4F-418D-AE19-62706E023703}">
                       <ahyp:hlinkClr xmlns:ahyp="http://schemas.microsoft.com/office/drawing/2018/hyperlinkcolor" val="tx"/>
@@ -4104,7 +4546,7 @@
             <a:pPr algn="ctr"/>
             <a:r>
               <a:rPr lang="en-NL" sz="1100" dirty="0"/>
-              <a:t>http://10.0.0.0</a:t>
+              <a:t>http://10.0.0.1</a:t>
             </a:r>
           </a:p>
         </p:txBody>
@@ -4171,7 +4613,7 @@
         </p:nvSpPr>
         <p:spPr>
           <a:xfrm>
-            <a:off x="6222423" y="3466718"/>
+            <a:off x="6089662" y="2967359"/>
             <a:ext cx="1629722" cy="461641"/>
           </a:xfrm>
           <a:prstGeom prst="roundRect">
@@ -4220,7 +4662,7 @@
         </p:nvSpPr>
         <p:spPr>
           <a:xfrm>
-            <a:off x="8025823" y="3466718"/>
+            <a:off x="7893062" y="2967359"/>
             <a:ext cx="783677" cy="461641"/>
           </a:xfrm>
           <a:prstGeom prst="roundRect">
@@ -4614,7 +5056,7 @@
         </p:nvSpPr>
         <p:spPr>
           <a:xfrm>
-            <a:off x="6396101" y="3898518"/>
+            <a:off x="6263340" y="3399159"/>
             <a:ext cx="1629722" cy="461641"/>
           </a:xfrm>
           <a:prstGeom prst="roundRect">
@@ -4663,7 +5105,7 @@
         </p:nvSpPr>
         <p:spPr>
           <a:xfrm>
-            <a:off x="8199501" y="3898518"/>
+            <a:off x="8066740" y="3399159"/>
             <a:ext cx="783677" cy="461641"/>
           </a:xfrm>
           <a:prstGeom prst="roundRect">
@@ -5239,8 +5681,8 @@
         </p:nvSpPr>
         <p:spPr>
           <a:xfrm>
-            <a:off x="6955848" y="2642463"/>
-            <a:ext cx="2012950" cy="612648"/>
+            <a:off x="6823087" y="2225748"/>
+            <a:ext cx="2012950" cy="530003"/>
           </a:xfrm>
           <a:prstGeom prst="wedgeEllipseCallout">
             <a:avLst>
@@ -5442,7 +5884,7 @@
         </p:nvSpPr>
         <p:spPr>
           <a:xfrm>
-            <a:off x="9487633" y="1048218"/>
+            <a:off x="9246008" y="3018704"/>
             <a:ext cx="1312222" cy="1161581"/>
           </a:xfrm>
           <a:prstGeom prst="roundRect">
@@ -5517,7 +5959,7 @@
             </a:r>
             <a:r>
               <a:rPr lang="en-GB" sz="1100" dirty="0">
-                <a:hlinkClick r:id="rId3"/>
+                <a:hlinkClick r:id="rId4"/>
               </a:rPr>
               <a:t>http://oli</a:t>
             </a:r>
@@ -5539,6 +5981,16 @@
             <a:r>
               <a:rPr lang="en-GB" sz="1100" dirty="0"/>
               <a:t>/intensity</a:t>
+            </a:r>
+          </a:p>
+          <a:p>
+            <a:pPr marL="171450" indent="-171450">
+              <a:buFont typeface="Arial" panose="020B0604020202020204" pitchFamily="34" charset="0"/>
+              <a:buChar char="•"/>
+            </a:pPr>
+            <a:r>
+              <a:rPr lang="en-GB" sz="1100" dirty="0"/>
+              <a:t>Reset to default</a:t>
             </a:r>
           </a:p>
           <a:p>
@@ -5564,7 +6016,7 @@
         </p:nvSpPr>
         <p:spPr>
           <a:xfrm>
-            <a:off x="9487633" y="2414421"/>
+            <a:off x="10676142" y="3024076"/>
             <a:ext cx="1312222" cy="1433679"/>
           </a:xfrm>
           <a:prstGeom prst="roundRect">
@@ -5664,7 +6116,7 @@
         </p:nvSpPr>
         <p:spPr>
           <a:xfrm>
-            <a:off x="9514434" y="3918888"/>
+            <a:off x="9556573" y="4573006"/>
             <a:ext cx="2514723" cy="2087379"/>
           </a:xfrm>
           <a:prstGeom prst="roundRect">
@@ -5712,7 +6164,7 @@
               <a:buChar char="•"/>
             </a:pPr>
             <a:r>
-              <a:rPr lang="en-GB" sz="1100" dirty="0"/>
+              <a:rPr lang="en-GB" sz="1100" strike="sngStrike" dirty="0"/>
               <a:t>Store data in flash</a:t>
             </a:r>
           </a:p>
@@ -5742,15 +6194,15 @@
               <a:buChar char="•"/>
             </a:pPr>
             <a:r>
-              <a:rPr lang="en-GB" sz="1100" dirty="0"/>
+              <a:rPr lang="en-GB" sz="1100" strike="sngStrike" dirty="0"/>
               <a:t>Mode AP </a:t>
             </a:r>
             <a:r>
-              <a:rPr lang="en-GB" sz="1100" dirty="0" err="1"/>
+              <a:rPr lang="en-GB" sz="1100" strike="sngStrike" dirty="0" err="1"/>
               <a:t>en</a:t>
             </a:r>
             <a:r>
-              <a:rPr lang="en-GB" sz="1100" dirty="0"/>
+              <a:rPr lang="en-GB" sz="1100" strike="sngStrike" dirty="0"/>
               <a:t> STA</a:t>
             </a:r>
           </a:p>
@@ -5774,7 +6226,7 @@
                 <a:solidFill>
                   <a:schemeClr val="bg1"/>
                 </a:solidFill>
-                <a:hlinkClick r:id="rId4">
+                <a:hlinkClick r:id="rId5">
                   <a:extLst>
                     <a:ext uri="{A12FA001-AC4F-418D-AE19-62706E023703}">
                       <ahyp:hlinkClr xmlns:ahyp="http://schemas.microsoft.com/office/drawing/2018/hyperlinkcolor" val="tx"/>
@@ -5800,7 +6252,7 @@
                 <a:solidFill>
                   <a:schemeClr val="bg1"/>
                 </a:solidFill>
-                <a:hlinkClick r:id="rId5">
+                <a:hlinkClick r:id="rId6">
                   <a:extLst>
                     <a:ext uri="{A12FA001-AC4F-418D-AE19-62706E023703}">
                       <ahyp:hlinkClr xmlns:ahyp="http://schemas.microsoft.com/office/drawing/2018/hyperlinkcolor" val="tx"/>
@@ -6181,7 +6633,7 @@
         </p:nvSpPr>
         <p:spPr>
           <a:xfrm>
-            <a:off x="7138349" y="4592956"/>
+            <a:off x="7005588" y="4093597"/>
             <a:ext cx="1630160" cy="541744"/>
           </a:xfrm>
           <a:prstGeom prst="wedgeEllipseCallout">
@@ -6248,7 +6700,7 @@
         </p:nvSpPr>
         <p:spPr>
           <a:xfrm>
-            <a:off x="11126660" y="1424185"/>
+            <a:off x="11213382" y="519893"/>
             <a:ext cx="767257" cy="280611"/>
           </a:xfrm>
           <a:prstGeom prst="roundRect">
@@ -6307,7 +6759,7 @@
         </p:nvSpPr>
         <p:spPr>
           <a:xfrm>
-            <a:off x="11139713" y="1753133"/>
+            <a:off x="11226435" y="848841"/>
             <a:ext cx="767257" cy="280611"/>
           </a:xfrm>
           <a:prstGeom prst="roundRect">
@@ -6366,7 +6818,7 @@
         </p:nvSpPr>
         <p:spPr>
           <a:xfrm>
-            <a:off x="11139713" y="2082081"/>
+            <a:off x="11226435" y="1177789"/>
             <a:ext cx="767257" cy="280611"/>
           </a:xfrm>
           <a:prstGeom prst="roundRect">
@@ -6425,7 +6877,7 @@
         </p:nvSpPr>
         <p:spPr>
           <a:xfrm>
-            <a:off x="11104246" y="1046900"/>
+            <a:off x="11190968" y="142608"/>
             <a:ext cx="838189" cy="328948"/>
           </a:xfrm>
           <a:prstGeom prst="roundRect">
@@ -6472,10 +6924,10 @@
       </p:sp>
       <p:sp>
         <p:nvSpPr>
-          <p:cNvPr id="99" name="Rounded Rectangle 98">
-            <a:extLst>
-              <a:ext uri="{FF2B5EF4-FFF2-40B4-BE49-F238E27FC236}">
-                <a16:creationId xmlns:a16="http://schemas.microsoft.com/office/drawing/2014/main" id="{CF0B40E5-FB9F-756A-C1B0-A72706E300C5}"/>
+          <p:cNvPr id="102" name="Rounded Rectangle 101">
+            <a:extLst>
+              <a:ext uri="{FF2B5EF4-FFF2-40B4-BE49-F238E27FC236}">
+                <a16:creationId xmlns:a16="http://schemas.microsoft.com/office/drawing/2014/main" id="{87A708D1-AB56-C0BD-3E2C-ED7ED4609474}"/>
               </a:ext>
             </a:extLst>
           </p:cNvPr>
@@ -6484,56 +6936,7 @@
         </p:nvSpPr>
         <p:spPr>
           <a:xfrm>
-            <a:off x="3662192" y="3465248"/>
-            <a:ext cx="2355577" cy="461641"/>
-          </a:xfrm>
-          <a:prstGeom prst="roundRect">
-            <a:avLst/>
-          </a:prstGeom>
-        </p:spPr>
-        <p:style>
-          <a:lnRef idx="2">
-            <a:schemeClr val="accent5">
-              <a:shade val="15000"/>
-            </a:schemeClr>
-          </a:lnRef>
-          <a:fillRef idx="1">
-            <a:schemeClr val="accent5"/>
-          </a:fillRef>
-          <a:effectRef idx="0">
-            <a:schemeClr val="accent5"/>
-          </a:effectRef>
-          <a:fontRef idx="minor">
-            <a:schemeClr val="lt1"/>
-          </a:fontRef>
-        </p:style>
-        <p:txBody>
-          <a:bodyPr rtlCol="0" anchor="ctr"/>
-          <a:lstStyle/>
-          <a:p>
-            <a:pPr algn="ctr"/>
-            <a:r>
-              <a:rPr lang="en-NL" sz="1100" dirty="0"/>
-              <a:t>Switch off AP mode if STA connect succeeds</a:t>
-            </a:r>
-          </a:p>
-        </p:txBody>
-      </p:sp>
-      <p:sp>
-        <p:nvSpPr>
-          <p:cNvPr id="102" name="Rounded Rectangle 101">
-            <a:extLst>
-              <a:ext uri="{FF2B5EF4-FFF2-40B4-BE49-F238E27FC236}">
-                <a16:creationId xmlns:a16="http://schemas.microsoft.com/office/drawing/2014/main" id="{87A708D1-AB56-C0BD-3E2C-ED7ED4609474}"/>
-              </a:ext>
-            </a:extLst>
-          </p:cNvPr>
-          <p:cNvSpPr/>
-          <p:nvPr/>
-        </p:nvSpPr>
-        <p:spPr>
-          <a:xfrm>
-            <a:off x="11134385" y="2444782"/>
+            <a:off x="11221107" y="1540490"/>
             <a:ext cx="767257" cy="280611"/>
           </a:xfrm>
           <a:prstGeom prst="roundRect">
@@ -6839,14 +7242,12 @@
           </p:cNvPr>
           <p:cNvCxnSpPr>
             <a:cxnSpLocks/>
-            <a:stCxn id="5" idx="1"/>
-            <a:endCxn id="5" idx="2"/>
           </p:cNvCxnSpPr>
           <p:nvPr/>
         </p:nvCxnSpPr>
         <p:spPr>
           <a:xfrm rot="10800000" flipH="1" flipV="1">
-            <a:off x="1555897" y="2863702"/>
+            <a:off x="1449241" y="2863703"/>
             <a:ext cx="538716" cy="184297"/>
           </a:xfrm>
           <a:prstGeom prst="bentConnector4">
@@ -6888,8 +7289,8 @@
         </p:nvSpPr>
         <p:spPr>
           <a:xfrm>
-            <a:off x="345335" y="3013375"/>
-            <a:ext cx="1701107" cy="738664"/>
+            <a:off x="344451" y="3088327"/>
+            <a:ext cx="1104790" cy="577081"/>
           </a:xfrm>
           <a:prstGeom prst="rect">
             <a:avLst/>
@@ -6904,15 +7305,12 @@
           <a:p>
             <a:r>
               <a:rPr lang="en-GB" sz="1050" dirty="0"/>
-              <a:t>AP=true &amp; TO &amp; </a:t>
+              <a:t>TO &amp; </a:t>
             </a:r>
             <a:r>
               <a:rPr lang="en-GB" sz="1050" dirty="0" err="1"/>
               <a:t>APchanged</a:t>
             </a:r>
-            <a:endParaRPr lang="en-GB" sz="1050" dirty="0"/>
-          </a:p>
-          <a:p>
             <a:endParaRPr lang="en-GB" sz="1050" dirty="0"/>
           </a:p>
           <a:p>
@@ -7053,8 +7451,8 @@
         </p:nvSpPr>
         <p:spPr>
           <a:xfrm>
-            <a:off x="2597242" y="2377728"/>
-            <a:ext cx="1529586" cy="738664"/>
+            <a:off x="2587805" y="2666532"/>
+            <a:ext cx="1332416" cy="415498"/>
           </a:xfrm>
           <a:prstGeom prst="rect">
             <a:avLst/>
@@ -7069,18 +7467,8 @@
           <a:p>
             <a:r>
               <a:rPr lang="en-GB" sz="1050" dirty="0"/>
-              <a:t>[TO &amp; STA credentials ||</a:t>
-            </a:r>
-            <a:br>
-              <a:rPr lang="en-GB" sz="1050" dirty="0"/>
-            </a:br>
-            <a:r>
-              <a:rPr lang="en-GB" sz="1050" dirty="0"/>
-              <a:t>STA credentials change]</a:t>
-            </a:r>
-          </a:p>
-          <a:p>
-            <a:endParaRPr lang="en-GB" sz="1050" dirty="0"/>
+              <a:t>TO &amp; STA credentials</a:t>
+            </a:r>
           </a:p>
           <a:p>
             <a:r>
@@ -7150,8 +7538,8 @@
         </p:nvSpPr>
         <p:spPr>
           <a:xfrm>
-            <a:off x="3549892" y="3498123"/>
-            <a:ext cx="1228221" cy="738664"/>
+            <a:off x="3522381" y="3512405"/>
+            <a:ext cx="1228221" cy="577081"/>
           </a:xfrm>
           <a:prstGeom prst="rect">
             <a:avLst/>
@@ -7168,9 +7556,6 @@
               <a:rPr lang="en-GB" sz="1050" dirty="0"/>
               <a:t>STA connect fails</a:t>
             </a:r>
-          </a:p>
-          <a:p>
-            <a:endParaRPr lang="en-GB" sz="1050" dirty="0"/>
           </a:p>
           <a:p>
             <a:r>
@@ -7306,8 +7691,8 @@
         </p:nvSpPr>
         <p:spPr>
           <a:xfrm>
-            <a:off x="5514755" y="2579403"/>
-            <a:ext cx="776175" cy="577081"/>
+            <a:off x="5488795" y="2484117"/>
+            <a:ext cx="780983" cy="738664"/>
           </a:xfrm>
           <a:prstGeom prst="rect">
             <a:avLst/>
@@ -7320,6 +7705,13 @@
           </a:bodyPr>
           <a:lstStyle/>
           <a:p>
+            <a:r>
+              <a:rPr lang="en-GB" sz="1050" dirty="0"/>
+              <a:t>AP=true &amp; </a:t>
+            </a:r>
+            <a:br>
+              <a:rPr lang="en-GB" sz="1050" dirty="0"/>
+            </a:br>
             <a:r>
               <a:rPr lang="en-GB" sz="1050" dirty="0"/>
               <a:t>Connected</a:t>
@@ -7451,8 +7843,8 @@
         </p:nvSpPr>
         <p:spPr>
           <a:xfrm>
-            <a:off x="7657207" y="2573079"/>
-            <a:ext cx="1004775" cy="738664"/>
+            <a:off x="7619085" y="2645267"/>
+            <a:ext cx="1004775" cy="577081"/>
           </a:xfrm>
           <a:prstGeom prst="rect">
             <a:avLst/>
@@ -7467,11 +7859,8 @@
           <a:p>
             <a:r>
               <a:rPr lang="en-GB" sz="1050" dirty="0"/>
-              <a:t>STA=true &amp;TO</a:t>
-            </a:r>
-          </a:p>
-          <a:p>
-            <a:endParaRPr lang="en-GB" sz="1050" dirty="0"/>
+              <a:t>TO &amp; STA=true</a:t>
+            </a:r>
           </a:p>
           <a:p>
             <a:r>
@@ -7593,7 +7982,7 @@
           <a:prstGeom prst="bentConnector4">
             <a:avLst>
               <a:gd name="adj1" fmla="val -4574"/>
-              <a:gd name="adj2" fmla="val 415944"/>
+              <a:gd name="adj2" fmla="val 447001"/>
             </a:avLst>
           </a:prstGeom>
           <a:ln w="38100">
@@ -7629,8 +8018,8 @@
         </p:nvSpPr>
         <p:spPr>
           <a:xfrm>
-            <a:off x="5293364" y="3498123"/>
-            <a:ext cx="1718927" cy="1223412"/>
+            <a:off x="5089510" y="3666054"/>
+            <a:ext cx="1718927" cy="1061829"/>
           </a:xfrm>
           <a:prstGeom prst="rect">
             <a:avLst/>
@@ -7645,20 +8034,13 @@
           <a:p>
             <a:r>
               <a:rPr lang="en-GB" sz="1050" dirty="0"/>
-              <a:t>STA=true &amp;&amp;</a:t>
+              <a:t>[STA Connect lost || </a:t>
             </a:r>
             <a:br>
               <a:rPr lang="en-GB" sz="1050" dirty="0"/>
             </a:br>
             <a:r>
               <a:rPr lang="en-GB" sz="1050" dirty="0"/>
-              <a:t>[STA Connect lost || </a:t>
-            </a:r>
-            <a:br>
-              <a:rPr lang="en-GB" sz="1050" dirty="0"/>
-            </a:br>
-            <a:r>
-              <a:rPr lang="en-GB" sz="1050" dirty="0"/>
               <a:t>STA credentials change]</a:t>
             </a:r>
           </a:p>
@@ -7698,14 +8080,12 @@
           </p:cNvPr>
           <p:cNvCxnSpPr>
             <a:cxnSpLocks/>
-            <a:stCxn id="39" idx="2"/>
-            <a:endCxn id="21" idx="2"/>
           </p:cNvCxnSpPr>
           <p:nvPr/>
         </p:nvCxnSpPr>
         <p:spPr>
           <a:xfrm rot="5400000">
-            <a:off x="5922313" y="2016003"/>
+            <a:off x="6032262" y="2009625"/>
             <a:ext cx="3584" cy="2264731"/>
           </a:xfrm>
           <a:prstGeom prst="bentConnector3">
@@ -7789,8 +8169,8 @@
         </p:nvSpPr>
         <p:spPr>
           <a:xfrm>
-            <a:off x="3593173" y="1073724"/>
-            <a:ext cx="1024639" cy="738664"/>
+            <a:off x="3877049" y="991612"/>
+            <a:ext cx="1024639" cy="1061829"/>
           </a:xfrm>
           <a:prstGeom prst="rect">
             <a:avLst/>
@@ -7815,21 +8195,2706 @@
             </a:r>
           </a:p>
           <a:p>
-            <a:endParaRPr lang="en-GB" sz="1050" dirty="0"/>
-          </a:p>
-          <a:p>
             <a:r>
               <a:rPr lang="en-GB" sz="1050" dirty="0"/>
               <a:t>STA credentials</a:t>
             </a:r>
+          </a:p>
+          <a:p>
+            <a:r>
+              <a:rPr lang="en-GB" sz="1050" dirty="0" err="1"/>
+              <a:t>startAP</a:t>
+            </a:r>
+            <a:endParaRPr lang="en-GB" sz="1050" dirty="0"/>
+          </a:p>
+          <a:p>
+            <a:r>
+              <a:rPr lang="en-GB" sz="1050" dirty="0"/>
+              <a:t>AP=true</a:t>
+            </a:r>
+          </a:p>
+          <a:p>
+            <a:r>
+              <a:rPr lang="en-GB" sz="1050" dirty="0" err="1"/>
+              <a:t>startSTA</a:t>
+            </a:r>
             <a:endParaRPr lang="en-NL" sz="1050" dirty="0"/>
           </a:p>
         </p:txBody>
       </p:sp>
+      <p:cxnSp>
+        <p:nvCxnSpPr>
+          <p:cNvPr id="134" name="Elbow Connector 133">
+            <a:extLst>
+              <a:ext uri="{FF2B5EF4-FFF2-40B4-BE49-F238E27FC236}">
+                <a16:creationId xmlns:a16="http://schemas.microsoft.com/office/drawing/2014/main" id="{7FE412AE-07C7-A5F4-DB60-98C0DCBD7DD8}"/>
+              </a:ext>
+            </a:extLst>
+          </p:cNvPr>
+          <p:cNvCxnSpPr>
+            <a:cxnSpLocks/>
+          </p:cNvCxnSpPr>
+          <p:nvPr/>
+        </p:nvCxnSpPr>
+        <p:spPr>
+          <a:xfrm rot="5400000" flipH="1" flipV="1">
+            <a:off x="3405564" y="1644327"/>
+            <a:ext cx="12700" cy="1915309"/>
+          </a:xfrm>
+          <a:prstGeom prst="bentConnector3">
+            <a:avLst>
+              <a:gd name="adj1" fmla="val 3530228"/>
+            </a:avLst>
+          </a:prstGeom>
+          <a:ln w="38100">
+            <a:tailEnd type="triangle"/>
+          </a:ln>
+        </p:spPr>
+        <p:style>
+          <a:lnRef idx="1">
+            <a:schemeClr val="accent1"/>
+          </a:lnRef>
+          <a:fillRef idx="0">
+            <a:schemeClr val="accent1"/>
+          </a:fillRef>
+          <a:effectRef idx="0">
+            <a:schemeClr val="accent1"/>
+          </a:effectRef>
+          <a:fontRef idx="minor">
+            <a:schemeClr val="tx1"/>
+          </a:fontRef>
+        </p:style>
+      </p:cxnSp>
+      <p:sp>
+        <p:nvSpPr>
+          <p:cNvPr id="141" name="TextBox 140">
+            <a:extLst>
+              <a:ext uri="{FF2B5EF4-FFF2-40B4-BE49-F238E27FC236}">
+                <a16:creationId xmlns:a16="http://schemas.microsoft.com/office/drawing/2014/main" id="{729B7C11-C9BF-4A65-578C-6B8BB04DA02F}"/>
+              </a:ext>
+            </a:extLst>
+          </p:cNvPr>
+          <p:cNvSpPr txBox="1"/>
+          <p:nvPr/>
+        </p:nvSpPr>
+        <p:spPr>
+          <a:xfrm>
+            <a:off x="2787497" y="1771811"/>
+            <a:ext cx="1039067" cy="577081"/>
+          </a:xfrm>
+          <a:prstGeom prst="rect">
+            <a:avLst/>
+          </a:prstGeom>
+          <a:noFill/>
+        </p:spPr>
+        <p:txBody>
+          <a:bodyPr wrap="none" rtlCol="0">
+            <a:spAutoFit/>
+          </a:bodyPr>
+          <a:lstStyle/>
+          <a:p>
+            <a:r>
+              <a:rPr lang="en-GB" sz="1050" dirty="0"/>
+              <a:t>STA credentials</a:t>
+            </a:r>
+          </a:p>
+          <a:p>
+            <a:r>
+              <a:rPr lang="en-GB" sz="1050" dirty="0"/>
+              <a:t> &amp; </a:t>
+            </a:r>
+            <a:r>
+              <a:rPr lang="en-GB" sz="1050" dirty="0" err="1"/>
+              <a:t>STAchanged</a:t>
+            </a:r>
+            <a:endParaRPr lang="en-GB" sz="1050" dirty="0"/>
+          </a:p>
+          <a:p>
+            <a:r>
+              <a:rPr lang="en-GB" sz="1050" dirty="0" err="1"/>
+              <a:t>startSTA</a:t>
+            </a:r>
+            <a:endParaRPr lang="en-GB" sz="1050" dirty="0"/>
+          </a:p>
+        </p:txBody>
+      </p:sp>
+      <p:cxnSp>
+        <p:nvCxnSpPr>
+          <p:cNvPr id="166" name="Straight Connector 165">
+            <a:extLst>
+              <a:ext uri="{FF2B5EF4-FFF2-40B4-BE49-F238E27FC236}">
+                <a16:creationId xmlns:a16="http://schemas.microsoft.com/office/drawing/2014/main" id="{B7432EC8-FD1A-BF8A-457F-2A230B630B6D}"/>
+              </a:ext>
+            </a:extLst>
+          </p:cNvPr>
+          <p:cNvCxnSpPr>
+            <a:cxnSpLocks/>
+          </p:cNvCxnSpPr>
+          <p:nvPr/>
+        </p:nvCxnSpPr>
+        <p:spPr>
+          <a:xfrm>
+            <a:off x="5227813" y="1736183"/>
+            <a:ext cx="3621691" cy="0"/>
+          </a:xfrm>
+          <a:prstGeom prst="line">
+            <a:avLst/>
+          </a:prstGeom>
+          <a:ln w="38100"/>
+        </p:spPr>
+        <p:style>
+          <a:lnRef idx="1">
+            <a:schemeClr val="accent1"/>
+          </a:lnRef>
+          <a:fillRef idx="0">
+            <a:schemeClr val="accent1"/>
+          </a:fillRef>
+          <a:effectRef idx="0">
+            <a:schemeClr val="accent1"/>
+          </a:effectRef>
+          <a:fontRef idx="minor">
+            <a:schemeClr val="tx1"/>
+          </a:fontRef>
+        </p:style>
+      </p:cxnSp>
+      <p:cxnSp>
+        <p:nvCxnSpPr>
+          <p:cNvPr id="167" name="Straight Connector 166">
+            <a:extLst>
+              <a:ext uri="{FF2B5EF4-FFF2-40B4-BE49-F238E27FC236}">
+                <a16:creationId xmlns:a16="http://schemas.microsoft.com/office/drawing/2014/main" id="{91D87749-D72E-778B-6DD2-C61C88E7E8B8}"/>
+              </a:ext>
+            </a:extLst>
+          </p:cNvPr>
+          <p:cNvCxnSpPr>
+            <a:cxnSpLocks/>
+          </p:cNvCxnSpPr>
+          <p:nvPr/>
+        </p:nvCxnSpPr>
+        <p:spPr>
+          <a:xfrm flipV="1">
+            <a:off x="5217042" y="1736183"/>
+            <a:ext cx="21542" cy="828726"/>
+          </a:xfrm>
+          <a:prstGeom prst="line">
+            <a:avLst/>
+          </a:prstGeom>
+          <a:ln w="38100"/>
+        </p:spPr>
+        <p:style>
+          <a:lnRef idx="1">
+            <a:schemeClr val="accent1"/>
+          </a:lnRef>
+          <a:fillRef idx="0">
+            <a:schemeClr val="accent1"/>
+          </a:fillRef>
+          <a:effectRef idx="0">
+            <a:schemeClr val="accent1"/>
+          </a:effectRef>
+          <a:fontRef idx="minor">
+            <a:schemeClr val="tx1"/>
+          </a:fontRef>
+        </p:style>
+      </p:cxnSp>
+      <p:cxnSp>
+        <p:nvCxnSpPr>
+          <p:cNvPr id="171" name="Straight Connector 170">
+            <a:extLst>
+              <a:ext uri="{FF2B5EF4-FFF2-40B4-BE49-F238E27FC236}">
+                <a16:creationId xmlns:a16="http://schemas.microsoft.com/office/drawing/2014/main" id="{63DD7D1F-3B87-E6E3-792D-16987E00F71E}"/>
+              </a:ext>
+            </a:extLst>
+          </p:cNvPr>
+          <p:cNvCxnSpPr>
+            <a:cxnSpLocks/>
+          </p:cNvCxnSpPr>
+          <p:nvPr/>
+        </p:nvCxnSpPr>
+        <p:spPr>
+          <a:xfrm flipV="1">
+            <a:off x="8827962" y="1740930"/>
+            <a:ext cx="21542" cy="828726"/>
+          </a:xfrm>
+          <a:prstGeom prst="line">
+            <a:avLst/>
+          </a:prstGeom>
+          <a:ln w="38100">
+            <a:headEnd type="triangle"/>
+          </a:ln>
+        </p:spPr>
+        <p:style>
+          <a:lnRef idx="1">
+            <a:schemeClr val="accent1"/>
+          </a:lnRef>
+          <a:fillRef idx="0">
+            <a:schemeClr val="accent1"/>
+          </a:fillRef>
+          <a:effectRef idx="0">
+            <a:schemeClr val="accent1"/>
+          </a:effectRef>
+          <a:fontRef idx="minor">
+            <a:schemeClr val="tx1"/>
+          </a:fontRef>
+        </p:style>
+      </p:cxnSp>
+      <p:sp>
+        <p:nvSpPr>
+          <p:cNvPr id="173" name="TextBox 172">
+            <a:extLst>
+              <a:ext uri="{FF2B5EF4-FFF2-40B4-BE49-F238E27FC236}">
+                <a16:creationId xmlns:a16="http://schemas.microsoft.com/office/drawing/2014/main" id="{142B55EB-169B-08C6-DFDC-4CF041178FEF}"/>
+              </a:ext>
+            </a:extLst>
+          </p:cNvPr>
+          <p:cNvSpPr txBox="1"/>
+          <p:nvPr/>
+        </p:nvSpPr>
+        <p:spPr>
+          <a:xfrm>
+            <a:off x="5319736" y="1528489"/>
+            <a:ext cx="1399742" cy="415498"/>
+          </a:xfrm>
+          <a:prstGeom prst="rect">
+            <a:avLst/>
+          </a:prstGeom>
+          <a:noFill/>
+        </p:spPr>
+        <p:txBody>
+          <a:bodyPr wrap="none" rtlCol="0">
+            <a:spAutoFit/>
+          </a:bodyPr>
+          <a:lstStyle/>
+          <a:p>
+            <a:r>
+              <a:rPr lang="en-GB" sz="1050" dirty="0"/>
+              <a:t>AP=false &amp; Connected</a:t>
+            </a:r>
+          </a:p>
+          <a:p>
+            <a:r>
+              <a:rPr lang="en-GB" sz="1050" dirty="0"/>
+              <a:t>STA=true</a:t>
+            </a:r>
+          </a:p>
+        </p:txBody>
+      </p:sp>
+      <p:cxnSp>
+        <p:nvCxnSpPr>
+          <p:cNvPr id="177" name="Straight Connector 176">
+            <a:extLst>
+              <a:ext uri="{FF2B5EF4-FFF2-40B4-BE49-F238E27FC236}">
+                <a16:creationId xmlns:a16="http://schemas.microsoft.com/office/drawing/2014/main" id="{CED64789-E165-191E-C9A6-A32D1D686784}"/>
+              </a:ext>
+            </a:extLst>
+          </p:cNvPr>
+          <p:cNvCxnSpPr>
+            <a:cxnSpLocks/>
+            <a:endCxn id="5" idx="1"/>
+          </p:cNvCxnSpPr>
+          <p:nvPr/>
+        </p:nvCxnSpPr>
+        <p:spPr>
+          <a:xfrm>
+            <a:off x="1421613" y="2863703"/>
+            <a:ext cx="134284" cy="0"/>
+          </a:xfrm>
+          <a:prstGeom prst="line">
+            <a:avLst/>
+          </a:prstGeom>
+          <a:ln w="38100"/>
+        </p:spPr>
+        <p:style>
+          <a:lnRef idx="1">
+            <a:schemeClr val="accent1"/>
+          </a:lnRef>
+          <a:fillRef idx="0">
+            <a:schemeClr val="accent1"/>
+          </a:fillRef>
+          <a:effectRef idx="0">
+            <a:schemeClr val="accent1"/>
+          </a:effectRef>
+          <a:fontRef idx="minor">
+            <a:schemeClr val="tx1"/>
+          </a:fontRef>
+        </p:style>
+      </p:cxnSp>
+      <p:cxnSp>
+        <p:nvCxnSpPr>
+          <p:cNvPr id="181" name="Straight Connector 180">
+            <a:extLst>
+              <a:ext uri="{FF2B5EF4-FFF2-40B4-BE49-F238E27FC236}">
+                <a16:creationId xmlns:a16="http://schemas.microsoft.com/office/drawing/2014/main" id="{58489CA3-A69B-E723-F5D4-286069816DCC}"/>
+              </a:ext>
+            </a:extLst>
+          </p:cNvPr>
+          <p:cNvCxnSpPr>
+            <a:cxnSpLocks/>
+          </p:cNvCxnSpPr>
+          <p:nvPr/>
+        </p:nvCxnSpPr>
+        <p:spPr>
+          <a:xfrm>
+            <a:off x="2454259" y="2595631"/>
+            <a:ext cx="0" cy="90124"/>
+          </a:xfrm>
+          <a:prstGeom prst="line">
+            <a:avLst/>
+          </a:prstGeom>
+          <a:ln w="38100"/>
+        </p:spPr>
+        <p:style>
+          <a:lnRef idx="1">
+            <a:schemeClr val="accent1"/>
+          </a:lnRef>
+          <a:fillRef idx="0">
+            <a:schemeClr val="accent1"/>
+          </a:fillRef>
+          <a:effectRef idx="0">
+            <a:schemeClr val="accent1"/>
+          </a:effectRef>
+          <a:fontRef idx="minor">
+            <a:schemeClr val="tx1"/>
+          </a:fontRef>
+        </p:style>
+      </p:cxnSp>
     </p:spTree>
     <p:extLst>
       <p:ext uri="{BB962C8B-B14F-4D97-AF65-F5344CB8AC3E}">
         <p14:creationId xmlns:p14="http://schemas.microsoft.com/office/powerpoint/2010/main" val="3118492507"/>
+      </p:ext>
+    </p:extLst>
+  </p:cSld>
+  <p:clrMapOvr>
+    <a:masterClrMapping/>
+  </p:clrMapOvr>
+</p:sld>
+</file>
+
+<file path=ppt/slides/slide3.xml><?xml version="1.0" encoding="utf-8"?>
+<p:sld xmlns:a="http://schemas.openxmlformats.org/drawingml/2006/main" xmlns:r="http://schemas.openxmlformats.org/officeDocument/2006/relationships" xmlns:p="http://schemas.openxmlformats.org/presentationml/2006/main">
+  <p:cSld>
+    <p:spTree>
+      <p:nvGrpSpPr>
+        <p:cNvPr id="1" name=""/>
+        <p:cNvGrpSpPr/>
+        <p:nvPr/>
+      </p:nvGrpSpPr>
+      <p:grpSpPr>
+        <a:xfrm>
+          <a:off x="0" y="0"/>
+          <a:ext cx="0" cy="0"/>
+          <a:chOff x="0" y="0"/>
+          <a:chExt cx="0" cy="0"/>
+        </a:xfrm>
+      </p:grpSpPr>
+      <p:sp>
+        <p:nvSpPr>
+          <p:cNvPr id="2" name="Title 1">
+            <a:extLst>
+              <a:ext uri="{FF2B5EF4-FFF2-40B4-BE49-F238E27FC236}">
+                <a16:creationId xmlns:a16="http://schemas.microsoft.com/office/drawing/2014/main" id="{034C64BF-CAA1-4BC9-B6E3-53EF9B1BB125}"/>
+              </a:ext>
+            </a:extLst>
+          </p:cNvPr>
+          <p:cNvSpPr>
+            <a:spLocks noGrp="1"/>
+          </p:cNvSpPr>
+          <p:nvPr>
+            <p:ph type="title"/>
+          </p:nvPr>
+        </p:nvSpPr>
+        <p:spPr/>
+        <p:txBody>
+          <a:bodyPr/>
+          <a:lstStyle/>
+          <a:p>
+            <a:r>
+              <a:rPr lang="en-NL" dirty="0"/>
+              <a:t>How to get the correct time?</a:t>
+            </a:r>
+          </a:p>
+        </p:txBody>
+      </p:sp>
+      <p:sp>
+        <p:nvSpPr>
+          <p:cNvPr id="3" name="Content Placeholder 2">
+            <a:extLst>
+              <a:ext uri="{FF2B5EF4-FFF2-40B4-BE49-F238E27FC236}">
+                <a16:creationId xmlns:a16="http://schemas.microsoft.com/office/drawing/2014/main" id="{C45248CA-CAC1-DC1F-BD7F-A9916F443C03}"/>
+              </a:ext>
+            </a:extLst>
+          </p:cNvPr>
+          <p:cNvSpPr>
+            <a:spLocks noGrp="1"/>
+          </p:cNvSpPr>
+          <p:nvPr>
+            <p:ph idx="1"/>
+          </p:nvPr>
+        </p:nvSpPr>
+        <p:spPr/>
+        <p:txBody>
+          <a:bodyPr>
+            <a:normAutofit fontScale="47500" lnSpcReduction="20000"/>
+          </a:bodyPr>
+          <a:lstStyle/>
+          <a:p>
+            <a:r>
+              <a:rPr lang="en-NL" dirty="0"/>
+              <a:t>Arduino interne tijd is niet accuraat </a:t>
+            </a:r>
+            <a:r>
+              <a:rPr lang="en-NL" dirty="0">
+                <a:sym typeface="Wingdings" pitchFamily="2" charset="2"/>
+              </a:rPr>
+              <a:t> gebruik RTC </a:t>
+            </a:r>
+            <a:r>
+              <a:rPr lang="en-NL" dirty="0"/>
+              <a:t>en </a:t>
+            </a:r>
+            <a:br>
+              <a:rPr lang="en-NL" dirty="0"/>
+            </a:br>
+            <a:r>
+              <a:rPr lang="en-NL" dirty="0"/>
+              <a:t>sync Arduino iedere 5 minuten met de RTC (</a:t>
+            </a:r>
+            <a:r>
+              <a:rPr lang="en-GB" dirty="0">
+                <a:hlinkClick r:id="rId2"/>
+              </a:rPr>
+              <a:t>https://github.com/PaulStoffregen/Time</a:t>
+            </a:r>
+            <a:r>
+              <a:rPr lang="en-GB" dirty="0"/>
+              <a:t>)</a:t>
+            </a:r>
+            <a:endParaRPr lang="en-NL" dirty="0"/>
+          </a:p>
+          <a:p>
+            <a:r>
+              <a:rPr lang="en-NL" dirty="0"/>
+              <a:t>Zet alle tijd sources in UTC tijd (RTC en NTP)</a:t>
+            </a:r>
+          </a:p>
+          <a:p>
+            <a:r>
+              <a:rPr lang="en-NL" dirty="0"/>
+              <a:t>Gebruik de TZ library voor zomertijd aanpassing (</a:t>
+            </a:r>
+            <a:r>
+              <a:rPr lang="en-GB" b="0" i="0" u="sng" dirty="0">
+                <a:effectLst/>
+                <a:latin typeface="-apple-system"/>
+                <a:hlinkClick r:id="rId3"/>
+              </a:rPr>
+              <a:t>https://github.com/JChristensen/Timezone</a:t>
+            </a:r>
+            <a:r>
+              <a:rPr lang="en-GB" b="0" i="0" u="sng" dirty="0">
+                <a:effectLst/>
+                <a:latin typeface="-apple-system"/>
+              </a:rPr>
+              <a:t>)</a:t>
+            </a:r>
+            <a:endParaRPr lang="en-NL" dirty="0"/>
+          </a:p>
+          <a:p>
+            <a:pPr marL="0" indent="0">
+              <a:buNone/>
+            </a:pPr>
+            <a:endParaRPr lang="en-NL" dirty="0"/>
+          </a:p>
+          <a:p>
+            <a:r>
+              <a:rPr lang="en-NL" b="1" dirty="0"/>
+              <a:t>WiFi not connected </a:t>
+            </a:r>
+            <a:r>
+              <a:rPr lang="en-NL" dirty="0">
+                <a:sym typeface="Wingdings" pitchFamily="2" charset="2"/>
+              </a:rPr>
+              <a:t> g</a:t>
+            </a:r>
+            <a:r>
+              <a:rPr lang="en-NL" dirty="0"/>
+              <a:t>ebruik de UTC tijd van de RTC</a:t>
+            </a:r>
+          </a:p>
+          <a:p>
+            <a:r>
+              <a:rPr lang="en-NL" b="1" dirty="0"/>
+              <a:t>WiFi connected </a:t>
+            </a:r>
+            <a:r>
+              <a:rPr lang="en-NL" dirty="0">
+                <a:sym typeface="Wingdings" pitchFamily="2" charset="2"/>
+              </a:rPr>
+              <a:t> start NTP en vraag om de </a:t>
+            </a:r>
+            <a:r>
+              <a:rPr lang="en-NL" i="1" u="sng" dirty="0">
+                <a:sym typeface="Wingdings" pitchFamily="2" charset="2"/>
+              </a:rPr>
+              <a:t>UTC Tijd</a:t>
+            </a:r>
+          </a:p>
+          <a:p>
+            <a:pPr lvl="1"/>
+            <a:r>
+              <a:rPr lang="en-GB" dirty="0">
+                <a:sym typeface="Wingdings" pitchFamily="2" charset="2"/>
+              </a:rPr>
+              <a:t>If NTP time is available: 	I</a:t>
+            </a:r>
+            <a:r>
+              <a:rPr lang="en-NL" dirty="0">
+                <a:sym typeface="Wingdings" pitchFamily="2" charset="2"/>
+              </a:rPr>
+              <a:t>f RTC != NTP  update RTC</a:t>
+            </a:r>
+          </a:p>
+          <a:p>
+            <a:pPr lvl="1"/>
+            <a:endParaRPr lang="en-NL" dirty="0">
+              <a:sym typeface="Wingdings" pitchFamily="2" charset="2"/>
+            </a:endParaRPr>
+          </a:p>
+          <a:p>
+            <a:r>
+              <a:rPr lang="en-NL" b="1" dirty="0">
+                <a:sym typeface="Wingdings" pitchFamily="2" charset="2"/>
+              </a:rPr>
+              <a:t>Config</a:t>
+            </a:r>
+          </a:p>
+          <a:p>
+            <a:pPr lvl="1"/>
+            <a:r>
+              <a:rPr lang="en-GB" dirty="0">
+                <a:sym typeface="Wingdings" pitchFamily="2" charset="2"/>
+              </a:rPr>
+              <a:t>2 </a:t>
+            </a:r>
+            <a:r>
+              <a:rPr lang="en-GB" dirty="0" err="1">
+                <a:sym typeface="Wingdings" pitchFamily="2" charset="2"/>
+              </a:rPr>
+              <a:t>TijdZone</a:t>
+            </a:r>
+            <a:r>
+              <a:rPr lang="en-GB" dirty="0">
+                <a:sym typeface="Wingdings" pitchFamily="2" charset="2"/>
+              </a:rPr>
+              <a:t> regels in de </a:t>
+            </a:r>
+            <a:r>
+              <a:rPr lang="en-GB" dirty="0" err="1">
+                <a:sym typeface="Wingdings" pitchFamily="2" charset="2"/>
+              </a:rPr>
+              <a:t>vorm</a:t>
+            </a:r>
+            <a:r>
+              <a:rPr lang="en-GB" dirty="0">
+                <a:sym typeface="Wingdings" pitchFamily="2" charset="2"/>
+              </a:rPr>
+              <a:t> “abbrev”, week, day, month, hour, offset</a:t>
+            </a:r>
+          </a:p>
+          <a:p>
+            <a:pPr lvl="2"/>
+            <a:r>
+              <a:rPr lang="en-GB" dirty="0">
+                <a:sym typeface="Wingdings" pitchFamily="2" charset="2"/>
+              </a:rPr>
+              <a:t>abbrev[6];    // five chars max</a:t>
+            </a:r>
+          </a:p>
+          <a:p>
+            <a:pPr lvl="2"/>
+            <a:r>
+              <a:rPr lang="en-GB" dirty="0">
+                <a:sym typeface="Wingdings" pitchFamily="2" charset="2"/>
+              </a:rPr>
+              <a:t>week;      // First, Second, Third, Fourth, or Last week of the month</a:t>
+            </a:r>
+          </a:p>
+          <a:p>
+            <a:pPr lvl="2"/>
+            <a:r>
+              <a:rPr lang="en-GB" dirty="0" err="1">
+                <a:sym typeface="Wingdings" pitchFamily="2" charset="2"/>
+              </a:rPr>
+              <a:t>dow</a:t>
+            </a:r>
+            <a:r>
+              <a:rPr lang="en-GB" dirty="0">
+                <a:sym typeface="Wingdings" pitchFamily="2" charset="2"/>
+              </a:rPr>
+              <a:t>;       // day of week, 1=Sun, 2=Mon, ... 7=Sat</a:t>
+            </a:r>
+          </a:p>
+          <a:p>
+            <a:pPr lvl="2"/>
+            <a:r>
+              <a:rPr lang="en-GB" dirty="0">
+                <a:sym typeface="Wingdings" pitchFamily="2" charset="2"/>
+              </a:rPr>
+              <a:t>month;     // 1=Jan, 2=Feb, ... 12=Dec</a:t>
+            </a:r>
+          </a:p>
+          <a:p>
+            <a:pPr lvl="2"/>
+            <a:r>
+              <a:rPr lang="en-GB" dirty="0">
+                <a:sym typeface="Wingdings" pitchFamily="2" charset="2"/>
+              </a:rPr>
+              <a:t>hour;      // 0-23</a:t>
+            </a:r>
+          </a:p>
+          <a:p>
+            <a:pPr lvl="2"/>
+            <a:r>
+              <a:rPr lang="en-GB" dirty="0">
+                <a:sym typeface="Wingdings" pitchFamily="2" charset="2"/>
+              </a:rPr>
+              <a:t>offset;        // offset from UTC in minutes</a:t>
+            </a:r>
+          </a:p>
+          <a:p>
+            <a:pPr lvl="1"/>
+            <a:r>
+              <a:rPr lang="en-GB" dirty="0" err="1">
+                <a:sym typeface="Wingdings" pitchFamily="2" charset="2"/>
+              </a:rPr>
+              <a:t>Voor</a:t>
+            </a:r>
+            <a:r>
+              <a:rPr lang="en-GB" dirty="0">
+                <a:sym typeface="Wingdings" pitchFamily="2" charset="2"/>
+              </a:rPr>
+              <a:t> Amsterdam:</a:t>
+            </a:r>
+          </a:p>
+          <a:p>
+            <a:pPr lvl="2"/>
+            <a:r>
+              <a:rPr lang="en-GB" dirty="0">
+                <a:effectLst/>
+              </a:rPr>
+              <a:t>”AMS-Zo"</a:t>
+            </a:r>
+            <a:r>
+              <a:rPr lang="en-GB" dirty="0"/>
+              <a:t>, Last, Sun, Mar, </a:t>
+            </a:r>
+            <a:r>
+              <a:rPr lang="en-GB" dirty="0">
+                <a:effectLst/>
+              </a:rPr>
+              <a:t>2</a:t>
+            </a:r>
+            <a:r>
+              <a:rPr lang="en-GB" dirty="0"/>
+              <a:t>, +60	Daylight saving time</a:t>
+            </a:r>
+          </a:p>
+          <a:p>
+            <a:pPr lvl="2"/>
+            <a:r>
+              <a:rPr lang="en-GB" dirty="0">
+                <a:effectLst/>
+              </a:rPr>
+              <a:t>”AMS-Wi"</a:t>
+            </a:r>
+            <a:r>
+              <a:rPr lang="en-GB" dirty="0"/>
+              <a:t>, Last, Sun, Oct, 3, -60   	Standard time</a:t>
+            </a:r>
+            <a:endParaRPr lang="en-GB" dirty="0">
+              <a:sym typeface="Wingdings" pitchFamily="2" charset="2"/>
+            </a:endParaRPr>
+          </a:p>
+          <a:p>
+            <a:pPr lvl="1"/>
+            <a:r>
+              <a:rPr lang="en-NL" dirty="0">
+                <a:sym typeface="Wingdings" pitchFamily="2" charset="2"/>
+              </a:rPr>
+              <a:t>Huidige datum en tijd voor de RTC: [</a:t>
+            </a:r>
+            <a:r>
+              <a:rPr lang="en-GB" dirty="0">
+                <a:sym typeface="Wingdings" pitchFamily="2" charset="2"/>
+              </a:rPr>
+              <a:t>Y</a:t>
+            </a:r>
+            <a:r>
+              <a:rPr lang="en-NL" dirty="0">
+                <a:sym typeface="Wingdings" pitchFamily="2" charset="2"/>
+              </a:rPr>
+              <a:t>ear, month, day, hour, minute]</a:t>
+            </a:r>
+          </a:p>
+        </p:txBody>
+      </p:sp>
+    </p:spTree>
+    <p:extLst>
+      <p:ext uri="{BB962C8B-B14F-4D97-AF65-F5344CB8AC3E}">
+        <p14:creationId xmlns:p14="http://schemas.microsoft.com/office/powerpoint/2010/main" val="3277620660"/>
+      </p:ext>
+    </p:extLst>
+  </p:cSld>
+  <p:clrMapOvr>
+    <a:masterClrMapping/>
+  </p:clrMapOvr>
+</p:sld>
+</file>
+
+<file path=ppt/slides/slide4.xml><?xml version="1.0" encoding="utf-8"?>
+<p:sld xmlns:a="http://schemas.openxmlformats.org/drawingml/2006/main" xmlns:r="http://schemas.openxmlformats.org/officeDocument/2006/relationships" xmlns:p="http://schemas.openxmlformats.org/presentationml/2006/main">
+  <p:cSld>
+    <p:spTree>
+      <p:nvGrpSpPr>
+        <p:cNvPr id="1" name=""/>
+        <p:cNvGrpSpPr/>
+        <p:nvPr/>
+      </p:nvGrpSpPr>
+      <p:grpSpPr>
+        <a:xfrm>
+          <a:off x="0" y="0"/>
+          <a:ext cx="0" cy="0"/>
+          <a:chOff x="0" y="0"/>
+          <a:chExt cx="0" cy="0"/>
+        </a:xfrm>
+      </p:grpSpPr>
+      <p:sp>
+        <p:nvSpPr>
+          <p:cNvPr id="2" name="Title 1">
+            <a:extLst>
+              <a:ext uri="{FF2B5EF4-FFF2-40B4-BE49-F238E27FC236}">
+                <a16:creationId xmlns:a16="http://schemas.microsoft.com/office/drawing/2014/main" id="{84576E15-5C11-6104-D505-BC430D56E2C9}"/>
+              </a:ext>
+            </a:extLst>
+          </p:cNvPr>
+          <p:cNvSpPr>
+            <a:spLocks noGrp="1"/>
+          </p:cNvSpPr>
+          <p:nvPr>
+            <p:ph type="title"/>
+          </p:nvPr>
+        </p:nvSpPr>
+        <p:spPr/>
+        <p:txBody>
+          <a:bodyPr/>
+          <a:lstStyle/>
+          <a:p>
+            <a:r>
+              <a:rPr lang="en-NL" dirty="0"/>
+              <a:t>Time (2)</a:t>
+            </a:r>
+          </a:p>
+        </p:txBody>
+      </p:sp>
+      <p:sp>
+        <p:nvSpPr>
+          <p:cNvPr id="3" name="Content Placeholder 2">
+            <a:extLst>
+              <a:ext uri="{FF2B5EF4-FFF2-40B4-BE49-F238E27FC236}">
+                <a16:creationId xmlns:a16="http://schemas.microsoft.com/office/drawing/2014/main" id="{D17133DA-C0CA-6A94-FAC4-76F341843E5F}"/>
+              </a:ext>
+            </a:extLst>
+          </p:cNvPr>
+          <p:cNvSpPr>
+            <a:spLocks noGrp="1"/>
+          </p:cNvSpPr>
+          <p:nvPr>
+            <p:ph idx="1"/>
+          </p:nvPr>
+        </p:nvSpPr>
+        <p:spPr/>
+        <p:txBody>
+          <a:bodyPr>
+            <a:normAutofit/>
+          </a:bodyPr>
+          <a:lstStyle/>
+          <a:p>
+            <a:r>
+              <a:rPr lang="en-NL" dirty="0"/>
+              <a:t>Always focus on </a:t>
+            </a:r>
+            <a:r>
+              <a:rPr lang="en-GB" b="0" i="0" u="none" strike="noStrike" dirty="0">
+                <a:solidFill>
+                  <a:srgbClr val="454545"/>
+                </a:solidFill>
+                <a:effectLst/>
+                <a:latin typeface="Helvetica" pitchFamily="2" charset="0"/>
+              </a:rPr>
+              <a:t>Coordinated Universal Time (UTC)</a:t>
+            </a:r>
+            <a:endParaRPr lang="en-GB" dirty="0">
+              <a:solidFill>
+                <a:srgbClr val="454545"/>
+              </a:solidFill>
+              <a:latin typeface="Helvetica" pitchFamily="2" charset="0"/>
+            </a:endParaRPr>
+          </a:p>
+          <a:p>
+            <a:pPr lvl="1"/>
+            <a:r>
+              <a:rPr lang="en-GB" dirty="0">
+                <a:solidFill>
+                  <a:srgbClr val="454545"/>
+                </a:solidFill>
+                <a:latin typeface="Helvetica" pitchFamily="2" charset="0"/>
+              </a:rPr>
+              <a:t>Make NTP and RTC keep UTC time. </a:t>
+            </a:r>
+          </a:p>
+          <a:p>
+            <a:pPr lvl="1"/>
+            <a:r>
+              <a:rPr lang="en-GB" b="0" i="0" u="none" strike="noStrike" dirty="0">
+                <a:solidFill>
+                  <a:srgbClr val="454545"/>
+                </a:solidFill>
+                <a:effectLst/>
+                <a:latin typeface="Helvetica" pitchFamily="2" charset="0"/>
+              </a:rPr>
+              <a:t>UTC is not a </a:t>
+            </a:r>
+            <a:r>
+              <a:rPr lang="en-GB" b="0" i="0" u="none" strike="noStrike" dirty="0" err="1">
+                <a:solidFill>
+                  <a:srgbClr val="454545"/>
+                </a:solidFill>
+                <a:effectLst/>
+                <a:latin typeface="Helvetica" pitchFamily="2" charset="0"/>
+              </a:rPr>
+              <a:t>Timezone</a:t>
+            </a:r>
+            <a:r>
+              <a:rPr lang="en-GB" b="0" i="0" u="none" strike="noStrike" dirty="0">
+                <a:solidFill>
+                  <a:srgbClr val="454545"/>
+                </a:solidFill>
+                <a:effectLst/>
+                <a:latin typeface="Helvetica" pitchFamily="2" charset="0"/>
+              </a:rPr>
+              <a:t> but a time standard</a:t>
+            </a:r>
+          </a:p>
+          <a:p>
+            <a:r>
+              <a:rPr lang="en-GB" dirty="0">
+                <a:solidFill>
+                  <a:srgbClr val="454545"/>
+                </a:solidFill>
+                <a:latin typeface="Helvetica" pitchFamily="2" charset="0"/>
+              </a:rPr>
+              <a:t>Always use the RTC as time source</a:t>
+            </a:r>
+          </a:p>
+          <a:p>
+            <a:r>
+              <a:rPr lang="en-GB" dirty="0">
+                <a:solidFill>
+                  <a:srgbClr val="454545"/>
+                </a:solidFill>
+                <a:latin typeface="Helvetica" pitchFamily="2" charset="0"/>
+              </a:rPr>
+              <a:t>Keep RTC in sync with NTP</a:t>
+            </a:r>
+          </a:p>
+          <a:p>
+            <a:r>
+              <a:rPr lang="en-GB" dirty="0">
+                <a:solidFill>
+                  <a:srgbClr val="454545"/>
+                </a:solidFill>
+                <a:latin typeface="Helvetica" pitchFamily="2" charset="0"/>
+              </a:rPr>
+              <a:t>NTP happens to update the </a:t>
+            </a:r>
+            <a:r>
+              <a:rPr lang="en-GB" dirty="0" err="1">
+                <a:solidFill>
+                  <a:srgbClr val="454545"/>
+                </a:solidFill>
+                <a:latin typeface="Helvetica" pitchFamily="2" charset="0"/>
+              </a:rPr>
+              <a:t>systemtime</a:t>
+            </a:r>
+            <a:endParaRPr lang="en-GB" dirty="0">
+              <a:solidFill>
+                <a:srgbClr val="454545"/>
+              </a:solidFill>
+              <a:latin typeface="Helvetica" pitchFamily="2" charset="0"/>
+            </a:endParaRPr>
+          </a:p>
+          <a:p>
+            <a:r>
+              <a:rPr lang="en-GB" dirty="0">
+                <a:solidFill>
+                  <a:srgbClr val="454545"/>
+                </a:solidFill>
+                <a:latin typeface="Helvetica" pitchFamily="2" charset="0"/>
+              </a:rPr>
+              <a:t>Use standard C functions: </a:t>
+            </a:r>
+          </a:p>
+          <a:p>
+            <a:pPr lvl="1"/>
+            <a:r>
+              <a:rPr lang="en-GB" dirty="0">
+                <a:solidFill>
+                  <a:srgbClr val="454545"/>
+                </a:solidFill>
+                <a:latin typeface="Helvetica" pitchFamily="2" charset="0"/>
+              </a:rPr>
+              <a:t>time() 		get system time</a:t>
+            </a:r>
+          </a:p>
+          <a:p>
+            <a:pPr lvl="1"/>
+            <a:r>
+              <a:rPr lang="en-GB" dirty="0" err="1">
+                <a:solidFill>
+                  <a:srgbClr val="454545"/>
+                </a:solidFill>
+                <a:latin typeface="Helvetica" pitchFamily="2" charset="0"/>
+              </a:rPr>
+              <a:t>ctime</a:t>
+            </a:r>
+            <a:r>
+              <a:rPr lang="en-GB" dirty="0">
+                <a:solidFill>
+                  <a:srgbClr val="454545"/>
+                </a:solidFill>
+                <a:latin typeface="Helvetica" pitchFamily="2" charset="0"/>
+              </a:rPr>
+              <a:t>()		convert </a:t>
+            </a:r>
+            <a:r>
+              <a:rPr lang="en-GB" dirty="0" err="1">
+                <a:solidFill>
+                  <a:srgbClr val="454545"/>
+                </a:solidFill>
+                <a:latin typeface="Helvetica" pitchFamily="2" charset="0"/>
+              </a:rPr>
+              <a:t>time_t</a:t>
+            </a:r>
+            <a:r>
+              <a:rPr lang="en-GB" dirty="0">
+                <a:solidFill>
+                  <a:srgbClr val="454545"/>
+                </a:solidFill>
+                <a:latin typeface="Helvetica" pitchFamily="2" charset="0"/>
+              </a:rPr>
+              <a:t> (seconds-since-1970) to date string</a:t>
+            </a:r>
+          </a:p>
+        </p:txBody>
+      </p:sp>
+    </p:spTree>
+    <p:extLst>
+      <p:ext uri="{BB962C8B-B14F-4D97-AF65-F5344CB8AC3E}">
+        <p14:creationId xmlns:p14="http://schemas.microsoft.com/office/powerpoint/2010/main" val="3330430801"/>
+      </p:ext>
+    </p:extLst>
+  </p:cSld>
+  <p:clrMapOvr>
+    <a:masterClrMapping/>
+  </p:clrMapOvr>
+</p:sld>
+</file>
+
+<file path=ppt/slides/slide5.xml><?xml version="1.0" encoding="utf-8"?>
+<p:sld xmlns:a="http://schemas.openxmlformats.org/drawingml/2006/main" xmlns:r="http://schemas.openxmlformats.org/officeDocument/2006/relationships" xmlns:p="http://schemas.openxmlformats.org/presentationml/2006/main">
+  <p:cSld>
+    <p:spTree>
+      <p:nvGrpSpPr>
+        <p:cNvPr id="1" name=""/>
+        <p:cNvGrpSpPr/>
+        <p:nvPr/>
+      </p:nvGrpSpPr>
+      <p:grpSpPr>
+        <a:xfrm>
+          <a:off x="0" y="0"/>
+          <a:ext cx="0" cy="0"/>
+          <a:chOff x="0" y="0"/>
+          <a:chExt cx="0" cy="0"/>
+        </a:xfrm>
+      </p:grpSpPr>
+      <p:sp>
+        <p:nvSpPr>
+          <p:cNvPr id="2" name="Title 1">
+            <a:extLst>
+              <a:ext uri="{FF2B5EF4-FFF2-40B4-BE49-F238E27FC236}">
+                <a16:creationId xmlns:a16="http://schemas.microsoft.com/office/drawing/2014/main" id="{F0C69BA9-8CD0-F542-12F3-0CD2B63FCAD9}"/>
+              </a:ext>
+            </a:extLst>
+          </p:cNvPr>
+          <p:cNvSpPr>
+            <a:spLocks noGrp="1"/>
+          </p:cNvSpPr>
+          <p:nvPr>
+            <p:ph type="title"/>
+          </p:nvPr>
+        </p:nvSpPr>
+        <p:spPr/>
+        <p:txBody>
+          <a:bodyPr/>
+          <a:lstStyle/>
+          <a:p>
+            <a:r>
+              <a:rPr lang="en-NL" dirty="0"/>
+              <a:t>NTP</a:t>
+            </a:r>
+          </a:p>
+        </p:txBody>
+      </p:sp>
+      <p:sp>
+        <p:nvSpPr>
+          <p:cNvPr id="3" name="Content Placeholder 2">
+            <a:extLst>
+              <a:ext uri="{FF2B5EF4-FFF2-40B4-BE49-F238E27FC236}">
+                <a16:creationId xmlns:a16="http://schemas.microsoft.com/office/drawing/2014/main" id="{F8D53F54-8F15-072E-3344-F0BFCD4FADC2}"/>
+              </a:ext>
+            </a:extLst>
+          </p:cNvPr>
+          <p:cNvSpPr>
+            <a:spLocks noGrp="1"/>
+          </p:cNvSpPr>
+          <p:nvPr>
+            <p:ph idx="1"/>
+          </p:nvPr>
+        </p:nvSpPr>
+        <p:spPr/>
+        <p:txBody>
+          <a:bodyPr/>
+          <a:lstStyle/>
+          <a:p>
+            <a:r>
+              <a:rPr lang="en-NL" dirty="0"/>
+              <a:t>Combination of </a:t>
+            </a:r>
+          </a:p>
+          <a:p>
+            <a:pPr lvl="1"/>
+            <a:r>
+              <a:rPr lang="en-NL" dirty="0"/>
+              <a:t>TimeLib.h by Michael Margolis for time-keeping, </a:t>
+            </a:r>
+          </a:p>
+          <a:p>
+            <a:pPr lvl="1"/>
+            <a:r>
+              <a:rPr lang="en-NL" dirty="0"/>
+              <a:t>RTClib.h by Adafruit for Realtime Clock module,</a:t>
+            </a:r>
+          </a:p>
+          <a:p>
+            <a:pPr lvl="1"/>
+            <a:r>
+              <a:rPr lang="en-NL" dirty="0"/>
+              <a:t>&lt;ESP8266WiFi.h&gt; for NTP server,</a:t>
+            </a:r>
+          </a:p>
+          <a:p>
+            <a:pPr lvl="1"/>
+            <a:r>
+              <a:rPr lang="en-NL" dirty="0"/>
+              <a:t>Timezone by Jack Christensen for summer/wintertime</a:t>
+            </a:r>
+          </a:p>
+          <a:p>
+            <a:r>
+              <a:rPr lang="en-NL" dirty="0"/>
+              <a:t>If WiFi available setSyncProvider(NTP)</a:t>
+            </a:r>
+            <a:br>
+              <a:rPr lang="en-NL" dirty="0"/>
+            </a:br>
+            <a:r>
+              <a:rPr lang="en-NL" dirty="0"/>
+              <a:t>else setSyncProvider(RTC)</a:t>
+            </a:r>
+          </a:p>
+        </p:txBody>
+      </p:sp>
+    </p:spTree>
+    <p:extLst>
+      <p:ext uri="{BB962C8B-B14F-4D97-AF65-F5344CB8AC3E}">
+        <p14:creationId xmlns:p14="http://schemas.microsoft.com/office/powerpoint/2010/main" val="1281913898"/>
+      </p:ext>
+    </p:extLst>
+  </p:cSld>
+  <p:clrMapOvr>
+    <a:masterClrMapping/>
+  </p:clrMapOvr>
+</p:sld>
+</file>
+
+<file path=ppt/slides/slide6.xml><?xml version="1.0" encoding="utf-8"?>
+<p:sld xmlns:a="http://schemas.openxmlformats.org/drawingml/2006/main" xmlns:r="http://schemas.openxmlformats.org/officeDocument/2006/relationships" xmlns:p="http://schemas.openxmlformats.org/presentationml/2006/main">
+  <p:cSld>
+    <p:spTree>
+      <p:nvGrpSpPr>
+        <p:cNvPr id="1" name=""/>
+        <p:cNvGrpSpPr/>
+        <p:nvPr/>
+      </p:nvGrpSpPr>
+      <p:grpSpPr>
+        <a:xfrm>
+          <a:off x="0" y="0"/>
+          <a:ext cx="0" cy="0"/>
+          <a:chOff x="0" y="0"/>
+          <a:chExt cx="0" cy="0"/>
+        </a:xfrm>
+      </p:grpSpPr>
+      <p:sp>
+        <p:nvSpPr>
+          <p:cNvPr id="3" name="Content Placeholder 2">
+            <a:extLst>
+              <a:ext uri="{FF2B5EF4-FFF2-40B4-BE49-F238E27FC236}">
+                <a16:creationId xmlns:a16="http://schemas.microsoft.com/office/drawing/2014/main" id="{8185B650-6F05-0C6A-9BCC-019EED0522F9}"/>
+              </a:ext>
+            </a:extLst>
+          </p:cNvPr>
+          <p:cNvSpPr>
+            <a:spLocks noGrp="1"/>
+          </p:cNvSpPr>
+          <p:nvPr>
+            <p:ph idx="1"/>
+          </p:nvPr>
+        </p:nvSpPr>
+        <p:spPr>
+          <a:xfrm>
+            <a:off x="838200" y="56708"/>
+            <a:ext cx="10515600" cy="6641804"/>
+          </a:xfrm>
+        </p:spPr>
+        <p:txBody>
+          <a:bodyPr>
+            <a:normAutofit fontScale="92500" lnSpcReduction="10000"/>
+          </a:bodyPr>
+          <a:lstStyle/>
+          <a:p>
+            <a:r>
+              <a:rPr lang="en-NL" dirty="0"/>
+              <a:t>NTP server</a:t>
+            </a:r>
+            <a:br>
+              <a:rPr lang="en-NL" dirty="0"/>
+            </a:br>
+            <a:r>
+              <a:rPr lang="en-GB" sz="1100" b="0" dirty="0">
+                <a:solidFill>
+                  <a:srgbClr val="728E00"/>
+                </a:solidFill>
+                <a:effectLst/>
+                <a:latin typeface="Menlo" panose="020B0609030804020204" pitchFamily="49" charset="0"/>
+              </a:rPr>
+              <a:t>	#include</a:t>
+            </a:r>
+            <a:r>
+              <a:rPr lang="en-GB" sz="1100" b="0" dirty="0">
+                <a:solidFill>
+                  <a:srgbClr val="4E5B61"/>
+                </a:solidFill>
+                <a:effectLst/>
+                <a:latin typeface="Menlo" panose="020B0609030804020204" pitchFamily="49" charset="0"/>
+              </a:rPr>
+              <a:t> </a:t>
+            </a:r>
+            <a:r>
+              <a:rPr lang="en-GB" sz="1100" b="0" dirty="0">
+                <a:solidFill>
+                  <a:srgbClr val="005C5F"/>
+                </a:solidFill>
+                <a:effectLst/>
+                <a:latin typeface="Menlo" panose="020B0609030804020204" pitchFamily="49" charset="0"/>
+              </a:rPr>
+              <a:t>&lt;ESP8266WiFi.h&gt;</a:t>
+            </a:r>
+            <a:br>
+              <a:rPr lang="en-GB" sz="1100" dirty="0">
+                <a:solidFill>
+                  <a:srgbClr val="4E5B61"/>
+                </a:solidFill>
+                <a:latin typeface="Menlo" panose="020B0609030804020204" pitchFamily="49" charset="0"/>
+              </a:rPr>
+            </a:br>
+            <a:r>
+              <a:rPr lang="en-GB" sz="1600" dirty="0">
+                <a:solidFill>
+                  <a:srgbClr val="4E5B61"/>
+                </a:solidFill>
+                <a:latin typeface="Menlo" panose="020B0609030804020204" pitchFamily="49" charset="0"/>
+              </a:rPr>
+              <a:t>declaration</a:t>
+            </a:r>
+            <a:r>
+              <a:rPr lang="en-GB" sz="1100" dirty="0">
+                <a:solidFill>
+                  <a:srgbClr val="4E5B61"/>
+                </a:solidFill>
+                <a:latin typeface="Menlo" panose="020B0609030804020204" pitchFamily="49" charset="0"/>
+              </a:rPr>
+              <a:t>:</a:t>
+            </a:r>
+            <a:br>
+              <a:rPr lang="en-GB" sz="1100" dirty="0">
+                <a:solidFill>
+                  <a:srgbClr val="4E5B61"/>
+                </a:solidFill>
+                <a:latin typeface="Menlo" panose="020B0609030804020204" pitchFamily="49" charset="0"/>
+              </a:rPr>
+            </a:br>
+            <a:r>
+              <a:rPr lang="en-GB" sz="1100" dirty="0">
+                <a:solidFill>
+                  <a:srgbClr val="4E5B61"/>
+                </a:solidFill>
+                <a:latin typeface="Menlo" panose="020B0609030804020204" pitchFamily="49" charset="0"/>
+              </a:rPr>
+              <a:t>	</a:t>
+            </a:r>
+            <a:r>
+              <a:rPr lang="en-GB" sz="1100" b="0" dirty="0" err="1">
+                <a:solidFill>
+                  <a:srgbClr val="00979D"/>
+                </a:solidFill>
+                <a:effectLst/>
+                <a:latin typeface="Menlo" panose="020B0609030804020204" pitchFamily="49" charset="0"/>
+              </a:rPr>
+              <a:t>const</a:t>
+            </a:r>
+            <a:r>
+              <a:rPr lang="en-GB" sz="1100" b="0" dirty="0">
+                <a:solidFill>
+                  <a:srgbClr val="4E5B61"/>
+                </a:solidFill>
+                <a:effectLst/>
+                <a:latin typeface="Menlo" panose="020B0609030804020204" pitchFamily="49" charset="0"/>
+              </a:rPr>
+              <a:t> </a:t>
+            </a:r>
+            <a:r>
+              <a:rPr lang="en-GB" sz="1100" b="0" dirty="0">
+                <a:solidFill>
+                  <a:srgbClr val="00979D"/>
+                </a:solidFill>
+                <a:effectLst/>
+                <a:latin typeface="Menlo" panose="020B0609030804020204" pitchFamily="49" charset="0"/>
+              </a:rPr>
+              <a:t>char</a:t>
+            </a:r>
+            <a:r>
+              <a:rPr lang="en-GB" sz="1100" b="0" dirty="0">
+                <a:solidFill>
+                  <a:srgbClr val="4E5B61"/>
+                </a:solidFill>
+                <a:effectLst/>
+                <a:latin typeface="Menlo" panose="020B0609030804020204" pitchFamily="49" charset="0"/>
+              </a:rPr>
+              <a:t>* </a:t>
+            </a:r>
+            <a:r>
+              <a:rPr lang="en-GB" sz="1100" b="0" dirty="0" err="1">
+                <a:solidFill>
+                  <a:srgbClr val="4E5B61"/>
+                </a:solidFill>
+                <a:effectLst/>
+                <a:latin typeface="Menlo" panose="020B0609030804020204" pitchFamily="49" charset="0"/>
+              </a:rPr>
+              <a:t>ntpServer</a:t>
+            </a:r>
+            <a:r>
+              <a:rPr lang="en-GB" sz="1100" b="0" dirty="0">
+                <a:solidFill>
+                  <a:srgbClr val="4E5B61"/>
+                </a:solidFill>
+                <a:effectLst/>
+                <a:latin typeface="Menlo" panose="020B0609030804020204" pitchFamily="49" charset="0"/>
+              </a:rPr>
+              <a:t> = </a:t>
+            </a:r>
+            <a:r>
+              <a:rPr lang="en-GB" sz="1100" b="0" dirty="0">
+                <a:solidFill>
+                  <a:srgbClr val="005C5F"/>
+                </a:solidFill>
+                <a:effectLst/>
+                <a:latin typeface="Menlo" panose="020B0609030804020204" pitchFamily="49" charset="0"/>
+              </a:rPr>
+              <a:t>"</a:t>
+            </a:r>
+            <a:r>
+              <a:rPr lang="en-GB" sz="1100" b="0" dirty="0" err="1">
+                <a:solidFill>
+                  <a:srgbClr val="005C5F"/>
+                </a:solidFill>
+                <a:effectLst/>
+                <a:latin typeface="Menlo" panose="020B0609030804020204" pitchFamily="49" charset="0"/>
+              </a:rPr>
+              <a:t>pool.ntp.org</a:t>
+            </a:r>
+            <a:r>
+              <a:rPr lang="en-GB" sz="1100" b="0" dirty="0">
+                <a:solidFill>
+                  <a:srgbClr val="005C5F"/>
+                </a:solidFill>
+                <a:effectLst/>
+                <a:latin typeface="Menlo" panose="020B0609030804020204" pitchFamily="49" charset="0"/>
+              </a:rPr>
+              <a:t>"</a:t>
+            </a:r>
+            <a:r>
+              <a:rPr lang="en-GB" sz="1100" b="0" dirty="0">
+                <a:solidFill>
+                  <a:srgbClr val="4E5B61"/>
+                </a:solidFill>
+                <a:effectLst/>
+                <a:latin typeface="Menlo" panose="020B0609030804020204" pitchFamily="49" charset="0"/>
+              </a:rPr>
+              <a:t>;</a:t>
+            </a:r>
+            <a:br>
+              <a:rPr lang="en-GB" sz="1600" b="0" dirty="0">
+                <a:solidFill>
+                  <a:srgbClr val="4E5B61"/>
+                </a:solidFill>
+                <a:effectLst/>
+                <a:latin typeface="Menlo" panose="020B0609030804020204" pitchFamily="49" charset="0"/>
+              </a:rPr>
+            </a:br>
+            <a:br>
+              <a:rPr lang="en-GB" sz="1100" b="0" dirty="0">
+                <a:solidFill>
+                  <a:srgbClr val="4E5B61"/>
+                </a:solidFill>
+                <a:effectLst/>
+                <a:latin typeface="Menlo" panose="020B0609030804020204" pitchFamily="49" charset="0"/>
+              </a:rPr>
+            </a:br>
+            <a:r>
+              <a:rPr lang="en-GB" sz="1600" b="0" dirty="0">
+                <a:solidFill>
+                  <a:srgbClr val="4E5B61"/>
+                </a:solidFill>
+                <a:effectLst/>
+                <a:latin typeface="Menlo" panose="020B0609030804020204" pitchFamily="49" charset="0"/>
+              </a:rPr>
+              <a:t>setup:</a:t>
+            </a:r>
+            <a:br>
+              <a:rPr lang="en-GB" sz="1100" b="0" dirty="0">
+                <a:solidFill>
+                  <a:srgbClr val="4E5B61"/>
+                </a:solidFill>
+                <a:effectLst/>
+                <a:latin typeface="Menlo" panose="020B0609030804020204" pitchFamily="49" charset="0"/>
+              </a:rPr>
+            </a:br>
+            <a:r>
+              <a:rPr lang="en-GB" sz="1100" b="0" dirty="0">
+                <a:solidFill>
+                  <a:srgbClr val="4E5B61"/>
+                </a:solidFill>
+                <a:effectLst/>
+                <a:latin typeface="Menlo" panose="020B0609030804020204" pitchFamily="49" charset="0"/>
+              </a:rPr>
+              <a:t>	</a:t>
+            </a:r>
+            <a:r>
+              <a:rPr lang="en-GB" sz="1100" b="0" dirty="0" err="1">
+                <a:solidFill>
+                  <a:srgbClr val="D35400"/>
+                </a:solidFill>
+                <a:effectLst/>
+                <a:latin typeface="Menlo" panose="020B0609030804020204" pitchFamily="49" charset="0"/>
+              </a:rPr>
+              <a:t>configTime</a:t>
+            </a:r>
+            <a:r>
+              <a:rPr lang="en-GB" sz="1100" b="0" dirty="0">
+                <a:solidFill>
+                  <a:srgbClr val="434F54"/>
+                </a:solidFill>
+                <a:effectLst/>
+                <a:latin typeface="Menlo" panose="020B0609030804020204" pitchFamily="49" charset="0"/>
+              </a:rPr>
+              <a:t>(</a:t>
+            </a:r>
+            <a:r>
+              <a:rPr lang="en-GB" sz="1100" b="0" dirty="0" err="1">
+                <a:solidFill>
+                  <a:srgbClr val="4E5B61"/>
+                </a:solidFill>
+                <a:effectLst/>
+                <a:latin typeface="Menlo" panose="020B0609030804020204" pitchFamily="49" charset="0"/>
+              </a:rPr>
+              <a:t>gmtOffset_sec</a:t>
+            </a:r>
+            <a:r>
+              <a:rPr lang="en-GB" sz="1100" b="0" dirty="0">
+                <a:solidFill>
+                  <a:srgbClr val="4E5B61"/>
+                </a:solidFill>
+                <a:effectLst/>
+                <a:latin typeface="Menlo" panose="020B0609030804020204" pitchFamily="49" charset="0"/>
+              </a:rPr>
+              <a:t>, </a:t>
+            </a:r>
+            <a:r>
+              <a:rPr lang="en-GB" sz="1100" b="0" dirty="0" err="1">
+                <a:solidFill>
+                  <a:srgbClr val="4E5B61"/>
+                </a:solidFill>
+                <a:effectLst/>
+                <a:latin typeface="Menlo" panose="020B0609030804020204" pitchFamily="49" charset="0"/>
+              </a:rPr>
+              <a:t>daylightOffset_sec</a:t>
+            </a:r>
+            <a:r>
+              <a:rPr lang="en-GB" sz="1100" b="0" dirty="0">
+                <a:solidFill>
+                  <a:srgbClr val="4E5B61"/>
+                </a:solidFill>
+                <a:effectLst/>
+                <a:latin typeface="Menlo" panose="020B0609030804020204" pitchFamily="49" charset="0"/>
+              </a:rPr>
+              <a:t>, </a:t>
+            </a:r>
+            <a:r>
+              <a:rPr lang="en-GB" sz="1100" b="0" dirty="0" err="1">
+                <a:solidFill>
+                  <a:srgbClr val="4E5B61"/>
+                </a:solidFill>
+                <a:effectLst/>
+                <a:latin typeface="Menlo" panose="020B0609030804020204" pitchFamily="49" charset="0"/>
+              </a:rPr>
+              <a:t>ntpServer</a:t>
+            </a:r>
+            <a:r>
+              <a:rPr lang="en-GB" sz="1100" b="0" dirty="0">
+                <a:solidFill>
+                  <a:srgbClr val="434F54"/>
+                </a:solidFill>
+                <a:effectLst/>
+                <a:latin typeface="Menlo" panose="020B0609030804020204" pitchFamily="49" charset="0"/>
+              </a:rPr>
+              <a:t>)</a:t>
+            </a:r>
+            <a:r>
+              <a:rPr lang="en-GB" sz="1100" b="0" dirty="0">
+                <a:solidFill>
+                  <a:srgbClr val="4E5B61"/>
+                </a:solidFill>
+                <a:effectLst/>
+                <a:latin typeface="Menlo" panose="020B0609030804020204" pitchFamily="49" charset="0"/>
+              </a:rPr>
+              <a:t>;</a:t>
+            </a:r>
+            <a:br>
+              <a:rPr lang="en-GB" sz="1100" b="0" dirty="0">
+                <a:solidFill>
+                  <a:srgbClr val="4E5B61"/>
+                </a:solidFill>
+                <a:effectLst/>
+                <a:latin typeface="Menlo" panose="020B0609030804020204" pitchFamily="49" charset="0"/>
+              </a:rPr>
+            </a:br>
+            <a:r>
+              <a:rPr lang="en-GB" sz="1100" b="0" dirty="0">
+                <a:solidFill>
+                  <a:srgbClr val="4E5B61"/>
+                </a:solidFill>
+                <a:effectLst/>
+                <a:latin typeface="Menlo" panose="020B0609030804020204" pitchFamily="49" charset="0"/>
+              </a:rPr>
+              <a:t>	</a:t>
+            </a:r>
+            <a:r>
+              <a:rPr lang="en-GB" sz="1100" b="0" dirty="0">
+                <a:solidFill>
+                  <a:srgbClr val="00979D"/>
+                </a:solidFill>
+                <a:effectLst/>
+                <a:latin typeface="Menlo" panose="020B0609030804020204" pitchFamily="49" charset="0"/>
+              </a:rPr>
+              <a:t>struct</a:t>
+            </a:r>
+            <a:r>
+              <a:rPr lang="en-GB" sz="1100" b="0" dirty="0">
+                <a:solidFill>
+                  <a:srgbClr val="4E5B61"/>
+                </a:solidFill>
+                <a:effectLst/>
+                <a:latin typeface="Menlo" panose="020B0609030804020204" pitchFamily="49" charset="0"/>
+              </a:rPr>
+              <a:t> tm </a:t>
+            </a:r>
+            <a:r>
+              <a:rPr lang="en-GB" sz="1100" b="0" dirty="0" err="1">
+                <a:solidFill>
+                  <a:srgbClr val="D35400"/>
+                </a:solidFill>
+                <a:effectLst/>
+                <a:latin typeface="Menlo" panose="020B0609030804020204" pitchFamily="49" charset="0"/>
+              </a:rPr>
+              <a:t>timeinfo</a:t>
+            </a:r>
+            <a:r>
+              <a:rPr lang="en-GB" sz="1100" b="0" dirty="0">
+                <a:solidFill>
+                  <a:srgbClr val="4E5B61"/>
+                </a:solidFill>
+                <a:effectLst/>
+                <a:latin typeface="Menlo" panose="020B0609030804020204" pitchFamily="49" charset="0"/>
+              </a:rPr>
+              <a:t>;</a:t>
+            </a:r>
+            <a:br>
+              <a:rPr lang="en-GB" sz="1100" b="0" dirty="0">
+                <a:solidFill>
+                  <a:srgbClr val="4E5B61"/>
+                </a:solidFill>
+                <a:effectLst/>
+                <a:latin typeface="Menlo" panose="020B0609030804020204" pitchFamily="49" charset="0"/>
+              </a:rPr>
+            </a:br>
+            <a:br>
+              <a:rPr lang="en-GB" sz="1100" b="0" dirty="0">
+                <a:solidFill>
+                  <a:srgbClr val="4E5B61"/>
+                </a:solidFill>
+                <a:effectLst/>
+                <a:latin typeface="Menlo" panose="020B0609030804020204" pitchFamily="49" charset="0"/>
+              </a:rPr>
+            </a:br>
+            <a:r>
+              <a:rPr lang="en-GB" sz="1600" dirty="0">
+                <a:solidFill>
+                  <a:srgbClr val="4E5B61"/>
+                </a:solidFill>
+                <a:latin typeface="Menlo" panose="020B0609030804020204" pitchFamily="49" charset="0"/>
+              </a:rPr>
+              <a:t>loop:</a:t>
+            </a:r>
+            <a:br>
+              <a:rPr lang="en-GB" sz="1100" dirty="0">
+                <a:solidFill>
+                  <a:srgbClr val="4E5B61"/>
+                </a:solidFill>
+                <a:latin typeface="Menlo" panose="020B0609030804020204" pitchFamily="49" charset="0"/>
+              </a:rPr>
+            </a:br>
+            <a:r>
+              <a:rPr lang="en-GB" sz="1100" dirty="0">
+                <a:solidFill>
+                  <a:srgbClr val="4E5B61"/>
+                </a:solidFill>
+                <a:latin typeface="Menlo" panose="020B0609030804020204" pitchFamily="49" charset="0"/>
+              </a:rPr>
+              <a:t>	</a:t>
+            </a:r>
+            <a:r>
+              <a:rPr lang="en-GB" sz="1100" b="0" dirty="0">
+                <a:solidFill>
+                  <a:srgbClr val="00979D"/>
+                </a:solidFill>
+                <a:effectLst/>
+                <a:latin typeface="Menlo" panose="020B0609030804020204" pitchFamily="49" charset="0"/>
+              </a:rPr>
+              <a:t>struct</a:t>
+            </a:r>
+            <a:r>
+              <a:rPr lang="en-GB" sz="1100" b="0" dirty="0">
+                <a:solidFill>
+                  <a:srgbClr val="4E5B61"/>
+                </a:solidFill>
+                <a:effectLst/>
+                <a:latin typeface="Menlo" panose="020B0609030804020204" pitchFamily="49" charset="0"/>
+              </a:rPr>
+              <a:t> tm </a:t>
+            </a:r>
+            <a:r>
+              <a:rPr lang="en-GB" sz="1100" b="0" dirty="0" err="1">
+                <a:solidFill>
+                  <a:srgbClr val="D35400"/>
+                </a:solidFill>
+                <a:effectLst/>
+                <a:latin typeface="Menlo" panose="020B0609030804020204" pitchFamily="49" charset="0"/>
+              </a:rPr>
+              <a:t>timeinfo</a:t>
+            </a:r>
+            <a:r>
+              <a:rPr lang="en-GB" sz="1100" b="0" dirty="0">
+                <a:solidFill>
+                  <a:srgbClr val="4E5B61"/>
+                </a:solidFill>
+                <a:effectLst/>
+                <a:latin typeface="Menlo" panose="020B0609030804020204" pitchFamily="49" charset="0"/>
+              </a:rPr>
+              <a:t>;</a:t>
+            </a:r>
+            <a:br>
+              <a:rPr lang="en-GB" sz="1100" b="0" dirty="0">
+                <a:solidFill>
+                  <a:srgbClr val="4E5B61"/>
+                </a:solidFill>
+                <a:effectLst/>
+                <a:latin typeface="Menlo" panose="020B0609030804020204" pitchFamily="49" charset="0"/>
+              </a:rPr>
+            </a:br>
+            <a:br>
+              <a:rPr lang="en-GB" sz="1100" b="0" dirty="0">
+                <a:solidFill>
+                  <a:srgbClr val="4E5B61"/>
+                </a:solidFill>
+                <a:effectLst/>
+                <a:latin typeface="Menlo" panose="020B0609030804020204" pitchFamily="49" charset="0"/>
+              </a:rPr>
+            </a:br>
+            <a:r>
+              <a:rPr lang="en-GB" sz="1100" b="0" dirty="0">
+                <a:solidFill>
+                  <a:srgbClr val="4E5B61"/>
+                </a:solidFill>
+                <a:effectLst/>
+                <a:latin typeface="Menlo" panose="020B0609030804020204" pitchFamily="49" charset="0"/>
+              </a:rPr>
+              <a:t>	</a:t>
+            </a:r>
+            <a:r>
+              <a:rPr lang="en-GB" sz="1100" b="0" dirty="0" err="1">
+                <a:solidFill>
+                  <a:srgbClr val="D35400"/>
+                </a:solidFill>
+                <a:effectLst/>
+                <a:latin typeface="Menlo" panose="020B0609030804020204" pitchFamily="49" charset="0"/>
+              </a:rPr>
+              <a:t>getLocalTime</a:t>
+            </a:r>
+            <a:r>
+              <a:rPr lang="en-GB" sz="1100" b="0" dirty="0">
+                <a:solidFill>
+                  <a:srgbClr val="434F54"/>
+                </a:solidFill>
+                <a:effectLst/>
+                <a:latin typeface="Menlo" panose="020B0609030804020204" pitchFamily="49" charset="0"/>
+              </a:rPr>
+              <a:t>(</a:t>
+            </a:r>
+            <a:r>
+              <a:rPr lang="en-GB" sz="1100" b="0" dirty="0">
+                <a:solidFill>
+                  <a:srgbClr val="4E5B61"/>
+                </a:solidFill>
+                <a:effectLst/>
+                <a:latin typeface="Menlo" panose="020B0609030804020204" pitchFamily="49" charset="0"/>
+              </a:rPr>
+              <a:t>&amp;</a:t>
+            </a:r>
+            <a:r>
+              <a:rPr lang="en-GB" sz="1100" b="0" dirty="0" err="1">
+                <a:solidFill>
+                  <a:srgbClr val="4E5B61"/>
+                </a:solidFill>
+                <a:effectLst/>
+                <a:latin typeface="Menlo" panose="020B0609030804020204" pitchFamily="49" charset="0"/>
+              </a:rPr>
+              <a:t>timeinfo</a:t>
+            </a:r>
+            <a:r>
+              <a:rPr lang="en-GB" sz="1100" b="0" dirty="0">
+                <a:solidFill>
+                  <a:srgbClr val="434F54"/>
+                </a:solidFill>
+                <a:effectLst/>
+                <a:latin typeface="Menlo" panose="020B0609030804020204" pitchFamily="49" charset="0"/>
+              </a:rPr>
+              <a:t>)</a:t>
+            </a:r>
+            <a:r>
+              <a:rPr lang="en-GB" sz="1100" b="0" dirty="0">
+                <a:solidFill>
+                  <a:srgbClr val="4E5B61"/>
+                </a:solidFill>
+                <a:effectLst/>
+                <a:latin typeface="Menlo" panose="020B0609030804020204" pitchFamily="49" charset="0"/>
+              </a:rPr>
+              <a:t>;</a:t>
+            </a:r>
+            <a:br>
+              <a:rPr lang="en-GB" sz="1100" dirty="0">
+                <a:solidFill>
+                  <a:srgbClr val="4E5B61"/>
+                </a:solidFill>
+                <a:latin typeface="Menlo" panose="020B0609030804020204" pitchFamily="49" charset="0"/>
+              </a:rPr>
+            </a:br>
+            <a:endParaRPr lang="en-GB" sz="1100" b="0" dirty="0">
+              <a:solidFill>
+                <a:srgbClr val="4E5B61"/>
+              </a:solidFill>
+              <a:effectLst/>
+              <a:latin typeface="Menlo" panose="020B0609030804020204" pitchFamily="49" charset="0"/>
+            </a:endParaRPr>
+          </a:p>
+          <a:p>
+            <a:r>
+              <a:rPr lang="en-GB" b="0" dirty="0">
+                <a:solidFill>
+                  <a:srgbClr val="4E5B61"/>
+                </a:solidFill>
+                <a:effectLst/>
+                <a:latin typeface="Menlo" panose="020B0609030804020204" pitchFamily="49" charset="0"/>
+              </a:rPr>
+              <a:t>Time library</a:t>
+            </a:r>
+            <a:br>
+              <a:rPr lang="en-GB" sz="1100" b="0" dirty="0">
+                <a:solidFill>
+                  <a:srgbClr val="4E5B61"/>
+                </a:solidFill>
+                <a:effectLst/>
+                <a:latin typeface="Menlo" panose="020B0609030804020204" pitchFamily="49" charset="0"/>
+              </a:rPr>
+            </a:br>
+            <a:r>
+              <a:rPr lang="en-GB" sz="1100" b="0" dirty="0">
+                <a:solidFill>
+                  <a:srgbClr val="4E5B61"/>
+                </a:solidFill>
+                <a:effectLst/>
+                <a:latin typeface="Menlo" panose="020B0609030804020204" pitchFamily="49" charset="0"/>
+              </a:rPr>
+              <a:t>	#include &lt;</a:t>
+            </a:r>
+            <a:r>
+              <a:rPr lang="en-GB" sz="1100" b="0" dirty="0" err="1">
+                <a:solidFill>
+                  <a:srgbClr val="4E5B61"/>
+                </a:solidFill>
+                <a:effectLst/>
+                <a:latin typeface="Menlo" panose="020B0609030804020204" pitchFamily="49" charset="0"/>
+              </a:rPr>
+              <a:t>TimeLib.h</a:t>
+            </a:r>
+            <a:r>
+              <a:rPr lang="en-GB" sz="1100" b="0" dirty="0">
+                <a:solidFill>
+                  <a:srgbClr val="4E5B61"/>
+                </a:solidFill>
+                <a:effectLst/>
+                <a:latin typeface="Menlo" panose="020B0609030804020204" pitchFamily="49" charset="0"/>
+              </a:rPr>
+              <a:t>&gt;</a:t>
+            </a:r>
+            <a:br>
+              <a:rPr lang="en-GB" sz="1100" b="0" dirty="0">
+                <a:solidFill>
+                  <a:srgbClr val="4E5B61"/>
+                </a:solidFill>
+                <a:effectLst/>
+                <a:latin typeface="Menlo" panose="020B0609030804020204" pitchFamily="49" charset="0"/>
+              </a:rPr>
+            </a:br>
+            <a:br>
+              <a:rPr lang="en-GB" sz="1100" b="0" dirty="0">
+                <a:solidFill>
+                  <a:srgbClr val="4E5B61"/>
+                </a:solidFill>
+                <a:effectLst/>
+                <a:latin typeface="Menlo" panose="020B0609030804020204" pitchFamily="49" charset="0"/>
+              </a:rPr>
+            </a:br>
+            <a:r>
+              <a:rPr lang="en-GB" sz="1100" b="0" dirty="0">
+                <a:solidFill>
+                  <a:srgbClr val="4E5B61"/>
+                </a:solidFill>
+                <a:effectLst/>
+                <a:latin typeface="Menlo" panose="020B0609030804020204" pitchFamily="49" charset="0"/>
+              </a:rPr>
+              <a:t>	</a:t>
+            </a:r>
+            <a:r>
+              <a:rPr lang="en-GB" sz="1100" b="0" i="0" u="none" strike="noStrike" dirty="0">
+                <a:solidFill>
+                  <a:srgbClr val="1F2328"/>
+                </a:solidFill>
+                <a:effectLst/>
+                <a:latin typeface="-apple-system"/>
+              </a:rPr>
+              <a:t>Internal system time is based on the standard Unix </a:t>
+            </a:r>
+            <a:r>
+              <a:rPr lang="en-GB" sz="1100" dirty="0" err="1"/>
+              <a:t>time_t</a:t>
+            </a:r>
+            <a:r>
+              <a:rPr lang="en-GB" sz="1100" b="0" i="0" u="none" strike="noStrike" dirty="0">
+                <a:solidFill>
+                  <a:srgbClr val="1F2328"/>
+                </a:solidFill>
+                <a:effectLst/>
+                <a:latin typeface="-apple-system"/>
+              </a:rPr>
+              <a:t>. </a:t>
+            </a:r>
+            <a:br>
+              <a:rPr lang="en-GB" sz="1100" b="0" i="0" u="none" strike="noStrike" dirty="0">
+                <a:solidFill>
+                  <a:srgbClr val="1F2328"/>
+                </a:solidFill>
+                <a:effectLst/>
+                <a:latin typeface="-apple-system"/>
+              </a:rPr>
+            </a:br>
+            <a:r>
+              <a:rPr lang="en-GB" sz="1100" b="0" i="0" u="none" strike="noStrike" dirty="0">
+                <a:solidFill>
+                  <a:srgbClr val="1F2328"/>
+                </a:solidFill>
+                <a:effectLst/>
+                <a:latin typeface="-apple-system"/>
+              </a:rPr>
+              <a:t>	The value is the number of seconds since Jan 1, 1970. System time begins at zero when the sketch starts.</a:t>
+            </a:r>
+            <a:br>
+              <a:rPr lang="en-GB" sz="1100" b="0" i="0" u="none" strike="noStrike" dirty="0">
+                <a:solidFill>
+                  <a:srgbClr val="1F2328"/>
+                </a:solidFill>
+                <a:effectLst/>
+                <a:latin typeface="-apple-system"/>
+              </a:rPr>
+            </a:br>
+            <a:r>
+              <a:rPr lang="en-GB" sz="1100" b="0" i="0" u="none" strike="noStrike" dirty="0">
+                <a:solidFill>
+                  <a:srgbClr val="1F2328"/>
+                </a:solidFill>
+                <a:effectLst/>
+                <a:latin typeface="-apple-system"/>
+              </a:rPr>
+              <a:t>	</a:t>
+            </a:r>
+            <a:br>
+              <a:rPr lang="en-GB" sz="1100" b="0" i="0" u="none" strike="noStrike" dirty="0">
+                <a:solidFill>
+                  <a:srgbClr val="1F2328"/>
+                </a:solidFill>
+                <a:effectLst/>
+                <a:latin typeface="-apple-system"/>
+              </a:rPr>
+            </a:br>
+            <a:r>
+              <a:rPr lang="en-GB" sz="1100" b="0" i="0" u="none" strike="noStrike" dirty="0">
+                <a:solidFill>
+                  <a:srgbClr val="1F2328"/>
+                </a:solidFill>
+                <a:effectLst/>
+                <a:latin typeface="-apple-system"/>
+              </a:rPr>
+              <a:t>	</a:t>
+            </a:r>
+            <a:r>
+              <a:rPr lang="en-GB" sz="1100" dirty="0" err="1">
+                <a:effectLst/>
+              </a:rPr>
+              <a:t>breakTime</a:t>
+            </a:r>
+            <a:r>
+              <a:rPr lang="en-GB" sz="1100" dirty="0"/>
+              <a:t>(</a:t>
+            </a:r>
+            <a:r>
+              <a:rPr lang="en-GB" sz="1100" dirty="0">
+                <a:effectLst/>
+              </a:rPr>
+              <a:t>time</a:t>
+            </a:r>
+            <a:r>
+              <a:rPr lang="en-GB" sz="1100" dirty="0"/>
+              <a:t>, </a:t>
+            </a:r>
+            <a:r>
+              <a:rPr lang="en-GB" sz="1100" dirty="0">
+                <a:effectLst/>
+              </a:rPr>
+              <a:t>&amp;tm</a:t>
+            </a:r>
+            <a:r>
+              <a:rPr lang="en-GB" sz="1100" dirty="0"/>
+              <a:t>); 	</a:t>
+            </a:r>
+            <a:r>
+              <a:rPr lang="en-GB" sz="1100" dirty="0">
+                <a:effectLst/>
+              </a:rPr>
+              <a:t>// break  </a:t>
+            </a:r>
+            <a:r>
+              <a:rPr lang="en-GB" sz="1100" dirty="0" err="1">
+                <a:effectLst/>
+              </a:rPr>
+              <a:t>time_t</a:t>
+            </a:r>
+            <a:r>
+              <a:rPr lang="en-GB" sz="1100" dirty="0">
+                <a:effectLst/>
+              </a:rPr>
+              <a:t> into elements stored in tm struct</a:t>
+            </a:r>
+            <a:br>
+              <a:rPr lang="en-GB" sz="1100" dirty="0"/>
+            </a:br>
+            <a:r>
+              <a:rPr lang="en-GB" sz="1100" dirty="0"/>
+              <a:t>	</a:t>
+            </a:r>
+            <a:r>
+              <a:rPr lang="en-GB" sz="1100" dirty="0" err="1">
+                <a:effectLst/>
+              </a:rPr>
+              <a:t>makeTime</a:t>
+            </a:r>
+            <a:r>
+              <a:rPr lang="en-GB" sz="1100" dirty="0"/>
+              <a:t>(</a:t>
+            </a:r>
+            <a:r>
+              <a:rPr lang="en-GB" sz="1100" dirty="0">
+                <a:effectLst/>
+              </a:rPr>
+              <a:t>&amp;tm</a:t>
+            </a:r>
+            <a:r>
+              <a:rPr lang="en-GB" sz="1100" dirty="0"/>
+              <a:t>); 		</a:t>
+            </a:r>
+            <a:r>
+              <a:rPr lang="en-GB" sz="1100" dirty="0">
+                <a:effectLst/>
+              </a:rPr>
+              <a:t>// return </a:t>
+            </a:r>
+            <a:r>
+              <a:rPr lang="en-GB" sz="1100" dirty="0" err="1">
+                <a:effectLst/>
+              </a:rPr>
+              <a:t>time_t</a:t>
+            </a:r>
+            <a:r>
+              <a:rPr lang="en-GB" sz="1100" dirty="0">
+                <a:effectLst/>
+              </a:rPr>
+              <a:t> from elements stored in tm struct</a:t>
+            </a:r>
+            <a:br>
+              <a:rPr lang="en-GB" sz="1100" dirty="0">
+                <a:effectLst/>
+              </a:rPr>
+            </a:br>
+            <a:br>
+              <a:rPr lang="en-GB" sz="1100" dirty="0">
+                <a:effectLst/>
+              </a:rPr>
+            </a:br>
+            <a:r>
+              <a:rPr lang="en-GB" sz="1100" dirty="0">
+                <a:effectLst/>
+              </a:rPr>
+              <a:t>Time Library needs a sync function specified:</a:t>
+            </a:r>
+            <a:br>
+              <a:rPr lang="en-GB" sz="1000" dirty="0">
+                <a:effectLst/>
+              </a:rPr>
+            </a:br>
+            <a:br>
+              <a:rPr lang="en-GB" sz="1100" b="0" i="0" u="none" strike="noStrike" dirty="0">
+                <a:solidFill>
+                  <a:srgbClr val="1F2328"/>
+                </a:solidFill>
+                <a:effectLst/>
+                <a:latin typeface="-apple-system"/>
+              </a:rPr>
+            </a:br>
+            <a:r>
+              <a:rPr lang="en-GB" sz="1600" dirty="0">
+                <a:solidFill>
+                  <a:srgbClr val="4E5B61"/>
+                </a:solidFill>
+                <a:latin typeface="Menlo" panose="020B0609030804020204" pitchFamily="49" charset="0"/>
+              </a:rPr>
+              <a:t>Setup:</a:t>
+            </a:r>
+            <a:br>
+              <a:rPr lang="en-GB" sz="1100" b="0" dirty="0">
+                <a:solidFill>
+                  <a:srgbClr val="4E5B61"/>
+                </a:solidFill>
+                <a:effectLst/>
+                <a:latin typeface="Menlo" panose="020B0609030804020204" pitchFamily="49" charset="0"/>
+              </a:rPr>
+            </a:br>
+            <a:r>
+              <a:rPr lang="en-GB" sz="1100" b="0" dirty="0">
+                <a:solidFill>
+                  <a:srgbClr val="4E5B61"/>
+                </a:solidFill>
+                <a:effectLst/>
+                <a:latin typeface="Menlo" panose="020B0609030804020204" pitchFamily="49" charset="0"/>
+              </a:rPr>
+              <a:t>	</a:t>
+            </a:r>
+            <a:r>
+              <a:rPr lang="en-GB" sz="1100" b="0" dirty="0" err="1">
+                <a:solidFill>
+                  <a:srgbClr val="4E5B61"/>
+                </a:solidFill>
+                <a:effectLst/>
+                <a:latin typeface="Menlo" panose="020B0609030804020204" pitchFamily="49" charset="0"/>
+              </a:rPr>
+              <a:t>setSyncProvider</a:t>
+            </a:r>
+            <a:r>
+              <a:rPr lang="en-GB" sz="1100" b="0" dirty="0">
+                <a:solidFill>
+                  <a:srgbClr val="4E5B61"/>
+                </a:solidFill>
+                <a:effectLst/>
+                <a:latin typeface="Menlo" panose="020B0609030804020204" pitchFamily="49" charset="0"/>
+              </a:rPr>
+              <a:t>(</a:t>
+            </a:r>
+            <a:r>
+              <a:rPr lang="en-GB" sz="1100" b="0" dirty="0" err="1">
+                <a:solidFill>
+                  <a:srgbClr val="4E5B61"/>
+                </a:solidFill>
+                <a:effectLst/>
+                <a:latin typeface="Menlo" panose="020B0609030804020204" pitchFamily="49" charset="0"/>
+              </a:rPr>
+              <a:t>RTC.get</a:t>
+            </a:r>
+            <a:r>
+              <a:rPr lang="en-GB" sz="1100" b="0" dirty="0">
+                <a:solidFill>
+                  <a:srgbClr val="4E5B61"/>
+                </a:solidFill>
+                <a:effectLst/>
+                <a:latin typeface="Menlo" panose="020B0609030804020204" pitchFamily="49" charset="0"/>
+              </a:rPr>
+              <a:t>);   // the function to get the time from the RTC</a:t>
+            </a:r>
+            <a:br>
+              <a:rPr lang="en-GB" sz="1100" dirty="0">
+                <a:solidFill>
+                  <a:srgbClr val="4E5B61"/>
+                </a:solidFill>
+                <a:latin typeface="Menlo" panose="020B0609030804020204" pitchFamily="49" charset="0"/>
+              </a:rPr>
+            </a:br>
+            <a:r>
+              <a:rPr lang="en-GB" sz="1100" dirty="0">
+                <a:solidFill>
+                  <a:srgbClr val="4E5B61"/>
+                </a:solidFill>
+                <a:latin typeface="Menlo" panose="020B0609030804020204" pitchFamily="49" charset="0"/>
+              </a:rPr>
+              <a:t>	</a:t>
+            </a:r>
+            <a:br>
+              <a:rPr lang="en-GB" sz="1100" dirty="0">
+                <a:solidFill>
+                  <a:srgbClr val="4E5B61"/>
+                </a:solidFill>
+                <a:latin typeface="Menlo" panose="020B0609030804020204" pitchFamily="49" charset="0"/>
+              </a:rPr>
+            </a:br>
+            <a:r>
+              <a:rPr lang="en-GB" sz="1100" dirty="0">
+                <a:solidFill>
+                  <a:srgbClr val="4E5B61"/>
+                </a:solidFill>
+                <a:latin typeface="Menlo" panose="020B0609030804020204" pitchFamily="49" charset="0"/>
+              </a:rPr>
+              <a:t>	</a:t>
+            </a:r>
+            <a:r>
+              <a:rPr lang="en-GB" sz="1100" dirty="0" err="1">
+                <a:solidFill>
+                  <a:srgbClr val="4E5B61"/>
+                </a:solidFill>
+                <a:latin typeface="Menlo" panose="020B0609030804020204" pitchFamily="49" charset="0"/>
+              </a:rPr>
+              <a:t>RTC.get</a:t>
+            </a:r>
+            <a:r>
+              <a:rPr lang="en-GB" sz="1100" dirty="0">
+                <a:solidFill>
+                  <a:srgbClr val="4E5B61"/>
+                </a:solidFill>
+                <a:latin typeface="Menlo" panose="020B0609030804020204" pitchFamily="49" charset="0"/>
+              </a:rPr>
+              <a:t> which returns a </a:t>
+            </a:r>
+            <a:r>
+              <a:rPr lang="en-GB" sz="1100" dirty="0" err="1">
+                <a:solidFill>
+                  <a:srgbClr val="4E5B61"/>
+                </a:solidFill>
+                <a:latin typeface="Menlo" panose="020B0609030804020204" pitchFamily="49" charset="0"/>
+              </a:rPr>
+              <a:t>time_t</a:t>
+            </a:r>
+            <a:r>
+              <a:rPr lang="en-GB" sz="1100" dirty="0">
+                <a:solidFill>
+                  <a:srgbClr val="4E5B61"/>
+                </a:solidFill>
+                <a:latin typeface="Menlo" panose="020B0609030804020204" pitchFamily="49" charset="0"/>
+              </a:rPr>
+              <a:t> value.</a:t>
+            </a:r>
+            <a:br>
+              <a:rPr lang="en-GB" sz="1100" dirty="0">
+                <a:solidFill>
+                  <a:srgbClr val="4E5B61"/>
+                </a:solidFill>
+                <a:latin typeface="Menlo" panose="020B0609030804020204" pitchFamily="49" charset="0"/>
+              </a:rPr>
+            </a:br>
+            <a:br>
+              <a:rPr lang="en-GB" sz="2800" b="0" dirty="0">
+                <a:solidFill>
+                  <a:srgbClr val="4E5B61"/>
+                </a:solidFill>
+                <a:effectLst/>
+                <a:latin typeface="Menlo" panose="020B0609030804020204" pitchFamily="49" charset="0"/>
+              </a:rPr>
+            </a:br>
+            <a:r>
+              <a:rPr lang="en-GB" sz="1100" b="0" dirty="0">
+                <a:solidFill>
+                  <a:srgbClr val="4E5B61"/>
+                </a:solidFill>
+                <a:effectLst/>
+                <a:latin typeface="Menlo" panose="020B0609030804020204" pitchFamily="49" charset="0"/>
+              </a:rPr>
+              <a:t>	</a:t>
+            </a:r>
+            <a:r>
+              <a:rPr lang="en-GB" sz="1100" dirty="0" err="1">
+                <a:solidFill>
+                  <a:srgbClr val="4E5B61"/>
+                </a:solidFill>
+                <a:latin typeface="Menlo" panose="020B0609030804020204" pitchFamily="49" charset="0"/>
+              </a:rPr>
+              <a:t>time_t</a:t>
+            </a:r>
+            <a:r>
+              <a:rPr lang="en-GB" sz="1100" dirty="0">
+                <a:solidFill>
+                  <a:srgbClr val="4E5B61"/>
+                </a:solidFill>
+                <a:latin typeface="Menlo" panose="020B0609030804020204" pitchFamily="49" charset="0"/>
+              </a:rPr>
+              <a:t> get</a:t>
+            </a:r>
+            <a:br>
+              <a:rPr lang="en-GB" sz="1100" dirty="0">
+                <a:solidFill>
+                  <a:srgbClr val="4E5B61"/>
+                </a:solidFill>
+                <a:latin typeface="Menlo" panose="020B0609030804020204" pitchFamily="49" charset="0"/>
+              </a:rPr>
+            </a:br>
+            <a:r>
+              <a:rPr lang="en-GB" sz="1100" dirty="0">
+                <a:solidFill>
+                  <a:srgbClr val="4E5B61"/>
+                </a:solidFill>
+                <a:latin typeface="Menlo" panose="020B0609030804020204" pitchFamily="49" charset="0"/>
+              </a:rPr>
+              <a:t>	</a:t>
+            </a:r>
+            <a:r>
+              <a:rPr lang="en-GB" sz="1100" dirty="0" err="1">
+                <a:solidFill>
+                  <a:srgbClr val="4E5B61"/>
+                </a:solidFill>
+                <a:latin typeface="Menlo" panose="020B0609030804020204" pitchFamily="49" charset="0"/>
+              </a:rPr>
+              <a:t>tmElements_t</a:t>
+            </a:r>
+            <a:r>
+              <a:rPr lang="en-GB" sz="1100" dirty="0">
+                <a:solidFill>
+                  <a:srgbClr val="4E5B61"/>
+                </a:solidFill>
+                <a:latin typeface="Menlo" panose="020B0609030804020204" pitchFamily="49" charset="0"/>
+              </a:rPr>
+              <a:t> tm;</a:t>
+            </a:r>
+            <a:br>
+              <a:rPr lang="en-GB" sz="1100" dirty="0">
+                <a:solidFill>
+                  <a:srgbClr val="4E5B61"/>
+                </a:solidFill>
+                <a:latin typeface="Menlo" panose="020B0609030804020204" pitchFamily="49" charset="0"/>
+              </a:rPr>
+            </a:br>
+            <a:r>
+              <a:rPr lang="en-GB" sz="1100" dirty="0">
+                <a:solidFill>
+                  <a:srgbClr val="4E5B61"/>
+                </a:solidFill>
+                <a:latin typeface="Menlo" panose="020B0609030804020204" pitchFamily="49" charset="0"/>
+              </a:rPr>
+              <a:t>	….</a:t>
+            </a:r>
+            <a:br>
+              <a:rPr lang="en-GB" sz="1100" dirty="0">
+                <a:solidFill>
+                  <a:srgbClr val="4E5B61"/>
+                </a:solidFill>
+                <a:latin typeface="Menlo" panose="020B0609030804020204" pitchFamily="49" charset="0"/>
+              </a:rPr>
+            </a:br>
+            <a:r>
+              <a:rPr lang="en-GB" sz="1100" dirty="0">
+                <a:solidFill>
+                  <a:srgbClr val="4E5B61"/>
+                </a:solidFill>
+                <a:latin typeface="Menlo" panose="020B0609030804020204" pitchFamily="49" charset="0"/>
+              </a:rPr>
+              <a:t>	</a:t>
+            </a:r>
+            <a:r>
+              <a:rPr lang="en-GB" sz="1100" dirty="0" err="1">
+                <a:solidFill>
+                  <a:srgbClr val="4E5B61"/>
+                </a:solidFill>
+                <a:latin typeface="Menlo" panose="020B0609030804020204" pitchFamily="49" charset="0"/>
+              </a:rPr>
+              <a:t>makeTime</a:t>
+            </a:r>
+            <a:r>
+              <a:rPr lang="en-GB" sz="1100" dirty="0">
+                <a:solidFill>
+                  <a:srgbClr val="4E5B61"/>
+                </a:solidFill>
+                <a:latin typeface="Menlo" panose="020B0609030804020204" pitchFamily="49" charset="0"/>
+              </a:rPr>
+              <a:t>(tm)</a:t>
+            </a:r>
+          </a:p>
+          <a:p>
+            <a:r>
+              <a:rPr lang="en-GB" b="0" dirty="0">
+                <a:solidFill>
+                  <a:srgbClr val="4E5B61"/>
+                </a:solidFill>
+                <a:effectLst/>
+                <a:latin typeface="Menlo" panose="020B0609030804020204" pitchFamily="49" charset="0"/>
+              </a:rPr>
+              <a:t>Combine ESP NTP server with Time library</a:t>
+            </a:r>
+            <a:br>
+              <a:rPr lang="en-GB" sz="1200" b="0" dirty="0">
+                <a:solidFill>
+                  <a:srgbClr val="4E5B61"/>
+                </a:solidFill>
+                <a:effectLst/>
+                <a:latin typeface="Menlo" panose="020B0609030804020204" pitchFamily="49" charset="0"/>
+              </a:rPr>
+            </a:br>
+            <a:br>
+              <a:rPr lang="en-GB" sz="1200" b="0" dirty="0">
+                <a:solidFill>
+                  <a:srgbClr val="4E5B61"/>
+                </a:solidFill>
+                <a:effectLst/>
+                <a:latin typeface="Menlo" panose="020B0609030804020204" pitchFamily="49" charset="0"/>
+              </a:rPr>
+            </a:br>
+            <a:r>
+              <a:rPr lang="en-GB" sz="1200" b="0" dirty="0" err="1">
+                <a:solidFill>
+                  <a:srgbClr val="4E5B61"/>
+                </a:solidFill>
+                <a:effectLst/>
+                <a:latin typeface="Menlo" panose="020B0609030804020204" pitchFamily="49" charset="0"/>
+              </a:rPr>
+              <a:t>setSyncProvider</a:t>
+            </a:r>
+            <a:r>
+              <a:rPr lang="en-GB" sz="1200" b="0" dirty="0">
+                <a:solidFill>
+                  <a:srgbClr val="4E5B61"/>
+                </a:solidFill>
+                <a:effectLst/>
+                <a:latin typeface="Menlo" panose="020B0609030804020204" pitchFamily="49" charset="0"/>
+              </a:rPr>
+              <a:t>(</a:t>
+            </a:r>
+            <a:r>
+              <a:rPr lang="en-GB" sz="1200" b="0" dirty="0" err="1">
+                <a:solidFill>
+                  <a:srgbClr val="4E5B61"/>
+                </a:solidFill>
+                <a:effectLst/>
+                <a:latin typeface="Menlo" panose="020B0609030804020204" pitchFamily="49" charset="0"/>
+              </a:rPr>
+              <a:t>NTPgetTime</a:t>
+            </a:r>
+            <a:r>
+              <a:rPr lang="en-GB" sz="1200" b="0" dirty="0">
+                <a:solidFill>
+                  <a:srgbClr val="4E5B61"/>
+                </a:solidFill>
+                <a:effectLst/>
+                <a:latin typeface="Menlo" panose="020B0609030804020204" pitchFamily="49" charset="0"/>
+              </a:rPr>
+              <a:t>); </a:t>
+            </a:r>
+            <a:br>
+              <a:rPr lang="en-GB" sz="1200" b="0" dirty="0">
+                <a:solidFill>
+                  <a:srgbClr val="4E5B61"/>
+                </a:solidFill>
+                <a:effectLst/>
+                <a:latin typeface="Menlo" panose="020B0609030804020204" pitchFamily="49" charset="0"/>
+              </a:rPr>
+            </a:br>
+            <a:br>
+              <a:rPr lang="en-GB" sz="1200" b="0" dirty="0">
+                <a:solidFill>
+                  <a:srgbClr val="4E5B61"/>
+                </a:solidFill>
+                <a:effectLst/>
+                <a:latin typeface="Menlo" panose="020B0609030804020204" pitchFamily="49" charset="0"/>
+              </a:rPr>
+            </a:br>
+            <a:r>
+              <a:rPr lang="en-GB" sz="1200" b="0" dirty="0" err="1">
+                <a:solidFill>
+                  <a:srgbClr val="4E5B61"/>
+                </a:solidFill>
+                <a:effectLst/>
+                <a:latin typeface="Menlo" panose="020B0609030804020204" pitchFamily="49" charset="0"/>
+              </a:rPr>
+              <a:t>time_t</a:t>
+            </a:r>
+            <a:r>
+              <a:rPr lang="en-GB" sz="1200" b="0" dirty="0">
+                <a:solidFill>
+                  <a:srgbClr val="4E5B61"/>
+                </a:solidFill>
+                <a:effectLst/>
+                <a:latin typeface="Menlo" panose="020B0609030804020204" pitchFamily="49" charset="0"/>
+              </a:rPr>
+              <a:t> </a:t>
+            </a:r>
+            <a:r>
+              <a:rPr lang="en-GB" sz="1200" b="0" dirty="0" err="1">
+                <a:solidFill>
+                  <a:srgbClr val="4E5B61"/>
+                </a:solidFill>
+                <a:effectLst/>
+                <a:latin typeface="Menlo" panose="020B0609030804020204" pitchFamily="49" charset="0"/>
+              </a:rPr>
+              <a:t>NTPgetTime</a:t>
+            </a:r>
+            <a:r>
+              <a:rPr lang="en-GB" sz="1200" b="0" dirty="0">
+                <a:solidFill>
+                  <a:srgbClr val="4E5B61"/>
+                </a:solidFill>
+                <a:effectLst/>
+                <a:latin typeface="Menlo" panose="020B0609030804020204" pitchFamily="49" charset="0"/>
+              </a:rPr>
+              <a:t>() {</a:t>
+            </a:r>
+            <a:br>
+              <a:rPr lang="en-GB" sz="1200" b="0" dirty="0">
+                <a:solidFill>
+                  <a:srgbClr val="4E5B61"/>
+                </a:solidFill>
+                <a:effectLst/>
+                <a:latin typeface="Menlo" panose="020B0609030804020204" pitchFamily="49" charset="0"/>
+              </a:rPr>
+            </a:br>
+            <a:r>
+              <a:rPr lang="en-GB" sz="1200" b="0" dirty="0">
+                <a:solidFill>
+                  <a:srgbClr val="4E5B61"/>
+                </a:solidFill>
+                <a:effectLst/>
+                <a:latin typeface="Menlo" panose="020B0609030804020204" pitchFamily="49" charset="0"/>
+              </a:rPr>
+              <a:t> 	</a:t>
+            </a:r>
+            <a:r>
+              <a:rPr lang="en-GB" sz="1200" b="0" dirty="0" err="1">
+                <a:solidFill>
+                  <a:srgbClr val="D35400"/>
+                </a:solidFill>
+                <a:effectLst/>
+                <a:latin typeface="Menlo" panose="020B0609030804020204" pitchFamily="49" charset="0"/>
+              </a:rPr>
+              <a:t>getLocalTime</a:t>
+            </a:r>
+            <a:r>
+              <a:rPr lang="en-GB" sz="1200" b="0" dirty="0">
+                <a:solidFill>
+                  <a:srgbClr val="434F54"/>
+                </a:solidFill>
+                <a:effectLst/>
+                <a:latin typeface="Menlo" panose="020B0609030804020204" pitchFamily="49" charset="0"/>
+              </a:rPr>
+              <a:t>(</a:t>
+            </a:r>
+            <a:r>
+              <a:rPr lang="en-GB" sz="1200" b="0" dirty="0">
+                <a:solidFill>
+                  <a:srgbClr val="4E5B61"/>
+                </a:solidFill>
+                <a:effectLst/>
+                <a:latin typeface="Menlo" panose="020B0609030804020204" pitchFamily="49" charset="0"/>
+              </a:rPr>
+              <a:t>&amp;</a:t>
+            </a:r>
+            <a:r>
+              <a:rPr lang="en-GB" sz="1200" b="0" dirty="0" err="1">
+                <a:solidFill>
+                  <a:srgbClr val="4E5B61"/>
+                </a:solidFill>
+                <a:effectLst/>
+                <a:latin typeface="Menlo" panose="020B0609030804020204" pitchFamily="49" charset="0"/>
+              </a:rPr>
+              <a:t>timeinfo</a:t>
+            </a:r>
+            <a:r>
+              <a:rPr lang="en-GB" sz="1200" b="0" dirty="0">
+                <a:solidFill>
+                  <a:srgbClr val="434F54"/>
+                </a:solidFill>
+                <a:effectLst/>
+                <a:latin typeface="Menlo" panose="020B0609030804020204" pitchFamily="49" charset="0"/>
+              </a:rPr>
+              <a:t>)</a:t>
+            </a:r>
+            <a:r>
+              <a:rPr lang="en-GB" sz="1200" b="0" dirty="0">
+                <a:solidFill>
+                  <a:srgbClr val="4E5B61"/>
+                </a:solidFill>
+                <a:effectLst/>
+                <a:latin typeface="Menlo" panose="020B0609030804020204" pitchFamily="49" charset="0"/>
+              </a:rPr>
+              <a:t>;</a:t>
+            </a:r>
+            <a:br>
+              <a:rPr lang="en-GB" sz="1200" b="0" dirty="0">
+                <a:solidFill>
+                  <a:srgbClr val="4E5B61"/>
+                </a:solidFill>
+                <a:effectLst/>
+                <a:latin typeface="Menlo" panose="020B0609030804020204" pitchFamily="49" charset="0"/>
+              </a:rPr>
+            </a:br>
+            <a:r>
+              <a:rPr lang="en-GB" sz="1200" b="0" dirty="0">
+                <a:solidFill>
+                  <a:srgbClr val="4E5B61"/>
+                </a:solidFill>
+                <a:effectLst/>
+                <a:latin typeface="Menlo" panose="020B0609030804020204" pitchFamily="49" charset="0"/>
+              </a:rPr>
+              <a:t> 	return(</a:t>
+            </a:r>
+            <a:r>
+              <a:rPr lang="en-GB" sz="1200" b="0" dirty="0" err="1">
+                <a:solidFill>
+                  <a:srgbClr val="4E5B61"/>
+                </a:solidFill>
+                <a:effectLst/>
+                <a:latin typeface="Menlo" panose="020B0609030804020204" pitchFamily="49" charset="0"/>
+              </a:rPr>
+              <a:t>makeTime</a:t>
+            </a:r>
+            <a:r>
+              <a:rPr lang="en-GB" sz="1200" b="0" dirty="0">
+                <a:solidFill>
+                  <a:srgbClr val="4E5B61"/>
+                </a:solidFill>
+                <a:effectLst/>
+                <a:latin typeface="Menlo" panose="020B0609030804020204" pitchFamily="49" charset="0"/>
+              </a:rPr>
+              <a:t>(</a:t>
+            </a:r>
+            <a:r>
+              <a:rPr lang="en-GB" sz="1200" b="0" dirty="0" err="1">
+                <a:solidFill>
+                  <a:srgbClr val="4E5B61"/>
+                </a:solidFill>
+                <a:effectLst/>
+                <a:latin typeface="Menlo" panose="020B0609030804020204" pitchFamily="49" charset="0"/>
+              </a:rPr>
+              <a:t>timeinfo</a:t>
+            </a:r>
+            <a:r>
+              <a:rPr lang="en-GB" sz="1200" b="0" dirty="0">
+                <a:solidFill>
+                  <a:srgbClr val="4E5B61"/>
+                </a:solidFill>
+                <a:effectLst/>
+                <a:latin typeface="Menlo" panose="020B0609030804020204" pitchFamily="49" charset="0"/>
+              </a:rPr>
+              <a:t>);</a:t>
+            </a:r>
+            <a:br>
+              <a:rPr lang="en-GB" sz="1200" b="0" dirty="0">
+                <a:solidFill>
+                  <a:srgbClr val="4E5B61"/>
+                </a:solidFill>
+                <a:effectLst/>
+                <a:latin typeface="Menlo" panose="020B0609030804020204" pitchFamily="49" charset="0"/>
+              </a:rPr>
+            </a:br>
+            <a:r>
+              <a:rPr lang="en-GB" sz="1200" b="0" dirty="0">
+                <a:solidFill>
+                  <a:srgbClr val="4E5B61"/>
+                </a:solidFill>
+                <a:effectLst/>
+                <a:latin typeface="Menlo" panose="020B0609030804020204" pitchFamily="49" charset="0"/>
+              </a:rPr>
+              <a:t>}</a:t>
+            </a:r>
+            <a:endParaRPr lang="en-GB" b="0" dirty="0">
+              <a:solidFill>
+                <a:srgbClr val="4E5B61"/>
+              </a:solidFill>
+              <a:effectLst/>
+              <a:latin typeface="Menlo" panose="020B0609030804020204" pitchFamily="49" charset="0"/>
+            </a:endParaRPr>
+          </a:p>
+        </p:txBody>
+      </p:sp>
+    </p:spTree>
+    <p:extLst>
+      <p:ext uri="{BB962C8B-B14F-4D97-AF65-F5344CB8AC3E}">
+        <p14:creationId xmlns:p14="http://schemas.microsoft.com/office/powerpoint/2010/main" val="1187016029"/>
+      </p:ext>
+    </p:extLst>
+  </p:cSld>
+  <p:clrMapOvr>
+    <a:masterClrMapping/>
+  </p:clrMapOvr>
+</p:sld>
+</file>
+
+<file path=ppt/slides/slide7.xml><?xml version="1.0" encoding="utf-8"?>
+<p:sld xmlns:a="http://schemas.openxmlformats.org/drawingml/2006/main" xmlns:r="http://schemas.openxmlformats.org/officeDocument/2006/relationships" xmlns:p="http://schemas.openxmlformats.org/presentationml/2006/main">
+  <p:cSld>
+    <p:spTree>
+      <p:nvGrpSpPr>
+        <p:cNvPr id="1" name=""/>
+        <p:cNvGrpSpPr/>
+        <p:nvPr/>
+      </p:nvGrpSpPr>
+      <p:grpSpPr>
+        <a:xfrm>
+          <a:off x="0" y="0"/>
+          <a:ext cx="0" cy="0"/>
+          <a:chOff x="0" y="0"/>
+          <a:chExt cx="0" cy="0"/>
+        </a:xfrm>
+      </p:grpSpPr>
+      <p:sp>
+        <p:nvSpPr>
+          <p:cNvPr id="2" name="Title 1">
+            <a:extLst>
+              <a:ext uri="{FF2B5EF4-FFF2-40B4-BE49-F238E27FC236}">
+                <a16:creationId xmlns:a16="http://schemas.microsoft.com/office/drawing/2014/main" id="{3F2FA686-1FFA-2825-FA67-5259FEE0110A}"/>
+              </a:ext>
+            </a:extLst>
+          </p:cNvPr>
+          <p:cNvSpPr>
+            <a:spLocks noGrp="1"/>
+          </p:cNvSpPr>
+          <p:nvPr>
+            <p:ph type="title"/>
+          </p:nvPr>
+        </p:nvSpPr>
+        <p:spPr/>
+        <p:txBody>
+          <a:bodyPr/>
+          <a:lstStyle/>
+          <a:p>
+            <a:r>
+              <a:rPr lang="en-NL" dirty="0"/>
+              <a:t>Open issues</a:t>
+            </a:r>
+          </a:p>
+        </p:txBody>
+      </p:sp>
+      <p:sp>
+        <p:nvSpPr>
+          <p:cNvPr id="3" name="Content Placeholder 2">
+            <a:extLst>
+              <a:ext uri="{FF2B5EF4-FFF2-40B4-BE49-F238E27FC236}">
+                <a16:creationId xmlns:a16="http://schemas.microsoft.com/office/drawing/2014/main" id="{6A82FA00-4603-A39E-C627-641073A0BDCB}"/>
+              </a:ext>
+            </a:extLst>
+          </p:cNvPr>
+          <p:cNvSpPr>
+            <a:spLocks noGrp="1"/>
+          </p:cNvSpPr>
+          <p:nvPr>
+            <p:ph idx="1"/>
+          </p:nvPr>
+        </p:nvSpPr>
+        <p:spPr/>
+        <p:txBody>
+          <a:bodyPr/>
+          <a:lstStyle/>
+          <a:p>
+            <a:r>
+              <a:rPr lang="en-NL" dirty="0"/>
+              <a:t>Test WiFi statemachine as I changed the initial state</a:t>
+            </a:r>
+          </a:p>
+          <a:p>
+            <a:r>
+              <a:rPr lang="en-NL" dirty="0"/>
+              <a:t>What to do with RTC that has lost battery power</a:t>
+            </a:r>
+          </a:p>
+          <a:p>
+            <a:r>
+              <a:rPr lang="en-NL"/>
+              <a:t>Update Config page for timing stuff</a:t>
+            </a:r>
+          </a:p>
+        </p:txBody>
+      </p:sp>
+    </p:spTree>
+    <p:extLst>
+      <p:ext uri="{BB962C8B-B14F-4D97-AF65-F5344CB8AC3E}">
+        <p14:creationId xmlns:p14="http://schemas.microsoft.com/office/powerpoint/2010/main" val="826305636"/>
       </p:ext>
     </p:extLst>
   </p:cSld>
@@ -8132,4 +11197,299 @@
     </a:ext>
   </a:extLst>
 </a:theme>
+</file>
+
+<file path=ppt/theme/theme2.xml><?xml version="1.0" encoding="utf-8"?>
+<a:theme xmlns:a="http://schemas.openxmlformats.org/drawingml/2006/main" name="Office Theme">
+  <a:themeElements>
+    <a:clrScheme name="Office">
+      <a:dk1>
+        <a:sysClr val="windowText" lastClr="000000"/>
+      </a:dk1>
+      <a:lt1>
+        <a:sysClr val="window" lastClr="FFFFFF"/>
+      </a:lt1>
+      <a:dk2>
+        <a:srgbClr val="44546A"/>
+      </a:dk2>
+      <a:lt2>
+        <a:srgbClr val="E7E6E6"/>
+      </a:lt2>
+      <a:accent1>
+        <a:srgbClr val="4472C4"/>
+      </a:accent1>
+      <a:accent2>
+        <a:srgbClr val="ED7D31"/>
+      </a:accent2>
+      <a:accent3>
+        <a:srgbClr val="A5A5A5"/>
+      </a:accent3>
+      <a:accent4>
+        <a:srgbClr val="FFC000"/>
+      </a:accent4>
+      <a:accent5>
+        <a:srgbClr val="5B9BD5"/>
+      </a:accent5>
+      <a:accent6>
+        <a:srgbClr val="70AD47"/>
+      </a:accent6>
+      <a:hlink>
+        <a:srgbClr val="0563C1"/>
+      </a:hlink>
+      <a:folHlink>
+        <a:srgbClr val="954F72"/>
+      </a:folHlink>
+    </a:clrScheme>
+    <a:fontScheme name="Office">
+      <a:majorFont>
+        <a:latin typeface="Calibri Light" panose="020F0302020204030204"/>
+        <a:ea typeface=""/>
+        <a:cs typeface=""/>
+        <a:font script="Jpan" typeface="游ゴシック Light"/>
+        <a:font script="Hang" typeface="맑은 고딕"/>
+        <a:font script="Hans" typeface="等线 Light"/>
+        <a:font script="Hant" typeface="新細明體"/>
+        <a:font script="Arab" typeface="Times New Roman"/>
+        <a:font script="Hebr" typeface="Times New Roman"/>
+        <a:font script="Thai" typeface="Angsana New"/>
+        <a:font script="Ethi" typeface="Nyala"/>
+        <a:font script="Beng" typeface="Vrinda"/>
+        <a:font script="Gujr" typeface="Shruti"/>
+        <a:font script="Khmr" typeface="MoolBoran"/>
+        <a:font script="Knda" typeface="Tunga"/>
+        <a:font script="Guru" typeface="Raavi"/>
+        <a:font script="Cans" typeface="Euphemia"/>
+        <a:font script="Cher" typeface="Plantagenet Cherokee"/>
+        <a:font script="Yiii" typeface="Microsoft Yi Baiti"/>
+        <a:font script="Tibt" typeface="Microsoft Himalaya"/>
+        <a:font script="Thaa" typeface="MV Boli"/>
+        <a:font script="Deva" typeface="Mangal"/>
+        <a:font script="Telu" typeface="Gautami"/>
+        <a:font script="Taml" typeface="Latha"/>
+        <a:font script="Syrc" typeface="Estrangelo Edessa"/>
+        <a:font script="Orya" typeface="Kalinga"/>
+        <a:font script="Mlym" typeface="Kartika"/>
+        <a:font script="Laoo" typeface="DokChampa"/>
+        <a:font script="Sinh" typeface="Iskoola Pota"/>
+        <a:font script="Mong" typeface="Mongolian Baiti"/>
+        <a:font script="Viet" typeface="Times New Roman"/>
+        <a:font script="Uigh" typeface="Microsoft Uighur"/>
+        <a:font script="Geor" typeface="Sylfaen"/>
+        <a:font script="Armn" typeface="Arial"/>
+        <a:font script="Bugi" typeface="Leelawadee UI"/>
+        <a:font script="Bopo" typeface="Microsoft JhengHei"/>
+        <a:font script="Java" typeface="Javanese Text"/>
+        <a:font script="Lisu" typeface="Segoe UI"/>
+        <a:font script="Mymr" typeface="Myanmar Text"/>
+        <a:font script="Nkoo" typeface="Ebrima"/>
+        <a:font script="Olck" typeface="Nirmala UI"/>
+        <a:font script="Osma" typeface="Ebrima"/>
+        <a:font script="Phag" typeface="Phagspa"/>
+        <a:font script="Syrn" typeface="Estrangelo Edessa"/>
+        <a:font script="Syrj" typeface="Estrangelo Edessa"/>
+        <a:font script="Syre" typeface="Estrangelo Edessa"/>
+        <a:font script="Sora" typeface="Nirmala UI"/>
+        <a:font script="Tale" typeface="Microsoft Tai Le"/>
+        <a:font script="Talu" typeface="Microsoft New Tai Lue"/>
+        <a:font script="Tfng" typeface="Ebrima"/>
+      </a:majorFont>
+      <a:minorFont>
+        <a:latin typeface="Calibri" panose="020F0502020204030204"/>
+        <a:ea typeface=""/>
+        <a:cs typeface=""/>
+        <a:font script="Jpan" typeface="游ゴシック"/>
+        <a:font script="Hang" typeface="맑은 고딕"/>
+        <a:font script="Hans" typeface="等线"/>
+        <a:font script="Hant" typeface="新細明體"/>
+        <a:font script="Arab" typeface="Arial"/>
+        <a:font script="Hebr" typeface="Arial"/>
+        <a:font script="Thai" typeface="Cordia New"/>
+        <a:font script="Ethi" typeface="Nyala"/>
+        <a:font script="Beng" typeface="Vrinda"/>
+        <a:font script="Gujr" typeface="Shruti"/>
+        <a:font script="Khmr" typeface="DaunPenh"/>
+        <a:font script="Knda" typeface="Tunga"/>
+        <a:font script="Guru" typeface="Raavi"/>
+        <a:font script="Cans" typeface="Euphemia"/>
+        <a:font script="Cher" typeface="Plantagenet Cherokee"/>
+        <a:font script="Yiii" typeface="Microsoft Yi Baiti"/>
+        <a:font script="Tibt" typeface="Microsoft Himalaya"/>
+        <a:font script="Thaa" typeface="MV Boli"/>
+        <a:font script="Deva" typeface="Mangal"/>
+        <a:font script="Telu" typeface="Gautami"/>
+        <a:font script="Taml" typeface="Latha"/>
+        <a:font script="Syrc" typeface="Estrangelo Edessa"/>
+        <a:font script="Orya" typeface="Kalinga"/>
+        <a:font script="Mlym" typeface="Kartika"/>
+        <a:font script="Laoo" typeface="DokChampa"/>
+        <a:font script="Sinh" typeface="Iskoola Pota"/>
+        <a:font script="Mong" typeface="Mongolian Baiti"/>
+        <a:font script="Viet" typeface="Arial"/>
+        <a:font script="Uigh" typeface="Microsoft Uighur"/>
+        <a:font script="Geor" typeface="Sylfaen"/>
+        <a:font script="Armn" typeface="Arial"/>
+        <a:font script="Bugi" typeface="Leelawadee UI"/>
+        <a:font script="Bopo" typeface="Microsoft JhengHei"/>
+        <a:font script="Java" typeface="Javanese Text"/>
+        <a:font script="Lisu" typeface="Segoe UI"/>
+        <a:font script="Mymr" typeface="Myanmar Text"/>
+        <a:font script="Nkoo" typeface="Ebrima"/>
+        <a:font script="Olck" typeface="Nirmala UI"/>
+        <a:font script="Osma" typeface="Ebrima"/>
+        <a:font script="Phag" typeface="Phagspa"/>
+        <a:font script="Syrn" typeface="Estrangelo Edessa"/>
+        <a:font script="Syrj" typeface="Estrangelo Edessa"/>
+        <a:font script="Syre" typeface="Estrangelo Edessa"/>
+        <a:font script="Sora" typeface="Nirmala UI"/>
+        <a:font script="Tale" typeface="Microsoft Tai Le"/>
+        <a:font script="Talu" typeface="Microsoft New Tai Lue"/>
+        <a:font script="Tfng" typeface="Ebrima"/>
+      </a:minorFont>
+    </a:fontScheme>
+    <a:fmtScheme name="Office">
+      <a:fillStyleLst>
+        <a:solidFill>
+          <a:schemeClr val="phClr"/>
+        </a:solidFill>
+        <a:gradFill rotWithShape="1">
+          <a:gsLst>
+            <a:gs pos="0">
+              <a:schemeClr val="phClr">
+                <a:lumMod val="110000"/>
+                <a:satMod val="105000"/>
+                <a:tint val="67000"/>
+              </a:schemeClr>
+            </a:gs>
+            <a:gs pos="50000">
+              <a:schemeClr val="phClr">
+                <a:lumMod val="105000"/>
+                <a:satMod val="103000"/>
+                <a:tint val="73000"/>
+              </a:schemeClr>
+            </a:gs>
+            <a:gs pos="100000">
+              <a:schemeClr val="phClr">
+                <a:lumMod val="105000"/>
+                <a:satMod val="109000"/>
+                <a:tint val="81000"/>
+              </a:schemeClr>
+            </a:gs>
+          </a:gsLst>
+          <a:lin ang="5400000" scaled="0"/>
+        </a:gradFill>
+        <a:gradFill rotWithShape="1">
+          <a:gsLst>
+            <a:gs pos="0">
+              <a:schemeClr val="phClr">
+                <a:satMod val="103000"/>
+                <a:lumMod val="102000"/>
+                <a:tint val="94000"/>
+              </a:schemeClr>
+            </a:gs>
+            <a:gs pos="50000">
+              <a:schemeClr val="phClr">
+                <a:satMod val="110000"/>
+                <a:lumMod val="100000"/>
+                <a:shade val="100000"/>
+              </a:schemeClr>
+            </a:gs>
+            <a:gs pos="100000">
+              <a:schemeClr val="phClr">
+                <a:lumMod val="99000"/>
+                <a:satMod val="120000"/>
+                <a:shade val="78000"/>
+              </a:schemeClr>
+            </a:gs>
+          </a:gsLst>
+          <a:lin ang="5400000" scaled="0"/>
+        </a:gradFill>
+      </a:fillStyleLst>
+      <a:lnStyleLst>
+        <a:ln w="6350" cap="flat" cmpd="sng" algn="ctr">
+          <a:solidFill>
+            <a:schemeClr val="phClr"/>
+          </a:solidFill>
+          <a:prstDash val="solid"/>
+          <a:miter lim="800000"/>
+        </a:ln>
+        <a:ln w="12700" cap="flat" cmpd="sng" algn="ctr">
+          <a:solidFill>
+            <a:schemeClr val="phClr"/>
+          </a:solidFill>
+          <a:prstDash val="solid"/>
+          <a:miter lim="800000"/>
+        </a:ln>
+        <a:ln w="19050" cap="flat" cmpd="sng" algn="ctr">
+          <a:solidFill>
+            <a:schemeClr val="phClr"/>
+          </a:solidFill>
+          <a:prstDash val="solid"/>
+          <a:miter lim="800000"/>
+        </a:ln>
+      </a:lnStyleLst>
+      <a:effectStyleLst>
+        <a:effectStyle>
+          <a:effectLst/>
+        </a:effectStyle>
+        <a:effectStyle>
+          <a:effectLst/>
+        </a:effectStyle>
+        <a:effectStyle>
+          <a:effectLst>
+            <a:outerShdw blurRad="57150" dist="19050" dir="5400000" algn="ctr" rotWithShape="0">
+              <a:srgbClr val="000000">
+                <a:alpha val="63000"/>
+              </a:srgbClr>
+            </a:outerShdw>
+          </a:effectLst>
+        </a:effectStyle>
+      </a:effectStyleLst>
+      <a:bgFillStyleLst>
+        <a:solidFill>
+          <a:schemeClr val="phClr"/>
+        </a:solidFill>
+        <a:solidFill>
+          <a:schemeClr val="phClr">
+            <a:tint val="95000"/>
+            <a:satMod val="170000"/>
+          </a:schemeClr>
+        </a:solidFill>
+        <a:gradFill rotWithShape="1">
+          <a:gsLst>
+            <a:gs pos="0">
+              <a:schemeClr val="phClr">
+                <a:tint val="93000"/>
+                <a:satMod val="150000"/>
+                <a:shade val="98000"/>
+                <a:lumMod val="102000"/>
+              </a:schemeClr>
+            </a:gs>
+            <a:gs pos="50000">
+              <a:schemeClr val="phClr">
+                <a:tint val="98000"/>
+                <a:satMod val="130000"/>
+                <a:shade val="90000"/>
+                <a:lumMod val="103000"/>
+              </a:schemeClr>
+            </a:gs>
+            <a:gs pos="100000">
+              <a:schemeClr val="phClr">
+                <a:shade val="63000"/>
+                <a:satMod val="120000"/>
+              </a:schemeClr>
+            </a:gs>
+          </a:gsLst>
+          <a:lin ang="5400000" scaled="0"/>
+        </a:gradFill>
+      </a:bgFillStyleLst>
+    </a:fmtScheme>
+  </a:themeElements>
+  <a:objectDefaults/>
+  <a:extraClrSchemeLst/>
+  <a:extLst>
+    <a:ext uri="{05A4C25C-085E-4340-85A3-A5531E510DB2}">
+      <thm15:themeFamily xmlns:thm15="http://schemas.microsoft.com/office/thememl/2012/main" name="Office Theme" id="{62F939B6-93AF-4DB8-9C6B-D6C7DFDC589F}" vid="{4A3C46E8-61CC-4603-A589-7422A47A8E4A}"/>
+    </a:ext>
+  </a:extLst>
+</a:theme>
 </file>
--- a/Oli.pptx
+++ b/Oli.pptx
@@ -8896,7 +8896,7 @@
             </a:r>
             <a:r>
               <a:rPr lang="en-GB" dirty="0"/>
-              <a:t>, +60	Daylight saving time</a:t>
+              <a:t>, +120	Daylight saving time</a:t>
             </a:r>
           </a:p>
           <a:p>
@@ -8909,7 +8909,7 @@
             </a:r>
             <a:r>
               <a:rPr lang="en-GB" dirty="0"/>
-              <a:t>, Last, Sun, Oct, 3, -60   	Standard time</a:t>
+              <a:t>, Last, Sun, Oct, 3, +60   	Standard time</a:t>
             </a:r>
             <a:endParaRPr lang="en-GB" dirty="0">
               <a:sym typeface="Wingdings" pitchFamily="2" charset="2"/>
@@ -10885,7 +10885,7 @@
           </a:p>
           <a:p>
             <a:r>
-              <a:rPr lang="en-NL"/>
+              <a:rPr lang="en-NL" dirty="0"/>
               <a:t>Update Config page for timing stuff</a:t>
             </a:r>
           </a:p>

--- a/Oli.pptx
+++ b/Oli.pptx
@@ -5,16 +5,15 @@
     <p:sldMasterId id="2147483648" r:id="rId1"/>
   </p:sldMasterIdLst>
   <p:notesMasterIdLst>
-    <p:notesMasterId r:id="rId9"/>
+    <p:notesMasterId r:id="rId8"/>
   </p:notesMasterIdLst>
   <p:sldIdLst>
     <p:sldId id="256" r:id="rId2"/>
     <p:sldId id="257" r:id="rId3"/>
     <p:sldId id="260" r:id="rId4"/>
     <p:sldId id="261" r:id="rId5"/>
-    <p:sldId id="259" r:id="rId6"/>
-    <p:sldId id="258" r:id="rId7"/>
-    <p:sldId id="262" r:id="rId8"/>
+    <p:sldId id="258" r:id="rId6"/>
+    <p:sldId id="262" r:id="rId7"/>
   </p:sldIdLst>
   <p:sldSz cx="12192000" cy="6858000"/>
   <p:notesSz cx="6858000" cy="9144000"/>
@@ -203,7 +202,7 @@
           <a:p>
             <a:fld id="{960BDE04-FFF7-AF40-AF4F-D72359A71013}" type="datetimeFigureOut">
               <a:rPr lang="en-NL" smtClean="0"/>
-              <a:t>26/10/2023</a:t>
+              <a:t>07/11/2023</a:t>
             </a:fld>
             <a:endParaRPr lang="en-NL"/>
           </a:p>
@@ -704,7 +703,7 @@
           <a:p>
             <a:fld id="{738102A4-E71B-0447-A150-B4B7143CE932}" type="datetimeFigureOut">
               <a:rPr lang="en-NL" smtClean="0"/>
-              <a:t>11/10/2023</a:t>
+              <a:t>07/11/2023</a:t>
             </a:fld>
             <a:endParaRPr lang="en-NL"/>
           </a:p>
@@ -904,7 +903,7 @@
           <a:p>
             <a:fld id="{738102A4-E71B-0447-A150-B4B7143CE932}" type="datetimeFigureOut">
               <a:rPr lang="en-NL" smtClean="0"/>
-              <a:t>11/10/2023</a:t>
+              <a:t>07/11/2023</a:t>
             </a:fld>
             <a:endParaRPr lang="en-NL"/>
           </a:p>
@@ -1114,7 +1113,7 @@
           <a:p>
             <a:fld id="{738102A4-E71B-0447-A150-B4B7143CE932}" type="datetimeFigureOut">
               <a:rPr lang="en-NL" smtClean="0"/>
-              <a:t>11/10/2023</a:t>
+              <a:t>07/11/2023</a:t>
             </a:fld>
             <a:endParaRPr lang="en-NL"/>
           </a:p>
@@ -1314,7 +1313,7 @@
           <a:p>
             <a:fld id="{738102A4-E71B-0447-A150-B4B7143CE932}" type="datetimeFigureOut">
               <a:rPr lang="en-NL" smtClean="0"/>
-              <a:t>11/10/2023</a:t>
+              <a:t>07/11/2023</a:t>
             </a:fld>
             <a:endParaRPr lang="en-NL"/>
           </a:p>
@@ -1590,7 +1589,7 @@
           <a:p>
             <a:fld id="{738102A4-E71B-0447-A150-B4B7143CE932}" type="datetimeFigureOut">
               <a:rPr lang="en-NL" smtClean="0"/>
-              <a:t>11/10/2023</a:t>
+              <a:t>07/11/2023</a:t>
             </a:fld>
             <a:endParaRPr lang="en-NL"/>
           </a:p>
@@ -1858,7 +1857,7 @@
           <a:p>
             <a:fld id="{738102A4-E71B-0447-A150-B4B7143CE932}" type="datetimeFigureOut">
               <a:rPr lang="en-NL" smtClean="0"/>
-              <a:t>11/10/2023</a:t>
+              <a:t>07/11/2023</a:t>
             </a:fld>
             <a:endParaRPr lang="en-NL"/>
           </a:p>
@@ -2273,7 +2272,7 @@
           <a:p>
             <a:fld id="{738102A4-E71B-0447-A150-B4B7143CE932}" type="datetimeFigureOut">
               <a:rPr lang="en-NL" smtClean="0"/>
-              <a:t>11/10/2023</a:t>
+              <a:t>07/11/2023</a:t>
             </a:fld>
             <a:endParaRPr lang="en-NL"/>
           </a:p>
@@ -2415,7 +2414,7 @@
           <a:p>
             <a:fld id="{738102A4-E71B-0447-A150-B4B7143CE932}" type="datetimeFigureOut">
               <a:rPr lang="en-NL" smtClean="0"/>
-              <a:t>11/10/2023</a:t>
+              <a:t>07/11/2023</a:t>
             </a:fld>
             <a:endParaRPr lang="en-NL"/>
           </a:p>
@@ -2528,7 +2527,7 @@
           <a:p>
             <a:fld id="{738102A4-E71B-0447-A150-B4B7143CE932}" type="datetimeFigureOut">
               <a:rPr lang="en-NL" smtClean="0"/>
-              <a:t>11/10/2023</a:t>
+              <a:t>07/11/2023</a:t>
             </a:fld>
             <a:endParaRPr lang="en-NL"/>
           </a:p>
@@ -2841,7 +2840,7 @@
           <a:p>
             <a:fld id="{738102A4-E71B-0447-A150-B4B7143CE932}" type="datetimeFigureOut">
               <a:rPr lang="en-NL" smtClean="0"/>
-              <a:t>11/10/2023</a:t>
+              <a:t>07/11/2023</a:t>
             </a:fld>
             <a:endParaRPr lang="en-NL"/>
           </a:p>
@@ -3130,7 +3129,7 @@
           <a:p>
             <a:fld id="{738102A4-E71B-0447-A150-B4B7143CE932}" type="datetimeFigureOut">
               <a:rPr lang="en-NL" smtClean="0"/>
-              <a:t>11/10/2023</a:t>
+              <a:t>07/11/2023</a:t>
             </a:fld>
             <a:endParaRPr lang="en-NL"/>
           </a:p>
@@ -3373,7 +3372,7 @@
           <a:p>
             <a:fld id="{738102A4-E71B-0447-A150-B4B7143CE932}" type="datetimeFigureOut">
               <a:rPr lang="en-NL" smtClean="0"/>
-              <a:t>11/10/2023</a:t>
+              <a:t>07/11/2023</a:t>
             </a:fld>
             <a:endParaRPr lang="en-NL"/>
           </a:p>
@@ -8631,12 +8630,63 @@
             <p:ph idx="1"/>
           </p:nvPr>
         </p:nvSpPr>
-        <p:spPr/>
+        <p:spPr>
+          <a:xfrm>
+            <a:off x="838200" y="1408014"/>
+            <a:ext cx="10515600" cy="4768949"/>
+          </a:xfrm>
+        </p:spPr>
         <p:txBody>
           <a:bodyPr>
-            <a:normAutofit fontScale="47500" lnSpcReduction="20000"/>
+            <a:normAutofit fontScale="92500" lnSpcReduction="10000"/>
           </a:bodyPr>
           <a:lstStyle/>
+          <a:p>
+            <a:r>
+              <a:rPr lang="en-NL" dirty="0"/>
+              <a:t>RTC library: </a:t>
+            </a:r>
+            <a:r>
+              <a:rPr lang="en-GB" dirty="0">
+                <a:hlinkClick r:id="rId2"/>
+              </a:rPr>
+              <a:t>https://github.com/PaulStoffregen/DS1307RTC</a:t>
+            </a:r>
+            <a:endParaRPr lang="en-GB" dirty="0"/>
+          </a:p>
+          <a:p>
+            <a:r>
+              <a:rPr lang="en-GB" dirty="0"/>
+              <a:t>Time library: </a:t>
+            </a:r>
+            <a:r>
+              <a:rPr lang="en-GB" dirty="0">
+                <a:hlinkClick r:id="rId3"/>
+              </a:rPr>
+              <a:t>https://github.com/PaulStoffregen/Time</a:t>
+            </a:r>
+            <a:endParaRPr lang="en-GB" dirty="0"/>
+          </a:p>
+          <a:p>
+            <a:r>
+              <a:rPr lang="en-GB" dirty="0" err="1"/>
+              <a:t>TimeZone</a:t>
+            </a:r>
+            <a:r>
+              <a:rPr lang="en-GB" dirty="0"/>
+              <a:t> library: </a:t>
+            </a:r>
+            <a:r>
+              <a:rPr lang="en-GB" dirty="0">
+                <a:hlinkClick r:id="rId4"/>
+              </a:rPr>
+              <a:t>https://github.com/JChristensen/Timezone</a:t>
+            </a:r>
+            <a:r>
+              <a:rPr lang="en-GB" dirty="0"/>
+              <a:t> </a:t>
+            </a:r>
+          </a:p>
           <a:p>
             <a:r>
               <a:rPr lang="en-NL" dirty="0"/>
@@ -8650,26 +8700,8 @@
             </a:r>
             <a:r>
               <a:rPr lang="en-NL" dirty="0"/>
-              <a:t>en </a:t>
-            </a:r>
-            <a:br>
-              <a:rPr lang="en-NL" dirty="0"/>
-            </a:br>
-            <a:r>
-              <a:rPr lang="en-NL" dirty="0"/>
-              <a:t>sync Arduino iedere 5 minuten met de RTC (</a:t>
-            </a:r>
-            <a:r>
-              <a:rPr lang="en-GB" dirty="0">
-                <a:hlinkClick r:id="rId2"/>
-              </a:rPr>
-              <a:t>https://github.com/PaulStoffregen/Time</a:t>
-            </a:r>
-            <a:r>
-              <a:rPr lang="en-GB" dirty="0"/>
-              <a:t>)</a:t>
-            </a:r>
-            <a:endParaRPr lang="en-NL" dirty="0"/>
+              <a:t>en sync Arduino iedere 5 minuten met de RTC , dit doet de Time library</a:t>
+            </a:r>
           </a:p>
           <a:p>
             <a:r>
@@ -8680,30 +8712,14 @@
           <a:p>
             <a:r>
               <a:rPr lang="en-NL" dirty="0"/>
-              <a:t>Gebruik de TZ library voor zomertijd aanpassing (</a:t>
-            </a:r>
-            <a:r>
-              <a:rPr lang="en-GB" b="0" i="0" u="sng" dirty="0">
-                <a:effectLst/>
-                <a:latin typeface="-apple-system"/>
-                <a:hlinkClick r:id="rId3"/>
-              </a:rPr>
-              <a:t>https://github.com/JChristensen/Timezone</a:t>
-            </a:r>
-            <a:r>
-              <a:rPr lang="en-GB" b="0" i="0" u="sng" dirty="0">
-                <a:effectLst/>
-                <a:latin typeface="-apple-system"/>
-              </a:rPr>
-              <a:t>)</a:t>
-            </a:r>
-            <a:endParaRPr lang="en-NL" dirty="0"/>
-          </a:p>
-          <a:p>
-            <a:pPr marL="0" indent="0">
-              <a:buNone/>
-            </a:pPr>
-            <a:endParaRPr lang="en-NL" dirty="0"/>
+              <a:t>Sync RTC met NTP als NTP tijd beschikbaar komt</a:t>
+            </a:r>
+          </a:p>
+          <a:p>
+            <a:r>
+              <a:rPr lang="en-NL" dirty="0"/>
+              <a:t>Gebruik de TZ library voor zomertijd aanpassing</a:t>
+            </a:r>
           </a:p>
           <a:p>
             <a:r>
@@ -8752,188 +8768,6 @@
                 <a:sym typeface="Wingdings" pitchFamily="2" charset="2"/>
               </a:rPr>
               <a:t>f RTC != NTP  update RTC</a:t>
-            </a:r>
-          </a:p>
-          <a:p>
-            <a:pPr lvl="1"/>
-            <a:endParaRPr lang="en-NL" dirty="0">
-              <a:sym typeface="Wingdings" pitchFamily="2" charset="2"/>
-            </a:endParaRPr>
-          </a:p>
-          <a:p>
-            <a:r>
-              <a:rPr lang="en-NL" b="1" dirty="0">
-                <a:sym typeface="Wingdings" pitchFamily="2" charset="2"/>
-              </a:rPr>
-              <a:t>Config</a:t>
-            </a:r>
-          </a:p>
-          <a:p>
-            <a:pPr lvl="1"/>
-            <a:r>
-              <a:rPr lang="en-GB" dirty="0">
-                <a:sym typeface="Wingdings" pitchFamily="2" charset="2"/>
-              </a:rPr>
-              <a:t>2 </a:t>
-            </a:r>
-            <a:r>
-              <a:rPr lang="en-GB" dirty="0" err="1">
-                <a:sym typeface="Wingdings" pitchFamily="2" charset="2"/>
-              </a:rPr>
-              <a:t>TijdZone</a:t>
-            </a:r>
-            <a:r>
-              <a:rPr lang="en-GB" dirty="0">
-                <a:sym typeface="Wingdings" pitchFamily="2" charset="2"/>
-              </a:rPr>
-              <a:t> regels in de </a:t>
-            </a:r>
-            <a:r>
-              <a:rPr lang="en-GB" dirty="0" err="1">
-                <a:sym typeface="Wingdings" pitchFamily="2" charset="2"/>
-              </a:rPr>
-              <a:t>vorm</a:t>
-            </a:r>
-            <a:r>
-              <a:rPr lang="en-GB" dirty="0">
-                <a:sym typeface="Wingdings" pitchFamily="2" charset="2"/>
-              </a:rPr>
-              <a:t> “abbrev”, week, day, month, hour, offset</a:t>
-            </a:r>
-          </a:p>
-          <a:p>
-            <a:pPr lvl="2"/>
-            <a:r>
-              <a:rPr lang="en-GB" dirty="0">
-                <a:sym typeface="Wingdings" pitchFamily="2" charset="2"/>
-              </a:rPr>
-              <a:t>abbrev[6];    // five chars max</a:t>
-            </a:r>
-          </a:p>
-          <a:p>
-            <a:pPr lvl="2"/>
-            <a:r>
-              <a:rPr lang="en-GB" dirty="0">
-                <a:sym typeface="Wingdings" pitchFamily="2" charset="2"/>
-              </a:rPr>
-              <a:t>week;      // First, Second, Third, Fourth, or Last week of the month</a:t>
-            </a:r>
-          </a:p>
-          <a:p>
-            <a:pPr lvl="2"/>
-            <a:r>
-              <a:rPr lang="en-GB" dirty="0" err="1">
-                <a:sym typeface="Wingdings" pitchFamily="2" charset="2"/>
-              </a:rPr>
-              <a:t>dow</a:t>
-            </a:r>
-            <a:r>
-              <a:rPr lang="en-GB" dirty="0">
-                <a:sym typeface="Wingdings" pitchFamily="2" charset="2"/>
-              </a:rPr>
-              <a:t>;       // day of week, 1=Sun, 2=Mon, ... 7=Sat</a:t>
-            </a:r>
-          </a:p>
-          <a:p>
-            <a:pPr lvl="2"/>
-            <a:r>
-              <a:rPr lang="en-GB" dirty="0">
-                <a:sym typeface="Wingdings" pitchFamily="2" charset="2"/>
-              </a:rPr>
-              <a:t>month;     // 1=Jan, 2=Feb, ... 12=Dec</a:t>
-            </a:r>
-          </a:p>
-          <a:p>
-            <a:pPr lvl="2"/>
-            <a:r>
-              <a:rPr lang="en-GB" dirty="0">
-                <a:sym typeface="Wingdings" pitchFamily="2" charset="2"/>
-              </a:rPr>
-              <a:t>hour;      // 0-23</a:t>
-            </a:r>
-          </a:p>
-          <a:p>
-            <a:pPr lvl="2"/>
-            <a:r>
-              <a:rPr lang="en-GB" dirty="0">
-                <a:sym typeface="Wingdings" pitchFamily="2" charset="2"/>
-              </a:rPr>
-              <a:t>offset;        // offset from UTC in minutes</a:t>
-            </a:r>
-          </a:p>
-          <a:p>
-            <a:pPr lvl="1"/>
-            <a:r>
-              <a:rPr lang="en-GB" dirty="0" err="1">
-                <a:sym typeface="Wingdings" pitchFamily="2" charset="2"/>
-              </a:rPr>
-              <a:t>Voor</a:t>
-            </a:r>
-            <a:r>
-              <a:rPr lang="en-GB" dirty="0">
-                <a:sym typeface="Wingdings" pitchFamily="2" charset="2"/>
-              </a:rPr>
-              <a:t> Amsterdam:</a:t>
-            </a:r>
-          </a:p>
-          <a:p>
-            <a:pPr lvl="2"/>
-            <a:r>
-              <a:rPr lang="en-GB" dirty="0">
-                <a:effectLst/>
-              </a:rPr>
-              <a:t>”AMS-Zo"</a:t>
-            </a:r>
-            <a:r>
-              <a:rPr lang="en-GB" dirty="0"/>
-              <a:t>, Last, Sun, Mar, </a:t>
-            </a:r>
-            <a:r>
-              <a:rPr lang="en-GB" dirty="0">
-                <a:effectLst/>
-              </a:rPr>
-              <a:t>2</a:t>
-            </a:r>
-            <a:r>
-              <a:rPr lang="en-GB" dirty="0"/>
-              <a:t>, +120	Daylight saving time</a:t>
-            </a:r>
-          </a:p>
-          <a:p>
-            <a:pPr lvl="2"/>
-            <a:r>
-              <a:rPr lang="en-GB" dirty="0">
-                <a:effectLst/>
-              </a:rPr>
-              <a:t>”AMS-Wi"</a:t>
-            </a:r>
-            <a:r>
-              <a:rPr lang="en-GB" dirty="0"/>
-              <a:t>, Last, Sun, Oct, 3, +60   	Standard time</a:t>
-            </a:r>
-            <a:endParaRPr lang="en-GB" dirty="0">
-              <a:sym typeface="Wingdings" pitchFamily="2" charset="2"/>
-            </a:endParaRPr>
-          </a:p>
-          <a:p>
-            <a:pPr lvl="1"/>
-            <a:r>
-              <a:rPr lang="en-NL" dirty="0">
-                <a:sym typeface="Wingdings" pitchFamily="2" charset="2"/>
-              </a:rPr>
-              <a:t>Huidige datum en tijd voor de RTC: [</a:t>
-            </a:r>
-            <a:r>
-              <a:rPr lang="en-GB" dirty="0">
-                <a:sym typeface="Wingdings" pitchFamily="2" charset="2"/>
-              </a:rPr>
-              <a:t>Y</a:t>
-            </a:r>
-            <a:r>
-              <a:rPr lang="en-NL" dirty="0">
-                <a:sym typeface="Wingdings" pitchFamily="2" charset="2"/>
-              </a:rPr>
-              <a:t>ear, month, day, hour, minute]</a:t>
             </a:r>
           </a:p>
         </p:txBody>
@@ -9229,133 +9063,6 @@
       </p:grpSpPr>
       <p:sp>
         <p:nvSpPr>
-          <p:cNvPr id="2" name="Title 1">
-            <a:extLst>
-              <a:ext uri="{FF2B5EF4-FFF2-40B4-BE49-F238E27FC236}">
-                <a16:creationId xmlns:a16="http://schemas.microsoft.com/office/drawing/2014/main" id="{F0C69BA9-8CD0-F542-12F3-0CD2B63FCAD9}"/>
-              </a:ext>
-            </a:extLst>
-          </p:cNvPr>
-          <p:cNvSpPr>
-            <a:spLocks noGrp="1"/>
-          </p:cNvSpPr>
-          <p:nvPr>
-            <p:ph type="title"/>
-          </p:nvPr>
-        </p:nvSpPr>
-        <p:spPr/>
-        <p:txBody>
-          <a:bodyPr/>
-          <a:lstStyle/>
-          <a:p>
-            <a:r>
-              <a:rPr lang="en-NL" dirty="0"/>
-              <a:t>NTP</a:t>
-            </a:r>
-          </a:p>
-        </p:txBody>
-      </p:sp>
-      <p:sp>
-        <p:nvSpPr>
-          <p:cNvPr id="3" name="Content Placeholder 2">
-            <a:extLst>
-              <a:ext uri="{FF2B5EF4-FFF2-40B4-BE49-F238E27FC236}">
-                <a16:creationId xmlns:a16="http://schemas.microsoft.com/office/drawing/2014/main" id="{F8D53F54-8F15-072E-3344-F0BFCD4FADC2}"/>
-              </a:ext>
-            </a:extLst>
-          </p:cNvPr>
-          <p:cNvSpPr>
-            <a:spLocks noGrp="1"/>
-          </p:cNvSpPr>
-          <p:nvPr>
-            <p:ph idx="1"/>
-          </p:nvPr>
-        </p:nvSpPr>
-        <p:spPr/>
-        <p:txBody>
-          <a:bodyPr/>
-          <a:lstStyle/>
-          <a:p>
-            <a:r>
-              <a:rPr lang="en-NL" dirty="0"/>
-              <a:t>Combination of </a:t>
-            </a:r>
-          </a:p>
-          <a:p>
-            <a:pPr lvl="1"/>
-            <a:r>
-              <a:rPr lang="en-NL" dirty="0"/>
-              <a:t>TimeLib.h by Michael Margolis for time-keeping, </a:t>
-            </a:r>
-          </a:p>
-          <a:p>
-            <a:pPr lvl="1"/>
-            <a:r>
-              <a:rPr lang="en-NL" dirty="0"/>
-              <a:t>RTClib.h by Adafruit for Realtime Clock module,</a:t>
-            </a:r>
-          </a:p>
-          <a:p>
-            <a:pPr lvl="1"/>
-            <a:r>
-              <a:rPr lang="en-NL" dirty="0"/>
-              <a:t>&lt;ESP8266WiFi.h&gt; for NTP server,</a:t>
-            </a:r>
-          </a:p>
-          <a:p>
-            <a:pPr lvl="1"/>
-            <a:r>
-              <a:rPr lang="en-NL" dirty="0"/>
-              <a:t>Timezone by Jack Christensen for summer/wintertime</a:t>
-            </a:r>
-          </a:p>
-          <a:p>
-            <a:r>
-              <a:rPr lang="en-NL" dirty="0"/>
-              <a:t>If WiFi available setSyncProvider(NTP)</a:t>
-            </a:r>
-            <a:br>
-              <a:rPr lang="en-NL" dirty="0"/>
-            </a:br>
-            <a:r>
-              <a:rPr lang="en-NL" dirty="0"/>
-              <a:t>else setSyncProvider(RTC)</a:t>
-            </a:r>
-          </a:p>
-        </p:txBody>
-      </p:sp>
-    </p:spTree>
-    <p:extLst>
-      <p:ext uri="{BB962C8B-B14F-4D97-AF65-F5344CB8AC3E}">
-        <p14:creationId xmlns:p14="http://schemas.microsoft.com/office/powerpoint/2010/main" val="1281913898"/>
-      </p:ext>
-    </p:extLst>
-  </p:cSld>
-  <p:clrMapOvr>
-    <a:masterClrMapping/>
-  </p:clrMapOvr>
-</p:sld>
-</file>
-
-<file path=ppt/slides/slide6.xml><?xml version="1.0" encoding="utf-8"?>
-<p:sld xmlns:a="http://schemas.openxmlformats.org/drawingml/2006/main" xmlns:r="http://schemas.openxmlformats.org/officeDocument/2006/relationships" xmlns:p="http://schemas.openxmlformats.org/presentationml/2006/main">
-  <p:cSld>
-    <p:spTree>
-      <p:nvGrpSpPr>
-        <p:cNvPr id="1" name=""/>
-        <p:cNvGrpSpPr/>
-        <p:nvPr/>
-      </p:nvGrpSpPr>
-      <p:grpSpPr>
-        <a:xfrm>
-          <a:off x="0" y="0"/>
-          <a:ext cx="0" cy="0"/>
-          <a:chOff x="0" y="0"/>
-          <a:chExt cx="0" cy="0"/>
-        </a:xfrm>
-      </p:grpSpPr>
-      <p:sp>
-        <p:nvSpPr>
           <p:cNvPr id="3" name="Content Placeholder 2">
             <a:extLst>
               <a:ext uri="{FF2B5EF4-FFF2-40B4-BE49-F238E27FC236}">
@@ -10806,7 +10513,7 @@
 </p:sld>
 </file>
 
-<file path=ppt/slides/slide7.xml><?xml version="1.0" encoding="utf-8"?>
+<file path=ppt/slides/slide6.xml><?xml version="1.0" encoding="utf-8"?>
 <p:sld xmlns:a="http://schemas.openxmlformats.org/drawingml/2006/main" xmlns:r="http://schemas.openxmlformats.org/officeDocument/2006/relationships" xmlns:p="http://schemas.openxmlformats.org/presentationml/2006/main">
   <p:cSld>
     <p:spTree>

--- a/Oli.pptx
+++ b/Oli.pptx
@@ -5,15 +5,16 @@
     <p:sldMasterId id="2147483648" r:id="rId1"/>
   </p:sldMasterIdLst>
   <p:notesMasterIdLst>
-    <p:notesMasterId r:id="rId8"/>
+    <p:notesMasterId r:id="rId9"/>
   </p:notesMasterIdLst>
   <p:sldIdLst>
     <p:sldId id="256" r:id="rId2"/>
     <p:sldId id="257" r:id="rId3"/>
-    <p:sldId id="260" r:id="rId4"/>
-    <p:sldId id="261" r:id="rId5"/>
-    <p:sldId id="258" r:id="rId6"/>
-    <p:sldId id="262" r:id="rId7"/>
+    <p:sldId id="263" r:id="rId4"/>
+    <p:sldId id="260" r:id="rId5"/>
+    <p:sldId id="261" r:id="rId6"/>
+    <p:sldId id="258" r:id="rId7"/>
+    <p:sldId id="262" r:id="rId8"/>
   </p:sldIdLst>
   <p:sldSz cx="12192000" cy="6858000"/>
   <p:notesSz cx="6858000" cy="9144000"/>
@@ -202,7 +203,7 @@
           <a:p>
             <a:fld id="{960BDE04-FFF7-AF40-AF4F-D72359A71013}" type="datetimeFigureOut">
               <a:rPr lang="en-NL" smtClean="0"/>
-              <a:t>07/11/2023</a:t>
+              <a:t>19/11/2023</a:t>
             </a:fld>
             <a:endParaRPr lang="en-NL"/>
           </a:p>
@@ -703,7 +704,7 @@
           <a:p>
             <a:fld id="{738102A4-E71B-0447-A150-B4B7143CE932}" type="datetimeFigureOut">
               <a:rPr lang="en-NL" smtClean="0"/>
-              <a:t>07/11/2023</a:t>
+              <a:t>19/11/2023</a:t>
             </a:fld>
             <a:endParaRPr lang="en-NL"/>
           </a:p>
@@ -903,7 +904,7 @@
           <a:p>
             <a:fld id="{738102A4-E71B-0447-A150-B4B7143CE932}" type="datetimeFigureOut">
               <a:rPr lang="en-NL" smtClean="0"/>
-              <a:t>07/11/2023</a:t>
+              <a:t>19/11/2023</a:t>
             </a:fld>
             <a:endParaRPr lang="en-NL"/>
           </a:p>
@@ -1113,7 +1114,7 @@
           <a:p>
             <a:fld id="{738102A4-E71B-0447-A150-B4B7143CE932}" type="datetimeFigureOut">
               <a:rPr lang="en-NL" smtClean="0"/>
-              <a:t>07/11/2023</a:t>
+              <a:t>19/11/2023</a:t>
             </a:fld>
             <a:endParaRPr lang="en-NL"/>
           </a:p>
@@ -1313,7 +1314,7 @@
           <a:p>
             <a:fld id="{738102A4-E71B-0447-A150-B4B7143CE932}" type="datetimeFigureOut">
               <a:rPr lang="en-NL" smtClean="0"/>
-              <a:t>07/11/2023</a:t>
+              <a:t>19/11/2023</a:t>
             </a:fld>
             <a:endParaRPr lang="en-NL"/>
           </a:p>
@@ -1589,7 +1590,7 @@
           <a:p>
             <a:fld id="{738102A4-E71B-0447-A150-B4B7143CE932}" type="datetimeFigureOut">
               <a:rPr lang="en-NL" smtClean="0"/>
-              <a:t>07/11/2023</a:t>
+              <a:t>19/11/2023</a:t>
             </a:fld>
             <a:endParaRPr lang="en-NL"/>
           </a:p>
@@ -1857,7 +1858,7 @@
           <a:p>
             <a:fld id="{738102A4-E71B-0447-A150-B4B7143CE932}" type="datetimeFigureOut">
               <a:rPr lang="en-NL" smtClean="0"/>
-              <a:t>07/11/2023</a:t>
+              <a:t>19/11/2023</a:t>
             </a:fld>
             <a:endParaRPr lang="en-NL"/>
           </a:p>
@@ -2272,7 +2273,7 @@
           <a:p>
             <a:fld id="{738102A4-E71B-0447-A150-B4B7143CE932}" type="datetimeFigureOut">
               <a:rPr lang="en-NL" smtClean="0"/>
-              <a:t>07/11/2023</a:t>
+              <a:t>19/11/2023</a:t>
             </a:fld>
             <a:endParaRPr lang="en-NL"/>
           </a:p>
@@ -2414,7 +2415,7 @@
           <a:p>
             <a:fld id="{738102A4-E71B-0447-A150-B4B7143CE932}" type="datetimeFigureOut">
               <a:rPr lang="en-NL" smtClean="0"/>
-              <a:t>07/11/2023</a:t>
+              <a:t>19/11/2023</a:t>
             </a:fld>
             <a:endParaRPr lang="en-NL"/>
           </a:p>
@@ -2527,7 +2528,7 @@
           <a:p>
             <a:fld id="{738102A4-E71B-0447-A150-B4B7143CE932}" type="datetimeFigureOut">
               <a:rPr lang="en-NL" smtClean="0"/>
-              <a:t>07/11/2023</a:t>
+              <a:t>19/11/2023</a:t>
             </a:fld>
             <a:endParaRPr lang="en-NL"/>
           </a:p>
@@ -2840,7 +2841,7 @@
           <a:p>
             <a:fld id="{738102A4-E71B-0447-A150-B4B7143CE932}" type="datetimeFigureOut">
               <a:rPr lang="en-NL" smtClean="0"/>
-              <a:t>07/11/2023</a:t>
+              <a:t>19/11/2023</a:t>
             </a:fld>
             <a:endParaRPr lang="en-NL"/>
           </a:p>
@@ -3129,7 +3130,7 @@
           <a:p>
             <a:fld id="{738102A4-E71B-0447-A150-B4B7143CE932}" type="datetimeFigureOut">
               <a:rPr lang="en-NL" smtClean="0"/>
-              <a:t>07/11/2023</a:t>
+              <a:t>19/11/2023</a:t>
             </a:fld>
             <a:endParaRPr lang="en-NL"/>
           </a:p>
@@ -3372,7 +3373,7 @@
           <a:p>
             <a:fld id="{738102A4-E71B-0447-A150-B4B7143CE932}" type="datetimeFigureOut">
               <a:rPr lang="en-NL" smtClean="0"/>
-              <a:t>07/11/2023</a:t>
+              <a:t>19/11/2023</a:t>
             </a:fld>
             <a:endParaRPr lang="en-NL"/>
           </a:p>
@@ -8591,7 +8592,7 @@
           <p:cNvPr id="2" name="Title 1">
             <a:extLst>
               <a:ext uri="{FF2B5EF4-FFF2-40B4-BE49-F238E27FC236}">
-                <a16:creationId xmlns:a16="http://schemas.microsoft.com/office/drawing/2014/main" id="{034C64BF-CAA1-4BC9-B6E3-53EF9B1BB125}"/>
+                <a16:creationId xmlns:a16="http://schemas.microsoft.com/office/drawing/2014/main" id="{ABC6CC02-8B61-5C55-8DA8-C3044DC627CE}"/>
               </a:ext>
             </a:extLst>
           </p:cNvPr>
@@ -8609,7 +8610,7 @@
           <a:p>
             <a:r>
               <a:rPr lang="en-NL" dirty="0"/>
-              <a:t>How to get the correct time?</a:t>
+              <a:t>States &amp; Errors</a:t>
             </a:r>
           </a:p>
         </p:txBody>
@@ -8619,7 +8620,7 @@
           <p:cNvPr id="3" name="Content Placeholder 2">
             <a:extLst>
               <a:ext uri="{FF2B5EF4-FFF2-40B4-BE49-F238E27FC236}">
-                <a16:creationId xmlns:a16="http://schemas.microsoft.com/office/drawing/2014/main" id="{C45248CA-CAC1-DC1F-BD7F-A9916F443C03}"/>
+                <a16:creationId xmlns:a16="http://schemas.microsoft.com/office/drawing/2014/main" id="{F9F02F12-5CE6-C518-8E95-71B720B7ADE3}"/>
               </a:ext>
             </a:extLst>
           </p:cNvPr>
@@ -8632,150 +8633,173 @@
         </p:nvSpPr>
         <p:spPr>
           <a:xfrm>
-            <a:off x="838200" y="1408014"/>
-            <a:ext cx="10515600" cy="4768949"/>
+            <a:off x="830108" y="1825625"/>
+            <a:ext cx="10515600" cy="4351338"/>
           </a:xfrm>
         </p:spPr>
         <p:txBody>
           <a:bodyPr>
-            <a:normAutofit fontScale="92500" lnSpcReduction="10000"/>
+            <a:normAutofit/>
           </a:bodyPr>
           <a:lstStyle/>
           <a:p>
             <a:r>
               <a:rPr lang="en-NL" dirty="0"/>
-              <a:t>RTC library: </a:t>
-            </a:r>
-            <a:r>
-              <a:rPr lang="en-GB" dirty="0">
-                <a:hlinkClick r:id="rId2"/>
-              </a:rPr>
-              <a:t>https://github.com/PaulStoffregen/DS1307RTC</a:t>
-            </a:r>
-            <a:endParaRPr lang="en-GB" dirty="0"/>
-          </a:p>
-          <a:p>
-            <a:r>
-              <a:rPr lang="en-GB" dirty="0"/>
-              <a:t>Time library: </a:t>
-            </a:r>
-            <a:r>
-              <a:rPr lang="en-GB" dirty="0">
-                <a:hlinkClick r:id="rId3"/>
-              </a:rPr>
-              <a:t>https://github.com/PaulStoffregen/Time</a:t>
-            </a:r>
-            <a:endParaRPr lang="en-GB" dirty="0"/>
-          </a:p>
-          <a:p>
-            <a:r>
-              <a:rPr lang="en-GB" dirty="0" err="1"/>
-              <a:t>TimeZone</a:t>
-            </a:r>
-            <a:r>
-              <a:rPr lang="en-GB" dirty="0"/>
-              <a:t> library: </a:t>
-            </a:r>
-            <a:r>
-              <a:rPr lang="en-GB" dirty="0">
-                <a:hlinkClick r:id="rId4"/>
-              </a:rPr>
-              <a:t>https://github.com/JChristensen/Timezone</a:t>
-            </a:r>
-            <a:r>
-              <a:rPr lang="en-GB" dirty="0"/>
-              <a:t> </a:t>
-            </a:r>
-          </a:p>
-          <a:p>
+              <a:t>States (regenboog kleuren)</a:t>
+            </a:r>
+          </a:p>
+          <a:p>
+            <a:pPr lvl="1"/>
+            <a:r>
+              <a:rPr lang="en-NL" b="1" dirty="0">
+                <a:solidFill>
+                  <a:schemeClr val="accent6"/>
+                </a:solidFill>
+              </a:rPr>
+              <a:t>Initial</a:t>
+            </a:r>
             <a:r>
               <a:rPr lang="en-NL" dirty="0"/>
-              <a:t>Arduino interne tijd is niet accuraat </a:t>
-            </a:r>
+              <a:t>						</a:t>
+            </a:r>
+            <a:r>
+              <a:rPr lang="en-NL" b="1" dirty="0"/>
+              <a:t>LED uit</a:t>
+            </a:r>
+          </a:p>
+          <a:p>
+            <a:pPr lvl="1"/>
+            <a:r>
+              <a:rPr lang="en-NL" dirty="0"/>
+              <a:t>???						paars</a:t>
+            </a:r>
+          </a:p>
+          <a:p>
+            <a:pPr lvl="1"/>
+            <a:r>
+              <a:rPr lang="en-NL"/>
+              <a:t>Kleurentester</a:t>
+            </a:r>
+            <a:r>
+              <a:rPr lang="en-NL" dirty="0"/>
+              <a:t>					blauw</a:t>
+            </a:r>
+          </a:p>
+          <a:p>
+            <a:pPr lvl="1"/>
+            <a:r>
+              <a:rPr lang="en-GB" b="1" dirty="0">
+                <a:solidFill>
+                  <a:schemeClr val="accent6"/>
+                </a:solidFill>
+              </a:rPr>
+              <a:t>O</a:t>
+            </a:r>
+            <a:r>
+              <a:rPr lang="en-NL" b="1" dirty="0">
+                <a:solidFill>
+                  <a:schemeClr val="accent6"/>
+                </a:solidFill>
+              </a:rPr>
+              <a:t>n-line </a:t>
+            </a:r>
+            <a:r>
+              <a:rPr lang="en-NL" dirty="0"/>
+              <a:t>– in sync   	== STA-mode		</a:t>
+            </a:r>
+            <a:r>
+              <a:rPr lang="en-NL" b="1" dirty="0"/>
+              <a:t>groen</a:t>
+            </a:r>
+            <a:r>
+              <a:rPr lang="en-NL" dirty="0"/>
+              <a:t>		</a:t>
+            </a:r>
+          </a:p>
+          <a:p>
+            <a:pPr lvl="1"/>
+            <a:r>
+              <a:rPr lang="en-NL" dirty="0"/>
+              <a:t>On-line – no sync	== STA-mode		geel</a:t>
+            </a:r>
+          </a:p>
+          <a:p>
+            <a:pPr lvl="1"/>
+            <a:r>
+              <a:rPr lang="en-NL" b="1" dirty="0">
+                <a:solidFill>
+                  <a:schemeClr val="accent6"/>
+                </a:solidFill>
+              </a:rPr>
+              <a:t>Off-line</a:t>
+            </a:r>
+            <a:r>
+              <a:rPr lang="en-NL" dirty="0"/>
+              <a:t> – no WiFi	== AP-Mode		</a:t>
+            </a:r>
+            <a:r>
+              <a:rPr lang="en-NL" b="1" dirty="0"/>
+              <a:t>oranje</a:t>
+            </a:r>
+            <a:r>
+              <a:rPr lang="en-NL" dirty="0"/>
+              <a:t>	</a:t>
+            </a:r>
+          </a:p>
+          <a:p>
+            <a:r>
+              <a:rPr lang="en-NL" dirty="0"/>
+              <a:t>Errors – pulserend bij opstarten		</a:t>
+            </a:r>
+          </a:p>
+          <a:p>
+            <a:pPr lvl="1"/>
             <a:r>
               <a:rPr lang="en-NL" dirty="0">
-                <a:sym typeface="Wingdings" pitchFamily="2" charset="2"/>
-              </a:rPr>
-              <a:t> gebruik RTC </a:t>
+                <a:solidFill>
+                  <a:schemeClr val="accent6"/>
+                </a:solidFill>
+              </a:rPr>
+              <a:t>HW – error</a:t>
             </a:r>
             <a:r>
               <a:rPr lang="en-NL" dirty="0"/>
-              <a:t>en sync Arduino iedere 5 minuten met de RTC , dit doet de Time library</a:t>
-            </a:r>
-          </a:p>
-          <a:p>
+              <a:t>		15 x blink rood [RTC not found]</a:t>
+            </a:r>
+          </a:p>
+          <a:p>
+            <a:pPr lvl="1"/>
+            <a:r>
+              <a:rPr lang="en-NL" dirty="0">
+                <a:solidFill>
+                  <a:schemeClr val="accent6"/>
+                </a:solidFill>
+              </a:rPr>
+              <a:t>OTA – error</a:t>
+            </a:r>
             <a:r>
               <a:rPr lang="en-NL" dirty="0"/>
-              <a:t>Zet alle tijd sources in UTC tijd (RTC en NTP)</a:t>
-            </a:r>
-          </a:p>
-          <a:p>
-            <a:r>
-              <a:rPr lang="en-NL" dirty="0"/>
-              <a:t>Sync RTC met NTP als NTP tijd beschikbaar komt</a:t>
-            </a:r>
-          </a:p>
-          <a:p>
-            <a:r>
-              <a:rPr lang="en-NL" dirty="0"/>
-              <a:t>Gebruik de TZ library voor zomertijd aanpassing</a:t>
-            </a:r>
-          </a:p>
-          <a:p>
-            <a:r>
-              <a:rPr lang="en-NL" b="1" dirty="0"/>
-              <a:t>WiFi not connected </a:t>
-            </a:r>
-            <a:r>
-              <a:rPr lang="en-NL" dirty="0">
-                <a:sym typeface="Wingdings" pitchFamily="2" charset="2"/>
-              </a:rPr>
-              <a:t> g</a:t>
-            </a:r>
-            <a:r>
-              <a:rPr lang="en-NL" dirty="0"/>
-              <a:t>ebruik de UTC tijd van de RTC</a:t>
-            </a:r>
-          </a:p>
-          <a:p>
-            <a:r>
-              <a:rPr lang="en-NL" b="1" dirty="0"/>
-              <a:t>WiFi connected </a:t>
-            </a:r>
-            <a:r>
-              <a:rPr lang="en-NL" dirty="0">
-                <a:sym typeface="Wingdings" pitchFamily="2" charset="2"/>
-              </a:rPr>
-              <a:t> start NTP en vraag om de </a:t>
-            </a:r>
-            <a:r>
-              <a:rPr lang="en-NL" i="1" u="sng" dirty="0">
-                <a:sym typeface="Wingdings" pitchFamily="2" charset="2"/>
-              </a:rPr>
-              <a:t>UTC Tijd</a:t>
+              <a:t>		15 x blink oranje	</a:t>
             </a:r>
           </a:p>
           <a:p>
             <a:pPr lvl="1"/>
-            <a:r>
-              <a:rPr lang="en-GB" dirty="0">
-                <a:sym typeface="Wingdings" pitchFamily="2" charset="2"/>
-              </a:rPr>
-              <a:t>If NTP time is available: 	I</a:t>
-            </a:r>
-            <a:r>
-              <a:rPr lang="en-NL" dirty="0">
-                <a:sym typeface="Wingdings" pitchFamily="2" charset="2"/>
-              </a:rPr>
-              <a:t>f RTC != NTP  update RTC</a:t>
-            </a:r>
+            <a:endParaRPr lang="en-NL" dirty="0"/>
+          </a:p>
+          <a:p>
+            <a:pPr lvl="1"/>
+            <a:endParaRPr lang="en-NL" dirty="0"/>
+          </a:p>
+          <a:p>
+            <a:pPr lvl="1"/>
+            <a:endParaRPr lang="en-NL" dirty="0"/>
           </a:p>
         </p:txBody>
       </p:sp>
     </p:spTree>
     <p:extLst>
       <p:ext uri="{BB962C8B-B14F-4D97-AF65-F5344CB8AC3E}">
-        <p14:creationId xmlns:p14="http://schemas.microsoft.com/office/powerpoint/2010/main" val="3277620660"/>
+        <p14:creationId xmlns:p14="http://schemas.microsoft.com/office/powerpoint/2010/main" val="3725175912"/>
       </p:ext>
     </p:extLst>
   </p:cSld>
@@ -8807,7 +8831,7 @@
           <p:cNvPr id="2" name="Title 1">
             <a:extLst>
               <a:ext uri="{FF2B5EF4-FFF2-40B4-BE49-F238E27FC236}">
-                <a16:creationId xmlns:a16="http://schemas.microsoft.com/office/drawing/2014/main" id="{84576E15-5C11-6104-D505-BC430D56E2C9}"/>
+                <a16:creationId xmlns:a16="http://schemas.microsoft.com/office/drawing/2014/main" id="{034C64BF-CAA1-4BC9-B6E3-53EF9B1BB125}"/>
               </a:ext>
             </a:extLst>
           </p:cNvPr>
@@ -8825,7 +8849,7 @@
           <a:p>
             <a:r>
               <a:rPr lang="en-NL" dirty="0"/>
-              <a:t>Time (2)</a:t>
+              <a:t>How to get the correct time?</a:t>
             </a:r>
           </a:p>
         </p:txBody>
@@ -8835,7 +8859,7 @@
           <p:cNvPr id="3" name="Content Placeholder 2">
             <a:extLst>
               <a:ext uri="{FF2B5EF4-FFF2-40B4-BE49-F238E27FC236}">
-                <a16:creationId xmlns:a16="http://schemas.microsoft.com/office/drawing/2014/main" id="{D17133DA-C0CA-6A94-FAC4-76F341843E5F}"/>
+                <a16:creationId xmlns:a16="http://schemas.microsoft.com/office/drawing/2014/main" id="{C45248CA-CAC1-DC1F-BD7F-A9916F443C03}"/>
               </a:ext>
             </a:extLst>
           </p:cNvPr>
@@ -8846,187 +8870,144 @@
             <p:ph idx="1"/>
           </p:nvPr>
         </p:nvSpPr>
-        <p:spPr/>
+        <p:spPr>
+          <a:xfrm>
+            <a:off x="838200" y="1408014"/>
+            <a:ext cx="10515600" cy="4768949"/>
+          </a:xfrm>
+        </p:spPr>
         <p:txBody>
           <a:bodyPr>
-            <a:normAutofit/>
+            <a:normAutofit fontScale="92500" lnSpcReduction="10000"/>
           </a:bodyPr>
           <a:lstStyle/>
           <a:p>
             <a:r>
               <a:rPr lang="en-NL" dirty="0"/>
-              <a:t>Always focus on </a:t>
-            </a:r>
-            <a:r>
-              <a:rPr lang="en-GB" b="0" i="0" u="none" strike="noStrike" dirty="0">
-                <a:solidFill>
-                  <a:srgbClr val="454545"/>
-                </a:solidFill>
-                <a:effectLst/>
-                <a:latin typeface="Helvetica" pitchFamily="2" charset="0"/>
-              </a:rPr>
-              <a:t>Coordinated Universal Time (UTC)</a:t>
-            </a:r>
-            <a:endParaRPr lang="en-GB" dirty="0">
-              <a:solidFill>
-                <a:srgbClr val="454545"/>
-              </a:solidFill>
-              <a:latin typeface="Helvetica" pitchFamily="2" charset="0"/>
-            </a:endParaRPr>
+              <a:t>RTC library: </a:t>
+            </a:r>
+            <a:r>
+              <a:rPr lang="en-GB" dirty="0">
+                <a:hlinkClick r:id="rId2"/>
+              </a:rPr>
+              <a:t>https://github.com/PaulStoffregen/DS1307RTC</a:t>
+            </a:r>
+            <a:endParaRPr lang="en-GB" dirty="0"/>
+          </a:p>
+          <a:p>
+            <a:r>
+              <a:rPr lang="en-GB" dirty="0"/>
+              <a:t>Time library: </a:t>
+            </a:r>
+            <a:r>
+              <a:rPr lang="en-GB" dirty="0">
+                <a:hlinkClick r:id="rId3"/>
+              </a:rPr>
+              <a:t>https://github.com/PaulStoffregen/Time</a:t>
+            </a:r>
+            <a:endParaRPr lang="en-GB" dirty="0"/>
+          </a:p>
+          <a:p>
+            <a:r>
+              <a:rPr lang="en-GB" dirty="0" err="1"/>
+              <a:t>TimeZone</a:t>
+            </a:r>
+            <a:r>
+              <a:rPr lang="en-GB" dirty="0"/>
+              <a:t> library: </a:t>
+            </a:r>
+            <a:r>
+              <a:rPr lang="en-GB" dirty="0">
+                <a:hlinkClick r:id="rId4"/>
+              </a:rPr>
+              <a:t>https://github.com/JChristensen/Timezone</a:t>
+            </a:r>
+            <a:r>
+              <a:rPr lang="en-GB" dirty="0"/>
+              <a:t> </a:t>
+            </a:r>
+          </a:p>
+          <a:p>
+            <a:r>
+              <a:rPr lang="en-NL" dirty="0"/>
+              <a:t>Arduino interne tijd is niet accuraat </a:t>
+            </a:r>
+            <a:r>
+              <a:rPr lang="en-NL" dirty="0">
+                <a:sym typeface="Wingdings" pitchFamily="2" charset="2"/>
+              </a:rPr>
+              <a:t> gebruik RTC </a:t>
+            </a:r>
+            <a:r>
+              <a:rPr lang="en-NL" dirty="0"/>
+              <a:t>en sync Arduino iedere 5 minuten met de RTC , dit doet de Time library</a:t>
+            </a:r>
+          </a:p>
+          <a:p>
+            <a:r>
+              <a:rPr lang="en-NL" dirty="0"/>
+              <a:t>Zet alle tijd sources in UTC tijd (RTC en NTP)</a:t>
+            </a:r>
+          </a:p>
+          <a:p>
+            <a:r>
+              <a:rPr lang="en-NL" dirty="0"/>
+              <a:t>Sync RTC met NTP als NTP tijd beschikbaar komt</a:t>
+            </a:r>
+          </a:p>
+          <a:p>
+            <a:r>
+              <a:rPr lang="en-NL" dirty="0"/>
+              <a:t>Gebruik de TZ library voor zomertijd aanpassing</a:t>
+            </a:r>
+          </a:p>
+          <a:p>
+            <a:r>
+              <a:rPr lang="en-NL" b="1" dirty="0"/>
+              <a:t>WiFi not connected </a:t>
+            </a:r>
+            <a:r>
+              <a:rPr lang="en-NL" dirty="0">
+                <a:sym typeface="Wingdings" pitchFamily="2" charset="2"/>
+              </a:rPr>
+              <a:t> g</a:t>
+            </a:r>
+            <a:r>
+              <a:rPr lang="en-NL" dirty="0"/>
+              <a:t>ebruik de UTC tijd van de RTC</a:t>
+            </a:r>
+          </a:p>
+          <a:p>
+            <a:r>
+              <a:rPr lang="en-NL" b="1" dirty="0"/>
+              <a:t>WiFi connected </a:t>
+            </a:r>
+            <a:r>
+              <a:rPr lang="en-NL" dirty="0">
+                <a:sym typeface="Wingdings" pitchFamily="2" charset="2"/>
+              </a:rPr>
+              <a:t> start NTP en vraag om de </a:t>
+            </a:r>
+            <a:r>
+              <a:rPr lang="en-NL" i="1" u="sng" dirty="0">
+                <a:sym typeface="Wingdings" pitchFamily="2" charset="2"/>
+              </a:rPr>
+              <a:t>UTC Tijd</a:t>
+            </a:r>
           </a:p>
           <a:p>
             <a:pPr lvl="1"/>
             <a:r>
               <a:rPr lang="en-GB" dirty="0">
-                <a:solidFill>
-                  <a:srgbClr val="454545"/>
-                </a:solidFill>
-                <a:latin typeface="Helvetica" pitchFamily="2" charset="0"/>
-              </a:rPr>
-              <a:t>Make NTP and RTC keep UTC time. </a:t>
-            </a:r>
-          </a:p>
-          <a:p>
-            <a:pPr lvl="1"/>
-            <a:r>
-              <a:rPr lang="en-GB" b="0" i="0" u="none" strike="noStrike" dirty="0">
-                <a:solidFill>
-                  <a:srgbClr val="454545"/>
-                </a:solidFill>
-                <a:effectLst/>
-                <a:latin typeface="Helvetica" pitchFamily="2" charset="0"/>
-              </a:rPr>
-              <a:t>UTC is not a </a:t>
-            </a:r>
-            <a:r>
-              <a:rPr lang="en-GB" b="0" i="0" u="none" strike="noStrike" dirty="0" err="1">
-                <a:solidFill>
-                  <a:srgbClr val="454545"/>
-                </a:solidFill>
-                <a:effectLst/>
-                <a:latin typeface="Helvetica" pitchFamily="2" charset="0"/>
-              </a:rPr>
-              <a:t>Timezone</a:t>
-            </a:r>
-            <a:r>
-              <a:rPr lang="en-GB" b="0" i="0" u="none" strike="noStrike" dirty="0">
-                <a:solidFill>
-                  <a:srgbClr val="454545"/>
-                </a:solidFill>
-                <a:effectLst/>
-                <a:latin typeface="Helvetica" pitchFamily="2" charset="0"/>
-              </a:rPr>
-              <a:t> but a time standard</a:t>
-            </a:r>
-          </a:p>
-          <a:p>
-            <a:r>
-              <a:rPr lang="en-GB" dirty="0">
-                <a:solidFill>
-                  <a:srgbClr val="454545"/>
-                </a:solidFill>
-                <a:latin typeface="Helvetica" pitchFamily="2" charset="0"/>
-              </a:rPr>
-              <a:t>Always use the RTC as time source</a:t>
-            </a:r>
-          </a:p>
-          <a:p>
-            <a:r>
-              <a:rPr lang="en-GB" dirty="0">
-                <a:solidFill>
-                  <a:srgbClr val="454545"/>
-                </a:solidFill>
-                <a:latin typeface="Helvetica" pitchFamily="2" charset="0"/>
-              </a:rPr>
-              <a:t>Keep RTC in sync with NTP</a:t>
-            </a:r>
-          </a:p>
-          <a:p>
-            <a:r>
-              <a:rPr lang="en-GB" dirty="0">
-                <a:solidFill>
-                  <a:srgbClr val="454545"/>
-                </a:solidFill>
-                <a:latin typeface="Helvetica" pitchFamily="2" charset="0"/>
-              </a:rPr>
-              <a:t>NTP happens to update the </a:t>
-            </a:r>
-            <a:r>
-              <a:rPr lang="en-GB" dirty="0" err="1">
-                <a:solidFill>
-                  <a:srgbClr val="454545"/>
-                </a:solidFill>
-                <a:latin typeface="Helvetica" pitchFamily="2" charset="0"/>
-              </a:rPr>
-              <a:t>systemtime</a:t>
-            </a:r>
-            <a:endParaRPr lang="en-GB" dirty="0">
-              <a:solidFill>
-                <a:srgbClr val="454545"/>
-              </a:solidFill>
-              <a:latin typeface="Helvetica" pitchFamily="2" charset="0"/>
-            </a:endParaRPr>
-          </a:p>
-          <a:p>
-            <a:r>
-              <a:rPr lang="en-GB" dirty="0">
-                <a:solidFill>
-                  <a:srgbClr val="454545"/>
-                </a:solidFill>
-                <a:latin typeface="Helvetica" pitchFamily="2" charset="0"/>
-              </a:rPr>
-              <a:t>Use standard C functions: </a:t>
-            </a:r>
-          </a:p>
-          <a:p>
-            <a:pPr lvl="1"/>
-            <a:r>
-              <a:rPr lang="en-GB" dirty="0">
-                <a:solidFill>
-                  <a:srgbClr val="454545"/>
-                </a:solidFill>
-                <a:latin typeface="Helvetica" pitchFamily="2" charset="0"/>
-              </a:rPr>
-              <a:t>time() 		get system time</a:t>
-            </a:r>
-          </a:p>
-          <a:p>
-            <a:pPr lvl="1"/>
-            <a:r>
-              <a:rPr lang="en-GB" dirty="0" err="1">
-                <a:solidFill>
-                  <a:srgbClr val="454545"/>
-                </a:solidFill>
-                <a:latin typeface="Helvetica" pitchFamily="2" charset="0"/>
-              </a:rPr>
-              <a:t>ctime</a:t>
-            </a:r>
-            <a:r>
-              <a:rPr lang="en-GB" dirty="0">
-                <a:solidFill>
-                  <a:srgbClr val="454545"/>
-                </a:solidFill>
-                <a:latin typeface="Helvetica" pitchFamily="2" charset="0"/>
-              </a:rPr>
-              <a:t>()		convert </a:t>
-            </a:r>
-            <a:r>
-              <a:rPr lang="en-GB" dirty="0" err="1">
-                <a:solidFill>
-                  <a:srgbClr val="454545"/>
-                </a:solidFill>
-                <a:latin typeface="Helvetica" pitchFamily="2" charset="0"/>
-              </a:rPr>
-              <a:t>time_t</a:t>
-            </a:r>
-            <a:r>
-              <a:rPr lang="en-GB" dirty="0">
-                <a:solidFill>
-                  <a:srgbClr val="454545"/>
-                </a:solidFill>
-                <a:latin typeface="Helvetica" pitchFamily="2" charset="0"/>
-              </a:rPr>
-              <a:t> (seconds-since-1970) to date string</a:t>
+                <a:sym typeface="Wingdings" pitchFamily="2" charset="2"/>
+              </a:rPr>
+              <a:t>If NTP time is available: 	I</a:t>
+            </a:r>
+            <a:r>
+              <a:rPr lang="en-NL" dirty="0">
+                <a:sym typeface="Wingdings" pitchFamily="2" charset="2"/>
+              </a:rPr>
+              <a:t>f RTC != NTP  update RTC</a:t>
             </a:r>
           </a:p>
         </p:txBody>
@@ -9034,7 +9015,7 @@
     </p:spTree>
     <p:extLst>
       <p:ext uri="{BB962C8B-B14F-4D97-AF65-F5344CB8AC3E}">
-        <p14:creationId xmlns:p14="http://schemas.microsoft.com/office/powerpoint/2010/main" val="3330430801"/>
+        <p14:creationId xmlns:p14="http://schemas.microsoft.com/office/powerpoint/2010/main" val="3277620660"/>
       </p:ext>
     </p:extLst>
   </p:cSld>
@@ -9063,6 +9044,265 @@
       </p:grpSpPr>
       <p:sp>
         <p:nvSpPr>
+          <p:cNvPr id="2" name="Title 1">
+            <a:extLst>
+              <a:ext uri="{FF2B5EF4-FFF2-40B4-BE49-F238E27FC236}">
+                <a16:creationId xmlns:a16="http://schemas.microsoft.com/office/drawing/2014/main" id="{84576E15-5C11-6104-D505-BC430D56E2C9}"/>
+              </a:ext>
+            </a:extLst>
+          </p:cNvPr>
+          <p:cNvSpPr>
+            <a:spLocks noGrp="1"/>
+          </p:cNvSpPr>
+          <p:nvPr>
+            <p:ph type="title"/>
+          </p:nvPr>
+        </p:nvSpPr>
+        <p:spPr/>
+        <p:txBody>
+          <a:bodyPr/>
+          <a:lstStyle/>
+          <a:p>
+            <a:r>
+              <a:rPr lang="en-NL" dirty="0"/>
+              <a:t>Time (2)</a:t>
+            </a:r>
+          </a:p>
+        </p:txBody>
+      </p:sp>
+      <p:sp>
+        <p:nvSpPr>
+          <p:cNvPr id="3" name="Content Placeholder 2">
+            <a:extLst>
+              <a:ext uri="{FF2B5EF4-FFF2-40B4-BE49-F238E27FC236}">
+                <a16:creationId xmlns:a16="http://schemas.microsoft.com/office/drawing/2014/main" id="{D17133DA-C0CA-6A94-FAC4-76F341843E5F}"/>
+              </a:ext>
+            </a:extLst>
+          </p:cNvPr>
+          <p:cNvSpPr>
+            <a:spLocks noGrp="1"/>
+          </p:cNvSpPr>
+          <p:nvPr>
+            <p:ph idx="1"/>
+          </p:nvPr>
+        </p:nvSpPr>
+        <p:spPr/>
+        <p:txBody>
+          <a:bodyPr>
+            <a:normAutofit/>
+          </a:bodyPr>
+          <a:lstStyle/>
+          <a:p>
+            <a:r>
+              <a:rPr lang="en-NL" dirty="0"/>
+              <a:t>Always focus on </a:t>
+            </a:r>
+            <a:r>
+              <a:rPr lang="en-GB" b="0" i="0" u="none" strike="noStrike" dirty="0">
+                <a:solidFill>
+                  <a:srgbClr val="454545"/>
+                </a:solidFill>
+                <a:effectLst/>
+                <a:latin typeface="Helvetica" pitchFamily="2" charset="0"/>
+              </a:rPr>
+              <a:t>Coordinated Universal Time (UTC)</a:t>
+            </a:r>
+            <a:endParaRPr lang="en-GB" dirty="0">
+              <a:solidFill>
+                <a:srgbClr val="454545"/>
+              </a:solidFill>
+              <a:latin typeface="Helvetica" pitchFamily="2" charset="0"/>
+            </a:endParaRPr>
+          </a:p>
+          <a:p>
+            <a:pPr lvl="1"/>
+            <a:r>
+              <a:rPr lang="en-GB" dirty="0">
+                <a:solidFill>
+                  <a:srgbClr val="454545"/>
+                </a:solidFill>
+                <a:latin typeface="Helvetica" pitchFamily="2" charset="0"/>
+              </a:rPr>
+              <a:t>Make NTP and RTC keep UTC time. </a:t>
+            </a:r>
+          </a:p>
+          <a:p>
+            <a:pPr lvl="1"/>
+            <a:r>
+              <a:rPr lang="en-GB" b="0" i="0" u="none" strike="noStrike" dirty="0">
+                <a:solidFill>
+                  <a:srgbClr val="454545"/>
+                </a:solidFill>
+                <a:effectLst/>
+                <a:latin typeface="Helvetica" pitchFamily="2" charset="0"/>
+              </a:rPr>
+              <a:t>UTC is not a </a:t>
+            </a:r>
+            <a:r>
+              <a:rPr lang="en-GB" b="0" i="0" u="none" strike="noStrike" dirty="0" err="1">
+                <a:solidFill>
+                  <a:srgbClr val="454545"/>
+                </a:solidFill>
+                <a:effectLst/>
+                <a:latin typeface="Helvetica" pitchFamily="2" charset="0"/>
+              </a:rPr>
+              <a:t>Timezone</a:t>
+            </a:r>
+            <a:r>
+              <a:rPr lang="en-GB" b="0" i="0" u="none" strike="noStrike" dirty="0">
+                <a:solidFill>
+                  <a:srgbClr val="454545"/>
+                </a:solidFill>
+                <a:effectLst/>
+                <a:latin typeface="Helvetica" pitchFamily="2" charset="0"/>
+              </a:rPr>
+              <a:t> but a time standard</a:t>
+            </a:r>
+          </a:p>
+          <a:p>
+            <a:r>
+              <a:rPr lang="en-GB" dirty="0">
+                <a:solidFill>
+                  <a:srgbClr val="454545"/>
+                </a:solidFill>
+                <a:latin typeface="Helvetica" pitchFamily="2" charset="0"/>
+              </a:rPr>
+              <a:t>Always use the RTC as time source</a:t>
+            </a:r>
+          </a:p>
+          <a:p>
+            <a:r>
+              <a:rPr lang="en-GB" dirty="0">
+                <a:solidFill>
+                  <a:srgbClr val="454545"/>
+                </a:solidFill>
+                <a:latin typeface="Helvetica" pitchFamily="2" charset="0"/>
+              </a:rPr>
+              <a:t>Keep RTC in sync with NTP</a:t>
+            </a:r>
+          </a:p>
+          <a:p>
+            <a:r>
+              <a:rPr lang="en-GB" dirty="0">
+                <a:solidFill>
+                  <a:srgbClr val="454545"/>
+                </a:solidFill>
+                <a:latin typeface="Helvetica" pitchFamily="2" charset="0"/>
+              </a:rPr>
+              <a:t>NTP happens to update the </a:t>
+            </a:r>
+            <a:r>
+              <a:rPr lang="en-GB" dirty="0" err="1">
+                <a:solidFill>
+                  <a:srgbClr val="454545"/>
+                </a:solidFill>
+                <a:latin typeface="Helvetica" pitchFamily="2" charset="0"/>
+              </a:rPr>
+              <a:t>systemtime</a:t>
+            </a:r>
+            <a:endParaRPr lang="en-GB" dirty="0">
+              <a:solidFill>
+                <a:srgbClr val="454545"/>
+              </a:solidFill>
+              <a:latin typeface="Helvetica" pitchFamily="2" charset="0"/>
+            </a:endParaRPr>
+          </a:p>
+          <a:p>
+            <a:r>
+              <a:rPr lang="en-GB" dirty="0">
+                <a:solidFill>
+                  <a:srgbClr val="454545"/>
+                </a:solidFill>
+                <a:latin typeface="Helvetica" pitchFamily="2" charset="0"/>
+              </a:rPr>
+              <a:t>Use standard C functions: </a:t>
+            </a:r>
+          </a:p>
+          <a:p>
+            <a:pPr lvl="1"/>
+            <a:r>
+              <a:rPr lang="en-GB" dirty="0">
+                <a:solidFill>
+                  <a:srgbClr val="454545"/>
+                </a:solidFill>
+                <a:latin typeface="Helvetica" pitchFamily="2" charset="0"/>
+              </a:rPr>
+              <a:t>time() 		get system time</a:t>
+            </a:r>
+          </a:p>
+          <a:p>
+            <a:pPr lvl="1"/>
+            <a:r>
+              <a:rPr lang="en-GB" dirty="0" err="1">
+                <a:solidFill>
+                  <a:srgbClr val="454545"/>
+                </a:solidFill>
+                <a:latin typeface="Helvetica" pitchFamily="2" charset="0"/>
+              </a:rPr>
+              <a:t>ctime</a:t>
+            </a:r>
+            <a:r>
+              <a:rPr lang="en-GB" dirty="0">
+                <a:solidFill>
+                  <a:srgbClr val="454545"/>
+                </a:solidFill>
+                <a:latin typeface="Helvetica" pitchFamily="2" charset="0"/>
+              </a:rPr>
+              <a:t>()		convert </a:t>
+            </a:r>
+            <a:r>
+              <a:rPr lang="en-GB" dirty="0" err="1">
+                <a:solidFill>
+                  <a:srgbClr val="454545"/>
+                </a:solidFill>
+                <a:latin typeface="Helvetica" pitchFamily="2" charset="0"/>
+              </a:rPr>
+              <a:t>time_t</a:t>
+            </a:r>
+            <a:r>
+              <a:rPr lang="en-GB" dirty="0">
+                <a:solidFill>
+                  <a:srgbClr val="454545"/>
+                </a:solidFill>
+                <a:latin typeface="Helvetica" pitchFamily="2" charset="0"/>
+              </a:rPr>
+              <a:t> (seconds-since-1970) to date string</a:t>
+            </a:r>
+          </a:p>
+        </p:txBody>
+      </p:sp>
+    </p:spTree>
+    <p:extLst>
+      <p:ext uri="{BB962C8B-B14F-4D97-AF65-F5344CB8AC3E}">
+        <p14:creationId xmlns:p14="http://schemas.microsoft.com/office/powerpoint/2010/main" val="3330430801"/>
+      </p:ext>
+    </p:extLst>
+  </p:cSld>
+  <p:clrMapOvr>
+    <a:masterClrMapping/>
+  </p:clrMapOvr>
+</p:sld>
+</file>
+
+<file path=ppt/slides/slide6.xml><?xml version="1.0" encoding="utf-8"?>
+<p:sld xmlns:a="http://schemas.openxmlformats.org/drawingml/2006/main" xmlns:r="http://schemas.openxmlformats.org/officeDocument/2006/relationships" xmlns:p="http://schemas.openxmlformats.org/presentationml/2006/main">
+  <p:cSld>
+    <p:spTree>
+      <p:nvGrpSpPr>
+        <p:cNvPr id="1" name=""/>
+        <p:cNvGrpSpPr/>
+        <p:nvPr/>
+      </p:nvGrpSpPr>
+      <p:grpSpPr>
+        <a:xfrm>
+          <a:off x="0" y="0"/>
+          <a:ext cx="0" cy="0"/>
+          <a:chOff x="0" y="0"/>
+          <a:chExt cx="0" cy="0"/>
+        </a:xfrm>
+      </p:grpSpPr>
+      <p:sp>
+        <p:nvSpPr>
           <p:cNvPr id="3" name="Content Placeholder 2">
             <a:extLst>
               <a:ext uri="{FF2B5EF4-FFF2-40B4-BE49-F238E27FC236}">
@@ -10513,7 +10753,7 @@
 </p:sld>
 </file>
 
-<file path=ppt/slides/slide6.xml><?xml version="1.0" encoding="utf-8"?>
+<file path=ppt/slides/slide7.xml><?xml version="1.0" encoding="utf-8"?>
 <p:sld xmlns:a="http://schemas.openxmlformats.org/drawingml/2006/main" xmlns:r="http://schemas.openxmlformats.org/officeDocument/2006/relationships" xmlns:p="http://schemas.openxmlformats.org/presentationml/2006/main">
   <p:cSld>
     <p:spTree>

--- a/Oli.pptx
+++ b/Oli.pptx
@@ -5,16 +5,17 @@
     <p:sldMasterId id="2147483648" r:id="rId1"/>
   </p:sldMasterIdLst>
   <p:notesMasterIdLst>
-    <p:notesMasterId r:id="rId9"/>
+    <p:notesMasterId r:id="rId10"/>
   </p:notesMasterIdLst>
   <p:sldIdLst>
-    <p:sldId id="256" r:id="rId2"/>
-    <p:sldId id="257" r:id="rId3"/>
-    <p:sldId id="263" r:id="rId4"/>
-    <p:sldId id="260" r:id="rId5"/>
-    <p:sldId id="261" r:id="rId6"/>
-    <p:sldId id="258" r:id="rId7"/>
-    <p:sldId id="262" r:id="rId8"/>
+    <p:sldId id="264" r:id="rId2"/>
+    <p:sldId id="256" r:id="rId3"/>
+    <p:sldId id="257" r:id="rId4"/>
+    <p:sldId id="263" r:id="rId5"/>
+    <p:sldId id="260" r:id="rId6"/>
+    <p:sldId id="261" r:id="rId7"/>
+    <p:sldId id="258" r:id="rId8"/>
+    <p:sldId id="262" r:id="rId9"/>
   </p:sldIdLst>
   <p:sldSz cx="12192000" cy="6858000"/>
   <p:notesSz cx="6858000" cy="9144000"/>
@@ -536,7 +537,7 @@
           <a:p>
             <a:fld id="{0974AE18-EEB7-1145-866C-5D9ECF8E0B0D}" type="slidenum">
               <a:rPr lang="en-NL" smtClean="0"/>
-              <a:t>1</a:t>
+              <a:t>2</a:t>
             </a:fld>
             <a:endParaRPr lang="en-NL"/>
           </a:p>
@@ -3792,6 +3793,252 @@
       </p:grpSpPr>
       <p:sp>
         <p:nvSpPr>
+          <p:cNvPr id="3" name="Content Placeholder 2">
+            <a:extLst>
+              <a:ext uri="{FF2B5EF4-FFF2-40B4-BE49-F238E27FC236}">
+                <a16:creationId xmlns:a16="http://schemas.microsoft.com/office/drawing/2014/main" id="{A6721D54-17B8-D8FA-1F6D-A75CD961918F}"/>
+              </a:ext>
+            </a:extLst>
+          </p:cNvPr>
+          <p:cNvSpPr>
+            <a:spLocks noGrp="1"/>
+          </p:cNvSpPr>
+          <p:nvPr>
+            <p:ph idx="1"/>
+          </p:nvPr>
+        </p:nvSpPr>
+        <p:spPr>
+          <a:xfrm>
+            <a:off x="838200" y="380326"/>
+            <a:ext cx="10515600" cy="6112549"/>
+          </a:xfrm>
+        </p:spPr>
+        <p:txBody>
+          <a:bodyPr>
+            <a:normAutofit fontScale="62500" lnSpcReduction="20000"/>
+          </a:bodyPr>
+          <a:lstStyle/>
+          <a:p>
+            <a:r>
+              <a:rPr lang="en-GB" dirty="0"/>
+              <a:t>Web interface</a:t>
+            </a:r>
+          </a:p>
+          <a:p>
+            <a:pPr lvl="1"/>
+            <a:r>
+              <a:rPr lang="en-GB" dirty="0"/>
+              <a:t>Scenario </a:t>
+            </a:r>
+            <a:r>
+              <a:rPr lang="en-GB" dirty="0" err="1"/>
+              <a:t>editer</a:t>
+            </a:r>
+            <a:endParaRPr lang="en-GB" dirty="0"/>
+          </a:p>
+          <a:p>
+            <a:pPr lvl="2"/>
+            <a:r>
+              <a:rPr lang="en-GB" dirty="0"/>
+              <a:t>S</a:t>
+            </a:r>
+            <a:r>
+              <a:rPr lang="en-NL" dirty="0"/>
+              <a:t>cenario met 4 tijden per dag, 7 dagen per week.</a:t>
+            </a:r>
+          </a:p>
+          <a:p>
+            <a:pPr lvl="2"/>
+            <a:r>
+              <a:rPr lang="en-NL" dirty="0"/>
+              <a:t>Kleur per tijd instelbaar</a:t>
+            </a:r>
+          </a:p>
+          <a:p>
+            <a:pPr lvl="1"/>
+            <a:r>
+              <a:rPr lang="en-NL" dirty="0"/>
+              <a:t>Config</a:t>
+            </a:r>
+          </a:p>
+          <a:p>
+            <a:pPr lvl="2"/>
+            <a:r>
+              <a:rPr lang="en-NL" dirty="0"/>
+              <a:t>Gebruik thuis aan Wifi netwerk (SSID, wachtwoord)</a:t>
+            </a:r>
+          </a:p>
+          <a:p>
+            <a:pPr lvl="2"/>
+            <a:r>
+              <a:rPr lang="en-NL" dirty="0"/>
+              <a:t>Gebruik elders met Oli netwerk</a:t>
+            </a:r>
+          </a:p>
+          <a:p>
+            <a:pPr lvl="2"/>
+            <a:r>
+              <a:rPr lang="en-NL" dirty="0"/>
+              <a:t>Access Point en Station mode  (tegelijkertijd)</a:t>
+            </a:r>
+          </a:p>
+          <a:p>
+            <a:pPr lvl="1"/>
+            <a:r>
+              <a:rPr lang="en-NL" dirty="0"/>
+              <a:t>Status</a:t>
+            </a:r>
+          </a:p>
+          <a:p>
+            <a:pPr lvl="2"/>
+            <a:r>
+              <a:rPr lang="en-GB" dirty="0"/>
+              <a:t>V</a:t>
+            </a:r>
+            <a:r>
+              <a:rPr lang="en-NL" dirty="0"/>
+              <a:t>erbonden netwerk</a:t>
+            </a:r>
+          </a:p>
+          <a:p>
+            <a:pPr lvl="2"/>
+            <a:r>
+              <a:rPr lang="en-GB" dirty="0"/>
+              <a:t>G</a:t>
+            </a:r>
+            <a:r>
+              <a:rPr lang="en-NL" dirty="0"/>
+              <a:t>ebruikers handleiding</a:t>
+            </a:r>
+          </a:p>
+          <a:p>
+            <a:pPr lvl="1"/>
+            <a:r>
+              <a:rPr lang="en-NL" dirty="0"/>
+              <a:t>Kleurkiezer</a:t>
+            </a:r>
+          </a:p>
+          <a:p>
+            <a:r>
+              <a:rPr lang="en-NL" dirty="0"/>
+              <a:t>Tijd</a:t>
+            </a:r>
+          </a:p>
+          <a:p>
+            <a:pPr lvl="1"/>
+            <a:r>
+              <a:rPr lang="en-NL" dirty="0"/>
+              <a:t>real-time clock</a:t>
+            </a:r>
+          </a:p>
+          <a:p>
+            <a:pPr lvl="1"/>
+            <a:r>
+              <a:rPr lang="en-NL" dirty="0"/>
+              <a:t>Zomer en wintertijd (Europa)</a:t>
+            </a:r>
+          </a:p>
+          <a:p>
+            <a:pPr lvl="1"/>
+            <a:r>
+              <a:rPr lang="en-GB" dirty="0" err="1"/>
+              <a:t>Automatische</a:t>
+            </a:r>
+            <a:r>
+              <a:rPr lang="en-GB" dirty="0"/>
+              <a:t> s</a:t>
+            </a:r>
+            <a:r>
+              <a:rPr lang="en-NL" dirty="0"/>
+              <a:t>ynchronisatie met tijdserver als verbonden met internet</a:t>
+            </a:r>
+          </a:p>
+          <a:p>
+            <a:r>
+              <a:rPr lang="en-NL" dirty="0"/>
+              <a:t>Reset naar fabrieksinstellingen met schakelaar of via web</a:t>
+            </a:r>
+          </a:p>
+          <a:p>
+            <a:r>
+              <a:rPr lang="en-GB" dirty="0"/>
+              <a:t>L</a:t>
+            </a:r>
+            <a:r>
+              <a:rPr lang="en-NL" dirty="0"/>
+              <a:t>icht-uit/aan met schakelaar</a:t>
+            </a:r>
+          </a:p>
+          <a:p>
+            <a:r>
+              <a:rPr lang="en-NL" dirty="0"/>
+              <a:t>Over the air update</a:t>
+            </a:r>
+          </a:p>
+          <a:p>
+            <a:r>
+              <a:rPr lang="en-GB" dirty="0"/>
+              <a:t>A</a:t>
+            </a:r>
+            <a:r>
+              <a:rPr lang="en-NL" dirty="0"/>
+              <a:t>anpasbaar oli wachtwoord</a:t>
+            </a:r>
+          </a:p>
+          <a:p>
+            <a:r>
+              <a:rPr lang="en-NL" dirty="0"/>
+              <a:t>QR-code voor Wifi en web-pagina’s</a:t>
+            </a:r>
+          </a:p>
+          <a:p>
+            <a:endParaRPr lang="en-NL" dirty="0"/>
+          </a:p>
+          <a:p>
+            <a:r>
+              <a:rPr lang="en-NL" dirty="0"/>
+              <a:t>Geen http</a:t>
+            </a:r>
+            <a:r>
+              <a:rPr lang="en-NL" b="1" dirty="0"/>
+              <a:t>s</a:t>
+            </a:r>
+            <a:endParaRPr lang="en-NL" dirty="0"/>
+          </a:p>
+        </p:txBody>
+      </p:sp>
+    </p:spTree>
+    <p:extLst>
+      <p:ext uri="{BB962C8B-B14F-4D97-AF65-F5344CB8AC3E}">
+        <p14:creationId xmlns:p14="http://schemas.microsoft.com/office/powerpoint/2010/main" val="1989757848"/>
+      </p:ext>
+    </p:extLst>
+  </p:cSld>
+  <p:clrMapOvr>
+    <a:masterClrMapping/>
+  </p:clrMapOvr>
+</p:sld>
+</file>
+
+<file path=ppt/slides/slide2.xml><?xml version="1.0" encoding="utf-8"?>
+<p:sld xmlns:a="http://schemas.openxmlformats.org/drawingml/2006/main" xmlns:r="http://schemas.openxmlformats.org/officeDocument/2006/relationships" xmlns:p="http://schemas.openxmlformats.org/presentationml/2006/main">
+  <p:cSld>
+    <p:spTree>
+      <p:nvGrpSpPr>
+        <p:cNvPr id="1" name=""/>
+        <p:cNvGrpSpPr/>
+        <p:nvPr/>
+      </p:nvGrpSpPr>
+      <p:grpSpPr>
+        <a:xfrm>
+          <a:off x="0" y="0"/>
+          <a:ext cx="0" cy="0"/>
+          <a:chOff x="0" y="0"/>
+          <a:chExt cx="0" cy="0"/>
+        </a:xfrm>
+      </p:grpSpPr>
+      <p:sp>
+        <p:nvSpPr>
           <p:cNvPr id="4" name="Rounded Rectangle 3">
             <a:extLst>
               <a:ext uri="{FF2B5EF4-FFF2-40B4-BE49-F238E27FC236}">
@@ -3850,6 +4097,13 @@
               <a:rPr lang="en-NL" sz="1100" dirty="0"/>
               <a:t>Initial password: 8 digit SSID/PW printed on Oli</a:t>
             </a:r>
+            <a:endParaRPr lang="en-NL" sz="1100" dirty="0">
+              <a:latin typeface="Apple Color Emoji" pitchFamily="2" charset="0"/>
+            </a:endParaRPr>
+          </a:p>
+          <a:p>
+            <a:pPr algn="ctr"/>
+            <a:endParaRPr lang="en-NL" sz="1100" dirty="0"/>
           </a:p>
         </p:txBody>
       </p:sp>
@@ -4493,8 +4747,8 @@
         </p:nvSpPr>
         <p:spPr>
           <a:xfrm>
-            <a:off x="4720856" y="1069197"/>
-            <a:ext cx="1304260" cy="838664"/>
+            <a:off x="4689658" y="1069197"/>
+            <a:ext cx="1335458" cy="838664"/>
           </a:xfrm>
           <a:prstGeom prst="roundRect">
             <a:avLst/>
@@ -4546,7 +4800,7 @@
             <a:pPr algn="ctr"/>
             <a:r>
               <a:rPr lang="en-NL" sz="1100" dirty="0"/>
-              <a:t>http://10.0.0.1</a:t>
+              <a:t>http://192.168.4.1</a:t>
             </a:r>
           </a:p>
         </p:txBody>
@@ -5884,8 +6138,8 @@
         </p:nvSpPr>
         <p:spPr>
           <a:xfrm>
-            <a:off x="9246008" y="3018704"/>
-            <a:ext cx="1312222" cy="1161581"/>
+            <a:off x="9155384" y="3018704"/>
+            <a:ext cx="1402846" cy="1161581"/>
           </a:xfrm>
           <a:prstGeom prst="roundRect">
             <a:avLst/>
@@ -5980,7 +6234,15 @@
             </a:r>
             <a:r>
               <a:rPr lang="en-GB" sz="1100" dirty="0"/>
-              <a:t>/intensity</a:t>
+              <a:t>/</a:t>
+            </a:r>
+            <a:r>
+              <a:rPr lang="en-GB" sz="1100" b="1" dirty="0">
+                <a:solidFill>
+                  <a:srgbClr val="FF0000"/>
+                </a:solidFill>
+              </a:rPr>
+              <a:t>intensity</a:t>
             </a:r>
           </a:p>
           <a:p>
@@ -6016,8 +6278,8 @@
         </p:nvSpPr>
         <p:spPr>
           <a:xfrm>
-            <a:off x="10676142" y="3024076"/>
-            <a:ext cx="1312222" cy="1433679"/>
+            <a:off x="10617186" y="3024076"/>
+            <a:ext cx="1371178" cy="1433679"/>
           </a:xfrm>
           <a:prstGeom prst="roundRect">
             <a:avLst/>
@@ -6097,17 +6359,25 @@
             </a:r>
             <a:r>
               <a:rPr lang="en-GB" sz="1100" dirty="0"/>
-              <a:t>/intensity</a:t>
-            </a:r>
-          </a:p>
-        </p:txBody>
-      </p:sp>
-      <p:sp>
-        <p:nvSpPr>
-          <p:cNvPr id="75" name="Rounded Rectangle 74">
-            <a:extLst>
-              <a:ext uri="{FF2B5EF4-FFF2-40B4-BE49-F238E27FC236}">
-                <a16:creationId xmlns:a16="http://schemas.microsoft.com/office/drawing/2014/main" id="{A316288C-CAB9-0710-6E49-75669B5E9377}"/>
+              <a:t>/</a:t>
+            </a:r>
+            <a:r>
+              <a:rPr lang="en-GB" sz="1100" b="1" dirty="0">
+                <a:solidFill>
+                  <a:srgbClr val="FF0000"/>
+                </a:solidFill>
+              </a:rPr>
+              <a:t>intensity</a:t>
+            </a:r>
+          </a:p>
+        </p:txBody>
+      </p:sp>
+      <p:sp>
+        <p:nvSpPr>
+          <p:cNvPr id="76" name="Right Arrow 75">
+            <a:extLst>
+              <a:ext uri="{FF2B5EF4-FFF2-40B4-BE49-F238E27FC236}">
+                <a16:creationId xmlns:a16="http://schemas.microsoft.com/office/drawing/2014/main" id="{6C77CED6-8216-6BFA-E664-B4479F49C7A1}"/>
               </a:ext>
             </a:extLst>
           </p:cNvPr>
@@ -6115,11 +6385,11 @@
           <p:nvPr/>
         </p:nvSpPr>
         <p:spPr>
-          <a:xfrm>
-            <a:off x="9556573" y="4573006"/>
-            <a:ext cx="2514723" cy="2087379"/>
-          </a:xfrm>
-          <a:prstGeom prst="roundRect">
+          <a:xfrm rot="16200000">
+            <a:off x="1446155" y="2322625"/>
+            <a:ext cx="1052305" cy="180821"/>
+          </a:xfrm>
+          <a:prstGeom prst="rightArrow">
             <a:avLst/>
           </a:prstGeom>
         </p:spPr>
@@ -6143,146 +6413,17 @@
           <a:bodyPr rtlCol="0" anchor="ctr"/>
           <a:lstStyle/>
           <a:p>
-            <a:r>
-              <a:rPr lang="en-GB" sz="1100" dirty="0"/>
-              <a:t>Experiments</a:t>
-            </a:r>
-          </a:p>
-          <a:p>
-            <a:pPr marL="171450" indent="-171450">
-              <a:buFont typeface="Arial" panose="020B0604020202020204" pitchFamily="34" charset="0"/>
-              <a:buChar char="•"/>
-            </a:pPr>
-            <a:r>
-              <a:rPr lang="en-GB" sz="1100" strike="sngStrike" dirty="0"/>
-              <a:t>Control LEDs</a:t>
-            </a:r>
-          </a:p>
-          <a:p>
-            <a:pPr marL="171450" indent="-171450">
-              <a:buFont typeface="Arial" panose="020B0604020202020204" pitchFamily="34" charset="0"/>
-              <a:buChar char="•"/>
-            </a:pPr>
-            <a:r>
-              <a:rPr lang="en-GB" sz="1100" strike="sngStrike" dirty="0"/>
-              <a:t>Store data in flash</a:t>
-            </a:r>
-          </a:p>
-          <a:p>
-            <a:pPr marL="171450" indent="-171450">
-              <a:buFont typeface="Arial" panose="020B0604020202020204" pitchFamily="34" charset="0"/>
-              <a:buChar char="•"/>
-            </a:pPr>
-            <a:r>
-              <a:rPr lang="en-GB" sz="1100" strike="sngStrike" dirty="0"/>
-              <a:t>Create webpages</a:t>
-            </a:r>
-          </a:p>
-          <a:p>
-            <a:pPr marL="171450" indent="-171450">
-              <a:buFont typeface="Arial" panose="020B0604020202020204" pitchFamily="34" charset="0"/>
-              <a:buChar char="•"/>
-            </a:pPr>
-            <a:r>
-              <a:rPr lang="en-GB" sz="1100" dirty="0"/>
-              <a:t>Create scenario in SW</a:t>
-            </a:r>
-          </a:p>
-          <a:p>
-            <a:pPr marL="171450" indent="-171450">
-              <a:buFont typeface="Arial" panose="020B0604020202020204" pitchFamily="34" charset="0"/>
-              <a:buChar char="•"/>
-            </a:pPr>
-            <a:r>
-              <a:rPr lang="en-GB" sz="1100" strike="sngStrike" dirty="0"/>
-              <a:t>Mode AP </a:t>
-            </a:r>
-            <a:r>
-              <a:rPr lang="en-GB" sz="1100" strike="sngStrike" dirty="0" err="1"/>
-              <a:t>en</a:t>
-            </a:r>
-            <a:r>
-              <a:rPr lang="en-GB" sz="1100" strike="sngStrike" dirty="0"/>
-              <a:t> STA</a:t>
-            </a:r>
-          </a:p>
-          <a:p>
-            <a:pPr marL="171450" indent="-171450">
-              <a:buFont typeface="Arial" panose="020B0604020202020204" pitchFamily="34" charset="0"/>
-              <a:buChar char="•"/>
-            </a:pPr>
-            <a:r>
-              <a:rPr lang="en-GB" sz="1100" dirty="0"/>
-              <a:t>RTC:</a:t>
-            </a:r>
-          </a:p>
-          <a:p>
-            <a:pPr marL="628650" lvl="1" indent="-171450">
-              <a:buFont typeface="Arial" panose="020B0604020202020204" pitchFamily="34" charset="0"/>
-              <a:buChar char="•"/>
-            </a:pPr>
-            <a:r>
-              <a:rPr lang="en-GB" sz="1100" dirty="0">
-                <a:solidFill>
-                  <a:schemeClr val="bg1"/>
-                </a:solidFill>
-                <a:hlinkClick r:id="rId5">
-                  <a:extLst>
-                    <a:ext uri="{A12FA001-AC4F-418D-AE19-62706E023703}">
-                      <ahyp:hlinkClr xmlns:ahyp="http://schemas.microsoft.com/office/drawing/2018/hyperlinkcolor" val="tx"/>
-                    </a:ext>
-                  </a:extLst>
-                </a:hlinkClick>
-              </a:rPr>
-              <a:t>https://github.com/JChristensen/Timezone</a:t>
-            </a:r>
-            <a:endParaRPr lang="en-GB" sz="1100" dirty="0">
-              <a:solidFill>
-                <a:schemeClr val="bg1"/>
-              </a:solidFill>
-            </a:endParaRPr>
-          </a:p>
-          <a:p>
-            <a:pPr marL="628650" lvl="1" indent="-171450">
-              <a:buFont typeface="Arial" panose="020B0604020202020204" pitchFamily="34" charset="0"/>
-              <a:buChar char="•"/>
-            </a:pPr>
-            <a:r>
-              <a:rPr lang="en-GB" sz="1100" dirty="0">
-                <a:solidFill>
-                  <a:schemeClr val="bg1"/>
-                </a:solidFill>
-                <a:hlinkClick r:id="rId6">
-                  <a:extLst>
-                    <a:ext uri="{A12FA001-AC4F-418D-AE19-62706E023703}">
-                      <ahyp:hlinkClr xmlns:ahyp="http://schemas.microsoft.com/office/drawing/2018/hyperlinkcolor" val="tx"/>
-                    </a:ext>
-                  </a:extLst>
-                </a:hlinkClick>
-              </a:rPr>
-              <a:t>https://github.com/PaulStoffregen/Time</a:t>
-            </a:r>
-            <a:r>
-              <a:rPr lang="en-GB" sz="1100" dirty="0">
-                <a:solidFill>
-                  <a:schemeClr val="bg1"/>
-                </a:solidFill>
-              </a:rPr>
-              <a:t> </a:t>
-            </a:r>
-            <a:br>
-              <a:rPr lang="en-GB" sz="1100" dirty="0"/>
-            </a:br>
-            <a:endParaRPr lang="en-GB" sz="1100" dirty="0"/>
-          </a:p>
-        </p:txBody>
-      </p:sp>
-      <p:sp>
-        <p:nvSpPr>
-          <p:cNvPr id="76" name="Right Arrow 75">
-            <a:extLst>
-              <a:ext uri="{FF2B5EF4-FFF2-40B4-BE49-F238E27FC236}">
-                <a16:creationId xmlns:a16="http://schemas.microsoft.com/office/drawing/2014/main" id="{6C77CED6-8216-6BFA-E664-B4479F49C7A1}"/>
+            <a:pPr algn="ctr"/>
+            <a:endParaRPr lang="en-NL"/>
+          </a:p>
+        </p:txBody>
+      </p:sp>
+      <p:sp>
+        <p:nvSpPr>
+          <p:cNvPr id="77" name="Oval Callout 76">
+            <a:extLst>
+              <a:ext uri="{FF2B5EF4-FFF2-40B4-BE49-F238E27FC236}">
+                <a16:creationId xmlns:a16="http://schemas.microsoft.com/office/drawing/2014/main" id="{86B0EB34-387F-4B0E-545C-EFC26DB09C6B}"/>
               </a:ext>
             </a:extLst>
           </p:cNvPr>
@@ -6290,13 +6431,22 @@
           <p:nvPr/>
         </p:nvSpPr>
         <p:spPr>
-          <a:xfrm rot="16200000">
-            <a:off x="1446155" y="2322625"/>
-            <a:ext cx="1052305" cy="180821"/>
-          </a:xfrm>
-          <a:prstGeom prst="rightArrow">
-            <a:avLst/>
+          <a:xfrm>
+            <a:off x="413184" y="2173239"/>
+            <a:ext cx="1318393" cy="541744"/>
+          </a:xfrm>
+          <a:prstGeom prst="wedgeEllipseCallout">
+            <a:avLst>
+              <a:gd name="adj1" fmla="val 64731"/>
+              <a:gd name="adj2" fmla="val 64313"/>
+            </a:avLst>
           </a:prstGeom>
+          <a:solidFill>
+            <a:schemeClr val="accent1">
+              <a:lumMod val="40000"/>
+              <a:lumOff val="60000"/>
+            </a:schemeClr>
+          </a:solidFill>
         </p:spPr>
         <p:style>
           <a:lnRef idx="2">
@@ -6318,17 +6468,75 @@
           <a:bodyPr rtlCol="0" anchor="ctr"/>
           <a:lstStyle/>
           <a:p>
-            <a:pPr algn="ctr"/>
-            <a:endParaRPr lang="en-NL"/>
-          </a:p>
-        </p:txBody>
-      </p:sp>
-      <p:sp>
-        <p:nvSpPr>
-          <p:cNvPr id="77" name="Oval Callout 76">
-            <a:extLst>
-              <a:ext uri="{FF2B5EF4-FFF2-40B4-BE49-F238E27FC236}">
-                <a16:creationId xmlns:a16="http://schemas.microsoft.com/office/drawing/2014/main" id="{86B0EB34-387F-4B0E-545C-EFC26DB09C6B}"/>
+            <a:r>
+              <a:rPr lang="en-NL" sz="1100" dirty="0"/>
+              <a:t>Failed to connect</a:t>
+            </a:r>
+          </a:p>
+          <a:p>
+            <a:r>
+              <a:rPr lang="en-NL" sz="1100" dirty="0">
+                <a:solidFill>
+                  <a:srgbClr val="FF0000"/>
+                </a:solidFill>
+              </a:rPr>
+              <a:t>1xRed blink</a:t>
+            </a:r>
+          </a:p>
+        </p:txBody>
+      </p:sp>
+      <p:cxnSp>
+        <p:nvCxnSpPr>
+          <p:cNvPr id="78" name="Elbow Connector 77">
+            <a:extLst>
+              <a:ext uri="{FF2B5EF4-FFF2-40B4-BE49-F238E27FC236}">
+                <a16:creationId xmlns:a16="http://schemas.microsoft.com/office/drawing/2014/main" id="{1C853A48-69DF-A9EA-630D-476DB2ABBF7D}"/>
+              </a:ext>
+            </a:extLst>
+          </p:cNvPr>
+          <p:cNvCxnSpPr>
+            <a:cxnSpLocks/>
+            <a:stCxn id="88" idx="3"/>
+            <a:endCxn id="43" idx="0"/>
+          </p:cNvCxnSpPr>
+          <p:nvPr/>
+        </p:nvCxnSpPr>
+        <p:spPr>
+          <a:xfrm>
+            <a:off x="1024979" y="4947156"/>
+            <a:ext cx="3161207" cy="348792"/>
+          </a:xfrm>
+          <a:prstGeom prst="bentConnector2">
+            <a:avLst/>
+          </a:prstGeom>
+          <a:ln w="82550">
+            <a:solidFill>
+              <a:schemeClr val="accent5"/>
+            </a:solidFill>
+            <a:tailEnd type="triangle"/>
+          </a:ln>
+        </p:spPr>
+        <p:style>
+          <a:lnRef idx="1">
+            <a:schemeClr val="accent1"/>
+          </a:lnRef>
+          <a:fillRef idx="0">
+            <a:schemeClr val="accent1"/>
+          </a:fillRef>
+          <a:effectRef idx="0">
+            <a:schemeClr val="accent1"/>
+          </a:effectRef>
+          <a:fontRef idx="minor">
+            <a:schemeClr val="tx1"/>
+          </a:fontRef>
+        </p:style>
+      </p:cxnSp>
+      <p:sp>
+        <p:nvSpPr>
+          <p:cNvPr id="88" name="Rounded Rectangle 87">
+            <a:extLst>
+              <a:ext uri="{FF2B5EF4-FFF2-40B4-BE49-F238E27FC236}">
+                <a16:creationId xmlns:a16="http://schemas.microsoft.com/office/drawing/2014/main" id="{5DF2355C-2A49-47B3-2833-6E102415F1B0}"/>
               </a:ext>
             </a:extLst>
           </p:cNvPr>
@@ -6337,13 +6545,59 @@
         </p:nvSpPr>
         <p:spPr>
           <a:xfrm>
-            <a:off x="413184" y="2173239"/>
-            <a:ext cx="1318393" cy="541744"/>
+            <a:off x="257723" y="4713066"/>
+            <a:ext cx="767256" cy="468179"/>
+          </a:xfrm>
+          <a:prstGeom prst="roundRect">
+            <a:avLst/>
+          </a:prstGeom>
+        </p:spPr>
+        <p:style>
+          <a:lnRef idx="1">
+            <a:schemeClr val="accent4"/>
+          </a:lnRef>
+          <a:fillRef idx="2">
+            <a:schemeClr val="accent4"/>
+          </a:fillRef>
+          <a:effectRef idx="1">
+            <a:schemeClr val="accent4"/>
+          </a:effectRef>
+          <a:fontRef idx="minor">
+            <a:schemeClr val="dk1"/>
+          </a:fontRef>
+        </p:style>
+        <p:txBody>
+          <a:bodyPr rtlCol="0" anchor="ctr"/>
+          <a:lstStyle/>
+          <a:p>
+            <a:r>
+              <a:rPr lang="en-NL" sz="1100" dirty="0"/>
+              <a:t>power-on</a:t>
+            </a:r>
+          </a:p>
+        </p:txBody>
+      </p:sp>
+      <p:sp>
+        <p:nvSpPr>
+          <p:cNvPr id="90" name="Oval Callout 89">
+            <a:extLst>
+              <a:ext uri="{FF2B5EF4-FFF2-40B4-BE49-F238E27FC236}">
+                <a16:creationId xmlns:a16="http://schemas.microsoft.com/office/drawing/2014/main" id="{B1B9207D-2864-5AAC-EFEB-6BC3BC34C3EB}"/>
+              </a:ext>
+            </a:extLst>
+          </p:cNvPr>
+          <p:cNvSpPr/>
+          <p:nvPr/>
+        </p:nvSpPr>
+        <p:spPr>
+          <a:xfrm>
+            <a:off x="1679731" y="241836"/>
+            <a:ext cx="1857367" cy="541744"/>
           </a:xfrm>
           <a:prstGeom prst="wedgeEllipseCallout">
             <a:avLst>
-              <a:gd name="adj1" fmla="val 64731"/>
-              <a:gd name="adj2" fmla="val 64313"/>
+              <a:gd name="adj1" fmla="val -85790"/>
+              <a:gd name="adj2" fmla="val 91790"/>
             </a:avLst>
           </a:prstGeom>
           <a:solidFill>
@@ -6375,7 +6629,7 @@
           <a:p>
             <a:r>
               <a:rPr lang="en-NL" sz="1100" dirty="0"/>
-              <a:t>Failed to connect</a:t>
+              <a:t>Not configured</a:t>
             </a:r>
           </a:p>
           <a:p>
@@ -6385,63 +6639,17 @@
                   <a:srgbClr val="FF0000"/>
                 </a:solidFill>
               </a:rPr>
-              <a:t>1xRed blink</a:t>
-            </a:r>
-          </a:p>
-        </p:txBody>
-      </p:sp>
-      <p:cxnSp>
-        <p:nvCxnSpPr>
-          <p:cNvPr id="78" name="Elbow Connector 77">
-            <a:extLst>
-              <a:ext uri="{FF2B5EF4-FFF2-40B4-BE49-F238E27FC236}">
-                <a16:creationId xmlns:a16="http://schemas.microsoft.com/office/drawing/2014/main" id="{1C853A48-69DF-A9EA-630D-476DB2ABBF7D}"/>
-              </a:ext>
-            </a:extLst>
-          </p:cNvPr>
-          <p:cNvCxnSpPr>
-            <a:cxnSpLocks/>
-            <a:stCxn id="88" idx="3"/>
-            <a:endCxn id="43" idx="0"/>
-          </p:cNvCxnSpPr>
-          <p:nvPr/>
-        </p:nvCxnSpPr>
-        <p:spPr>
-          <a:xfrm>
-            <a:off x="1024979" y="4947156"/>
-            <a:ext cx="3161207" cy="348792"/>
-          </a:xfrm>
-          <a:prstGeom prst="bentConnector2">
-            <a:avLst/>
-          </a:prstGeom>
-          <a:ln w="82550">
-            <a:solidFill>
-              <a:schemeClr val="accent5"/>
-            </a:solidFill>
-            <a:tailEnd type="triangle"/>
-          </a:ln>
-        </p:spPr>
-        <p:style>
-          <a:lnRef idx="1">
-            <a:schemeClr val="accent1"/>
-          </a:lnRef>
-          <a:fillRef idx="0">
-            <a:schemeClr val="accent1"/>
-          </a:fillRef>
-          <a:effectRef idx="0">
-            <a:schemeClr val="accent1"/>
-          </a:effectRef>
-          <a:fontRef idx="minor">
-            <a:schemeClr val="tx1"/>
-          </a:fontRef>
-        </p:style>
-      </p:cxnSp>
-      <p:sp>
-        <p:nvSpPr>
-          <p:cNvPr id="88" name="Rounded Rectangle 87">
-            <a:extLst>
-              <a:ext uri="{FF2B5EF4-FFF2-40B4-BE49-F238E27FC236}">
-                <a16:creationId xmlns:a16="http://schemas.microsoft.com/office/drawing/2014/main" id="{5DF2355C-2A49-47B3-2833-6E102415F1B0}"/>
+              <a:t>LED1: Soft red color</a:t>
+            </a:r>
+          </a:p>
+        </p:txBody>
+      </p:sp>
+      <p:sp>
+        <p:nvSpPr>
+          <p:cNvPr id="91" name="Oval Callout 90">
+            <a:extLst>
+              <a:ext uri="{FF2B5EF4-FFF2-40B4-BE49-F238E27FC236}">
+                <a16:creationId xmlns:a16="http://schemas.microsoft.com/office/drawing/2014/main" id="{C0ADAFED-5A13-F827-D7E7-29CCBE8F6E3B}"/>
               </a:ext>
             </a:extLst>
           </p:cNvPr>
@@ -6450,58 +6658,12 @@
         </p:nvSpPr>
         <p:spPr>
           <a:xfrm>
-            <a:off x="257723" y="4713066"/>
-            <a:ext cx="767256" cy="468179"/>
-          </a:xfrm>
-          <a:prstGeom prst="roundRect">
-            <a:avLst/>
-          </a:prstGeom>
-        </p:spPr>
-        <p:style>
-          <a:lnRef idx="1">
-            <a:schemeClr val="accent4"/>
-          </a:lnRef>
-          <a:fillRef idx="2">
-            <a:schemeClr val="accent4"/>
-          </a:fillRef>
-          <a:effectRef idx="1">
-            <a:schemeClr val="accent4"/>
-          </a:effectRef>
-          <a:fontRef idx="minor">
-            <a:schemeClr val="dk1"/>
-          </a:fontRef>
-        </p:style>
-        <p:txBody>
-          <a:bodyPr rtlCol="0" anchor="ctr"/>
-          <a:lstStyle/>
-          <a:p>
-            <a:r>
-              <a:rPr lang="en-NL" sz="1100" dirty="0"/>
-              <a:t>power-on</a:t>
-            </a:r>
-          </a:p>
-        </p:txBody>
-      </p:sp>
-      <p:sp>
-        <p:nvSpPr>
-          <p:cNvPr id="90" name="Oval Callout 89">
-            <a:extLst>
-              <a:ext uri="{FF2B5EF4-FFF2-40B4-BE49-F238E27FC236}">
-                <a16:creationId xmlns:a16="http://schemas.microsoft.com/office/drawing/2014/main" id="{B1B9207D-2864-5AAC-EFEB-6BC3BC34C3EB}"/>
-              </a:ext>
-            </a:extLst>
-          </p:cNvPr>
-          <p:cNvSpPr/>
-          <p:nvPr/>
-        </p:nvSpPr>
-        <p:spPr>
-          <a:xfrm>
-            <a:off x="1679731" y="241836"/>
-            <a:ext cx="1857367" cy="541744"/>
+            <a:off x="8123440" y="352948"/>
+            <a:ext cx="1630160" cy="541744"/>
           </a:xfrm>
           <a:prstGeom prst="wedgeEllipseCallout">
             <a:avLst>
-              <a:gd name="adj1" fmla="val -85790"/>
+              <a:gd name="adj1" fmla="val -106780"/>
               <a:gd name="adj2" fmla="val 91790"/>
             </a:avLst>
           </a:prstGeom>
@@ -6534,27 +6696,30 @@
           <a:p>
             <a:r>
               <a:rPr lang="en-NL" sz="1100" dirty="0"/>
-              <a:t>Not configured</a:t>
+              <a:t>Time configured</a:t>
             </a:r>
           </a:p>
           <a:p>
             <a:r>
               <a:rPr lang="en-NL" sz="1100" dirty="0">
                 <a:solidFill>
-                  <a:srgbClr val="FF0000"/>
-                </a:solidFill>
-              </a:rPr>
-              <a:t>LED1: Soft red color</a:t>
-            </a:r>
-          </a:p>
-        </p:txBody>
-      </p:sp>
-      <p:sp>
-        <p:nvSpPr>
-          <p:cNvPr id="91" name="Oval Callout 90">
-            <a:extLst>
-              <a:ext uri="{FF2B5EF4-FFF2-40B4-BE49-F238E27FC236}">
-                <a16:creationId xmlns:a16="http://schemas.microsoft.com/office/drawing/2014/main" id="{C0ADAFED-5A13-F827-D7E7-29CCBE8F6E3B}"/>
+                  <a:schemeClr val="accent4">
+                    <a:lumMod val="40000"/>
+                    <a:lumOff val="60000"/>
+                  </a:schemeClr>
+                </a:solidFill>
+              </a:rPr>
+              <a:t>Soft yellow color</a:t>
+            </a:r>
+          </a:p>
+        </p:txBody>
+      </p:sp>
+      <p:sp>
+        <p:nvSpPr>
+          <p:cNvPr id="92" name="Oval Callout 91">
+            <a:extLst>
+              <a:ext uri="{FF2B5EF4-FFF2-40B4-BE49-F238E27FC236}">
+                <a16:creationId xmlns:a16="http://schemas.microsoft.com/office/drawing/2014/main" id="{74C77D66-FFB6-AF00-1BBE-75D81711D64E}"/>
               </a:ext>
             </a:extLst>
           </p:cNvPr>
@@ -6563,13 +6728,13 @@
         </p:nvSpPr>
         <p:spPr>
           <a:xfrm>
-            <a:off x="8123440" y="352948"/>
+            <a:off x="7005588" y="4093597"/>
             <a:ext cx="1630160" cy="541744"/>
           </a:xfrm>
           <a:prstGeom prst="wedgeEllipseCallout">
             <a:avLst>
-              <a:gd name="adj1" fmla="val -106780"/>
-              <a:gd name="adj2" fmla="val 91790"/>
+              <a:gd name="adj1" fmla="val 31061"/>
+              <a:gd name="adj2" fmla="val -96624"/>
             </a:avLst>
           </a:prstGeom>
           <a:solidFill>
@@ -6601,30 +6766,17 @@
           <a:p>
             <a:r>
               <a:rPr lang="en-NL" sz="1100" dirty="0"/>
-              <a:t>Time configured</a:t>
-            </a:r>
-          </a:p>
-          <a:p>
-            <a:r>
-              <a:rPr lang="en-NL" sz="1100" dirty="0">
-                <a:solidFill>
-                  <a:schemeClr val="accent4">
-                    <a:lumMod val="40000"/>
-                    <a:lumOff val="60000"/>
-                  </a:schemeClr>
-                </a:solidFill>
-              </a:rPr>
-              <a:t>Soft yellow color</a:t>
-            </a:r>
-          </a:p>
-        </p:txBody>
-      </p:sp>
-      <p:sp>
-        <p:nvSpPr>
-          <p:cNvPr id="92" name="Oval Callout 91">
-            <a:extLst>
-              <a:ext uri="{FF2B5EF4-FFF2-40B4-BE49-F238E27FC236}">
-                <a16:creationId xmlns:a16="http://schemas.microsoft.com/office/drawing/2014/main" id="{74C77D66-FFB6-AF00-1BBE-75D81711D64E}"/>
+              <a:t>Scenarios configured</a:t>
+            </a:r>
+          </a:p>
+        </p:txBody>
+      </p:sp>
+      <p:sp>
+        <p:nvSpPr>
+          <p:cNvPr id="93" name="Rounded Rectangle 92">
+            <a:extLst>
+              <a:ext uri="{FF2B5EF4-FFF2-40B4-BE49-F238E27FC236}">
+                <a16:creationId xmlns:a16="http://schemas.microsoft.com/office/drawing/2014/main" id="{A53B2EE5-DCCE-5C08-D730-FB295CDD4901}"/>
               </a:ext>
             </a:extLst>
           </p:cNvPr>
@@ -6633,14 +6785,11 @@
         </p:nvSpPr>
         <p:spPr>
           <a:xfrm>
-            <a:off x="7005588" y="4093597"/>
-            <a:ext cx="1630160" cy="541744"/>
-          </a:xfrm>
-          <a:prstGeom prst="wedgeEllipseCallout">
-            <a:avLst>
-              <a:gd name="adj1" fmla="val 31061"/>
-              <a:gd name="adj2" fmla="val -96624"/>
-            </a:avLst>
+            <a:off x="11213382" y="519893"/>
+            <a:ext cx="767257" cy="280611"/>
+          </a:xfrm>
+          <a:prstGeom prst="roundRect">
+            <a:avLst/>
           </a:prstGeom>
           <a:solidFill>
             <a:schemeClr val="accent1">
@@ -6669,29 +6818,24 @@
           <a:bodyPr rtlCol="0" anchor="ctr"/>
           <a:lstStyle/>
           <a:p>
-            <a:r>
-              <a:rPr lang="en-NL" sz="1100" dirty="0"/>
-              <a:t>Scenarios configured</a:t>
-            </a:r>
-          </a:p>
-          <a:p>
+            <a:pPr algn="ctr"/>
             <a:r>
               <a:rPr lang="en-NL" sz="1100" dirty="0">
                 <a:solidFill>
-                  <a:schemeClr val="accent6"/>
-                </a:solidFill>
-              </a:rPr>
-              <a:t>Soft green color</a:t>
-            </a:r>
-          </a:p>
-        </p:txBody>
-      </p:sp>
-      <p:sp>
-        <p:nvSpPr>
-          <p:cNvPr id="93" name="Rounded Rectangle 92">
-            <a:extLst>
-              <a:ext uri="{FF2B5EF4-FFF2-40B4-BE49-F238E27FC236}">
-                <a16:creationId xmlns:a16="http://schemas.microsoft.com/office/drawing/2014/main" id="{A53B2EE5-DCCE-5C08-D730-FB295CDD4901}"/>
+                  <a:schemeClr val="tx1"/>
+                </a:solidFill>
+              </a:rPr>
+              <a:t>Config</a:t>
+            </a:r>
+          </a:p>
+        </p:txBody>
+      </p:sp>
+      <p:sp>
+        <p:nvSpPr>
+          <p:cNvPr id="94" name="Rounded Rectangle 93">
+            <a:extLst>
+              <a:ext uri="{FF2B5EF4-FFF2-40B4-BE49-F238E27FC236}">
+                <a16:creationId xmlns:a16="http://schemas.microsoft.com/office/drawing/2014/main" id="{547957BE-8C8D-3EAF-F0F4-F1FF33B9503F}"/>
               </a:ext>
             </a:extLst>
           </p:cNvPr>
@@ -6700,7 +6844,7 @@
         </p:nvSpPr>
         <p:spPr>
           <a:xfrm>
-            <a:off x="11213382" y="519893"/>
+            <a:off x="11226435" y="848841"/>
             <a:ext cx="767257" cy="280611"/>
           </a:xfrm>
           <a:prstGeom prst="roundRect">
@@ -6740,17 +6884,17 @@
                   <a:schemeClr val="tx1"/>
                 </a:solidFill>
               </a:rPr>
-              <a:t>Config</a:t>
-            </a:r>
-          </a:p>
-        </p:txBody>
-      </p:sp>
-      <p:sp>
-        <p:nvSpPr>
-          <p:cNvPr id="94" name="Rounded Rectangle 93">
-            <a:extLst>
-              <a:ext uri="{FF2B5EF4-FFF2-40B4-BE49-F238E27FC236}">
-                <a16:creationId xmlns:a16="http://schemas.microsoft.com/office/drawing/2014/main" id="{547957BE-8C8D-3EAF-F0F4-F1FF33B9503F}"/>
+              <a:t>Status</a:t>
+            </a:r>
+          </a:p>
+        </p:txBody>
+      </p:sp>
+      <p:sp>
+        <p:nvSpPr>
+          <p:cNvPr id="95" name="Rounded Rectangle 94">
+            <a:extLst>
+              <a:ext uri="{FF2B5EF4-FFF2-40B4-BE49-F238E27FC236}">
+                <a16:creationId xmlns:a16="http://schemas.microsoft.com/office/drawing/2014/main" id="{F5FF1090-F36B-4259-863C-FA785520827D}"/>
               </a:ext>
             </a:extLst>
           </p:cNvPr>
@@ -6759,7 +6903,7 @@
         </p:nvSpPr>
         <p:spPr>
           <a:xfrm>
-            <a:off x="11226435" y="848841"/>
+            <a:off x="11226435" y="1177789"/>
             <a:ext cx="767257" cy="280611"/>
           </a:xfrm>
           <a:prstGeom prst="roundRect">
@@ -6799,17 +6943,17 @@
                   <a:schemeClr val="tx1"/>
                 </a:solidFill>
               </a:rPr>
-              <a:t>Status</a:t>
-            </a:r>
-          </a:p>
-        </p:txBody>
-      </p:sp>
-      <p:sp>
-        <p:nvSpPr>
-          <p:cNvPr id="95" name="Rounded Rectangle 94">
-            <a:extLst>
-              <a:ext uri="{FF2B5EF4-FFF2-40B4-BE49-F238E27FC236}">
-                <a16:creationId xmlns:a16="http://schemas.microsoft.com/office/drawing/2014/main" id="{F5FF1090-F36B-4259-863C-FA785520827D}"/>
+              <a:t>Scenarios</a:t>
+            </a:r>
+          </a:p>
+        </p:txBody>
+      </p:sp>
+      <p:sp>
+        <p:nvSpPr>
+          <p:cNvPr id="96" name="Rounded Rectangle 95">
+            <a:extLst>
+              <a:ext uri="{FF2B5EF4-FFF2-40B4-BE49-F238E27FC236}">
+                <a16:creationId xmlns:a16="http://schemas.microsoft.com/office/drawing/2014/main" id="{AA18C5E8-E7CA-916A-C0D1-13A04AB08B50}"/>
               </a:ext>
             </a:extLst>
           </p:cNvPr>
@@ -6818,8 +6962,8 @@
         </p:nvSpPr>
         <p:spPr>
           <a:xfrm>
-            <a:off x="11226435" y="1177789"/>
-            <a:ext cx="767257" cy="280611"/>
+            <a:off x="11190968" y="142608"/>
+            <a:ext cx="838189" cy="328948"/>
           </a:xfrm>
           <a:prstGeom prst="roundRect">
             <a:avLst/>
@@ -6858,17 +7002,17 @@
                   <a:schemeClr val="tx1"/>
                 </a:solidFill>
               </a:rPr>
-              <a:t>Scenarios</a:t>
-            </a:r>
-          </a:p>
-        </p:txBody>
-      </p:sp>
-      <p:sp>
-        <p:nvSpPr>
-          <p:cNvPr id="96" name="Rounded Rectangle 95">
-            <a:extLst>
-              <a:ext uri="{FF2B5EF4-FFF2-40B4-BE49-F238E27FC236}">
-                <a16:creationId xmlns:a16="http://schemas.microsoft.com/office/drawing/2014/main" id="{AA18C5E8-E7CA-916A-C0D1-13A04AB08B50}"/>
+              <a:t>Oli Webpages</a:t>
+            </a:r>
+          </a:p>
+        </p:txBody>
+      </p:sp>
+      <p:sp>
+        <p:nvSpPr>
+          <p:cNvPr id="102" name="Rounded Rectangle 101">
+            <a:extLst>
+              <a:ext uri="{FF2B5EF4-FFF2-40B4-BE49-F238E27FC236}">
+                <a16:creationId xmlns:a16="http://schemas.microsoft.com/office/drawing/2014/main" id="{87A708D1-AB56-C0BD-3E2C-ED7ED4609474}"/>
               </a:ext>
             </a:extLst>
           </p:cNvPr>
@@ -6877,8 +7021,8 @@
         </p:nvSpPr>
         <p:spPr>
           <a:xfrm>
-            <a:off x="11190968" y="142608"/>
-            <a:ext cx="838189" cy="328948"/>
+            <a:off x="11221107" y="1540490"/>
+            <a:ext cx="767257" cy="280611"/>
           </a:xfrm>
           <a:prstGeom prst="roundRect">
             <a:avLst/>
@@ -6912,63 +7056,660 @@
           <a:p>
             <a:pPr algn="ctr"/>
             <a:r>
+              <a:rPr lang="en-GB" sz="1100" dirty="0">
+                <a:solidFill>
+                  <a:schemeClr val="tx1"/>
+                </a:solidFill>
+              </a:rPr>
+              <a:t>K</a:t>
+            </a:r>
+            <a:r>
               <a:rPr lang="en-NL" sz="1100" dirty="0">
                 <a:solidFill>
                   <a:schemeClr val="tx1"/>
                 </a:solidFill>
               </a:rPr>
-              <a:t>Oli Webpages</a:t>
-            </a:r>
-          </a:p>
-        </p:txBody>
-      </p:sp>
-      <p:sp>
-        <p:nvSpPr>
-          <p:cNvPr id="102" name="Rounded Rectangle 101">
-            <a:extLst>
-              <a:ext uri="{FF2B5EF4-FFF2-40B4-BE49-F238E27FC236}">
-                <a16:creationId xmlns:a16="http://schemas.microsoft.com/office/drawing/2014/main" id="{87A708D1-AB56-C0BD-3E2C-ED7ED4609474}"/>
-              </a:ext>
-            </a:extLst>
-          </p:cNvPr>
-          <p:cNvSpPr/>
+              <a:t>leur kiezer</a:t>
+            </a:r>
+          </a:p>
+        </p:txBody>
+      </p:sp>
+      <p:sp>
+        <p:nvSpPr>
+          <p:cNvPr id="15" name="TextBox 14">
+            <a:extLst>
+              <a:ext uri="{FF2B5EF4-FFF2-40B4-BE49-F238E27FC236}">
+                <a16:creationId xmlns:a16="http://schemas.microsoft.com/office/drawing/2014/main" id="{B1046C05-044D-893F-B34A-A939E92D25BA}"/>
+              </a:ext>
+            </a:extLst>
+          </p:cNvPr>
+          <p:cNvSpPr txBox="1"/>
           <p:nvPr/>
         </p:nvSpPr>
         <p:spPr>
           <a:xfrm>
-            <a:off x="11221107" y="1540490"/>
-            <a:ext cx="767257" cy="280611"/>
-          </a:xfrm>
-          <a:prstGeom prst="roundRect">
+            <a:off x="1853143" y="4232796"/>
+            <a:ext cx="359614" cy="369332"/>
+          </a:xfrm>
+          <a:prstGeom prst="rect">
             <a:avLst/>
           </a:prstGeom>
-        </p:spPr>
-        <p:style>
-          <a:lnRef idx="1">
-            <a:schemeClr val="accent3"/>
-          </a:lnRef>
-          <a:fillRef idx="2">
-            <a:schemeClr val="accent3"/>
-          </a:fillRef>
-          <a:effectRef idx="1">
-            <a:schemeClr val="accent3"/>
-          </a:effectRef>
-          <a:fontRef idx="minor">
-            <a:schemeClr val="dk1"/>
-          </a:fontRef>
-        </p:style>
-        <p:txBody>
-          <a:bodyPr rtlCol="0" anchor="ctr"/>
-          <a:lstStyle/>
-          <a:p>
-            <a:pPr algn="ctr"/>
-            <a:r>
-              <a:rPr lang="en-NL" sz="1100" dirty="0">
-                <a:solidFill>
-                  <a:schemeClr val="tx1"/>
-                </a:solidFill>
-              </a:rPr>
-              <a:t>Redirect</a:t>
+          <a:noFill/>
+        </p:spPr>
+        <p:txBody>
+          <a:bodyPr wrap="square">
+            <a:spAutoFit/>
+          </a:bodyPr>
+          <a:lstStyle/>
+          <a:p>
+            <a:r>
+              <a:rPr lang="en-NL" sz="1800" dirty="0">
+                <a:latin typeface="Apple Color Emoji" pitchFamily="2" charset="0"/>
+              </a:rPr>
+              <a:t>✅</a:t>
+            </a:r>
+            <a:endParaRPr lang="en-NL" dirty="0"/>
+          </a:p>
+        </p:txBody>
+      </p:sp>
+      <p:sp>
+        <p:nvSpPr>
+          <p:cNvPr id="20" name="TextBox 19">
+            <a:extLst>
+              <a:ext uri="{FF2B5EF4-FFF2-40B4-BE49-F238E27FC236}">
+                <a16:creationId xmlns:a16="http://schemas.microsoft.com/office/drawing/2014/main" id="{D13A0566-2B9B-C689-022D-71397F38BC1D}"/>
+              </a:ext>
+            </a:extLst>
+          </p:cNvPr>
+          <p:cNvSpPr txBox="1"/>
+          <p:nvPr/>
+        </p:nvSpPr>
+        <p:spPr>
+          <a:xfrm>
+            <a:off x="2979626" y="1043794"/>
+            <a:ext cx="359614" cy="369332"/>
+          </a:xfrm>
+          <a:prstGeom prst="rect">
+            <a:avLst/>
+          </a:prstGeom>
+          <a:noFill/>
+        </p:spPr>
+        <p:txBody>
+          <a:bodyPr wrap="square">
+            <a:spAutoFit/>
+          </a:bodyPr>
+          <a:lstStyle/>
+          <a:p>
+            <a:r>
+              <a:rPr lang="en-NL" sz="1800" dirty="0">
+                <a:latin typeface="Apple Color Emoji" pitchFamily="2" charset="0"/>
+              </a:rPr>
+              <a:t>✅</a:t>
+            </a:r>
+            <a:endParaRPr lang="en-NL" dirty="0"/>
+          </a:p>
+        </p:txBody>
+      </p:sp>
+      <p:sp>
+        <p:nvSpPr>
+          <p:cNvPr id="21" name="TextBox 20">
+            <a:extLst>
+              <a:ext uri="{FF2B5EF4-FFF2-40B4-BE49-F238E27FC236}">
+                <a16:creationId xmlns:a16="http://schemas.microsoft.com/office/drawing/2014/main" id="{A61E1E5B-6CE4-4EB8-F54C-03D728DA9C18}"/>
+              </a:ext>
+            </a:extLst>
+          </p:cNvPr>
+          <p:cNvSpPr txBox="1"/>
+          <p:nvPr/>
+        </p:nvSpPr>
+        <p:spPr>
+          <a:xfrm>
+            <a:off x="5665502" y="1043794"/>
+            <a:ext cx="359614" cy="369332"/>
+          </a:xfrm>
+          <a:prstGeom prst="rect">
+            <a:avLst/>
+          </a:prstGeom>
+          <a:noFill/>
+        </p:spPr>
+        <p:txBody>
+          <a:bodyPr wrap="square">
+            <a:spAutoFit/>
+          </a:bodyPr>
+          <a:lstStyle/>
+          <a:p>
+            <a:r>
+              <a:rPr lang="en-NL" sz="1800" dirty="0">
+                <a:latin typeface="Apple Color Emoji" pitchFamily="2" charset="0"/>
+              </a:rPr>
+              <a:t>✅</a:t>
+            </a:r>
+            <a:endParaRPr lang="en-NL" dirty="0"/>
+          </a:p>
+        </p:txBody>
+      </p:sp>
+      <p:sp>
+        <p:nvSpPr>
+          <p:cNvPr id="23" name="TextBox 22">
+            <a:extLst>
+              <a:ext uri="{FF2B5EF4-FFF2-40B4-BE49-F238E27FC236}">
+                <a16:creationId xmlns:a16="http://schemas.microsoft.com/office/drawing/2014/main" id="{A1C1404E-0143-EB6F-C68A-FE2EDC123F1F}"/>
+              </a:ext>
+            </a:extLst>
+          </p:cNvPr>
+          <p:cNvSpPr txBox="1"/>
+          <p:nvPr/>
+        </p:nvSpPr>
+        <p:spPr>
+          <a:xfrm>
+            <a:off x="7020931" y="1074848"/>
+            <a:ext cx="359614" cy="369332"/>
+          </a:xfrm>
+          <a:prstGeom prst="rect">
+            <a:avLst/>
+          </a:prstGeom>
+          <a:noFill/>
+        </p:spPr>
+        <p:txBody>
+          <a:bodyPr wrap="square">
+            <a:spAutoFit/>
+          </a:bodyPr>
+          <a:lstStyle/>
+          <a:p>
+            <a:r>
+              <a:rPr lang="en-NL" sz="1800" dirty="0">
+                <a:latin typeface="Apple Color Emoji" pitchFamily="2" charset="0"/>
+              </a:rPr>
+              <a:t>✅</a:t>
+            </a:r>
+            <a:endParaRPr lang="en-NL" dirty="0"/>
+          </a:p>
+        </p:txBody>
+      </p:sp>
+      <p:sp>
+        <p:nvSpPr>
+          <p:cNvPr id="24" name="TextBox 23">
+            <a:extLst>
+              <a:ext uri="{FF2B5EF4-FFF2-40B4-BE49-F238E27FC236}">
+                <a16:creationId xmlns:a16="http://schemas.microsoft.com/office/drawing/2014/main" id="{FA002D65-A8B0-FC3A-D5F3-0FD0C4475902}"/>
+              </a:ext>
+            </a:extLst>
+          </p:cNvPr>
+          <p:cNvSpPr txBox="1"/>
+          <p:nvPr/>
+        </p:nvSpPr>
+        <p:spPr>
+          <a:xfrm>
+            <a:off x="8624141" y="1019285"/>
+            <a:ext cx="359614" cy="369332"/>
+          </a:xfrm>
+          <a:prstGeom prst="rect">
+            <a:avLst/>
+          </a:prstGeom>
+          <a:noFill/>
+        </p:spPr>
+        <p:txBody>
+          <a:bodyPr wrap="square">
+            <a:spAutoFit/>
+          </a:bodyPr>
+          <a:lstStyle/>
+          <a:p>
+            <a:r>
+              <a:rPr lang="en-NL" sz="1800" dirty="0">
+                <a:latin typeface="Apple Color Emoji" pitchFamily="2" charset="0"/>
+              </a:rPr>
+              <a:t>✅</a:t>
+            </a:r>
+            <a:endParaRPr lang="en-NL" dirty="0"/>
+          </a:p>
+        </p:txBody>
+      </p:sp>
+      <p:sp>
+        <p:nvSpPr>
+          <p:cNvPr id="25" name="TextBox 24">
+            <a:extLst>
+              <a:ext uri="{FF2B5EF4-FFF2-40B4-BE49-F238E27FC236}">
+                <a16:creationId xmlns:a16="http://schemas.microsoft.com/office/drawing/2014/main" id="{6908612D-9285-0D67-A01F-2DC345CF76F7}"/>
+              </a:ext>
+            </a:extLst>
+          </p:cNvPr>
+          <p:cNvSpPr txBox="1"/>
+          <p:nvPr/>
+        </p:nvSpPr>
+        <p:spPr>
+          <a:xfrm>
+            <a:off x="2987306" y="2913329"/>
+            <a:ext cx="359614" cy="369332"/>
+          </a:xfrm>
+          <a:prstGeom prst="rect">
+            <a:avLst/>
+          </a:prstGeom>
+          <a:noFill/>
+        </p:spPr>
+        <p:txBody>
+          <a:bodyPr wrap="square">
+            <a:spAutoFit/>
+          </a:bodyPr>
+          <a:lstStyle/>
+          <a:p>
+            <a:r>
+              <a:rPr lang="en-NL" sz="1800" dirty="0">
+                <a:latin typeface="Apple Color Emoji" pitchFamily="2" charset="0"/>
+              </a:rPr>
+              <a:t>✅</a:t>
+            </a:r>
+            <a:endParaRPr lang="en-NL" dirty="0"/>
+          </a:p>
+        </p:txBody>
+      </p:sp>
+      <p:sp>
+        <p:nvSpPr>
+          <p:cNvPr id="26" name="TextBox 25">
+            <a:extLst>
+              <a:ext uri="{FF2B5EF4-FFF2-40B4-BE49-F238E27FC236}">
+                <a16:creationId xmlns:a16="http://schemas.microsoft.com/office/drawing/2014/main" id="{65F5D29A-7EC5-3B80-5016-2CEBBD08C465}"/>
+              </a:ext>
+            </a:extLst>
+          </p:cNvPr>
+          <p:cNvSpPr txBox="1"/>
+          <p:nvPr/>
+        </p:nvSpPr>
+        <p:spPr>
+          <a:xfrm>
+            <a:off x="5539668" y="2927644"/>
+            <a:ext cx="359614" cy="369332"/>
+          </a:xfrm>
+          <a:prstGeom prst="rect">
+            <a:avLst/>
+          </a:prstGeom>
+          <a:noFill/>
+        </p:spPr>
+        <p:txBody>
+          <a:bodyPr wrap="square">
+            <a:spAutoFit/>
+          </a:bodyPr>
+          <a:lstStyle/>
+          <a:p>
+            <a:r>
+              <a:rPr lang="en-NL" sz="1800" dirty="0">
+                <a:latin typeface="Apple Color Emoji" pitchFamily="2" charset="0"/>
+              </a:rPr>
+              <a:t>✅</a:t>
+            </a:r>
+            <a:endParaRPr lang="en-NL" dirty="0"/>
+          </a:p>
+        </p:txBody>
+      </p:sp>
+      <p:sp>
+        <p:nvSpPr>
+          <p:cNvPr id="27" name="TextBox 26">
+            <a:extLst>
+              <a:ext uri="{FF2B5EF4-FFF2-40B4-BE49-F238E27FC236}">
+                <a16:creationId xmlns:a16="http://schemas.microsoft.com/office/drawing/2014/main" id="{CF1CCC89-1C4E-ABFC-F1C9-E8BA519B7A48}"/>
+              </a:ext>
+            </a:extLst>
+          </p:cNvPr>
+          <p:cNvSpPr txBox="1"/>
+          <p:nvPr/>
+        </p:nvSpPr>
+        <p:spPr>
+          <a:xfrm>
+            <a:off x="7371935" y="2927644"/>
+            <a:ext cx="359614" cy="369332"/>
+          </a:xfrm>
+          <a:prstGeom prst="rect">
+            <a:avLst/>
+          </a:prstGeom>
+          <a:noFill/>
+        </p:spPr>
+        <p:txBody>
+          <a:bodyPr wrap="square">
+            <a:spAutoFit/>
+          </a:bodyPr>
+          <a:lstStyle/>
+          <a:p>
+            <a:r>
+              <a:rPr lang="en-NL" sz="1800" dirty="0">
+                <a:latin typeface="Apple Color Emoji" pitchFamily="2" charset="0"/>
+              </a:rPr>
+              <a:t>✅</a:t>
+            </a:r>
+            <a:endParaRPr lang="en-NL" dirty="0"/>
+          </a:p>
+        </p:txBody>
+      </p:sp>
+      <p:sp>
+        <p:nvSpPr>
+          <p:cNvPr id="28" name="TextBox 27">
+            <a:extLst>
+              <a:ext uri="{FF2B5EF4-FFF2-40B4-BE49-F238E27FC236}">
+                <a16:creationId xmlns:a16="http://schemas.microsoft.com/office/drawing/2014/main" id="{3696D226-6D6F-1B4C-B025-B82940833CD6}"/>
+              </a:ext>
+            </a:extLst>
+          </p:cNvPr>
+          <p:cNvSpPr txBox="1"/>
+          <p:nvPr/>
+        </p:nvSpPr>
+        <p:spPr>
+          <a:xfrm>
+            <a:off x="8378353" y="2939188"/>
+            <a:ext cx="359614" cy="369332"/>
+          </a:xfrm>
+          <a:prstGeom prst="rect">
+            <a:avLst/>
+          </a:prstGeom>
+          <a:noFill/>
+        </p:spPr>
+        <p:txBody>
+          <a:bodyPr wrap="square">
+            <a:spAutoFit/>
+          </a:bodyPr>
+          <a:lstStyle/>
+          <a:p>
+            <a:r>
+              <a:rPr lang="en-NL" sz="1800" dirty="0">
+                <a:latin typeface="Apple Color Emoji" pitchFamily="2" charset="0"/>
+              </a:rPr>
+              <a:t>✅</a:t>
+            </a:r>
+            <a:endParaRPr lang="en-NL" dirty="0"/>
+          </a:p>
+        </p:txBody>
+      </p:sp>
+      <p:sp>
+        <p:nvSpPr>
+          <p:cNvPr id="44" name="TextBox 43">
+            <a:extLst>
+              <a:ext uri="{FF2B5EF4-FFF2-40B4-BE49-F238E27FC236}">
+                <a16:creationId xmlns:a16="http://schemas.microsoft.com/office/drawing/2014/main" id="{C2AB7B24-6520-42C3-B7D8-85C74B6B9AF4}"/>
+              </a:ext>
+            </a:extLst>
+          </p:cNvPr>
+          <p:cNvSpPr txBox="1"/>
+          <p:nvPr/>
+        </p:nvSpPr>
+        <p:spPr>
+          <a:xfrm>
+            <a:off x="1875587" y="5268517"/>
+            <a:ext cx="359614" cy="369332"/>
+          </a:xfrm>
+          <a:prstGeom prst="rect">
+            <a:avLst/>
+          </a:prstGeom>
+          <a:noFill/>
+        </p:spPr>
+        <p:txBody>
+          <a:bodyPr wrap="square">
+            <a:spAutoFit/>
+          </a:bodyPr>
+          <a:lstStyle/>
+          <a:p>
+            <a:r>
+              <a:rPr lang="en-NL" sz="1800" dirty="0">
+                <a:latin typeface="Apple Color Emoji" pitchFamily="2" charset="0"/>
+              </a:rPr>
+              <a:t>✅</a:t>
+            </a:r>
+            <a:endParaRPr lang="en-NL" dirty="0"/>
+          </a:p>
+        </p:txBody>
+      </p:sp>
+      <p:sp>
+        <p:nvSpPr>
+          <p:cNvPr id="46" name="TextBox 45">
+            <a:extLst>
+              <a:ext uri="{FF2B5EF4-FFF2-40B4-BE49-F238E27FC236}">
+                <a16:creationId xmlns:a16="http://schemas.microsoft.com/office/drawing/2014/main" id="{2F906F7D-65AF-4A4A-88EE-A4C057C4C781}"/>
+              </a:ext>
+            </a:extLst>
+          </p:cNvPr>
+          <p:cNvSpPr txBox="1"/>
+          <p:nvPr/>
+        </p:nvSpPr>
+        <p:spPr>
+          <a:xfrm>
+            <a:off x="1987701" y="5890665"/>
+            <a:ext cx="359614" cy="369332"/>
+          </a:xfrm>
+          <a:prstGeom prst="rect">
+            <a:avLst/>
+          </a:prstGeom>
+          <a:noFill/>
+        </p:spPr>
+        <p:txBody>
+          <a:bodyPr wrap="square">
+            <a:spAutoFit/>
+          </a:bodyPr>
+          <a:lstStyle/>
+          <a:p>
+            <a:r>
+              <a:rPr lang="en-NL" sz="1800" dirty="0">
+                <a:latin typeface="Apple Color Emoji" pitchFamily="2" charset="0"/>
+              </a:rPr>
+              <a:t>✅</a:t>
+            </a:r>
+            <a:endParaRPr lang="en-NL" dirty="0"/>
+          </a:p>
+        </p:txBody>
+      </p:sp>
+      <p:sp>
+        <p:nvSpPr>
+          <p:cNvPr id="51" name="TextBox 50">
+            <a:extLst>
+              <a:ext uri="{FF2B5EF4-FFF2-40B4-BE49-F238E27FC236}">
+                <a16:creationId xmlns:a16="http://schemas.microsoft.com/office/drawing/2014/main" id="{8821E4AA-B417-7092-10EC-FB4736B09D0E}"/>
+              </a:ext>
+            </a:extLst>
+          </p:cNvPr>
+          <p:cNvSpPr txBox="1"/>
+          <p:nvPr/>
+        </p:nvSpPr>
+        <p:spPr>
+          <a:xfrm>
+            <a:off x="10257572" y="2980209"/>
+            <a:ext cx="359614" cy="369332"/>
+          </a:xfrm>
+          <a:prstGeom prst="rect">
+            <a:avLst/>
+          </a:prstGeom>
+          <a:noFill/>
+        </p:spPr>
+        <p:txBody>
+          <a:bodyPr wrap="square">
+            <a:spAutoFit/>
+          </a:bodyPr>
+          <a:lstStyle/>
+          <a:p>
+            <a:r>
+              <a:rPr lang="en-NL" sz="1800" dirty="0">
+                <a:latin typeface="Apple Color Emoji" pitchFamily="2" charset="0"/>
+              </a:rPr>
+              <a:t>✅</a:t>
+            </a:r>
+            <a:endParaRPr lang="en-NL" dirty="0"/>
+          </a:p>
+        </p:txBody>
+      </p:sp>
+      <p:sp>
+        <p:nvSpPr>
+          <p:cNvPr id="52" name="TextBox 51">
+            <a:extLst>
+              <a:ext uri="{FF2B5EF4-FFF2-40B4-BE49-F238E27FC236}">
+                <a16:creationId xmlns:a16="http://schemas.microsoft.com/office/drawing/2014/main" id="{82269914-9D17-FD2C-CC82-641158533491}"/>
+              </a:ext>
+            </a:extLst>
+          </p:cNvPr>
+          <p:cNvSpPr txBox="1"/>
+          <p:nvPr/>
+        </p:nvSpPr>
+        <p:spPr>
+          <a:xfrm>
+            <a:off x="11620821" y="2980209"/>
+            <a:ext cx="359614" cy="369332"/>
+          </a:xfrm>
+          <a:prstGeom prst="rect">
+            <a:avLst/>
+          </a:prstGeom>
+          <a:noFill/>
+        </p:spPr>
+        <p:txBody>
+          <a:bodyPr wrap="square">
+            <a:spAutoFit/>
+          </a:bodyPr>
+          <a:lstStyle/>
+          <a:p>
+            <a:r>
+              <a:rPr lang="en-NL" sz="1800" dirty="0">
+                <a:latin typeface="Apple Color Emoji" pitchFamily="2" charset="0"/>
+              </a:rPr>
+              <a:t>✅</a:t>
+            </a:r>
+            <a:endParaRPr lang="en-NL" dirty="0"/>
+          </a:p>
+        </p:txBody>
+      </p:sp>
+      <p:sp>
+        <p:nvSpPr>
+          <p:cNvPr id="57" name="TextBox 56">
+            <a:extLst>
+              <a:ext uri="{FF2B5EF4-FFF2-40B4-BE49-F238E27FC236}">
+                <a16:creationId xmlns:a16="http://schemas.microsoft.com/office/drawing/2014/main" id="{E1534041-C187-5D50-211F-039A2C2C631E}"/>
+              </a:ext>
+            </a:extLst>
+          </p:cNvPr>
+          <p:cNvSpPr txBox="1"/>
+          <p:nvPr/>
+        </p:nvSpPr>
+        <p:spPr>
+          <a:xfrm>
+            <a:off x="8378978" y="6104230"/>
+            <a:ext cx="359614" cy="369332"/>
+          </a:xfrm>
+          <a:prstGeom prst="rect">
+            <a:avLst/>
+          </a:prstGeom>
+          <a:noFill/>
+        </p:spPr>
+        <p:txBody>
+          <a:bodyPr wrap="square">
+            <a:spAutoFit/>
+          </a:bodyPr>
+          <a:lstStyle/>
+          <a:p>
+            <a:r>
+              <a:rPr lang="en-NL" sz="1800" dirty="0">
+                <a:latin typeface="Apple Color Emoji" pitchFamily="2" charset="0"/>
+              </a:rPr>
+              <a:t>✅</a:t>
+            </a:r>
+            <a:endParaRPr lang="en-NL" dirty="0"/>
+          </a:p>
+        </p:txBody>
+      </p:sp>
+      <p:sp>
+        <p:nvSpPr>
+          <p:cNvPr id="58" name="TextBox 57">
+            <a:extLst>
+              <a:ext uri="{FF2B5EF4-FFF2-40B4-BE49-F238E27FC236}">
+                <a16:creationId xmlns:a16="http://schemas.microsoft.com/office/drawing/2014/main" id="{11D73DF6-453C-4474-434F-D8F886747605}"/>
+              </a:ext>
+            </a:extLst>
+          </p:cNvPr>
+          <p:cNvSpPr txBox="1"/>
+          <p:nvPr/>
+        </p:nvSpPr>
+        <p:spPr>
+          <a:xfrm>
+            <a:off x="5426774" y="5250003"/>
+            <a:ext cx="359614" cy="369332"/>
+          </a:xfrm>
+          <a:prstGeom prst="rect">
+            <a:avLst/>
+          </a:prstGeom>
+          <a:noFill/>
+        </p:spPr>
+        <p:txBody>
+          <a:bodyPr wrap="square">
+            <a:spAutoFit/>
+          </a:bodyPr>
+          <a:lstStyle/>
+          <a:p>
+            <a:r>
+              <a:rPr lang="en-NL" sz="1800" dirty="0">
+                <a:latin typeface="Apple Color Emoji" pitchFamily="2" charset="0"/>
+              </a:rPr>
+              <a:t>✅</a:t>
+            </a:r>
+            <a:endParaRPr lang="en-NL" dirty="0"/>
+          </a:p>
+        </p:txBody>
+      </p:sp>
+      <p:sp>
+        <p:nvSpPr>
+          <p:cNvPr id="60" name="TextBox 59">
+            <a:extLst>
+              <a:ext uri="{FF2B5EF4-FFF2-40B4-BE49-F238E27FC236}">
+                <a16:creationId xmlns:a16="http://schemas.microsoft.com/office/drawing/2014/main" id="{21B5F225-1AE2-06A9-DB23-FE0B241CBD61}"/>
+              </a:ext>
+            </a:extLst>
+          </p:cNvPr>
+          <p:cNvSpPr txBox="1"/>
+          <p:nvPr/>
+        </p:nvSpPr>
+        <p:spPr>
+          <a:xfrm>
+            <a:off x="2212757" y="4232796"/>
+            <a:ext cx="357202" cy="369332"/>
+          </a:xfrm>
+          <a:prstGeom prst="rect">
+            <a:avLst/>
+          </a:prstGeom>
+          <a:noFill/>
+        </p:spPr>
+        <p:txBody>
+          <a:bodyPr wrap="square">
+            <a:spAutoFit/>
+          </a:bodyPr>
+          <a:lstStyle/>
+          <a:p>
+            <a:r>
+              <a:rPr lang="en-NL" dirty="0"/>
+              <a:t>❌</a:t>
+            </a:r>
+          </a:p>
+        </p:txBody>
+      </p:sp>
+      <p:sp>
+        <p:nvSpPr>
+          <p:cNvPr id="61" name="TextBox 60">
+            <a:extLst>
+              <a:ext uri="{FF2B5EF4-FFF2-40B4-BE49-F238E27FC236}">
+                <a16:creationId xmlns:a16="http://schemas.microsoft.com/office/drawing/2014/main" id="{CFECF715-5C82-A1BD-FA9B-EAF1485C7EDB}"/>
+              </a:ext>
+            </a:extLst>
+          </p:cNvPr>
+          <p:cNvSpPr txBox="1"/>
+          <p:nvPr/>
+        </p:nvSpPr>
+        <p:spPr>
+          <a:xfrm>
+            <a:off x="4225963" y="5291037"/>
+            <a:ext cx="357202" cy="369332"/>
+          </a:xfrm>
+          <a:prstGeom prst="rect">
+            <a:avLst/>
+          </a:prstGeom>
+          <a:noFill/>
+        </p:spPr>
+        <p:txBody>
+          <a:bodyPr wrap="square">
+            <a:spAutoFit/>
+          </a:bodyPr>
+          <a:lstStyle/>
+          <a:p>
+            <a:r>
+              <a:rPr lang="en-NL" dirty="0"/>
+              <a:t>❌</a:t>
             </a:r>
           </a:p>
         </p:txBody>
@@ -6986,7 +7727,7 @@
 </p:sld>
 </file>
 
-<file path=ppt/slides/slide2.xml><?xml version="1.0" encoding="utf-8"?>
+<file path=ppt/slides/slide3.xml><?xml version="1.0" encoding="utf-8"?>
 <p:sld xmlns:a="http://schemas.openxmlformats.org/drawingml/2006/main" xmlns:r="http://schemas.openxmlformats.org/officeDocument/2006/relationships" xmlns:p="http://schemas.openxmlformats.org/presentationml/2006/main">
   <p:cSld>
     <p:spTree>
@@ -8570,245 +9311,6 @@
 </p:sld>
 </file>
 
-<file path=ppt/slides/slide3.xml><?xml version="1.0" encoding="utf-8"?>
-<p:sld xmlns:a="http://schemas.openxmlformats.org/drawingml/2006/main" xmlns:r="http://schemas.openxmlformats.org/officeDocument/2006/relationships" xmlns:p="http://schemas.openxmlformats.org/presentationml/2006/main">
-  <p:cSld>
-    <p:spTree>
-      <p:nvGrpSpPr>
-        <p:cNvPr id="1" name=""/>
-        <p:cNvGrpSpPr/>
-        <p:nvPr/>
-      </p:nvGrpSpPr>
-      <p:grpSpPr>
-        <a:xfrm>
-          <a:off x="0" y="0"/>
-          <a:ext cx="0" cy="0"/>
-          <a:chOff x="0" y="0"/>
-          <a:chExt cx="0" cy="0"/>
-        </a:xfrm>
-      </p:grpSpPr>
-      <p:sp>
-        <p:nvSpPr>
-          <p:cNvPr id="2" name="Title 1">
-            <a:extLst>
-              <a:ext uri="{FF2B5EF4-FFF2-40B4-BE49-F238E27FC236}">
-                <a16:creationId xmlns:a16="http://schemas.microsoft.com/office/drawing/2014/main" id="{ABC6CC02-8B61-5C55-8DA8-C3044DC627CE}"/>
-              </a:ext>
-            </a:extLst>
-          </p:cNvPr>
-          <p:cNvSpPr>
-            <a:spLocks noGrp="1"/>
-          </p:cNvSpPr>
-          <p:nvPr>
-            <p:ph type="title"/>
-          </p:nvPr>
-        </p:nvSpPr>
-        <p:spPr/>
-        <p:txBody>
-          <a:bodyPr/>
-          <a:lstStyle/>
-          <a:p>
-            <a:r>
-              <a:rPr lang="en-NL" dirty="0"/>
-              <a:t>States &amp; Errors</a:t>
-            </a:r>
-          </a:p>
-        </p:txBody>
-      </p:sp>
-      <p:sp>
-        <p:nvSpPr>
-          <p:cNvPr id="3" name="Content Placeholder 2">
-            <a:extLst>
-              <a:ext uri="{FF2B5EF4-FFF2-40B4-BE49-F238E27FC236}">
-                <a16:creationId xmlns:a16="http://schemas.microsoft.com/office/drawing/2014/main" id="{F9F02F12-5CE6-C518-8E95-71B720B7ADE3}"/>
-              </a:ext>
-            </a:extLst>
-          </p:cNvPr>
-          <p:cNvSpPr>
-            <a:spLocks noGrp="1"/>
-          </p:cNvSpPr>
-          <p:nvPr>
-            <p:ph idx="1"/>
-          </p:nvPr>
-        </p:nvSpPr>
-        <p:spPr>
-          <a:xfrm>
-            <a:off x="830108" y="1825625"/>
-            <a:ext cx="10515600" cy="4351338"/>
-          </a:xfrm>
-        </p:spPr>
-        <p:txBody>
-          <a:bodyPr>
-            <a:normAutofit/>
-          </a:bodyPr>
-          <a:lstStyle/>
-          <a:p>
-            <a:r>
-              <a:rPr lang="en-NL" dirty="0"/>
-              <a:t>States (regenboog kleuren)</a:t>
-            </a:r>
-          </a:p>
-          <a:p>
-            <a:pPr lvl="1"/>
-            <a:r>
-              <a:rPr lang="en-NL" b="1" dirty="0">
-                <a:solidFill>
-                  <a:schemeClr val="accent6"/>
-                </a:solidFill>
-              </a:rPr>
-              <a:t>Initial</a:t>
-            </a:r>
-            <a:r>
-              <a:rPr lang="en-NL" dirty="0"/>
-              <a:t>						</a:t>
-            </a:r>
-            <a:r>
-              <a:rPr lang="en-NL" b="1" dirty="0"/>
-              <a:t>LED uit</a:t>
-            </a:r>
-          </a:p>
-          <a:p>
-            <a:pPr lvl="1"/>
-            <a:r>
-              <a:rPr lang="en-NL" dirty="0"/>
-              <a:t>???						paars</a:t>
-            </a:r>
-          </a:p>
-          <a:p>
-            <a:pPr lvl="1"/>
-            <a:r>
-              <a:rPr lang="en-NL"/>
-              <a:t>Kleurentester</a:t>
-            </a:r>
-            <a:r>
-              <a:rPr lang="en-NL" dirty="0"/>
-              <a:t>					blauw</a:t>
-            </a:r>
-          </a:p>
-          <a:p>
-            <a:pPr lvl="1"/>
-            <a:r>
-              <a:rPr lang="en-GB" b="1" dirty="0">
-                <a:solidFill>
-                  <a:schemeClr val="accent6"/>
-                </a:solidFill>
-              </a:rPr>
-              <a:t>O</a:t>
-            </a:r>
-            <a:r>
-              <a:rPr lang="en-NL" b="1" dirty="0">
-                <a:solidFill>
-                  <a:schemeClr val="accent6"/>
-                </a:solidFill>
-              </a:rPr>
-              <a:t>n-line </a:t>
-            </a:r>
-            <a:r>
-              <a:rPr lang="en-NL" dirty="0"/>
-              <a:t>– in sync   	== STA-mode		</a:t>
-            </a:r>
-            <a:r>
-              <a:rPr lang="en-NL" b="1" dirty="0"/>
-              <a:t>groen</a:t>
-            </a:r>
-            <a:r>
-              <a:rPr lang="en-NL" dirty="0"/>
-              <a:t>		</a:t>
-            </a:r>
-          </a:p>
-          <a:p>
-            <a:pPr lvl="1"/>
-            <a:r>
-              <a:rPr lang="en-NL" dirty="0"/>
-              <a:t>On-line – no sync	== STA-mode		geel</a:t>
-            </a:r>
-          </a:p>
-          <a:p>
-            <a:pPr lvl="1"/>
-            <a:r>
-              <a:rPr lang="en-NL" b="1" dirty="0">
-                <a:solidFill>
-                  <a:schemeClr val="accent6"/>
-                </a:solidFill>
-              </a:rPr>
-              <a:t>Off-line</a:t>
-            </a:r>
-            <a:r>
-              <a:rPr lang="en-NL" dirty="0"/>
-              <a:t> – no WiFi	== AP-Mode		</a:t>
-            </a:r>
-            <a:r>
-              <a:rPr lang="en-NL" b="1" dirty="0"/>
-              <a:t>oranje</a:t>
-            </a:r>
-            <a:r>
-              <a:rPr lang="en-NL" dirty="0"/>
-              <a:t>	</a:t>
-            </a:r>
-          </a:p>
-          <a:p>
-            <a:r>
-              <a:rPr lang="en-NL" dirty="0"/>
-              <a:t>Errors – pulserend bij opstarten		</a:t>
-            </a:r>
-          </a:p>
-          <a:p>
-            <a:pPr lvl="1"/>
-            <a:r>
-              <a:rPr lang="en-NL" dirty="0">
-                <a:solidFill>
-                  <a:schemeClr val="accent6"/>
-                </a:solidFill>
-              </a:rPr>
-              <a:t>HW – error</a:t>
-            </a:r>
-            <a:r>
-              <a:rPr lang="en-NL" dirty="0"/>
-              <a:t>		15 x blink rood [RTC not found]</a:t>
-            </a:r>
-          </a:p>
-          <a:p>
-            <a:pPr lvl="1"/>
-            <a:r>
-              <a:rPr lang="en-NL" dirty="0">
-                <a:solidFill>
-                  <a:schemeClr val="accent6"/>
-                </a:solidFill>
-              </a:rPr>
-              <a:t>OTA – error</a:t>
-            </a:r>
-            <a:r>
-              <a:rPr lang="en-NL" dirty="0"/>
-              <a:t>		15 x blink oranje	</a:t>
-            </a:r>
-          </a:p>
-          <a:p>
-            <a:pPr lvl="1"/>
-            <a:endParaRPr lang="en-NL" dirty="0"/>
-          </a:p>
-          <a:p>
-            <a:pPr lvl="1"/>
-            <a:endParaRPr lang="en-NL" dirty="0"/>
-          </a:p>
-          <a:p>
-            <a:pPr lvl="1"/>
-            <a:endParaRPr lang="en-NL" dirty="0"/>
-          </a:p>
-        </p:txBody>
-      </p:sp>
-    </p:spTree>
-    <p:extLst>
-      <p:ext uri="{BB962C8B-B14F-4D97-AF65-F5344CB8AC3E}">
-        <p14:creationId xmlns:p14="http://schemas.microsoft.com/office/powerpoint/2010/main" val="3725175912"/>
-      </p:ext>
-    </p:extLst>
-  </p:cSld>
-  <p:clrMapOvr>
-    <a:masterClrMapping/>
-  </p:clrMapOvr>
-</p:sld>
-</file>
-
 <file path=ppt/slides/slide4.xml><?xml version="1.0" encoding="utf-8"?>
 <p:sld xmlns:a="http://schemas.openxmlformats.org/drawingml/2006/main" xmlns:r="http://schemas.openxmlformats.org/officeDocument/2006/relationships" xmlns:p="http://schemas.openxmlformats.org/presentationml/2006/main">
   <p:cSld>
@@ -8831,7 +9333,7 @@
           <p:cNvPr id="2" name="Title 1">
             <a:extLst>
               <a:ext uri="{FF2B5EF4-FFF2-40B4-BE49-F238E27FC236}">
-                <a16:creationId xmlns:a16="http://schemas.microsoft.com/office/drawing/2014/main" id="{034C64BF-CAA1-4BC9-B6E3-53EF9B1BB125}"/>
+                <a16:creationId xmlns:a16="http://schemas.microsoft.com/office/drawing/2014/main" id="{ABC6CC02-8B61-5C55-8DA8-C3044DC627CE}"/>
               </a:ext>
             </a:extLst>
           </p:cNvPr>
@@ -8849,7 +9351,7 @@
           <a:p>
             <a:r>
               <a:rPr lang="en-NL" dirty="0"/>
-              <a:t>How to get the correct time?</a:t>
+              <a:t>States &amp; Errors</a:t>
             </a:r>
           </a:p>
         </p:txBody>
@@ -8859,7 +9361,7 @@
           <p:cNvPr id="3" name="Content Placeholder 2">
             <a:extLst>
               <a:ext uri="{FF2B5EF4-FFF2-40B4-BE49-F238E27FC236}">
-                <a16:creationId xmlns:a16="http://schemas.microsoft.com/office/drawing/2014/main" id="{C45248CA-CAC1-DC1F-BD7F-A9916F443C03}"/>
+                <a16:creationId xmlns:a16="http://schemas.microsoft.com/office/drawing/2014/main" id="{F9F02F12-5CE6-C518-8E95-71B720B7ADE3}"/>
               </a:ext>
             </a:extLst>
           </p:cNvPr>
@@ -8872,150 +9374,169 @@
         </p:nvSpPr>
         <p:spPr>
           <a:xfrm>
-            <a:off x="838200" y="1408014"/>
-            <a:ext cx="10515600" cy="4768949"/>
+            <a:off x="830108" y="1825625"/>
+            <a:ext cx="10515600" cy="4351338"/>
           </a:xfrm>
         </p:spPr>
         <p:txBody>
           <a:bodyPr>
-            <a:normAutofit fontScale="92500" lnSpcReduction="10000"/>
+            <a:normAutofit/>
           </a:bodyPr>
           <a:lstStyle/>
           <a:p>
             <a:r>
               <a:rPr lang="en-NL" dirty="0"/>
-              <a:t>RTC library: </a:t>
-            </a:r>
-            <a:r>
-              <a:rPr lang="en-GB" dirty="0">
-                <a:hlinkClick r:id="rId2"/>
-              </a:rPr>
-              <a:t>https://github.com/PaulStoffregen/DS1307RTC</a:t>
-            </a:r>
-            <a:endParaRPr lang="en-GB" dirty="0"/>
-          </a:p>
-          <a:p>
-            <a:r>
-              <a:rPr lang="en-GB" dirty="0"/>
-              <a:t>Time library: </a:t>
-            </a:r>
-            <a:r>
-              <a:rPr lang="en-GB" dirty="0">
-                <a:hlinkClick r:id="rId3"/>
-              </a:rPr>
-              <a:t>https://github.com/PaulStoffregen/Time</a:t>
-            </a:r>
-            <a:endParaRPr lang="en-GB" dirty="0"/>
-          </a:p>
-          <a:p>
-            <a:r>
-              <a:rPr lang="en-GB" dirty="0" err="1"/>
-              <a:t>TimeZone</a:t>
-            </a:r>
-            <a:r>
-              <a:rPr lang="en-GB" dirty="0"/>
-              <a:t> library: </a:t>
-            </a:r>
-            <a:r>
-              <a:rPr lang="en-GB" dirty="0">
-                <a:hlinkClick r:id="rId4"/>
-              </a:rPr>
-              <a:t>https://github.com/JChristensen/Timezone</a:t>
-            </a:r>
-            <a:r>
-              <a:rPr lang="en-GB" dirty="0"/>
-              <a:t> </a:t>
-            </a:r>
-          </a:p>
-          <a:p>
+              <a:t>States (regenboog kleuren)</a:t>
+            </a:r>
+          </a:p>
+          <a:p>
+            <a:pPr lvl="1"/>
+            <a:r>
+              <a:rPr lang="en-NL" b="1" dirty="0">
+                <a:solidFill>
+                  <a:schemeClr val="accent6"/>
+                </a:solidFill>
+              </a:rPr>
+              <a:t>Initial</a:t>
+            </a:r>
             <a:r>
               <a:rPr lang="en-NL" dirty="0"/>
-              <a:t>Arduino interne tijd is niet accuraat </a:t>
-            </a:r>
+              <a:t>						</a:t>
+            </a:r>
+            <a:r>
+              <a:rPr lang="en-NL" b="1" dirty="0"/>
+              <a:t>LED uit</a:t>
+            </a:r>
+          </a:p>
+          <a:p>
+            <a:pPr lvl="1"/>
+            <a:r>
+              <a:rPr lang="en-NL" dirty="0"/>
+              <a:t>???						paars</a:t>
+            </a:r>
+          </a:p>
+          <a:p>
+            <a:pPr lvl="1"/>
+            <a:r>
+              <a:rPr lang="en-NL" strike="sngStrike" dirty="0"/>
+              <a:t>Kleurentester					blauw</a:t>
+            </a:r>
+          </a:p>
+          <a:p>
+            <a:pPr lvl="1"/>
+            <a:r>
+              <a:rPr lang="en-GB" b="1" dirty="0">
+                <a:solidFill>
+                  <a:schemeClr val="accent6"/>
+                </a:solidFill>
+              </a:rPr>
+              <a:t>O</a:t>
+            </a:r>
+            <a:r>
+              <a:rPr lang="en-NL" b="1" dirty="0">
+                <a:solidFill>
+                  <a:schemeClr val="accent6"/>
+                </a:solidFill>
+              </a:rPr>
+              <a:t>n-line </a:t>
+            </a:r>
+            <a:r>
+              <a:rPr lang="en-NL" dirty="0"/>
+              <a:t>– in sync   	== STA-mode		</a:t>
+            </a:r>
+            <a:r>
+              <a:rPr lang="en-NL" b="1" dirty="0"/>
+              <a:t>groen</a:t>
+            </a:r>
+            <a:r>
+              <a:rPr lang="en-NL" dirty="0"/>
+              <a:t>		</a:t>
+            </a:r>
+          </a:p>
+          <a:p>
+            <a:pPr lvl="1"/>
+            <a:r>
+              <a:rPr lang="en-NL" strike="sngStrike" dirty="0"/>
+              <a:t>On-line – no sync	== STA-mode		geel</a:t>
+            </a:r>
+          </a:p>
+          <a:p>
+            <a:pPr lvl="1"/>
+            <a:r>
+              <a:rPr lang="en-NL" b="1" dirty="0">
+                <a:solidFill>
+                  <a:schemeClr val="accent6"/>
+                </a:solidFill>
+              </a:rPr>
+              <a:t>Off-line</a:t>
+            </a:r>
+            <a:r>
+              <a:rPr lang="en-NL" dirty="0"/>
+              <a:t> – no WiFi	== AP-Mode		</a:t>
+            </a:r>
+            <a:r>
+              <a:rPr lang="en-NL" b="1" dirty="0"/>
+              <a:t>oranje</a:t>
+            </a:r>
+            <a:r>
+              <a:rPr lang="en-NL" dirty="0"/>
+              <a:t>	</a:t>
+            </a:r>
+          </a:p>
+          <a:p>
+            <a:r>
+              <a:rPr lang="en-NL" dirty="0"/>
+              <a:t>Errors – pulserend bij opstarten		</a:t>
+            </a:r>
+          </a:p>
+          <a:p>
+            <a:pPr lvl="1"/>
             <a:r>
               <a:rPr lang="en-NL" dirty="0">
-                <a:sym typeface="Wingdings" pitchFamily="2" charset="2"/>
-              </a:rPr>
-              <a:t> gebruik RTC </a:t>
+                <a:solidFill>
+                  <a:schemeClr val="accent6"/>
+                </a:solidFill>
+              </a:rPr>
+              <a:t>HW – error</a:t>
             </a:r>
             <a:r>
               <a:rPr lang="en-NL" dirty="0"/>
-              <a:t>en sync Arduino iedere 5 minuten met de RTC , dit doet de Time library</a:t>
-            </a:r>
-          </a:p>
-          <a:p>
+              <a:t>		15 x blink rood [RTC not found]</a:t>
+            </a:r>
+          </a:p>
+          <a:p>
+            <a:pPr lvl="1"/>
+            <a:r>
+              <a:rPr lang="en-NL" dirty="0">
+                <a:solidFill>
+                  <a:schemeClr val="accent6"/>
+                </a:solidFill>
+              </a:rPr>
+              <a:t>OTA – error</a:t>
+            </a:r>
             <a:r>
               <a:rPr lang="en-NL" dirty="0"/>
-              <a:t>Zet alle tijd sources in UTC tijd (RTC en NTP)</a:t>
-            </a:r>
-          </a:p>
-          <a:p>
-            <a:r>
-              <a:rPr lang="en-NL" dirty="0"/>
-              <a:t>Sync RTC met NTP als NTP tijd beschikbaar komt</a:t>
-            </a:r>
-          </a:p>
-          <a:p>
-            <a:r>
-              <a:rPr lang="en-NL" dirty="0"/>
-              <a:t>Gebruik de TZ library voor zomertijd aanpassing</a:t>
-            </a:r>
-          </a:p>
-          <a:p>
-            <a:r>
-              <a:rPr lang="en-NL" b="1" dirty="0"/>
-              <a:t>WiFi not connected </a:t>
-            </a:r>
-            <a:r>
-              <a:rPr lang="en-NL" dirty="0">
-                <a:sym typeface="Wingdings" pitchFamily="2" charset="2"/>
-              </a:rPr>
-              <a:t> g</a:t>
-            </a:r>
-            <a:r>
-              <a:rPr lang="en-NL" dirty="0"/>
-              <a:t>ebruik de UTC tijd van de RTC</a:t>
-            </a:r>
-          </a:p>
-          <a:p>
-            <a:r>
-              <a:rPr lang="en-NL" b="1" dirty="0"/>
-              <a:t>WiFi connected </a:t>
-            </a:r>
-            <a:r>
-              <a:rPr lang="en-NL" dirty="0">
-                <a:sym typeface="Wingdings" pitchFamily="2" charset="2"/>
-              </a:rPr>
-              <a:t> start NTP en vraag om de </a:t>
-            </a:r>
-            <a:r>
-              <a:rPr lang="en-NL" i="1" u="sng" dirty="0">
-                <a:sym typeface="Wingdings" pitchFamily="2" charset="2"/>
-              </a:rPr>
-              <a:t>UTC Tijd</a:t>
+              <a:t>		15 x blink oranje	</a:t>
             </a:r>
           </a:p>
           <a:p>
             <a:pPr lvl="1"/>
-            <a:r>
-              <a:rPr lang="en-GB" dirty="0">
-                <a:sym typeface="Wingdings" pitchFamily="2" charset="2"/>
-              </a:rPr>
-              <a:t>If NTP time is available: 	I</a:t>
-            </a:r>
-            <a:r>
-              <a:rPr lang="en-NL" dirty="0">
-                <a:sym typeface="Wingdings" pitchFamily="2" charset="2"/>
-              </a:rPr>
-              <a:t>f RTC != NTP  update RTC</a:t>
-            </a:r>
+            <a:endParaRPr lang="en-NL" dirty="0"/>
+          </a:p>
+          <a:p>
+            <a:pPr lvl="1"/>
+            <a:endParaRPr lang="en-NL" dirty="0"/>
+          </a:p>
+          <a:p>
+            <a:pPr lvl="1"/>
+            <a:endParaRPr lang="en-NL" dirty="0"/>
           </a:p>
         </p:txBody>
       </p:sp>
     </p:spTree>
     <p:extLst>
       <p:ext uri="{BB962C8B-B14F-4D97-AF65-F5344CB8AC3E}">
-        <p14:creationId xmlns:p14="http://schemas.microsoft.com/office/powerpoint/2010/main" val="3277620660"/>
+        <p14:creationId xmlns:p14="http://schemas.microsoft.com/office/powerpoint/2010/main" val="3725175912"/>
       </p:ext>
     </p:extLst>
   </p:cSld>
@@ -9047,7 +9568,7 @@
           <p:cNvPr id="2" name="Title 1">
             <a:extLst>
               <a:ext uri="{FF2B5EF4-FFF2-40B4-BE49-F238E27FC236}">
-                <a16:creationId xmlns:a16="http://schemas.microsoft.com/office/drawing/2014/main" id="{84576E15-5C11-6104-D505-BC430D56E2C9}"/>
+                <a16:creationId xmlns:a16="http://schemas.microsoft.com/office/drawing/2014/main" id="{034C64BF-CAA1-4BC9-B6E3-53EF9B1BB125}"/>
               </a:ext>
             </a:extLst>
           </p:cNvPr>
@@ -9065,7 +9586,7 @@
           <a:p>
             <a:r>
               <a:rPr lang="en-NL" dirty="0"/>
-              <a:t>Time (2)</a:t>
+              <a:t>How to get the correct time?</a:t>
             </a:r>
           </a:p>
         </p:txBody>
@@ -9075,7 +9596,7 @@
           <p:cNvPr id="3" name="Content Placeholder 2">
             <a:extLst>
               <a:ext uri="{FF2B5EF4-FFF2-40B4-BE49-F238E27FC236}">
-                <a16:creationId xmlns:a16="http://schemas.microsoft.com/office/drawing/2014/main" id="{D17133DA-C0CA-6A94-FAC4-76F341843E5F}"/>
+                <a16:creationId xmlns:a16="http://schemas.microsoft.com/office/drawing/2014/main" id="{C45248CA-CAC1-DC1F-BD7F-A9916F443C03}"/>
               </a:ext>
             </a:extLst>
           </p:cNvPr>
@@ -9086,187 +9607,151 @@
             <p:ph idx="1"/>
           </p:nvPr>
         </p:nvSpPr>
-        <p:spPr/>
+        <p:spPr>
+          <a:xfrm>
+            <a:off x="838200" y="1408014"/>
+            <a:ext cx="10515600" cy="4768949"/>
+          </a:xfrm>
+        </p:spPr>
         <p:txBody>
           <a:bodyPr>
-            <a:normAutofit/>
+            <a:normAutofit fontScale="92500" lnSpcReduction="10000"/>
           </a:bodyPr>
           <a:lstStyle/>
           <a:p>
             <a:r>
               <a:rPr lang="en-NL" dirty="0"/>
-              <a:t>Always focus on </a:t>
-            </a:r>
-            <a:r>
-              <a:rPr lang="en-GB" b="0" i="0" u="none" strike="noStrike" dirty="0">
-                <a:solidFill>
-                  <a:srgbClr val="454545"/>
-                </a:solidFill>
-                <a:effectLst/>
-                <a:latin typeface="Helvetica" pitchFamily="2" charset="0"/>
-              </a:rPr>
-              <a:t>Coordinated Universal Time (UTC)</a:t>
-            </a:r>
-            <a:endParaRPr lang="en-GB" dirty="0">
-              <a:solidFill>
-                <a:srgbClr val="454545"/>
-              </a:solidFill>
-              <a:latin typeface="Helvetica" pitchFamily="2" charset="0"/>
-            </a:endParaRPr>
+              <a:t>RTC library: </a:t>
+            </a:r>
+            <a:r>
+              <a:rPr lang="en-GB" dirty="0">
+                <a:hlinkClick r:id="rId2"/>
+              </a:rPr>
+              <a:t>https://github.com/PaulStoffregen/DS1307RTC</a:t>
+            </a:r>
+            <a:endParaRPr lang="en-GB" dirty="0"/>
+          </a:p>
+          <a:p>
+            <a:r>
+              <a:rPr lang="en-GB" dirty="0"/>
+              <a:t>Time library: </a:t>
+            </a:r>
+            <a:r>
+              <a:rPr lang="en-GB" dirty="0">
+                <a:hlinkClick r:id="rId3"/>
+              </a:rPr>
+              <a:t>https://github.com/PaulStoffregen/Time</a:t>
+            </a:r>
+            <a:endParaRPr lang="en-GB" dirty="0"/>
+          </a:p>
+          <a:p>
+            <a:r>
+              <a:rPr lang="en-GB" dirty="0" err="1"/>
+              <a:t>TimeZone</a:t>
+            </a:r>
+            <a:r>
+              <a:rPr lang="en-GB" dirty="0"/>
+              <a:t> library: </a:t>
+            </a:r>
+            <a:r>
+              <a:rPr lang="en-GB" dirty="0">
+                <a:hlinkClick r:id="rId4"/>
+              </a:rPr>
+              <a:t>https://github.com/JChristensen/Timezone</a:t>
+            </a:r>
+            <a:r>
+              <a:rPr lang="en-GB" dirty="0"/>
+              <a:t> </a:t>
+            </a:r>
+          </a:p>
+          <a:p>
+            <a:r>
+              <a:rPr lang="en-NL" dirty="0"/>
+              <a:t>Arduino interne tijd is niet accuraat </a:t>
+            </a:r>
+            <a:r>
+              <a:rPr lang="en-NL" dirty="0">
+                <a:sym typeface="Wingdings" pitchFamily="2" charset="2"/>
+              </a:rPr>
+              <a:t> gebruik RTC </a:t>
+            </a:r>
+            <a:r>
+              <a:rPr lang="en-NL" dirty="0"/>
+              <a:t>en sync Arduino iedere 5 minuten met de RTC , dit doet de Time library </a:t>
+            </a:r>
+            <a:r>
+              <a:rPr lang="en-NL" dirty="0">
+                <a:sym typeface="Wingdings" pitchFamily="2" charset="2"/>
+              </a:rPr>
+              <a:t> die gebruiken we niet</a:t>
+            </a:r>
+            <a:endParaRPr lang="en-NL" dirty="0"/>
+          </a:p>
+          <a:p>
+            <a:r>
+              <a:rPr lang="en-NL" dirty="0"/>
+              <a:t>Zet alle tijd sources in UTC tijd (RTC en NTP)</a:t>
+            </a:r>
+          </a:p>
+          <a:p>
+            <a:r>
+              <a:rPr lang="en-NL" dirty="0"/>
+              <a:t>Sync RTC met NTP als NTP tijd beschikbaar komt</a:t>
+            </a:r>
+          </a:p>
+          <a:p>
+            <a:r>
+              <a:rPr lang="en-NL" dirty="0"/>
+              <a:t>Gebruik de TZ library voor zomertijd aanpassing</a:t>
+            </a:r>
+          </a:p>
+          <a:p>
+            <a:r>
+              <a:rPr lang="en-NL" b="1" dirty="0"/>
+              <a:t>WiFi not connected </a:t>
+            </a:r>
+            <a:r>
+              <a:rPr lang="en-NL" dirty="0">
+                <a:sym typeface="Wingdings" pitchFamily="2" charset="2"/>
+              </a:rPr>
+              <a:t> g</a:t>
+            </a:r>
+            <a:r>
+              <a:rPr lang="en-NL" dirty="0"/>
+              <a:t>ebruik de UTC tijd van de RTC</a:t>
+            </a:r>
+          </a:p>
+          <a:p>
+            <a:r>
+              <a:rPr lang="en-NL" b="1" dirty="0"/>
+              <a:t>WiFi connected </a:t>
+            </a:r>
+            <a:r>
+              <a:rPr lang="en-NL" dirty="0">
+                <a:sym typeface="Wingdings" pitchFamily="2" charset="2"/>
+              </a:rPr>
+              <a:t> start NTP en vraag om de </a:t>
+            </a:r>
+            <a:r>
+              <a:rPr lang="en-NL" i="1" u="sng" dirty="0">
+                <a:sym typeface="Wingdings" pitchFamily="2" charset="2"/>
+              </a:rPr>
+              <a:t>UTC Tijd</a:t>
+            </a:r>
           </a:p>
           <a:p>
             <a:pPr lvl="1"/>
             <a:r>
               <a:rPr lang="en-GB" dirty="0">
-                <a:solidFill>
-                  <a:srgbClr val="454545"/>
-                </a:solidFill>
-                <a:latin typeface="Helvetica" pitchFamily="2" charset="0"/>
-              </a:rPr>
-              <a:t>Make NTP and RTC keep UTC time. </a:t>
-            </a:r>
-          </a:p>
-          <a:p>
-            <a:pPr lvl="1"/>
-            <a:r>
-              <a:rPr lang="en-GB" b="0" i="0" u="none" strike="noStrike" dirty="0">
-                <a:solidFill>
-                  <a:srgbClr val="454545"/>
-                </a:solidFill>
-                <a:effectLst/>
-                <a:latin typeface="Helvetica" pitchFamily="2" charset="0"/>
-              </a:rPr>
-              <a:t>UTC is not a </a:t>
-            </a:r>
-            <a:r>
-              <a:rPr lang="en-GB" b="0" i="0" u="none" strike="noStrike" dirty="0" err="1">
-                <a:solidFill>
-                  <a:srgbClr val="454545"/>
-                </a:solidFill>
-                <a:effectLst/>
-                <a:latin typeface="Helvetica" pitchFamily="2" charset="0"/>
-              </a:rPr>
-              <a:t>Timezone</a:t>
-            </a:r>
-            <a:r>
-              <a:rPr lang="en-GB" b="0" i="0" u="none" strike="noStrike" dirty="0">
-                <a:solidFill>
-                  <a:srgbClr val="454545"/>
-                </a:solidFill>
-                <a:effectLst/>
-                <a:latin typeface="Helvetica" pitchFamily="2" charset="0"/>
-              </a:rPr>
-              <a:t> but a time standard</a:t>
-            </a:r>
-          </a:p>
-          <a:p>
-            <a:r>
-              <a:rPr lang="en-GB" dirty="0">
-                <a:solidFill>
-                  <a:srgbClr val="454545"/>
-                </a:solidFill>
-                <a:latin typeface="Helvetica" pitchFamily="2" charset="0"/>
-              </a:rPr>
-              <a:t>Always use the RTC as time source</a:t>
-            </a:r>
-          </a:p>
-          <a:p>
-            <a:r>
-              <a:rPr lang="en-GB" dirty="0">
-                <a:solidFill>
-                  <a:srgbClr val="454545"/>
-                </a:solidFill>
-                <a:latin typeface="Helvetica" pitchFamily="2" charset="0"/>
-              </a:rPr>
-              <a:t>Keep RTC in sync with NTP</a:t>
-            </a:r>
-          </a:p>
-          <a:p>
-            <a:r>
-              <a:rPr lang="en-GB" dirty="0">
-                <a:solidFill>
-                  <a:srgbClr val="454545"/>
-                </a:solidFill>
-                <a:latin typeface="Helvetica" pitchFamily="2" charset="0"/>
-              </a:rPr>
-              <a:t>NTP happens to update the </a:t>
-            </a:r>
-            <a:r>
-              <a:rPr lang="en-GB" dirty="0" err="1">
-                <a:solidFill>
-                  <a:srgbClr val="454545"/>
-                </a:solidFill>
-                <a:latin typeface="Helvetica" pitchFamily="2" charset="0"/>
-              </a:rPr>
-              <a:t>systemtime</a:t>
-            </a:r>
-            <a:endParaRPr lang="en-GB" dirty="0">
-              <a:solidFill>
-                <a:srgbClr val="454545"/>
-              </a:solidFill>
-              <a:latin typeface="Helvetica" pitchFamily="2" charset="0"/>
-            </a:endParaRPr>
-          </a:p>
-          <a:p>
-            <a:r>
-              <a:rPr lang="en-GB" dirty="0">
-                <a:solidFill>
-                  <a:srgbClr val="454545"/>
-                </a:solidFill>
-                <a:latin typeface="Helvetica" pitchFamily="2" charset="0"/>
-              </a:rPr>
-              <a:t>Use standard C functions: </a:t>
-            </a:r>
-          </a:p>
-          <a:p>
-            <a:pPr lvl="1"/>
-            <a:r>
-              <a:rPr lang="en-GB" dirty="0">
-                <a:solidFill>
-                  <a:srgbClr val="454545"/>
-                </a:solidFill>
-                <a:latin typeface="Helvetica" pitchFamily="2" charset="0"/>
-              </a:rPr>
-              <a:t>time() 		get system time</a:t>
-            </a:r>
-          </a:p>
-          <a:p>
-            <a:pPr lvl="1"/>
-            <a:r>
-              <a:rPr lang="en-GB" dirty="0" err="1">
-                <a:solidFill>
-                  <a:srgbClr val="454545"/>
-                </a:solidFill>
-                <a:latin typeface="Helvetica" pitchFamily="2" charset="0"/>
-              </a:rPr>
-              <a:t>ctime</a:t>
-            </a:r>
-            <a:r>
-              <a:rPr lang="en-GB" dirty="0">
-                <a:solidFill>
-                  <a:srgbClr val="454545"/>
-                </a:solidFill>
-                <a:latin typeface="Helvetica" pitchFamily="2" charset="0"/>
-              </a:rPr>
-              <a:t>()		convert </a:t>
-            </a:r>
-            <a:r>
-              <a:rPr lang="en-GB" dirty="0" err="1">
-                <a:solidFill>
-                  <a:srgbClr val="454545"/>
-                </a:solidFill>
-                <a:latin typeface="Helvetica" pitchFamily="2" charset="0"/>
-              </a:rPr>
-              <a:t>time_t</a:t>
-            </a:r>
-            <a:r>
-              <a:rPr lang="en-GB" dirty="0">
-                <a:solidFill>
-                  <a:srgbClr val="454545"/>
-                </a:solidFill>
-                <a:latin typeface="Helvetica" pitchFamily="2" charset="0"/>
-              </a:rPr>
-              <a:t> (seconds-since-1970) to date string</a:t>
+                <a:sym typeface="Wingdings" pitchFamily="2" charset="2"/>
+              </a:rPr>
+              <a:t>If NTP time is available: 	I</a:t>
+            </a:r>
+            <a:r>
+              <a:rPr lang="en-NL" dirty="0">
+                <a:sym typeface="Wingdings" pitchFamily="2" charset="2"/>
+              </a:rPr>
+              <a:t>f RTC != NTP  update RTC</a:t>
             </a:r>
           </a:p>
         </p:txBody>
@@ -9274,7 +9759,7 @@
     </p:spTree>
     <p:extLst>
       <p:ext uri="{BB962C8B-B14F-4D97-AF65-F5344CB8AC3E}">
-        <p14:creationId xmlns:p14="http://schemas.microsoft.com/office/powerpoint/2010/main" val="3330430801"/>
+        <p14:creationId xmlns:p14="http://schemas.microsoft.com/office/powerpoint/2010/main" val="3277620660"/>
       </p:ext>
     </p:extLst>
   </p:cSld>
@@ -9303,10 +9788,38 @@
       </p:grpSpPr>
       <p:sp>
         <p:nvSpPr>
+          <p:cNvPr id="2" name="Title 1">
+            <a:extLst>
+              <a:ext uri="{FF2B5EF4-FFF2-40B4-BE49-F238E27FC236}">
+                <a16:creationId xmlns:a16="http://schemas.microsoft.com/office/drawing/2014/main" id="{84576E15-5C11-6104-D505-BC430D56E2C9}"/>
+              </a:ext>
+            </a:extLst>
+          </p:cNvPr>
+          <p:cNvSpPr>
+            <a:spLocks noGrp="1"/>
+          </p:cNvSpPr>
+          <p:nvPr>
+            <p:ph type="title"/>
+          </p:nvPr>
+        </p:nvSpPr>
+        <p:spPr/>
+        <p:txBody>
+          <a:bodyPr/>
+          <a:lstStyle/>
+          <a:p>
+            <a:r>
+              <a:rPr lang="en-NL" dirty="0"/>
+              <a:t>Time (2)</a:t>
+            </a:r>
+          </a:p>
+        </p:txBody>
+      </p:sp>
+      <p:sp>
+        <p:nvSpPr>
           <p:cNvPr id="3" name="Content Placeholder 2">
             <a:extLst>
               <a:ext uri="{FF2B5EF4-FFF2-40B4-BE49-F238E27FC236}">
-                <a16:creationId xmlns:a16="http://schemas.microsoft.com/office/drawing/2014/main" id="{8185B650-6F05-0C6A-9BCC-019EED0522F9}"/>
+                <a16:creationId xmlns:a16="http://schemas.microsoft.com/office/drawing/2014/main" id="{D17133DA-C0CA-6A94-FAC4-76F341843E5F}"/>
               </a:ext>
             </a:extLst>
           </p:cNvPr>
@@ -9317,1433 +9830,195 @@
             <p:ph idx="1"/>
           </p:nvPr>
         </p:nvSpPr>
-        <p:spPr>
-          <a:xfrm>
-            <a:off x="838200" y="56708"/>
-            <a:ext cx="10515600" cy="6641804"/>
-          </a:xfrm>
-        </p:spPr>
+        <p:spPr/>
         <p:txBody>
           <a:bodyPr>
-            <a:normAutofit fontScale="92500" lnSpcReduction="10000"/>
+            <a:normAutofit/>
           </a:bodyPr>
           <a:lstStyle/>
           <a:p>
             <a:r>
               <a:rPr lang="en-NL" dirty="0"/>
-              <a:t>NTP server</a:t>
-            </a:r>
-            <a:br>
-              <a:rPr lang="en-NL" dirty="0"/>
-            </a:br>
-            <a:r>
-              <a:rPr lang="en-GB" sz="1100" b="0" dirty="0">
-                <a:solidFill>
-                  <a:srgbClr val="728E00"/>
+              <a:t>Always focus on </a:t>
+            </a:r>
+            <a:r>
+              <a:rPr lang="en-GB" b="0" i="0" u="none" strike="noStrike" dirty="0">
+                <a:solidFill>
+                  <a:srgbClr val="454545"/>
                 </a:solidFill>
                 <a:effectLst/>
-                <a:latin typeface="Menlo" panose="020B0609030804020204" pitchFamily="49" charset="0"/>
-              </a:rPr>
-              <a:t>	#include</a:t>
-            </a:r>
-            <a:r>
-              <a:rPr lang="en-GB" sz="1100" b="0" dirty="0">
-                <a:solidFill>
-                  <a:srgbClr val="4E5B61"/>
+                <a:latin typeface="Helvetica" pitchFamily="2" charset="0"/>
+              </a:rPr>
+              <a:t>Coordinated Universal Time (UTC)</a:t>
+            </a:r>
+            <a:endParaRPr lang="en-GB" dirty="0">
+              <a:solidFill>
+                <a:srgbClr val="454545"/>
+              </a:solidFill>
+              <a:latin typeface="Helvetica" pitchFamily="2" charset="0"/>
+            </a:endParaRPr>
+          </a:p>
+          <a:p>
+            <a:pPr lvl="1"/>
+            <a:r>
+              <a:rPr lang="en-GB" dirty="0">
+                <a:solidFill>
+                  <a:srgbClr val="454545"/>
+                </a:solidFill>
+                <a:latin typeface="Helvetica" pitchFamily="2" charset="0"/>
+              </a:rPr>
+              <a:t>Make NTP and RTC keep UTC time. </a:t>
+            </a:r>
+          </a:p>
+          <a:p>
+            <a:pPr lvl="1"/>
+            <a:r>
+              <a:rPr lang="en-GB" b="0" i="0" u="none" strike="noStrike" dirty="0">
+                <a:solidFill>
+                  <a:srgbClr val="454545"/>
                 </a:solidFill>
                 <a:effectLst/>
-                <a:latin typeface="Menlo" panose="020B0609030804020204" pitchFamily="49" charset="0"/>
-              </a:rPr>
-              <a:t> </a:t>
-            </a:r>
-            <a:r>
-              <a:rPr lang="en-GB" sz="1100" b="0" dirty="0">
-                <a:solidFill>
-                  <a:srgbClr val="005C5F"/>
+                <a:latin typeface="Helvetica" pitchFamily="2" charset="0"/>
+              </a:rPr>
+              <a:t>UTC is not a </a:t>
+            </a:r>
+            <a:r>
+              <a:rPr lang="en-GB" b="0" i="0" u="none" strike="noStrike" dirty="0" err="1">
+                <a:solidFill>
+                  <a:srgbClr val="454545"/>
                 </a:solidFill>
                 <a:effectLst/>
-                <a:latin typeface="Menlo" panose="020B0609030804020204" pitchFamily="49" charset="0"/>
-              </a:rPr>
-              <a:t>&lt;ESP8266WiFi.h&gt;</a:t>
-            </a:r>
-            <a:br>
-              <a:rPr lang="en-GB" sz="1100" dirty="0">
-                <a:solidFill>
-                  <a:srgbClr val="4E5B61"/>
-                </a:solidFill>
-                <a:latin typeface="Menlo" panose="020B0609030804020204" pitchFamily="49" charset="0"/>
-              </a:rPr>
-            </a:br>
-            <a:r>
-              <a:rPr lang="en-GB" sz="1600" dirty="0">
-                <a:solidFill>
-                  <a:srgbClr val="4E5B61"/>
-                </a:solidFill>
-                <a:latin typeface="Menlo" panose="020B0609030804020204" pitchFamily="49" charset="0"/>
-              </a:rPr>
-              <a:t>declaration</a:t>
-            </a:r>
-            <a:r>
-              <a:rPr lang="en-GB" sz="1100" dirty="0">
-                <a:solidFill>
-                  <a:srgbClr val="4E5B61"/>
-                </a:solidFill>
-                <a:latin typeface="Menlo" panose="020B0609030804020204" pitchFamily="49" charset="0"/>
-              </a:rPr>
-              <a:t>:</a:t>
-            </a:r>
-            <a:br>
-              <a:rPr lang="en-GB" sz="1100" dirty="0">
-                <a:solidFill>
-                  <a:srgbClr val="4E5B61"/>
-                </a:solidFill>
-                <a:latin typeface="Menlo" panose="020B0609030804020204" pitchFamily="49" charset="0"/>
-              </a:rPr>
-            </a:br>
-            <a:r>
-              <a:rPr lang="en-GB" sz="1100" dirty="0">
-                <a:solidFill>
-                  <a:srgbClr val="4E5B61"/>
-                </a:solidFill>
-                <a:latin typeface="Menlo" panose="020B0609030804020204" pitchFamily="49" charset="0"/>
-              </a:rPr>
-              <a:t>	</a:t>
-            </a:r>
-            <a:r>
-              <a:rPr lang="en-GB" sz="1100" b="0" dirty="0" err="1">
-                <a:solidFill>
-                  <a:srgbClr val="00979D"/>
+                <a:latin typeface="Helvetica" pitchFamily="2" charset="0"/>
+              </a:rPr>
+              <a:t>Timezone</a:t>
+            </a:r>
+            <a:r>
+              <a:rPr lang="en-GB" b="0" i="0" u="none" strike="noStrike" dirty="0">
+                <a:solidFill>
+                  <a:srgbClr val="454545"/>
                 </a:solidFill>
                 <a:effectLst/>
-                <a:latin typeface="Menlo" panose="020B0609030804020204" pitchFamily="49" charset="0"/>
-              </a:rPr>
-              <a:t>const</a:t>
-            </a:r>
-            <a:r>
-              <a:rPr lang="en-GB" sz="1100" b="0" dirty="0">
-                <a:solidFill>
-                  <a:srgbClr val="4E5B61"/>
-                </a:solidFill>
-                <a:effectLst/>
-                <a:latin typeface="Menlo" panose="020B0609030804020204" pitchFamily="49" charset="0"/>
-              </a:rPr>
-              <a:t> </a:t>
-            </a:r>
-            <a:r>
-              <a:rPr lang="en-GB" sz="1100" b="0" dirty="0">
-                <a:solidFill>
-                  <a:srgbClr val="00979D"/>
-                </a:solidFill>
-                <a:effectLst/>
-                <a:latin typeface="Menlo" panose="020B0609030804020204" pitchFamily="49" charset="0"/>
-              </a:rPr>
-              <a:t>char</a:t>
-            </a:r>
-            <a:r>
-              <a:rPr lang="en-GB" sz="1100" b="0" dirty="0">
-                <a:solidFill>
-                  <a:srgbClr val="4E5B61"/>
-                </a:solidFill>
-                <a:effectLst/>
-                <a:latin typeface="Menlo" panose="020B0609030804020204" pitchFamily="49" charset="0"/>
-              </a:rPr>
-              <a:t>* </a:t>
-            </a:r>
-            <a:r>
-              <a:rPr lang="en-GB" sz="1100" b="0" dirty="0" err="1">
-                <a:solidFill>
-                  <a:srgbClr val="4E5B61"/>
-                </a:solidFill>
-                <a:effectLst/>
-                <a:latin typeface="Menlo" panose="020B0609030804020204" pitchFamily="49" charset="0"/>
-              </a:rPr>
-              <a:t>ntpServer</a:t>
-            </a:r>
-            <a:r>
-              <a:rPr lang="en-GB" sz="1100" b="0" dirty="0">
-                <a:solidFill>
-                  <a:srgbClr val="4E5B61"/>
-                </a:solidFill>
-                <a:effectLst/>
-                <a:latin typeface="Menlo" panose="020B0609030804020204" pitchFamily="49" charset="0"/>
-              </a:rPr>
-              <a:t> = </a:t>
-            </a:r>
-            <a:r>
-              <a:rPr lang="en-GB" sz="1100" b="0" dirty="0">
-                <a:solidFill>
-                  <a:srgbClr val="005C5F"/>
-                </a:solidFill>
-                <a:effectLst/>
-                <a:latin typeface="Menlo" panose="020B0609030804020204" pitchFamily="49" charset="0"/>
-              </a:rPr>
-              <a:t>"</a:t>
-            </a:r>
-            <a:r>
-              <a:rPr lang="en-GB" sz="1100" b="0" dirty="0" err="1">
-                <a:solidFill>
-                  <a:srgbClr val="005C5F"/>
-                </a:solidFill>
-                <a:effectLst/>
-                <a:latin typeface="Menlo" panose="020B0609030804020204" pitchFamily="49" charset="0"/>
-              </a:rPr>
-              <a:t>pool.ntp.org</a:t>
-            </a:r>
-            <a:r>
-              <a:rPr lang="en-GB" sz="1100" b="0" dirty="0">
-                <a:solidFill>
-                  <a:srgbClr val="005C5F"/>
-                </a:solidFill>
-                <a:effectLst/>
-                <a:latin typeface="Menlo" panose="020B0609030804020204" pitchFamily="49" charset="0"/>
-              </a:rPr>
-              <a:t>"</a:t>
-            </a:r>
-            <a:r>
-              <a:rPr lang="en-GB" sz="1100" b="0" dirty="0">
-                <a:solidFill>
-                  <a:srgbClr val="4E5B61"/>
-                </a:solidFill>
-                <a:effectLst/>
-                <a:latin typeface="Menlo" panose="020B0609030804020204" pitchFamily="49" charset="0"/>
-              </a:rPr>
-              <a:t>;</a:t>
-            </a:r>
-            <a:br>
-              <a:rPr lang="en-GB" sz="1600" b="0" dirty="0">
-                <a:solidFill>
-                  <a:srgbClr val="4E5B61"/>
-                </a:solidFill>
-                <a:effectLst/>
-                <a:latin typeface="Menlo" panose="020B0609030804020204" pitchFamily="49" charset="0"/>
-              </a:rPr>
-            </a:br>
-            <a:br>
-              <a:rPr lang="en-GB" sz="1100" b="0" dirty="0">
-                <a:solidFill>
-                  <a:srgbClr val="4E5B61"/>
-                </a:solidFill>
-                <a:effectLst/>
-                <a:latin typeface="Menlo" panose="020B0609030804020204" pitchFamily="49" charset="0"/>
-              </a:rPr>
-            </a:br>
-            <a:r>
-              <a:rPr lang="en-GB" sz="1600" b="0" dirty="0">
-                <a:solidFill>
-                  <a:srgbClr val="4E5B61"/>
-                </a:solidFill>
-                <a:effectLst/>
-                <a:latin typeface="Menlo" panose="020B0609030804020204" pitchFamily="49" charset="0"/>
-              </a:rPr>
-              <a:t>setup:</a:t>
-            </a:r>
-            <a:br>
-              <a:rPr lang="en-GB" sz="1100" b="0" dirty="0">
-                <a:solidFill>
-                  <a:srgbClr val="4E5B61"/>
-                </a:solidFill>
-                <a:effectLst/>
-                <a:latin typeface="Menlo" panose="020B0609030804020204" pitchFamily="49" charset="0"/>
-              </a:rPr>
-            </a:br>
-            <a:r>
-              <a:rPr lang="en-GB" sz="1100" b="0" dirty="0">
-                <a:solidFill>
-                  <a:srgbClr val="4E5B61"/>
-                </a:solidFill>
-                <a:effectLst/>
-                <a:latin typeface="Menlo" panose="020B0609030804020204" pitchFamily="49" charset="0"/>
-              </a:rPr>
-              <a:t>	</a:t>
-            </a:r>
-            <a:r>
-              <a:rPr lang="en-GB" sz="1100" b="0" dirty="0" err="1">
-                <a:solidFill>
-                  <a:srgbClr val="D35400"/>
-                </a:solidFill>
-                <a:effectLst/>
-                <a:latin typeface="Menlo" panose="020B0609030804020204" pitchFamily="49" charset="0"/>
-              </a:rPr>
-              <a:t>configTime</a:t>
-            </a:r>
-            <a:r>
-              <a:rPr lang="en-GB" sz="1100" b="0" dirty="0">
-                <a:solidFill>
-                  <a:srgbClr val="434F54"/>
-                </a:solidFill>
-                <a:effectLst/>
-                <a:latin typeface="Menlo" panose="020B0609030804020204" pitchFamily="49" charset="0"/>
-              </a:rPr>
-              <a:t>(</a:t>
-            </a:r>
-            <a:r>
-              <a:rPr lang="en-GB" sz="1100" b="0" dirty="0" err="1">
-                <a:solidFill>
-                  <a:srgbClr val="4E5B61"/>
-                </a:solidFill>
-                <a:effectLst/>
-                <a:latin typeface="Menlo" panose="020B0609030804020204" pitchFamily="49" charset="0"/>
-              </a:rPr>
-              <a:t>gmtOffset_sec</a:t>
-            </a:r>
-            <a:r>
-              <a:rPr lang="en-GB" sz="1100" b="0" dirty="0">
-                <a:solidFill>
-                  <a:srgbClr val="4E5B61"/>
-                </a:solidFill>
-                <a:effectLst/>
-                <a:latin typeface="Menlo" panose="020B0609030804020204" pitchFamily="49" charset="0"/>
-              </a:rPr>
-              <a:t>, </a:t>
-            </a:r>
-            <a:r>
-              <a:rPr lang="en-GB" sz="1100" b="0" dirty="0" err="1">
-                <a:solidFill>
-                  <a:srgbClr val="4E5B61"/>
-                </a:solidFill>
-                <a:effectLst/>
-                <a:latin typeface="Menlo" panose="020B0609030804020204" pitchFamily="49" charset="0"/>
-              </a:rPr>
-              <a:t>daylightOffset_sec</a:t>
-            </a:r>
-            <a:r>
-              <a:rPr lang="en-GB" sz="1100" b="0" dirty="0">
-                <a:solidFill>
-                  <a:srgbClr val="4E5B61"/>
-                </a:solidFill>
-                <a:effectLst/>
-                <a:latin typeface="Menlo" panose="020B0609030804020204" pitchFamily="49" charset="0"/>
-              </a:rPr>
-              <a:t>, </a:t>
-            </a:r>
-            <a:r>
-              <a:rPr lang="en-GB" sz="1100" b="0" dirty="0" err="1">
-                <a:solidFill>
-                  <a:srgbClr val="4E5B61"/>
-                </a:solidFill>
-                <a:effectLst/>
-                <a:latin typeface="Menlo" panose="020B0609030804020204" pitchFamily="49" charset="0"/>
-              </a:rPr>
-              <a:t>ntpServer</a:t>
-            </a:r>
-            <a:r>
-              <a:rPr lang="en-GB" sz="1100" b="0" dirty="0">
-                <a:solidFill>
-                  <a:srgbClr val="434F54"/>
-                </a:solidFill>
-                <a:effectLst/>
-                <a:latin typeface="Menlo" panose="020B0609030804020204" pitchFamily="49" charset="0"/>
-              </a:rPr>
-              <a:t>)</a:t>
-            </a:r>
-            <a:r>
-              <a:rPr lang="en-GB" sz="1100" b="0" dirty="0">
-                <a:solidFill>
-                  <a:srgbClr val="4E5B61"/>
-                </a:solidFill>
-                <a:effectLst/>
-                <a:latin typeface="Menlo" panose="020B0609030804020204" pitchFamily="49" charset="0"/>
-              </a:rPr>
-              <a:t>;</a:t>
-            </a:r>
-            <a:br>
-              <a:rPr lang="en-GB" sz="1100" b="0" dirty="0">
-                <a:solidFill>
-                  <a:srgbClr val="4E5B61"/>
-                </a:solidFill>
-                <a:effectLst/>
-                <a:latin typeface="Menlo" panose="020B0609030804020204" pitchFamily="49" charset="0"/>
-              </a:rPr>
-            </a:br>
-            <a:r>
-              <a:rPr lang="en-GB" sz="1100" b="0" dirty="0">
-                <a:solidFill>
-                  <a:srgbClr val="4E5B61"/>
-                </a:solidFill>
-                <a:effectLst/>
-                <a:latin typeface="Menlo" panose="020B0609030804020204" pitchFamily="49" charset="0"/>
-              </a:rPr>
-              <a:t>	</a:t>
-            </a:r>
-            <a:r>
-              <a:rPr lang="en-GB" sz="1100" b="0" dirty="0">
-                <a:solidFill>
-                  <a:srgbClr val="00979D"/>
-                </a:solidFill>
-                <a:effectLst/>
-                <a:latin typeface="Menlo" panose="020B0609030804020204" pitchFamily="49" charset="0"/>
-              </a:rPr>
-              <a:t>struct</a:t>
-            </a:r>
-            <a:r>
-              <a:rPr lang="en-GB" sz="1100" b="0" dirty="0">
-                <a:solidFill>
-                  <a:srgbClr val="4E5B61"/>
-                </a:solidFill>
-                <a:effectLst/>
-                <a:latin typeface="Menlo" panose="020B0609030804020204" pitchFamily="49" charset="0"/>
-              </a:rPr>
-              <a:t> tm </a:t>
-            </a:r>
-            <a:r>
-              <a:rPr lang="en-GB" sz="1100" b="0" dirty="0" err="1">
-                <a:solidFill>
-                  <a:srgbClr val="D35400"/>
-                </a:solidFill>
-                <a:effectLst/>
-                <a:latin typeface="Menlo" panose="020B0609030804020204" pitchFamily="49" charset="0"/>
-              </a:rPr>
-              <a:t>timeinfo</a:t>
-            </a:r>
-            <a:r>
-              <a:rPr lang="en-GB" sz="1100" b="0" dirty="0">
-                <a:solidFill>
-                  <a:srgbClr val="4E5B61"/>
-                </a:solidFill>
-                <a:effectLst/>
-                <a:latin typeface="Menlo" panose="020B0609030804020204" pitchFamily="49" charset="0"/>
-              </a:rPr>
-              <a:t>;</a:t>
-            </a:r>
-            <a:br>
-              <a:rPr lang="en-GB" sz="1100" b="0" dirty="0">
-                <a:solidFill>
-                  <a:srgbClr val="4E5B61"/>
-                </a:solidFill>
-                <a:effectLst/>
-                <a:latin typeface="Menlo" panose="020B0609030804020204" pitchFamily="49" charset="0"/>
-              </a:rPr>
-            </a:br>
-            <a:br>
-              <a:rPr lang="en-GB" sz="1100" b="0" dirty="0">
-                <a:solidFill>
-                  <a:srgbClr val="4E5B61"/>
-                </a:solidFill>
-                <a:effectLst/>
-                <a:latin typeface="Menlo" panose="020B0609030804020204" pitchFamily="49" charset="0"/>
-              </a:rPr>
-            </a:br>
-            <a:r>
-              <a:rPr lang="en-GB" sz="1600" dirty="0">
-                <a:solidFill>
-                  <a:srgbClr val="4E5B61"/>
-                </a:solidFill>
-                <a:latin typeface="Menlo" panose="020B0609030804020204" pitchFamily="49" charset="0"/>
-              </a:rPr>
-              <a:t>loop:</a:t>
-            </a:r>
-            <a:br>
-              <a:rPr lang="en-GB" sz="1100" dirty="0">
-                <a:solidFill>
-                  <a:srgbClr val="4E5B61"/>
-                </a:solidFill>
-                <a:latin typeface="Menlo" panose="020B0609030804020204" pitchFamily="49" charset="0"/>
-              </a:rPr>
-            </a:br>
-            <a:r>
-              <a:rPr lang="en-GB" sz="1100" dirty="0">
-                <a:solidFill>
-                  <a:srgbClr val="4E5B61"/>
-                </a:solidFill>
-                <a:latin typeface="Menlo" panose="020B0609030804020204" pitchFamily="49" charset="0"/>
-              </a:rPr>
-              <a:t>	</a:t>
-            </a:r>
-            <a:r>
-              <a:rPr lang="en-GB" sz="1100" b="0" dirty="0">
-                <a:solidFill>
-                  <a:srgbClr val="00979D"/>
-                </a:solidFill>
-                <a:effectLst/>
-                <a:latin typeface="Menlo" panose="020B0609030804020204" pitchFamily="49" charset="0"/>
-              </a:rPr>
-              <a:t>struct</a:t>
-            </a:r>
-            <a:r>
-              <a:rPr lang="en-GB" sz="1100" b="0" dirty="0">
-                <a:solidFill>
-                  <a:srgbClr val="4E5B61"/>
-                </a:solidFill>
-                <a:effectLst/>
-                <a:latin typeface="Menlo" panose="020B0609030804020204" pitchFamily="49" charset="0"/>
-              </a:rPr>
-              <a:t> tm </a:t>
-            </a:r>
-            <a:r>
-              <a:rPr lang="en-GB" sz="1100" b="0" dirty="0" err="1">
-                <a:solidFill>
-                  <a:srgbClr val="D35400"/>
-                </a:solidFill>
-                <a:effectLst/>
-                <a:latin typeface="Menlo" panose="020B0609030804020204" pitchFamily="49" charset="0"/>
-              </a:rPr>
-              <a:t>timeinfo</a:t>
-            </a:r>
-            <a:r>
-              <a:rPr lang="en-GB" sz="1100" b="0" dirty="0">
-                <a:solidFill>
-                  <a:srgbClr val="4E5B61"/>
-                </a:solidFill>
-                <a:effectLst/>
-                <a:latin typeface="Menlo" panose="020B0609030804020204" pitchFamily="49" charset="0"/>
-              </a:rPr>
-              <a:t>;</a:t>
-            </a:r>
-            <a:br>
-              <a:rPr lang="en-GB" sz="1100" b="0" dirty="0">
-                <a:solidFill>
-                  <a:srgbClr val="4E5B61"/>
-                </a:solidFill>
-                <a:effectLst/>
-                <a:latin typeface="Menlo" panose="020B0609030804020204" pitchFamily="49" charset="0"/>
-              </a:rPr>
-            </a:br>
-            <a:br>
-              <a:rPr lang="en-GB" sz="1100" b="0" dirty="0">
-                <a:solidFill>
-                  <a:srgbClr val="4E5B61"/>
-                </a:solidFill>
-                <a:effectLst/>
-                <a:latin typeface="Menlo" panose="020B0609030804020204" pitchFamily="49" charset="0"/>
-              </a:rPr>
-            </a:br>
-            <a:r>
-              <a:rPr lang="en-GB" sz="1100" b="0" dirty="0">
-                <a:solidFill>
-                  <a:srgbClr val="4E5B61"/>
-                </a:solidFill>
-                <a:effectLst/>
-                <a:latin typeface="Menlo" panose="020B0609030804020204" pitchFamily="49" charset="0"/>
-              </a:rPr>
-              <a:t>	</a:t>
-            </a:r>
-            <a:r>
-              <a:rPr lang="en-GB" sz="1100" b="0" dirty="0" err="1">
-                <a:solidFill>
-                  <a:srgbClr val="D35400"/>
-                </a:solidFill>
-                <a:effectLst/>
-                <a:latin typeface="Menlo" panose="020B0609030804020204" pitchFamily="49" charset="0"/>
-              </a:rPr>
-              <a:t>getLocalTime</a:t>
-            </a:r>
-            <a:r>
-              <a:rPr lang="en-GB" sz="1100" b="0" dirty="0">
-                <a:solidFill>
-                  <a:srgbClr val="434F54"/>
-                </a:solidFill>
-                <a:effectLst/>
-                <a:latin typeface="Menlo" panose="020B0609030804020204" pitchFamily="49" charset="0"/>
-              </a:rPr>
-              <a:t>(</a:t>
-            </a:r>
-            <a:r>
-              <a:rPr lang="en-GB" sz="1100" b="0" dirty="0">
-                <a:solidFill>
-                  <a:srgbClr val="4E5B61"/>
-                </a:solidFill>
-                <a:effectLst/>
-                <a:latin typeface="Menlo" panose="020B0609030804020204" pitchFamily="49" charset="0"/>
-              </a:rPr>
-              <a:t>&amp;</a:t>
-            </a:r>
-            <a:r>
-              <a:rPr lang="en-GB" sz="1100" b="0" dirty="0" err="1">
-                <a:solidFill>
-                  <a:srgbClr val="4E5B61"/>
-                </a:solidFill>
-                <a:effectLst/>
-                <a:latin typeface="Menlo" panose="020B0609030804020204" pitchFamily="49" charset="0"/>
-              </a:rPr>
-              <a:t>timeinfo</a:t>
-            </a:r>
-            <a:r>
-              <a:rPr lang="en-GB" sz="1100" b="0" dirty="0">
-                <a:solidFill>
-                  <a:srgbClr val="434F54"/>
-                </a:solidFill>
-                <a:effectLst/>
-                <a:latin typeface="Menlo" panose="020B0609030804020204" pitchFamily="49" charset="0"/>
-              </a:rPr>
-              <a:t>)</a:t>
-            </a:r>
-            <a:r>
-              <a:rPr lang="en-GB" sz="1100" b="0" dirty="0">
-                <a:solidFill>
-                  <a:srgbClr val="4E5B61"/>
-                </a:solidFill>
-                <a:effectLst/>
-                <a:latin typeface="Menlo" panose="020B0609030804020204" pitchFamily="49" charset="0"/>
-              </a:rPr>
-              <a:t>;</a:t>
-            </a:r>
-            <a:br>
-              <a:rPr lang="en-GB" sz="1100" dirty="0">
-                <a:solidFill>
-                  <a:srgbClr val="4E5B61"/>
-                </a:solidFill>
-                <a:latin typeface="Menlo" panose="020B0609030804020204" pitchFamily="49" charset="0"/>
-              </a:rPr>
-            </a:br>
-            <a:endParaRPr lang="en-GB" sz="1100" b="0" dirty="0">
+                <a:latin typeface="Helvetica" pitchFamily="2" charset="0"/>
+              </a:rPr>
+              <a:t> but a time standard</a:t>
+            </a:r>
+          </a:p>
+          <a:p>
+            <a:r>
+              <a:rPr lang="en-GB" dirty="0">
+                <a:solidFill>
+                  <a:srgbClr val="454545"/>
+                </a:solidFill>
+                <a:latin typeface="Helvetica" pitchFamily="2" charset="0"/>
+              </a:rPr>
+              <a:t>Always use the RTC as time source</a:t>
+            </a:r>
+          </a:p>
+          <a:p>
+            <a:r>
+              <a:rPr lang="en-GB" dirty="0">
+                <a:solidFill>
+                  <a:srgbClr val="454545"/>
+                </a:solidFill>
+                <a:latin typeface="Helvetica" pitchFamily="2" charset="0"/>
+              </a:rPr>
+              <a:t>Keep RTC in sync with NTP</a:t>
+            </a:r>
+          </a:p>
+          <a:p>
+            <a:r>
+              <a:rPr lang="en-GB" dirty="0">
+                <a:solidFill>
+                  <a:srgbClr val="454545"/>
+                </a:solidFill>
+                <a:latin typeface="Helvetica" pitchFamily="2" charset="0"/>
+              </a:rPr>
+              <a:t>NTP happens to update the </a:t>
+            </a:r>
+            <a:r>
+              <a:rPr lang="en-GB" dirty="0" err="1">
+                <a:solidFill>
+                  <a:srgbClr val="454545"/>
+                </a:solidFill>
+                <a:latin typeface="Helvetica" pitchFamily="2" charset="0"/>
+              </a:rPr>
+              <a:t>systemtime</a:t>
+            </a:r>
+            <a:endParaRPr lang="en-GB" dirty="0">
               <a:solidFill>
-                <a:srgbClr val="4E5B61"/>
+                <a:srgbClr val="454545"/>
               </a:solidFill>
-              <a:effectLst/>
-              <a:latin typeface="Menlo" panose="020B0609030804020204" pitchFamily="49" charset="0"/>
+              <a:latin typeface="Helvetica" pitchFamily="2" charset="0"/>
             </a:endParaRPr>
           </a:p>
           <a:p>
             <a:r>
-              <a:rPr lang="en-GB" b="0" dirty="0">
-                <a:solidFill>
-                  <a:srgbClr val="4E5B61"/>
-                </a:solidFill>
-                <a:effectLst/>
-                <a:latin typeface="Menlo" panose="020B0609030804020204" pitchFamily="49" charset="0"/>
-              </a:rPr>
-              <a:t>Time library</a:t>
-            </a:r>
-            <a:br>
-              <a:rPr lang="en-GB" sz="1100" b="0" dirty="0">
-                <a:solidFill>
-                  <a:srgbClr val="4E5B61"/>
-                </a:solidFill>
-                <a:effectLst/>
-                <a:latin typeface="Menlo" panose="020B0609030804020204" pitchFamily="49" charset="0"/>
-              </a:rPr>
-            </a:br>
-            <a:r>
-              <a:rPr lang="en-GB" sz="1100" b="0" dirty="0">
-                <a:solidFill>
-                  <a:srgbClr val="4E5B61"/>
-                </a:solidFill>
-                <a:effectLst/>
-                <a:latin typeface="Menlo" panose="020B0609030804020204" pitchFamily="49" charset="0"/>
-              </a:rPr>
-              <a:t>	#include &lt;</a:t>
-            </a:r>
-            <a:r>
-              <a:rPr lang="en-GB" sz="1100" b="0" dirty="0" err="1">
-                <a:solidFill>
-                  <a:srgbClr val="4E5B61"/>
-                </a:solidFill>
-                <a:effectLst/>
-                <a:latin typeface="Menlo" panose="020B0609030804020204" pitchFamily="49" charset="0"/>
-              </a:rPr>
-              <a:t>TimeLib.h</a:t>
-            </a:r>
-            <a:r>
-              <a:rPr lang="en-GB" sz="1100" b="0" dirty="0">
-                <a:solidFill>
-                  <a:srgbClr val="4E5B61"/>
-                </a:solidFill>
-                <a:effectLst/>
-                <a:latin typeface="Menlo" panose="020B0609030804020204" pitchFamily="49" charset="0"/>
-              </a:rPr>
-              <a:t>&gt;</a:t>
-            </a:r>
-            <a:br>
-              <a:rPr lang="en-GB" sz="1100" b="0" dirty="0">
-                <a:solidFill>
-                  <a:srgbClr val="4E5B61"/>
-                </a:solidFill>
-                <a:effectLst/>
-                <a:latin typeface="Menlo" panose="020B0609030804020204" pitchFamily="49" charset="0"/>
-              </a:rPr>
-            </a:br>
-            <a:br>
-              <a:rPr lang="en-GB" sz="1100" b="0" dirty="0">
-                <a:solidFill>
-                  <a:srgbClr val="4E5B61"/>
-                </a:solidFill>
-                <a:effectLst/>
-                <a:latin typeface="Menlo" panose="020B0609030804020204" pitchFamily="49" charset="0"/>
-              </a:rPr>
-            </a:br>
-            <a:r>
-              <a:rPr lang="en-GB" sz="1100" b="0" dirty="0">
-                <a:solidFill>
-                  <a:srgbClr val="4E5B61"/>
-                </a:solidFill>
-                <a:effectLst/>
-                <a:latin typeface="Menlo" panose="020B0609030804020204" pitchFamily="49" charset="0"/>
-              </a:rPr>
-              <a:t>	</a:t>
-            </a:r>
-            <a:r>
-              <a:rPr lang="en-GB" sz="1100" b="0" i="0" u="none" strike="noStrike" dirty="0">
-                <a:solidFill>
-                  <a:srgbClr val="1F2328"/>
-                </a:solidFill>
-                <a:effectLst/>
-                <a:latin typeface="-apple-system"/>
-              </a:rPr>
-              <a:t>Internal system time is based on the standard Unix </a:t>
-            </a:r>
-            <a:r>
-              <a:rPr lang="en-GB" sz="1100" dirty="0" err="1"/>
+              <a:rPr lang="en-GB" dirty="0">
+                <a:solidFill>
+                  <a:srgbClr val="454545"/>
+                </a:solidFill>
+                <a:latin typeface="Helvetica" pitchFamily="2" charset="0"/>
+              </a:rPr>
+              <a:t>Use standard C functions: </a:t>
+            </a:r>
+          </a:p>
+          <a:p>
+            <a:pPr lvl="1"/>
+            <a:r>
+              <a:rPr lang="en-GB" dirty="0">
+                <a:solidFill>
+                  <a:srgbClr val="454545"/>
+                </a:solidFill>
+                <a:latin typeface="Helvetica" pitchFamily="2" charset="0"/>
+              </a:rPr>
+              <a:t>time() 		get system time</a:t>
+            </a:r>
+          </a:p>
+          <a:p>
+            <a:pPr lvl="1"/>
+            <a:r>
+              <a:rPr lang="en-GB" dirty="0" err="1">
+                <a:solidFill>
+                  <a:srgbClr val="454545"/>
+                </a:solidFill>
+                <a:latin typeface="Helvetica" pitchFamily="2" charset="0"/>
+              </a:rPr>
+              <a:t>ctime</a:t>
+            </a:r>
+            <a:r>
+              <a:rPr lang="en-GB" dirty="0">
+                <a:solidFill>
+                  <a:srgbClr val="454545"/>
+                </a:solidFill>
+                <a:latin typeface="Helvetica" pitchFamily="2" charset="0"/>
+              </a:rPr>
+              <a:t>()		convert </a:t>
+            </a:r>
+            <a:r>
+              <a:rPr lang="en-GB" dirty="0" err="1">
+                <a:solidFill>
+                  <a:srgbClr val="454545"/>
+                </a:solidFill>
+                <a:latin typeface="Helvetica" pitchFamily="2" charset="0"/>
+              </a:rPr>
               <a:t>time_t</a:t>
             </a:r>
             <a:r>
-              <a:rPr lang="en-GB" sz="1100" b="0" i="0" u="none" strike="noStrike" dirty="0">
-                <a:solidFill>
-                  <a:srgbClr val="1F2328"/>
-                </a:solidFill>
-                <a:effectLst/>
-                <a:latin typeface="-apple-system"/>
-              </a:rPr>
-              <a:t>. </a:t>
-            </a:r>
-            <a:br>
-              <a:rPr lang="en-GB" sz="1100" b="0" i="0" u="none" strike="noStrike" dirty="0">
-                <a:solidFill>
-                  <a:srgbClr val="1F2328"/>
-                </a:solidFill>
-                <a:effectLst/>
-                <a:latin typeface="-apple-system"/>
-              </a:rPr>
-            </a:br>
-            <a:r>
-              <a:rPr lang="en-GB" sz="1100" b="0" i="0" u="none" strike="noStrike" dirty="0">
-                <a:solidFill>
-                  <a:srgbClr val="1F2328"/>
-                </a:solidFill>
-                <a:effectLst/>
-                <a:latin typeface="-apple-system"/>
-              </a:rPr>
-              <a:t>	The value is the number of seconds since Jan 1, 1970. System time begins at zero when the sketch starts.</a:t>
-            </a:r>
-            <a:br>
-              <a:rPr lang="en-GB" sz="1100" b="0" i="0" u="none" strike="noStrike" dirty="0">
-                <a:solidFill>
-                  <a:srgbClr val="1F2328"/>
-                </a:solidFill>
-                <a:effectLst/>
-                <a:latin typeface="-apple-system"/>
-              </a:rPr>
-            </a:br>
-            <a:r>
-              <a:rPr lang="en-GB" sz="1100" b="0" i="0" u="none" strike="noStrike" dirty="0">
-                <a:solidFill>
-                  <a:srgbClr val="1F2328"/>
-                </a:solidFill>
-                <a:effectLst/>
-                <a:latin typeface="-apple-system"/>
-              </a:rPr>
-              <a:t>	</a:t>
-            </a:r>
-            <a:br>
-              <a:rPr lang="en-GB" sz="1100" b="0" i="0" u="none" strike="noStrike" dirty="0">
-                <a:solidFill>
-                  <a:srgbClr val="1F2328"/>
-                </a:solidFill>
-                <a:effectLst/>
-                <a:latin typeface="-apple-system"/>
-              </a:rPr>
-            </a:br>
-            <a:r>
-              <a:rPr lang="en-GB" sz="1100" b="0" i="0" u="none" strike="noStrike" dirty="0">
-                <a:solidFill>
-                  <a:srgbClr val="1F2328"/>
-                </a:solidFill>
-                <a:effectLst/>
-                <a:latin typeface="-apple-system"/>
-              </a:rPr>
-              <a:t>	</a:t>
-            </a:r>
-            <a:r>
-              <a:rPr lang="en-GB" sz="1100" dirty="0" err="1">
-                <a:effectLst/>
-              </a:rPr>
-              <a:t>breakTime</a:t>
-            </a:r>
-            <a:r>
-              <a:rPr lang="en-GB" sz="1100" dirty="0"/>
-              <a:t>(</a:t>
-            </a:r>
-            <a:r>
-              <a:rPr lang="en-GB" sz="1100" dirty="0">
-                <a:effectLst/>
-              </a:rPr>
-              <a:t>time</a:t>
-            </a:r>
-            <a:r>
-              <a:rPr lang="en-GB" sz="1100" dirty="0"/>
-              <a:t>, </a:t>
-            </a:r>
-            <a:r>
-              <a:rPr lang="en-GB" sz="1100" dirty="0">
-                <a:effectLst/>
-              </a:rPr>
-              <a:t>&amp;tm</a:t>
-            </a:r>
-            <a:r>
-              <a:rPr lang="en-GB" sz="1100" dirty="0"/>
-              <a:t>); 	</a:t>
-            </a:r>
-            <a:r>
-              <a:rPr lang="en-GB" sz="1100" dirty="0">
-                <a:effectLst/>
-              </a:rPr>
-              <a:t>// break  </a:t>
-            </a:r>
-            <a:r>
-              <a:rPr lang="en-GB" sz="1100" dirty="0" err="1">
-                <a:effectLst/>
-              </a:rPr>
-              <a:t>time_t</a:t>
-            </a:r>
-            <a:r>
-              <a:rPr lang="en-GB" sz="1100" dirty="0">
-                <a:effectLst/>
-              </a:rPr>
-              <a:t> into elements stored in tm struct</a:t>
-            </a:r>
-            <a:br>
-              <a:rPr lang="en-GB" sz="1100" dirty="0"/>
-            </a:br>
-            <a:r>
-              <a:rPr lang="en-GB" sz="1100" dirty="0"/>
-              <a:t>	</a:t>
-            </a:r>
-            <a:r>
-              <a:rPr lang="en-GB" sz="1100" dirty="0" err="1">
-                <a:effectLst/>
-              </a:rPr>
-              <a:t>makeTime</a:t>
-            </a:r>
-            <a:r>
-              <a:rPr lang="en-GB" sz="1100" dirty="0"/>
-              <a:t>(</a:t>
-            </a:r>
-            <a:r>
-              <a:rPr lang="en-GB" sz="1100" dirty="0">
-                <a:effectLst/>
-              </a:rPr>
-              <a:t>&amp;tm</a:t>
-            </a:r>
-            <a:r>
-              <a:rPr lang="en-GB" sz="1100" dirty="0"/>
-              <a:t>); 		</a:t>
-            </a:r>
-            <a:r>
-              <a:rPr lang="en-GB" sz="1100" dirty="0">
-                <a:effectLst/>
-              </a:rPr>
-              <a:t>// return </a:t>
-            </a:r>
-            <a:r>
-              <a:rPr lang="en-GB" sz="1100" dirty="0" err="1">
-                <a:effectLst/>
-              </a:rPr>
-              <a:t>time_t</a:t>
-            </a:r>
-            <a:r>
-              <a:rPr lang="en-GB" sz="1100" dirty="0">
-                <a:effectLst/>
-              </a:rPr>
-              <a:t> from elements stored in tm struct</a:t>
-            </a:r>
-            <a:br>
-              <a:rPr lang="en-GB" sz="1100" dirty="0">
-                <a:effectLst/>
-              </a:rPr>
-            </a:br>
-            <a:br>
-              <a:rPr lang="en-GB" sz="1100" dirty="0">
-                <a:effectLst/>
-              </a:rPr>
-            </a:br>
-            <a:r>
-              <a:rPr lang="en-GB" sz="1100" dirty="0">
-                <a:effectLst/>
-              </a:rPr>
-              <a:t>Time Library needs a sync function specified:</a:t>
-            </a:r>
-            <a:br>
-              <a:rPr lang="en-GB" sz="1000" dirty="0">
-                <a:effectLst/>
-              </a:rPr>
-            </a:br>
-            <a:br>
-              <a:rPr lang="en-GB" sz="1100" b="0" i="0" u="none" strike="noStrike" dirty="0">
-                <a:solidFill>
-                  <a:srgbClr val="1F2328"/>
-                </a:solidFill>
-                <a:effectLst/>
-                <a:latin typeface="-apple-system"/>
-              </a:rPr>
-            </a:br>
-            <a:r>
-              <a:rPr lang="en-GB" sz="1600" dirty="0">
-                <a:solidFill>
-                  <a:srgbClr val="4E5B61"/>
-                </a:solidFill>
-                <a:latin typeface="Menlo" panose="020B0609030804020204" pitchFamily="49" charset="0"/>
-              </a:rPr>
-              <a:t>Setup:</a:t>
-            </a:r>
-            <a:br>
-              <a:rPr lang="en-GB" sz="1100" b="0" dirty="0">
-                <a:solidFill>
-                  <a:srgbClr val="4E5B61"/>
-                </a:solidFill>
-                <a:effectLst/>
-                <a:latin typeface="Menlo" panose="020B0609030804020204" pitchFamily="49" charset="0"/>
-              </a:rPr>
-            </a:br>
-            <a:r>
-              <a:rPr lang="en-GB" sz="1100" b="0" dirty="0">
-                <a:solidFill>
-                  <a:srgbClr val="4E5B61"/>
-                </a:solidFill>
-                <a:effectLst/>
-                <a:latin typeface="Menlo" panose="020B0609030804020204" pitchFamily="49" charset="0"/>
-              </a:rPr>
-              <a:t>	</a:t>
-            </a:r>
-            <a:r>
-              <a:rPr lang="en-GB" sz="1100" b="0" dirty="0" err="1">
-                <a:solidFill>
-                  <a:srgbClr val="4E5B61"/>
-                </a:solidFill>
-                <a:effectLst/>
-                <a:latin typeface="Menlo" panose="020B0609030804020204" pitchFamily="49" charset="0"/>
-              </a:rPr>
-              <a:t>setSyncProvider</a:t>
-            </a:r>
-            <a:r>
-              <a:rPr lang="en-GB" sz="1100" b="0" dirty="0">
-                <a:solidFill>
-                  <a:srgbClr val="4E5B61"/>
-                </a:solidFill>
-                <a:effectLst/>
-                <a:latin typeface="Menlo" panose="020B0609030804020204" pitchFamily="49" charset="0"/>
-              </a:rPr>
-              <a:t>(</a:t>
-            </a:r>
-            <a:r>
-              <a:rPr lang="en-GB" sz="1100" b="0" dirty="0" err="1">
-                <a:solidFill>
-                  <a:srgbClr val="4E5B61"/>
-                </a:solidFill>
-                <a:effectLst/>
-                <a:latin typeface="Menlo" panose="020B0609030804020204" pitchFamily="49" charset="0"/>
-              </a:rPr>
-              <a:t>RTC.get</a:t>
-            </a:r>
-            <a:r>
-              <a:rPr lang="en-GB" sz="1100" b="0" dirty="0">
-                <a:solidFill>
-                  <a:srgbClr val="4E5B61"/>
-                </a:solidFill>
-                <a:effectLst/>
-                <a:latin typeface="Menlo" panose="020B0609030804020204" pitchFamily="49" charset="0"/>
-              </a:rPr>
-              <a:t>);   // the function to get the time from the RTC</a:t>
-            </a:r>
-            <a:br>
-              <a:rPr lang="en-GB" sz="1100" dirty="0">
-                <a:solidFill>
-                  <a:srgbClr val="4E5B61"/>
-                </a:solidFill>
-                <a:latin typeface="Menlo" panose="020B0609030804020204" pitchFamily="49" charset="0"/>
-              </a:rPr>
-            </a:br>
-            <a:r>
-              <a:rPr lang="en-GB" sz="1100" dirty="0">
-                <a:solidFill>
-                  <a:srgbClr val="4E5B61"/>
-                </a:solidFill>
-                <a:latin typeface="Menlo" panose="020B0609030804020204" pitchFamily="49" charset="0"/>
-              </a:rPr>
-              <a:t>	</a:t>
-            </a:r>
-            <a:br>
-              <a:rPr lang="en-GB" sz="1100" dirty="0">
-                <a:solidFill>
-                  <a:srgbClr val="4E5B61"/>
-                </a:solidFill>
-                <a:latin typeface="Menlo" panose="020B0609030804020204" pitchFamily="49" charset="0"/>
-              </a:rPr>
-            </a:br>
-            <a:r>
-              <a:rPr lang="en-GB" sz="1100" dirty="0">
-                <a:solidFill>
-                  <a:srgbClr val="4E5B61"/>
-                </a:solidFill>
-                <a:latin typeface="Menlo" panose="020B0609030804020204" pitchFamily="49" charset="0"/>
-              </a:rPr>
-              <a:t>	</a:t>
-            </a:r>
-            <a:r>
-              <a:rPr lang="en-GB" sz="1100" dirty="0" err="1">
-                <a:solidFill>
-                  <a:srgbClr val="4E5B61"/>
-                </a:solidFill>
-                <a:latin typeface="Menlo" panose="020B0609030804020204" pitchFamily="49" charset="0"/>
-              </a:rPr>
-              <a:t>RTC.get</a:t>
-            </a:r>
-            <a:r>
-              <a:rPr lang="en-GB" sz="1100" dirty="0">
-                <a:solidFill>
-                  <a:srgbClr val="4E5B61"/>
-                </a:solidFill>
-                <a:latin typeface="Menlo" panose="020B0609030804020204" pitchFamily="49" charset="0"/>
-              </a:rPr>
-              <a:t> which returns a </a:t>
-            </a:r>
-            <a:r>
-              <a:rPr lang="en-GB" sz="1100" dirty="0" err="1">
-                <a:solidFill>
-                  <a:srgbClr val="4E5B61"/>
-                </a:solidFill>
-                <a:latin typeface="Menlo" panose="020B0609030804020204" pitchFamily="49" charset="0"/>
-              </a:rPr>
-              <a:t>time_t</a:t>
-            </a:r>
-            <a:r>
-              <a:rPr lang="en-GB" sz="1100" dirty="0">
-                <a:solidFill>
-                  <a:srgbClr val="4E5B61"/>
-                </a:solidFill>
-                <a:latin typeface="Menlo" panose="020B0609030804020204" pitchFamily="49" charset="0"/>
-              </a:rPr>
-              <a:t> value.</a:t>
-            </a:r>
-            <a:br>
-              <a:rPr lang="en-GB" sz="1100" dirty="0">
-                <a:solidFill>
-                  <a:srgbClr val="4E5B61"/>
-                </a:solidFill>
-                <a:latin typeface="Menlo" panose="020B0609030804020204" pitchFamily="49" charset="0"/>
-              </a:rPr>
-            </a:br>
-            <a:br>
-              <a:rPr lang="en-GB" sz="2800" b="0" dirty="0">
-                <a:solidFill>
-                  <a:srgbClr val="4E5B61"/>
-                </a:solidFill>
-                <a:effectLst/>
-                <a:latin typeface="Menlo" panose="020B0609030804020204" pitchFamily="49" charset="0"/>
-              </a:rPr>
-            </a:br>
-            <a:r>
-              <a:rPr lang="en-GB" sz="1100" b="0" dirty="0">
-                <a:solidFill>
-                  <a:srgbClr val="4E5B61"/>
-                </a:solidFill>
-                <a:effectLst/>
-                <a:latin typeface="Menlo" panose="020B0609030804020204" pitchFamily="49" charset="0"/>
-              </a:rPr>
-              <a:t>	</a:t>
-            </a:r>
-            <a:r>
-              <a:rPr lang="en-GB" sz="1100" dirty="0" err="1">
-                <a:solidFill>
-                  <a:srgbClr val="4E5B61"/>
-                </a:solidFill>
-                <a:latin typeface="Menlo" panose="020B0609030804020204" pitchFamily="49" charset="0"/>
-              </a:rPr>
-              <a:t>time_t</a:t>
-            </a:r>
-            <a:r>
-              <a:rPr lang="en-GB" sz="1100" dirty="0">
-                <a:solidFill>
-                  <a:srgbClr val="4E5B61"/>
-                </a:solidFill>
-                <a:latin typeface="Menlo" panose="020B0609030804020204" pitchFamily="49" charset="0"/>
-              </a:rPr>
-              <a:t> get</a:t>
-            </a:r>
-            <a:br>
-              <a:rPr lang="en-GB" sz="1100" dirty="0">
-                <a:solidFill>
-                  <a:srgbClr val="4E5B61"/>
-                </a:solidFill>
-                <a:latin typeface="Menlo" panose="020B0609030804020204" pitchFamily="49" charset="0"/>
-              </a:rPr>
-            </a:br>
-            <a:r>
-              <a:rPr lang="en-GB" sz="1100" dirty="0">
-                <a:solidFill>
-                  <a:srgbClr val="4E5B61"/>
-                </a:solidFill>
-                <a:latin typeface="Menlo" panose="020B0609030804020204" pitchFamily="49" charset="0"/>
-              </a:rPr>
-              <a:t>	</a:t>
-            </a:r>
-            <a:r>
-              <a:rPr lang="en-GB" sz="1100" dirty="0" err="1">
-                <a:solidFill>
-                  <a:srgbClr val="4E5B61"/>
-                </a:solidFill>
-                <a:latin typeface="Menlo" panose="020B0609030804020204" pitchFamily="49" charset="0"/>
-              </a:rPr>
-              <a:t>tmElements_t</a:t>
-            </a:r>
-            <a:r>
-              <a:rPr lang="en-GB" sz="1100" dirty="0">
-                <a:solidFill>
-                  <a:srgbClr val="4E5B61"/>
-                </a:solidFill>
-                <a:latin typeface="Menlo" panose="020B0609030804020204" pitchFamily="49" charset="0"/>
-              </a:rPr>
-              <a:t> tm;</a:t>
-            </a:r>
-            <a:br>
-              <a:rPr lang="en-GB" sz="1100" dirty="0">
-                <a:solidFill>
-                  <a:srgbClr val="4E5B61"/>
-                </a:solidFill>
-                <a:latin typeface="Menlo" panose="020B0609030804020204" pitchFamily="49" charset="0"/>
-              </a:rPr>
-            </a:br>
-            <a:r>
-              <a:rPr lang="en-GB" sz="1100" dirty="0">
-                <a:solidFill>
-                  <a:srgbClr val="4E5B61"/>
-                </a:solidFill>
-                <a:latin typeface="Menlo" panose="020B0609030804020204" pitchFamily="49" charset="0"/>
-              </a:rPr>
-              <a:t>	….</a:t>
-            </a:r>
-            <a:br>
-              <a:rPr lang="en-GB" sz="1100" dirty="0">
-                <a:solidFill>
-                  <a:srgbClr val="4E5B61"/>
-                </a:solidFill>
-                <a:latin typeface="Menlo" panose="020B0609030804020204" pitchFamily="49" charset="0"/>
-              </a:rPr>
-            </a:br>
-            <a:r>
-              <a:rPr lang="en-GB" sz="1100" dirty="0">
-                <a:solidFill>
-                  <a:srgbClr val="4E5B61"/>
-                </a:solidFill>
-                <a:latin typeface="Menlo" panose="020B0609030804020204" pitchFamily="49" charset="0"/>
-              </a:rPr>
-              <a:t>	</a:t>
-            </a:r>
-            <a:r>
-              <a:rPr lang="en-GB" sz="1100" dirty="0" err="1">
-                <a:solidFill>
-                  <a:srgbClr val="4E5B61"/>
-                </a:solidFill>
-                <a:latin typeface="Menlo" panose="020B0609030804020204" pitchFamily="49" charset="0"/>
-              </a:rPr>
-              <a:t>makeTime</a:t>
-            </a:r>
-            <a:r>
-              <a:rPr lang="en-GB" sz="1100" dirty="0">
-                <a:solidFill>
-                  <a:srgbClr val="4E5B61"/>
-                </a:solidFill>
-                <a:latin typeface="Menlo" panose="020B0609030804020204" pitchFamily="49" charset="0"/>
-              </a:rPr>
-              <a:t>(tm)</a:t>
-            </a:r>
-          </a:p>
-          <a:p>
-            <a:r>
-              <a:rPr lang="en-GB" b="0" dirty="0">
-                <a:solidFill>
-                  <a:srgbClr val="4E5B61"/>
-                </a:solidFill>
-                <a:effectLst/>
-                <a:latin typeface="Menlo" panose="020B0609030804020204" pitchFamily="49" charset="0"/>
-              </a:rPr>
-              <a:t>Combine ESP NTP server with Time library</a:t>
-            </a:r>
-            <a:br>
-              <a:rPr lang="en-GB" sz="1200" b="0" dirty="0">
-                <a:solidFill>
-                  <a:srgbClr val="4E5B61"/>
-                </a:solidFill>
-                <a:effectLst/>
-                <a:latin typeface="Menlo" panose="020B0609030804020204" pitchFamily="49" charset="0"/>
-              </a:rPr>
-            </a:br>
-            <a:br>
-              <a:rPr lang="en-GB" sz="1200" b="0" dirty="0">
-                <a:solidFill>
-                  <a:srgbClr val="4E5B61"/>
-                </a:solidFill>
-                <a:effectLst/>
-                <a:latin typeface="Menlo" panose="020B0609030804020204" pitchFamily="49" charset="0"/>
-              </a:rPr>
-            </a:br>
-            <a:r>
-              <a:rPr lang="en-GB" sz="1200" b="0" dirty="0" err="1">
-                <a:solidFill>
-                  <a:srgbClr val="4E5B61"/>
-                </a:solidFill>
-                <a:effectLst/>
-                <a:latin typeface="Menlo" panose="020B0609030804020204" pitchFamily="49" charset="0"/>
-              </a:rPr>
-              <a:t>setSyncProvider</a:t>
-            </a:r>
-            <a:r>
-              <a:rPr lang="en-GB" sz="1200" b="0" dirty="0">
-                <a:solidFill>
-                  <a:srgbClr val="4E5B61"/>
-                </a:solidFill>
-                <a:effectLst/>
-                <a:latin typeface="Menlo" panose="020B0609030804020204" pitchFamily="49" charset="0"/>
-              </a:rPr>
-              <a:t>(</a:t>
-            </a:r>
-            <a:r>
-              <a:rPr lang="en-GB" sz="1200" b="0" dirty="0" err="1">
-                <a:solidFill>
-                  <a:srgbClr val="4E5B61"/>
-                </a:solidFill>
-                <a:effectLst/>
-                <a:latin typeface="Menlo" panose="020B0609030804020204" pitchFamily="49" charset="0"/>
-              </a:rPr>
-              <a:t>NTPgetTime</a:t>
-            </a:r>
-            <a:r>
-              <a:rPr lang="en-GB" sz="1200" b="0" dirty="0">
-                <a:solidFill>
-                  <a:srgbClr val="4E5B61"/>
-                </a:solidFill>
-                <a:effectLst/>
-                <a:latin typeface="Menlo" panose="020B0609030804020204" pitchFamily="49" charset="0"/>
-              </a:rPr>
-              <a:t>); </a:t>
-            </a:r>
-            <a:br>
-              <a:rPr lang="en-GB" sz="1200" b="0" dirty="0">
-                <a:solidFill>
-                  <a:srgbClr val="4E5B61"/>
-                </a:solidFill>
-                <a:effectLst/>
-                <a:latin typeface="Menlo" panose="020B0609030804020204" pitchFamily="49" charset="0"/>
-              </a:rPr>
-            </a:br>
-            <a:br>
-              <a:rPr lang="en-GB" sz="1200" b="0" dirty="0">
-                <a:solidFill>
-                  <a:srgbClr val="4E5B61"/>
-                </a:solidFill>
-                <a:effectLst/>
-                <a:latin typeface="Menlo" panose="020B0609030804020204" pitchFamily="49" charset="0"/>
-              </a:rPr>
-            </a:br>
-            <a:r>
-              <a:rPr lang="en-GB" sz="1200" b="0" dirty="0" err="1">
-                <a:solidFill>
-                  <a:srgbClr val="4E5B61"/>
-                </a:solidFill>
-                <a:effectLst/>
-                <a:latin typeface="Menlo" panose="020B0609030804020204" pitchFamily="49" charset="0"/>
-              </a:rPr>
-              <a:t>time_t</a:t>
-            </a:r>
-            <a:r>
-              <a:rPr lang="en-GB" sz="1200" b="0" dirty="0">
-                <a:solidFill>
-                  <a:srgbClr val="4E5B61"/>
-                </a:solidFill>
-                <a:effectLst/>
-                <a:latin typeface="Menlo" panose="020B0609030804020204" pitchFamily="49" charset="0"/>
-              </a:rPr>
-              <a:t> </a:t>
-            </a:r>
-            <a:r>
-              <a:rPr lang="en-GB" sz="1200" b="0" dirty="0" err="1">
-                <a:solidFill>
-                  <a:srgbClr val="4E5B61"/>
-                </a:solidFill>
-                <a:effectLst/>
-                <a:latin typeface="Menlo" panose="020B0609030804020204" pitchFamily="49" charset="0"/>
-              </a:rPr>
-              <a:t>NTPgetTime</a:t>
-            </a:r>
-            <a:r>
-              <a:rPr lang="en-GB" sz="1200" b="0" dirty="0">
-                <a:solidFill>
-                  <a:srgbClr val="4E5B61"/>
-                </a:solidFill>
-                <a:effectLst/>
-                <a:latin typeface="Menlo" panose="020B0609030804020204" pitchFamily="49" charset="0"/>
-              </a:rPr>
-              <a:t>() {</a:t>
-            </a:r>
-            <a:br>
-              <a:rPr lang="en-GB" sz="1200" b="0" dirty="0">
-                <a:solidFill>
-                  <a:srgbClr val="4E5B61"/>
-                </a:solidFill>
-                <a:effectLst/>
-                <a:latin typeface="Menlo" panose="020B0609030804020204" pitchFamily="49" charset="0"/>
-              </a:rPr>
-            </a:br>
-            <a:r>
-              <a:rPr lang="en-GB" sz="1200" b="0" dirty="0">
-                <a:solidFill>
-                  <a:srgbClr val="4E5B61"/>
-                </a:solidFill>
-                <a:effectLst/>
-                <a:latin typeface="Menlo" panose="020B0609030804020204" pitchFamily="49" charset="0"/>
-              </a:rPr>
-              <a:t> 	</a:t>
-            </a:r>
-            <a:r>
-              <a:rPr lang="en-GB" sz="1200" b="0" dirty="0" err="1">
-                <a:solidFill>
-                  <a:srgbClr val="D35400"/>
-                </a:solidFill>
-                <a:effectLst/>
-                <a:latin typeface="Menlo" panose="020B0609030804020204" pitchFamily="49" charset="0"/>
-              </a:rPr>
-              <a:t>getLocalTime</a:t>
-            </a:r>
-            <a:r>
-              <a:rPr lang="en-GB" sz="1200" b="0" dirty="0">
-                <a:solidFill>
-                  <a:srgbClr val="434F54"/>
-                </a:solidFill>
-                <a:effectLst/>
-                <a:latin typeface="Menlo" panose="020B0609030804020204" pitchFamily="49" charset="0"/>
-              </a:rPr>
-              <a:t>(</a:t>
-            </a:r>
-            <a:r>
-              <a:rPr lang="en-GB" sz="1200" b="0" dirty="0">
-                <a:solidFill>
-                  <a:srgbClr val="4E5B61"/>
-                </a:solidFill>
-                <a:effectLst/>
-                <a:latin typeface="Menlo" panose="020B0609030804020204" pitchFamily="49" charset="0"/>
-              </a:rPr>
-              <a:t>&amp;</a:t>
-            </a:r>
-            <a:r>
-              <a:rPr lang="en-GB" sz="1200" b="0" dirty="0" err="1">
-                <a:solidFill>
-                  <a:srgbClr val="4E5B61"/>
-                </a:solidFill>
-                <a:effectLst/>
-                <a:latin typeface="Menlo" panose="020B0609030804020204" pitchFamily="49" charset="0"/>
-              </a:rPr>
-              <a:t>timeinfo</a:t>
-            </a:r>
-            <a:r>
-              <a:rPr lang="en-GB" sz="1200" b="0" dirty="0">
-                <a:solidFill>
-                  <a:srgbClr val="434F54"/>
-                </a:solidFill>
-                <a:effectLst/>
-                <a:latin typeface="Menlo" panose="020B0609030804020204" pitchFamily="49" charset="0"/>
-              </a:rPr>
-              <a:t>)</a:t>
-            </a:r>
-            <a:r>
-              <a:rPr lang="en-GB" sz="1200" b="0" dirty="0">
-                <a:solidFill>
-                  <a:srgbClr val="4E5B61"/>
-                </a:solidFill>
-                <a:effectLst/>
-                <a:latin typeface="Menlo" panose="020B0609030804020204" pitchFamily="49" charset="0"/>
-              </a:rPr>
-              <a:t>;</a:t>
-            </a:r>
-            <a:br>
-              <a:rPr lang="en-GB" sz="1200" b="0" dirty="0">
-                <a:solidFill>
-                  <a:srgbClr val="4E5B61"/>
-                </a:solidFill>
-                <a:effectLst/>
-                <a:latin typeface="Menlo" panose="020B0609030804020204" pitchFamily="49" charset="0"/>
-              </a:rPr>
-            </a:br>
-            <a:r>
-              <a:rPr lang="en-GB" sz="1200" b="0" dirty="0">
-                <a:solidFill>
-                  <a:srgbClr val="4E5B61"/>
-                </a:solidFill>
-                <a:effectLst/>
-                <a:latin typeface="Menlo" panose="020B0609030804020204" pitchFamily="49" charset="0"/>
-              </a:rPr>
-              <a:t> 	return(</a:t>
-            </a:r>
-            <a:r>
-              <a:rPr lang="en-GB" sz="1200" b="0" dirty="0" err="1">
-                <a:solidFill>
-                  <a:srgbClr val="4E5B61"/>
-                </a:solidFill>
-                <a:effectLst/>
-                <a:latin typeface="Menlo" panose="020B0609030804020204" pitchFamily="49" charset="0"/>
-              </a:rPr>
-              <a:t>makeTime</a:t>
-            </a:r>
-            <a:r>
-              <a:rPr lang="en-GB" sz="1200" b="0" dirty="0">
-                <a:solidFill>
-                  <a:srgbClr val="4E5B61"/>
-                </a:solidFill>
-                <a:effectLst/>
-                <a:latin typeface="Menlo" panose="020B0609030804020204" pitchFamily="49" charset="0"/>
-              </a:rPr>
-              <a:t>(</a:t>
-            </a:r>
-            <a:r>
-              <a:rPr lang="en-GB" sz="1200" b="0" dirty="0" err="1">
-                <a:solidFill>
-                  <a:srgbClr val="4E5B61"/>
-                </a:solidFill>
-                <a:effectLst/>
-                <a:latin typeface="Menlo" panose="020B0609030804020204" pitchFamily="49" charset="0"/>
-              </a:rPr>
-              <a:t>timeinfo</a:t>
-            </a:r>
-            <a:r>
-              <a:rPr lang="en-GB" sz="1200" b="0" dirty="0">
-                <a:solidFill>
-                  <a:srgbClr val="4E5B61"/>
-                </a:solidFill>
-                <a:effectLst/>
-                <a:latin typeface="Menlo" panose="020B0609030804020204" pitchFamily="49" charset="0"/>
-              </a:rPr>
-              <a:t>);</a:t>
-            </a:r>
-            <a:br>
-              <a:rPr lang="en-GB" sz="1200" b="0" dirty="0">
-                <a:solidFill>
-                  <a:srgbClr val="4E5B61"/>
-                </a:solidFill>
-                <a:effectLst/>
-                <a:latin typeface="Menlo" panose="020B0609030804020204" pitchFamily="49" charset="0"/>
-              </a:rPr>
-            </a:br>
-            <a:r>
-              <a:rPr lang="en-GB" sz="1200" b="0" dirty="0">
-                <a:solidFill>
-                  <a:srgbClr val="4E5B61"/>
-                </a:solidFill>
-                <a:effectLst/>
-                <a:latin typeface="Menlo" panose="020B0609030804020204" pitchFamily="49" charset="0"/>
-              </a:rPr>
-              <a:t>}</a:t>
-            </a:r>
-            <a:endParaRPr lang="en-GB" b="0" dirty="0">
-              <a:solidFill>
-                <a:srgbClr val="4E5B61"/>
-              </a:solidFill>
-              <a:effectLst/>
-              <a:latin typeface="Menlo" panose="020B0609030804020204" pitchFamily="49" charset="0"/>
-            </a:endParaRPr>
+              <a:rPr lang="en-GB" dirty="0">
+                <a:solidFill>
+                  <a:srgbClr val="454545"/>
+                </a:solidFill>
+                <a:latin typeface="Helvetica" pitchFamily="2" charset="0"/>
+              </a:rPr>
+              <a:t> (seconds-since-1970) to date string</a:t>
+            </a:r>
           </a:p>
         </p:txBody>
       </p:sp>
     </p:spTree>
     <p:extLst>
       <p:ext uri="{BB962C8B-B14F-4D97-AF65-F5344CB8AC3E}">
-        <p14:creationId xmlns:p14="http://schemas.microsoft.com/office/powerpoint/2010/main" val="1187016029"/>
+        <p14:creationId xmlns:p14="http://schemas.microsoft.com/office/powerpoint/2010/main" val="3330430801"/>
       </p:ext>
     </p:extLst>
   </p:cSld>
@@ -10772,6 +10047,1475 @@
       </p:grpSpPr>
       <p:sp>
         <p:nvSpPr>
+          <p:cNvPr id="3" name="Content Placeholder 2">
+            <a:extLst>
+              <a:ext uri="{FF2B5EF4-FFF2-40B4-BE49-F238E27FC236}">
+                <a16:creationId xmlns:a16="http://schemas.microsoft.com/office/drawing/2014/main" id="{8185B650-6F05-0C6A-9BCC-019EED0522F9}"/>
+              </a:ext>
+            </a:extLst>
+          </p:cNvPr>
+          <p:cNvSpPr>
+            <a:spLocks noGrp="1"/>
+          </p:cNvSpPr>
+          <p:nvPr>
+            <p:ph idx="1"/>
+          </p:nvPr>
+        </p:nvSpPr>
+        <p:spPr>
+          <a:xfrm>
+            <a:off x="838200" y="56708"/>
+            <a:ext cx="10515600" cy="6641804"/>
+          </a:xfrm>
+        </p:spPr>
+        <p:txBody>
+          <a:bodyPr>
+            <a:normAutofit fontScale="92500" lnSpcReduction="10000"/>
+          </a:bodyPr>
+          <a:lstStyle/>
+          <a:p>
+            <a:r>
+              <a:rPr lang="en-NL" dirty="0"/>
+              <a:t>NTP server</a:t>
+            </a:r>
+            <a:br>
+              <a:rPr lang="en-NL" dirty="0"/>
+            </a:br>
+            <a:r>
+              <a:rPr lang="en-GB" sz="1100" b="0" dirty="0">
+                <a:solidFill>
+                  <a:srgbClr val="728E00"/>
+                </a:solidFill>
+                <a:effectLst/>
+                <a:latin typeface="Menlo" panose="020B0609030804020204" pitchFamily="49" charset="0"/>
+              </a:rPr>
+              <a:t>	#include</a:t>
+            </a:r>
+            <a:r>
+              <a:rPr lang="en-GB" sz="1100" b="0" dirty="0">
+                <a:solidFill>
+                  <a:srgbClr val="4E5B61"/>
+                </a:solidFill>
+                <a:effectLst/>
+                <a:latin typeface="Menlo" panose="020B0609030804020204" pitchFamily="49" charset="0"/>
+              </a:rPr>
+              <a:t> </a:t>
+            </a:r>
+            <a:r>
+              <a:rPr lang="en-GB" sz="1100" b="0" dirty="0">
+                <a:solidFill>
+                  <a:srgbClr val="005C5F"/>
+                </a:solidFill>
+                <a:effectLst/>
+                <a:latin typeface="Menlo" panose="020B0609030804020204" pitchFamily="49" charset="0"/>
+              </a:rPr>
+              <a:t>&lt;ESP8266WiFi.h&gt;</a:t>
+            </a:r>
+            <a:br>
+              <a:rPr lang="en-GB" sz="1100" dirty="0">
+                <a:solidFill>
+                  <a:srgbClr val="4E5B61"/>
+                </a:solidFill>
+                <a:latin typeface="Menlo" panose="020B0609030804020204" pitchFamily="49" charset="0"/>
+              </a:rPr>
+            </a:br>
+            <a:r>
+              <a:rPr lang="en-GB" sz="1600" dirty="0">
+                <a:solidFill>
+                  <a:srgbClr val="4E5B61"/>
+                </a:solidFill>
+                <a:latin typeface="Menlo" panose="020B0609030804020204" pitchFamily="49" charset="0"/>
+              </a:rPr>
+              <a:t>declaration</a:t>
+            </a:r>
+            <a:r>
+              <a:rPr lang="en-GB" sz="1100" dirty="0">
+                <a:solidFill>
+                  <a:srgbClr val="4E5B61"/>
+                </a:solidFill>
+                <a:latin typeface="Menlo" panose="020B0609030804020204" pitchFamily="49" charset="0"/>
+              </a:rPr>
+              <a:t>:</a:t>
+            </a:r>
+            <a:br>
+              <a:rPr lang="en-GB" sz="1100" dirty="0">
+                <a:solidFill>
+                  <a:srgbClr val="4E5B61"/>
+                </a:solidFill>
+                <a:latin typeface="Menlo" panose="020B0609030804020204" pitchFamily="49" charset="0"/>
+              </a:rPr>
+            </a:br>
+            <a:r>
+              <a:rPr lang="en-GB" sz="1100" dirty="0">
+                <a:solidFill>
+                  <a:srgbClr val="4E5B61"/>
+                </a:solidFill>
+                <a:latin typeface="Menlo" panose="020B0609030804020204" pitchFamily="49" charset="0"/>
+              </a:rPr>
+              <a:t>	</a:t>
+            </a:r>
+            <a:r>
+              <a:rPr lang="en-GB" sz="1100" b="0" dirty="0" err="1">
+                <a:solidFill>
+                  <a:srgbClr val="00979D"/>
+                </a:solidFill>
+                <a:effectLst/>
+                <a:latin typeface="Menlo" panose="020B0609030804020204" pitchFamily="49" charset="0"/>
+              </a:rPr>
+              <a:t>const</a:t>
+            </a:r>
+            <a:r>
+              <a:rPr lang="en-GB" sz="1100" b="0" dirty="0">
+                <a:solidFill>
+                  <a:srgbClr val="4E5B61"/>
+                </a:solidFill>
+                <a:effectLst/>
+                <a:latin typeface="Menlo" panose="020B0609030804020204" pitchFamily="49" charset="0"/>
+              </a:rPr>
+              <a:t> </a:t>
+            </a:r>
+            <a:r>
+              <a:rPr lang="en-GB" sz="1100" b="0" dirty="0">
+                <a:solidFill>
+                  <a:srgbClr val="00979D"/>
+                </a:solidFill>
+                <a:effectLst/>
+                <a:latin typeface="Menlo" panose="020B0609030804020204" pitchFamily="49" charset="0"/>
+              </a:rPr>
+              <a:t>char</a:t>
+            </a:r>
+            <a:r>
+              <a:rPr lang="en-GB" sz="1100" b="0" dirty="0">
+                <a:solidFill>
+                  <a:srgbClr val="4E5B61"/>
+                </a:solidFill>
+                <a:effectLst/>
+                <a:latin typeface="Menlo" panose="020B0609030804020204" pitchFamily="49" charset="0"/>
+              </a:rPr>
+              <a:t>* </a:t>
+            </a:r>
+            <a:r>
+              <a:rPr lang="en-GB" sz="1100" b="0" dirty="0" err="1">
+                <a:solidFill>
+                  <a:srgbClr val="4E5B61"/>
+                </a:solidFill>
+                <a:effectLst/>
+                <a:latin typeface="Menlo" panose="020B0609030804020204" pitchFamily="49" charset="0"/>
+              </a:rPr>
+              <a:t>ntpServer</a:t>
+            </a:r>
+            <a:r>
+              <a:rPr lang="en-GB" sz="1100" b="0" dirty="0">
+                <a:solidFill>
+                  <a:srgbClr val="4E5B61"/>
+                </a:solidFill>
+                <a:effectLst/>
+                <a:latin typeface="Menlo" panose="020B0609030804020204" pitchFamily="49" charset="0"/>
+              </a:rPr>
+              <a:t> = </a:t>
+            </a:r>
+            <a:r>
+              <a:rPr lang="en-GB" sz="1100" b="0" dirty="0">
+                <a:solidFill>
+                  <a:srgbClr val="005C5F"/>
+                </a:solidFill>
+                <a:effectLst/>
+                <a:latin typeface="Menlo" panose="020B0609030804020204" pitchFamily="49" charset="0"/>
+              </a:rPr>
+              <a:t>"</a:t>
+            </a:r>
+            <a:r>
+              <a:rPr lang="en-GB" sz="1100" b="0" dirty="0" err="1">
+                <a:solidFill>
+                  <a:srgbClr val="005C5F"/>
+                </a:solidFill>
+                <a:effectLst/>
+                <a:latin typeface="Menlo" panose="020B0609030804020204" pitchFamily="49" charset="0"/>
+              </a:rPr>
+              <a:t>pool.ntp.org</a:t>
+            </a:r>
+            <a:r>
+              <a:rPr lang="en-GB" sz="1100" b="0" dirty="0">
+                <a:solidFill>
+                  <a:srgbClr val="005C5F"/>
+                </a:solidFill>
+                <a:effectLst/>
+                <a:latin typeface="Menlo" panose="020B0609030804020204" pitchFamily="49" charset="0"/>
+              </a:rPr>
+              <a:t>"</a:t>
+            </a:r>
+            <a:r>
+              <a:rPr lang="en-GB" sz="1100" b="0" dirty="0">
+                <a:solidFill>
+                  <a:srgbClr val="4E5B61"/>
+                </a:solidFill>
+                <a:effectLst/>
+                <a:latin typeface="Menlo" panose="020B0609030804020204" pitchFamily="49" charset="0"/>
+              </a:rPr>
+              <a:t>;</a:t>
+            </a:r>
+            <a:br>
+              <a:rPr lang="en-GB" sz="1600" b="0" dirty="0">
+                <a:solidFill>
+                  <a:srgbClr val="4E5B61"/>
+                </a:solidFill>
+                <a:effectLst/>
+                <a:latin typeface="Menlo" panose="020B0609030804020204" pitchFamily="49" charset="0"/>
+              </a:rPr>
+            </a:br>
+            <a:br>
+              <a:rPr lang="en-GB" sz="1100" b="0" dirty="0">
+                <a:solidFill>
+                  <a:srgbClr val="4E5B61"/>
+                </a:solidFill>
+                <a:effectLst/>
+                <a:latin typeface="Menlo" panose="020B0609030804020204" pitchFamily="49" charset="0"/>
+              </a:rPr>
+            </a:br>
+            <a:r>
+              <a:rPr lang="en-GB" sz="1600" b="0" dirty="0">
+                <a:solidFill>
+                  <a:srgbClr val="4E5B61"/>
+                </a:solidFill>
+                <a:effectLst/>
+                <a:latin typeface="Menlo" panose="020B0609030804020204" pitchFamily="49" charset="0"/>
+              </a:rPr>
+              <a:t>setup:</a:t>
+            </a:r>
+            <a:br>
+              <a:rPr lang="en-GB" sz="1100" b="0" dirty="0">
+                <a:solidFill>
+                  <a:srgbClr val="4E5B61"/>
+                </a:solidFill>
+                <a:effectLst/>
+                <a:latin typeface="Menlo" panose="020B0609030804020204" pitchFamily="49" charset="0"/>
+              </a:rPr>
+            </a:br>
+            <a:r>
+              <a:rPr lang="en-GB" sz="1100" b="0" dirty="0">
+                <a:solidFill>
+                  <a:srgbClr val="4E5B61"/>
+                </a:solidFill>
+                <a:effectLst/>
+                <a:latin typeface="Menlo" panose="020B0609030804020204" pitchFamily="49" charset="0"/>
+              </a:rPr>
+              <a:t>	</a:t>
+            </a:r>
+            <a:r>
+              <a:rPr lang="en-GB" sz="1100" b="0" dirty="0" err="1">
+                <a:solidFill>
+                  <a:srgbClr val="D35400"/>
+                </a:solidFill>
+                <a:effectLst/>
+                <a:latin typeface="Menlo" panose="020B0609030804020204" pitchFamily="49" charset="0"/>
+              </a:rPr>
+              <a:t>configTime</a:t>
+            </a:r>
+            <a:r>
+              <a:rPr lang="en-GB" sz="1100" b="0" dirty="0">
+                <a:solidFill>
+                  <a:srgbClr val="434F54"/>
+                </a:solidFill>
+                <a:effectLst/>
+                <a:latin typeface="Menlo" panose="020B0609030804020204" pitchFamily="49" charset="0"/>
+              </a:rPr>
+              <a:t>(</a:t>
+            </a:r>
+            <a:r>
+              <a:rPr lang="en-GB" sz="1100" b="0" dirty="0" err="1">
+                <a:solidFill>
+                  <a:srgbClr val="4E5B61"/>
+                </a:solidFill>
+                <a:effectLst/>
+                <a:latin typeface="Menlo" panose="020B0609030804020204" pitchFamily="49" charset="0"/>
+              </a:rPr>
+              <a:t>gmtOffset_sec</a:t>
+            </a:r>
+            <a:r>
+              <a:rPr lang="en-GB" sz="1100" b="0" dirty="0">
+                <a:solidFill>
+                  <a:srgbClr val="4E5B61"/>
+                </a:solidFill>
+                <a:effectLst/>
+                <a:latin typeface="Menlo" panose="020B0609030804020204" pitchFamily="49" charset="0"/>
+              </a:rPr>
+              <a:t>, </a:t>
+            </a:r>
+            <a:r>
+              <a:rPr lang="en-GB" sz="1100" b="0" dirty="0" err="1">
+                <a:solidFill>
+                  <a:srgbClr val="4E5B61"/>
+                </a:solidFill>
+                <a:effectLst/>
+                <a:latin typeface="Menlo" panose="020B0609030804020204" pitchFamily="49" charset="0"/>
+              </a:rPr>
+              <a:t>daylightOffset_sec</a:t>
+            </a:r>
+            <a:r>
+              <a:rPr lang="en-GB" sz="1100" b="0" dirty="0">
+                <a:solidFill>
+                  <a:srgbClr val="4E5B61"/>
+                </a:solidFill>
+                <a:effectLst/>
+                <a:latin typeface="Menlo" panose="020B0609030804020204" pitchFamily="49" charset="0"/>
+              </a:rPr>
+              <a:t>, </a:t>
+            </a:r>
+            <a:r>
+              <a:rPr lang="en-GB" sz="1100" b="0" dirty="0" err="1">
+                <a:solidFill>
+                  <a:srgbClr val="4E5B61"/>
+                </a:solidFill>
+                <a:effectLst/>
+                <a:latin typeface="Menlo" panose="020B0609030804020204" pitchFamily="49" charset="0"/>
+              </a:rPr>
+              <a:t>ntpServer</a:t>
+            </a:r>
+            <a:r>
+              <a:rPr lang="en-GB" sz="1100" b="0" dirty="0">
+                <a:solidFill>
+                  <a:srgbClr val="434F54"/>
+                </a:solidFill>
+                <a:effectLst/>
+                <a:latin typeface="Menlo" panose="020B0609030804020204" pitchFamily="49" charset="0"/>
+              </a:rPr>
+              <a:t>)</a:t>
+            </a:r>
+            <a:r>
+              <a:rPr lang="en-GB" sz="1100" b="0" dirty="0">
+                <a:solidFill>
+                  <a:srgbClr val="4E5B61"/>
+                </a:solidFill>
+                <a:effectLst/>
+                <a:latin typeface="Menlo" panose="020B0609030804020204" pitchFamily="49" charset="0"/>
+              </a:rPr>
+              <a:t>;</a:t>
+            </a:r>
+            <a:br>
+              <a:rPr lang="en-GB" sz="1100" b="0" dirty="0">
+                <a:solidFill>
+                  <a:srgbClr val="4E5B61"/>
+                </a:solidFill>
+                <a:effectLst/>
+                <a:latin typeface="Menlo" panose="020B0609030804020204" pitchFamily="49" charset="0"/>
+              </a:rPr>
+            </a:br>
+            <a:r>
+              <a:rPr lang="en-GB" sz="1100" b="0" dirty="0">
+                <a:solidFill>
+                  <a:srgbClr val="4E5B61"/>
+                </a:solidFill>
+                <a:effectLst/>
+                <a:latin typeface="Menlo" panose="020B0609030804020204" pitchFamily="49" charset="0"/>
+              </a:rPr>
+              <a:t>	</a:t>
+            </a:r>
+            <a:r>
+              <a:rPr lang="en-GB" sz="1100" b="0" dirty="0">
+                <a:solidFill>
+                  <a:srgbClr val="00979D"/>
+                </a:solidFill>
+                <a:effectLst/>
+                <a:latin typeface="Menlo" panose="020B0609030804020204" pitchFamily="49" charset="0"/>
+              </a:rPr>
+              <a:t>struct</a:t>
+            </a:r>
+            <a:r>
+              <a:rPr lang="en-GB" sz="1100" b="0" dirty="0">
+                <a:solidFill>
+                  <a:srgbClr val="4E5B61"/>
+                </a:solidFill>
+                <a:effectLst/>
+                <a:latin typeface="Menlo" panose="020B0609030804020204" pitchFamily="49" charset="0"/>
+              </a:rPr>
+              <a:t> tm </a:t>
+            </a:r>
+            <a:r>
+              <a:rPr lang="en-GB" sz="1100" b="0" dirty="0" err="1">
+                <a:solidFill>
+                  <a:srgbClr val="D35400"/>
+                </a:solidFill>
+                <a:effectLst/>
+                <a:latin typeface="Menlo" panose="020B0609030804020204" pitchFamily="49" charset="0"/>
+              </a:rPr>
+              <a:t>timeinfo</a:t>
+            </a:r>
+            <a:r>
+              <a:rPr lang="en-GB" sz="1100" b="0" dirty="0">
+                <a:solidFill>
+                  <a:srgbClr val="4E5B61"/>
+                </a:solidFill>
+                <a:effectLst/>
+                <a:latin typeface="Menlo" panose="020B0609030804020204" pitchFamily="49" charset="0"/>
+              </a:rPr>
+              <a:t>;</a:t>
+            </a:r>
+            <a:br>
+              <a:rPr lang="en-GB" sz="1100" b="0" dirty="0">
+                <a:solidFill>
+                  <a:srgbClr val="4E5B61"/>
+                </a:solidFill>
+                <a:effectLst/>
+                <a:latin typeface="Menlo" panose="020B0609030804020204" pitchFamily="49" charset="0"/>
+              </a:rPr>
+            </a:br>
+            <a:br>
+              <a:rPr lang="en-GB" sz="1100" b="0" dirty="0">
+                <a:solidFill>
+                  <a:srgbClr val="4E5B61"/>
+                </a:solidFill>
+                <a:effectLst/>
+                <a:latin typeface="Menlo" panose="020B0609030804020204" pitchFamily="49" charset="0"/>
+              </a:rPr>
+            </a:br>
+            <a:r>
+              <a:rPr lang="en-GB" sz="1600" dirty="0">
+                <a:solidFill>
+                  <a:srgbClr val="4E5B61"/>
+                </a:solidFill>
+                <a:latin typeface="Menlo" panose="020B0609030804020204" pitchFamily="49" charset="0"/>
+              </a:rPr>
+              <a:t>loop:</a:t>
+            </a:r>
+            <a:br>
+              <a:rPr lang="en-GB" sz="1100" dirty="0">
+                <a:solidFill>
+                  <a:srgbClr val="4E5B61"/>
+                </a:solidFill>
+                <a:latin typeface="Menlo" panose="020B0609030804020204" pitchFamily="49" charset="0"/>
+              </a:rPr>
+            </a:br>
+            <a:r>
+              <a:rPr lang="en-GB" sz="1100" dirty="0">
+                <a:solidFill>
+                  <a:srgbClr val="4E5B61"/>
+                </a:solidFill>
+                <a:latin typeface="Menlo" panose="020B0609030804020204" pitchFamily="49" charset="0"/>
+              </a:rPr>
+              <a:t>	</a:t>
+            </a:r>
+            <a:r>
+              <a:rPr lang="en-GB" sz="1100" b="0" dirty="0">
+                <a:solidFill>
+                  <a:srgbClr val="00979D"/>
+                </a:solidFill>
+                <a:effectLst/>
+                <a:latin typeface="Menlo" panose="020B0609030804020204" pitchFamily="49" charset="0"/>
+              </a:rPr>
+              <a:t>struct</a:t>
+            </a:r>
+            <a:r>
+              <a:rPr lang="en-GB" sz="1100" b="0" dirty="0">
+                <a:solidFill>
+                  <a:srgbClr val="4E5B61"/>
+                </a:solidFill>
+                <a:effectLst/>
+                <a:latin typeface="Menlo" panose="020B0609030804020204" pitchFamily="49" charset="0"/>
+              </a:rPr>
+              <a:t> tm </a:t>
+            </a:r>
+            <a:r>
+              <a:rPr lang="en-GB" sz="1100" b="0" dirty="0" err="1">
+                <a:solidFill>
+                  <a:srgbClr val="D35400"/>
+                </a:solidFill>
+                <a:effectLst/>
+                <a:latin typeface="Menlo" panose="020B0609030804020204" pitchFamily="49" charset="0"/>
+              </a:rPr>
+              <a:t>timeinfo</a:t>
+            </a:r>
+            <a:r>
+              <a:rPr lang="en-GB" sz="1100" b="0" dirty="0">
+                <a:solidFill>
+                  <a:srgbClr val="4E5B61"/>
+                </a:solidFill>
+                <a:effectLst/>
+                <a:latin typeface="Menlo" panose="020B0609030804020204" pitchFamily="49" charset="0"/>
+              </a:rPr>
+              <a:t>;</a:t>
+            </a:r>
+            <a:br>
+              <a:rPr lang="en-GB" sz="1100" b="0" dirty="0">
+                <a:solidFill>
+                  <a:srgbClr val="4E5B61"/>
+                </a:solidFill>
+                <a:effectLst/>
+                <a:latin typeface="Menlo" panose="020B0609030804020204" pitchFamily="49" charset="0"/>
+              </a:rPr>
+            </a:br>
+            <a:br>
+              <a:rPr lang="en-GB" sz="1100" b="0" dirty="0">
+                <a:solidFill>
+                  <a:srgbClr val="4E5B61"/>
+                </a:solidFill>
+                <a:effectLst/>
+                <a:latin typeface="Menlo" panose="020B0609030804020204" pitchFamily="49" charset="0"/>
+              </a:rPr>
+            </a:br>
+            <a:r>
+              <a:rPr lang="en-GB" sz="1100" b="0" dirty="0">
+                <a:solidFill>
+                  <a:srgbClr val="4E5B61"/>
+                </a:solidFill>
+                <a:effectLst/>
+                <a:latin typeface="Menlo" panose="020B0609030804020204" pitchFamily="49" charset="0"/>
+              </a:rPr>
+              <a:t>	</a:t>
+            </a:r>
+            <a:r>
+              <a:rPr lang="en-GB" sz="1100" b="0" dirty="0" err="1">
+                <a:solidFill>
+                  <a:srgbClr val="D35400"/>
+                </a:solidFill>
+                <a:effectLst/>
+                <a:latin typeface="Menlo" panose="020B0609030804020204" pitchFamily="49" charset="0"/>
+              </a:rPr>
+              <a:t>getLocalTime</a:t>
+            </a:r>
+            <a:r>
+              <a:rPr lang="en-GB" sz="1100" b="0" dirty="0">
+                <a:solidFill>
+                  <a:srgbClr val="434F54"/>
+                </a:solidFill>
+                <a:effectLst/>
+                <a:latin typeface="Menlo" panose="020B0609030804020204" pitchFamily="49" charset="0"/>
+              </a:rPr>
+              <a:t>(</a:t>
+            </a:r>
+            <a:r>
+              <a:rPr lang="en-GB" sz="1100" b="0" dirty="0">
+                <a:solidFill>
+                  <a:srgbClr val="4E5B61"/>
+                </a:solidFill>
+                <a:effectLst/>
+                <a:latin typeface="Menlo" panose="020B0609030804020204" pitchFamily="49" charset="0"/>
+              </a:rPr>
+              <a:t>&amp;</a:t>
+            </a:r>
+            <a:r>
+              <a:rPr lang="en-GB" sz="1100" b="0" dirty="0" err="1">
+                <a:solidFill>
+                  <a:srgbClr val="4E5B61"/>
+                </a:solidFill>
+                <a:effectLst/>
+                <a:latin typeface="Menlo" panose="020B0609030804020204" pitchFamily="49" charset="0"/>
+              </a:rPr>
+              <a:t>timeinfo</a:t>
+            </a:r>
+            <a:r>
+              <a:rPr lang="en-GB" sz="1100" b="0" dirty="0">
+                <a:solidFill>
+                  <a:srgbClr val="434F54"/>
+                </a:solidFill>
+                <a:effectLst/>
+                <a:latin typeface="Menlo" panose="020B0609030804020204" pitchFamily="49" charset="0"/>
+              </a:rPr>
+              <a:t>)</a:t>
+            </a:r>
+            <a:r>
+              <a:rPr lang="en-GB" sz="1100" b="0" dirty="0">
+                <a:solidFill>
+                  <a:srgbClr val="4E5B61"/>
+                </a:solidFill>
+                <a:effectLst/>
+                <a:latin typeface="Menlo" panose="020B0609030804020204" pitchFamily="49" charset="0"/>
+              </a:rPr>
+              <a:t>;</a:t>
+            </a:r>
+            <a:br>
+              <a:rPr lang="en-GB" sz="1100" dirty="0">
+                <a:solidFill>
+                  <a:srgbClr val="4E5B61"/>
+                </a:solidFill>
+                <a:latin typeface="Menlo" panose="020B0609030804020204" pitchFamily="49" charset="0"/>
+              </a:rPr>
+            </a:br>
+            <a:endParaRPr lang="en-GB" sz="1100" b="0" dirty="0">
+              <a:solidFill>
+                <a:srgbClr val="4E5B61"/>
+              </a:solidFill>
+              <a:effectLst/>
+              <a:latin typeface="Menlo" panose="020B0609030804020204" pitchFamily="49" charset="0"/>
+            </a:endParaRPr>
+          </a:p>
+          <a:p>
+            <a:r>
+              <a:rPr lang="en-GB" b="0" dirty="0">
+                <a:solidFill>
+                  <a:srgbClr val="4E5B61"/>
+                </a:solidFill>
+                <a:effectLst/>
+                <a:latin typeface="Menlo" panose="020B0609030804020204" pitchFamily="49" charset="0"/>
+              </a:rPr>
+              <a:t>Time library</a:t>
+            </a:r>
+            <a:br>
+              <a:rPr lang="en-GB" sz="1100" b="0" dirty="0">
+                <a:solidFill>
+                  <a:srgbClr val="4E5B61"/>
+                </a:solidFill>
+                <a:effectLst/>
+                <a:latin typeface="Menlo" panose="020B0609030804020204" pitchFamily="49" charset="0"/>
+              </a:rPr>
+            </a:br>
+            <a:r>
+              <a:rPr lang="en-GB" sz="1100" b="0" dirty="0">
+                <a:solidFill>
+                  <a:srgbClr val="4E5B61"/>
+                </a:solidFill>
+                <a:effectLst/>
+                <a:latin typeface="Menlo" panose="020B0609030804020204" pitchFamily="49" charset="0"/>
+              </a:rPr>
+              <a:t>	#include &lt;</a:t>
+            </a:r>
+            <a:r>
+              <a:rPr lang="en-GB" sz="1100" b="0" dirty="0" err="1">
+                <a:solidFill>
+                  <a:srgbClr val="4E5B61"/>
+                </a:solidFill>
+                <a:effectLst/>
+                <a:latin typeface="Menlo" panose="020B0609030804020204" pitchFamily="49" charset="0"/>
+              </a:rPr>
+              <a:t>TimeLib.h</a:t>
+            </a:r>
+            <a:r>
+              <a:rPr lang="en-GB" sz="1100" b="0" dirty="0">
+                <a:solidFill>
+                  <a:srgbClr val="4E5B61"/>
+                </a:solidFill>
+                <a:effectLst/>
+                <a:latin typeface="Menlo" panose="020B0609030804020204" pitchFamily="49" charset="0"/>
+              </a:rPr>
+              <a:t>&gt;</a:t>
+            </a:r>
+            <a:br>
+              <a:rPr lang="en-GB" sz="1100" b="0" dirty="0">
+                <a:solidFill>
+                  <a:srgbClr val="4E5B61"/>
+                </a:solidFill>
+                <a:effectLst/>
+                <a:latin typeface="Menlo" panose="020B0609030804020204" pitchFamily="49" charset="0"/>
+              </a:rPr>
+            </a:br>
+            <a:br>
+              <a:rPr lang="en-GB" sz="1100" b="0" dirty="0">
+                <a:solidFill>
+                  <a:srgbClr val="4E5B61"/>
+                </a:solidFill>
+                <a:effectLst/>
+                <a:latin typeface="Menlo" panose="020B0609030804020204" pitchFamily="49" charset="0"/>
+              </a:rPr>
+            </a:br>
+            <a:r>
+              <a:rPr lang="en-GB" sz="1100" b="0" dirty="0">
+                <a:solidFill>
+                  <a:srgbClr val="4E5B61"/>
+                </a:solidFill>
+                <a:effectLst/>
+                <a:latin typeface="Menlo" panose="020B0609030804020204" pitchFamily="49" charset="0"/>
+              </a:rPr>
+              <a:t>	</a:t>
+            </a:r>
+            <a:r>
+              <a:rPr lang="en-GB" sz="1100" b="0" i="0" u="none" strike="noStrike" dirty="0">
+                <a:solidFill>
+                  <a:srgbClr val="1F2328"/>
+                </a:solidFill>
+                <a:effectLst/>
+                <a:latin typeface="-apple-system"/>
+              </a:rPr>
+              <a:t>Internal system time is based on the standard Unix </a:t>
+            </a:r>
+            <a:r>
+              <a:rPr lang="en-GB" sz="1100" dirty="0" err="1"/>
+              <a:t>time_t</a:t>
+            </a:r>
+            <a:r>
+              <a:rPr lang="en-GB" sz="1100" b="0" i="0" u="none" strike="noStrike" dirty="0">
+                <a:solidFill>
+                  <a:srgbClr val="1F2328"/>
+                </a:solidFill>
+                <a:effectLst/>
+                <a:latin typeface="-apple-system"/>
+              </a:rPr>
+              <a:t>. </a:t>
+            </a:r>
+            <a:br>
+              <a:rPr lang="en-GB" sz="1100" b="0" i="0" u="none" strike="noStrike" dirty="0">
+                <a:solidFill>
+                  <a:srgbClr val="1F2328"/>
+                </a:solidFill>
+                <a:effectLst/>
+                <a:latin typeface="-apple-system"/>
+              </a:rPr>
+            </a:br>
+            <a:r>
+              <a:rPr lang="en-GB" sz="1100" b="0" i="0" u="none" strike="noStrike" dirty="0">
+                <a:solidFill>
+                  <a:srgbClr val="1F2328"/>
+                </a:solidFill>
+                <a:effectLst/>
+                <a:latin typeface="-apple-system"/>
+              </a:rPr>
+              <a:t>	The value is the number of seconds since Jan 1, 1970. System time begins at zero when the sketch starts.</a:t>
+            </a:r>
+            <a:br>
+              <a:rPr lang="en-GB" sz="1100" b="0" i="0" u="none" strike="noStrike" dirty="0">
+                <a:solidFill>
+                  <a:srgbClr val="1F2328"/>
+                </a:solidFill>
+                <a:effectLst/>
+                <a:latin typeface="-apple-system"/>
+              </a:rPr>
+            </a:br>
+            <a:r>
+              <a:rPr lang="en-GB" sz="1100" b="0" i="0" u="none" strike="noStrike" dirty="0">
+                <a:solidFill>
+                  <a:srgbClr val="1F2328"/>
+                </a:solidFill>
+                <a:effectLst/>
+                <a:latin typeface="-apple-system"/>
+              </a:rPr>
+              <a:t>	</a:t>
+            </a:r>
+            <a:br>
+              <a:rPr lang="en-GB" sz="1100" b="0" i="0" u="none" strike="noStrike" dirty="0">
+                <a:solidFill>
+                  <a:srgbClr val="1F2328"/>
+                </a:solidFill>
+                <a:effectLst/>
+                <a:latin typeface="-apple-system"/>
+              </a:rPr>
+            </a:br>
+            <a:r>
+              <a:rPr lang="en-GB" sz="1100" b="0" i="0" u="none" strike="noStrike" dirty="0">
+                <a:solidFill>
+                  <a:srgbClr val="1F2328"/>
+                </a:solidFill>
+                <a:effectLst/>
+                <a:latin typeface="-apple-system"/>
+              </a:rPr>
+              <a:t>	</a:t>
+            </a:r>
+            <a:r>
+              <a:rPr lang="en-GB" sz="1100" dirty="0" err="1">
+                <a:effectLst/>
+              </a:rPr>
+              <a:t>breakTime</a:t>
+            </a:r>
+            <a:r>
+              <a:rPr lang="en-GB" sz="1100" dirty="0"/>
+              <a:t>(</a:t>
+            </a:r>
+            <a:r>
+              <a:rPr lang="en-GB" sz="1100" dirty="0">
+                <a:effectLst/>
+              </a:rPr>
+              <a:t>time</a:t>
+            </a:r>
+            <a:r>
+              <a:rPr lang="en-GB" sz="1100" dirty="0"/>
+              <a:t>, </a:t>
+            </a:r>
+            <a:r>
+              <a:rPr lang="en-GB" sz="1100" dirty="0">
+                <a:effectLst/>
+              </a:rPr>
+              <a:t>&amp;tm</a:t>
+            </a:r>
+            <a:r>
+              <a:rPr lang="en-GB" sz="1100" dirty="0"/>
+              <a:t>); 	</a:t>
+            </a:r>
+            <a:r>
+              <a:rPr lang="en-GB" sz="1100" dirty="0">
+                <a:effectLst/>
+              </a:rPr>
+              <a:t>// break  </a:t>
+            </a:r>
+            <a:r>
+              <a:rPr lang="en-GB" sz="1100" dirty="0" err="1">
+                <a:effectLst/>
+              </a:rPr>
+              <a:t>time_t</a:t>
+            </a:r>
+            <a:r>
+              <a:rPr lang="en-GB" sz="1100" dirty="0">
+                <a:effectLst/>
+              </a:rPr>
+              <a:t> into elements stored in tm struct</a:t>
+            </a:r>
+            <a:br>
+              <a:rPr lang="en-GB" sz="1100" dirty="0"/>
+            </a:br>
+            <a:r>
+              <a:rPr lang="en-GB" sz="1100" dirty="0"/>
+              <a:t>	</a:t>
+            </a:r>
+            <a:r>
+              <a:rPr lang="en-GB" sz="1100" dirty="0" err="1">
+                <a:effectLst/>
+              </a:rPr>
+              <a:t>makeTime</a:t>
+            </a:r>
+            <a:r>
+              <a:rPr lang="en-GB" sz="1100" dirty="0"/>
+              <a:t>(</a:t>
+            </a:r>
+            <a:r>
+              <a:rPr lang="en-GB" sz="1100" dirty="0">
+                <a:effectLst/>
+              </a:rPr>
+              <a:t>&amp;tm</a:t>
+            </a:r>
+            <a:r>
+              <a:rPr lang="en-GB" sz="1100" dirty="0"/>
+              <a:t>); 		</a:t>
+            </a:r>
+            <a:r>
+              <a:rPr lang="en-GB" sz="1100" dirty="0">
+                <a:effectLst/>
+              </a:rPr>
+              <a:t>// return </a:t>
+            </a:r>
+            <a:r>
+              <a:rPr lang="en-GB" sz="1100" dirty="0" err="1">
+                <a:effectLst/>
+              </a:rPr>
+              <a:t>time_t</a:t>
+            </a:r>
+            <a:r>
+              <a:rPr lang="en-GB" sz="1100" dirty="0">
+                <a:effectLst/>
+              </a:rPr>
+              <a:t> from elements stored in tm struct</a:t>
+            </a:r>
+            <a:br>
+              <a:rPr lang="en-GB" sz="1100" dirty="0">
+                <a:effectLst/>
+              </a:rPr>
+            </a:br>
+            <a:br>
+              <a:rPr lang="en-GB" sz="1100" dirty="0">
+                <a:effectLst/>
+              </a:rPr>
+            </a:br>
+            <a:r>
+              <a:rPr lang="en-GB" sz="1100" dirty="0">
+                <a:effectLst/>
+              </a:rPr>
+              <a:t>Time Library needs a sync function specified:</a:t>
+            </a:r>
+            <a:br>
+              <a:rPr lang="en-GB" sz="1000" dirty="0">
+                <a:effectLst/>
+              </a:rPr>
+            </a:br>
+            <a:br>
+              <a:rPr lang="en-GB" sz="1100" b="0" i="0" u="none" strike="noStrike" dirty="0">
+                <a:solidFill>
+                  <a:srgbClr val="1F2328"/>
+                </a:solidFill>
+                <a:effectLst/>
+                <a:latin typeface="-apple-system"/>
+              </a:rPr>
+            </a:br>
+            <a:r>
+              <a:rPr lang="en-GB" sz="1600" dirty="0">
+                <a:solidFill>
+                  <a:srgbClr val="4E5B61"/>
+                </a:solidFill>
+                <a:latin typeface="Menlo" panose="020B0609030804020204" pitchFamily="49" charset="0"/>
+              </a:rPr>
+              <a:t>Setup:</a:t>
+            </a:r>
+            <a:br>
+              <a:rPr lang="en-GB" sz="1100" b="0" dirty="0">
+                <a:solidFill>
+                  <a:srgbClr val="4E5B61"/>
+                </a:solidFill>
+                <a:effectLst/>
+                <a:latin typeface="Menlo" panose="020B0609030804020204" pitchFamily="49" charset="0"/>
+              </a:rPr>
+            </a:br>
+            <a:r>
+              <a:rPr lang="en-GB" sz="1100" b="0" dirty="0">
+                <a:solidFill>
+                  <a:srgbClr val="4E5B61"/>
+                </a:solidFill>
+                <a:effectLst/>
+                <a:latin typeface="Menlo" panose="020B0609030804020204" pitchFamily="49" charset="0"/>
+              </a:rPr>
+              <a:t>	</a:t>
+            </a:r>
+            <a:r>
+              <a:rPr lang="en-GB" sz="1100" b="0" dirty="0" err="1">
+                <a:solidFill>
+                  <a:srgbClr val="4E5B61"/>
+                </a:solidFill>
+                <a:effectLst/>
+                <a:latin typeface="Menlo" panose="020B0609030804020204" pitchFamily="49" charset="0"/>
+              </a:rPr>
+              <a:t>setSyncProvider</a:t>
+            </a:r>
+            <a:r>
+              <a:rPr lang="en-GB" sz="1100" b="0" dirty="0">
+                <a:solidFill>
+                  <a:srgbClr val="4E5B61"/>
+                </a:solidFill>
+                <a:effectLst/>
+                <a:latin typeface="Menlo" panose="020B0609030804020204" pitchFamily="49" charset="0"/>
+              </a:rPr>
+              <a:t>(</a:t>
+            </a:r>
+            <a:r>
+              <a:rPr lang="en-GB" sz="1100" b="0" dirty="0" err="1">
+                <a:solidFill>
+                  <a:srgbClr val="4E5B61"/>
+                </a:solidFill>
+                <a:effectLst/>
+                <a:latin typeface="Menlo" panose="020B0609030804020204" pitchFamily="49" charset="0"/>
+              </a:rPr>
+              <a:t>RTC.get</a:t>
+            </a:r>
+            <a:r>
+              <a:rPr lang="en-GB" sz="1100" b="0" dirty="0">
+                <a:solidFill>
+                  <a:srgbClr val="4E5B61"/>
+                </a:solidFill>
+                <a:effectLst/>
+                <a:latin typeface="Menlo" panose="020B0609030804020204" pitchFamily="49" charset="0"/>
+              </a:rPr>
+              <a:t>);   // the function to get the time from the RTC</a:t>
+            </a:r>
+            <a:br>
+              <a:rPr lang="en-GB" sz="1100" dirty="0">
+                <a:solidFill>
+                  <a:srgbClr val="4E5B61"/>
+                </a:solidFill>
+                <a:latin typeface="Menlo" panose="020B0609030804020204" pitchFamily="49" charset="0"/>
+              </a:rPr>
+            </a:br>
+            <a:r>
+              <a:rPr lang="en-GB" sz="1100" dirty="0">
+                <a:solidFill>
+                  <a:srgbClr val="4E5B61"/>
+                </a:solidFill>
+                <a:latin typeface="Menlo" panose="020B0609030804020204" pitchFamily="49" charset="0"/>
+              </a:rPr>
+              <a:t>	</a:t>
+            </a:r>
+            <a:br>
+              <a:rPr lang="en-GB" sz="1100" dirty="0">
+                <a:solidFill>
+                  <a:srgbClr val="4E5B61"/>
+                </a:solidFill>
+                <a:latin typeface="Menlo" panose="020B0609030804020204" pitchFamily="49" charset="0"/>
+              </a:rPr>
+            </a:br>
+            <a:r>
+              <a:rPr lang="en-GB" sz="1100" dirty="0">
+                <a:solidFill>
+                  <a:srgbClr val="4E5B61"/>
+                </a:solidFill>
+                <a:latin typeface="Menlo" panose="020B0609030804020204" pitchFamily="49" charset="0"/>
+              </a:rPr>
+              <a:t>	</a:t>
+            </a:r>
+            <a:r>
+              <a:rPr lang="en-GB" sz="1100" dirty="0" err="1">
+                <a:solidFill>
+                  <a:srgbClr val="4E5B61"/>
+                </a:solidFill>
+                <a:latin typeface="Menlo" panose="020B0609030804020204" pitchFamily="49" charset="0"/>
+              </a:rPr>
+              <a:t>RTC.get</a:t>
+            </a:r>
+            <a:r>
+              <a:rPr lang="en-GB" sz="1100" dirty="0">
+                <a:solidFill>
+                  <a:srgbClr val="4E5B61"/>
+                </a:solidFill>
+                <a:latin typeface="Menlo" panose="020B0609030804020204" pitchFamily="49" charset="0"/>
+              </a:rPr>
+              <a:t> which returns a </a:t>
+            </a:r>
+            <a:r>
+              <a:rPr lang="en-GB" sz="1100" dirty="0" err="1">
+                <a:solidFill>
+                  <a:srgbClr val="4E5B61"/>
+                </a:solidFill>
+                <a:latin typeface="Menlo" panose="020B0609030804020204" pitchFamily="49" charset="0"/>
+              </a:rPr>
+              <a:t>time_t</a:t>
+            </a:r>
+            <a:r>
+              <a:rPr lang="en-GB" sz="1100" dirty="0">
+                <a:solidFill>
+                  <a:srgbClr val="4E5B61"/>
+                </a:solidFill>
+                <a:latin typeface="Menlo" panose="020B0609030804020204" pitchFamily="49" charset="0"/>
+              </a:rPr>
+              <a:t> value.</a:t>
+            </a:r>
+            <a:br>
+              <a:rPr lang="en-GB" sz="1100" dirty="0">
+                <a:solidFill>
+                  <a:srgbClr val="4E5B61"/>
+                </a:solidFill>
+                <a:latin typeface="Menlo" panose="020B0609030804020204" pitchFamily="49" charset="0"/>
+              </a:rPr>
+            </a:br>
+            <a:br>
+              <a:rPr lang="en-GB" sz="2800" b="0" dirty="0">
+                <a:solidFill>
+                  <a:srgbClr val="4E5B61"/>
+                </a:solidFill>
+                <a:effectLst/>
+                <a:latin typeface="Menlo" panose="020B0609030804020204" pitchFamily="49" charset="0"/>
+              </a:rPr>
+            </a:br>
+            <a:r>
+              <a:rPr lang="en-GB" sz="1100" b="0" dirty="0">
+                <a:solidFill>
+                  <a:srgbClr val="4E5B61"/>
+                </a:solidFill>
+                <a:effectLst/>
+                <a:latin typeface="Menlo" panose="020B0609030804020204" pitchFamily="49" charset="0"/>
+              </a:rPr>
+              <a:t>	</a:t>
+            </a:r>
+            <a:r>
+              <a:rPr lang="en-GB" sz="1100" dirty="0" err="1">
+                <a:solidFill>
+                  <a:srgbClr val="4E5B61"/>
+                </a:solidFill>
+                <a:latin typeface="Menlo" panose="020B0609030804020204" pitchFamily="49" charset="0"/>
+              </a:rPr>
+              <a:t>time_t</a:t>
+            </a:r>
+            <a:r>
+              <a:rPr lang="en-GB" sz="1100" dirty="0">
+                <a:solidFill>
+                  <a:srgbClr val="4E5B61"/>
+                </a:solidFill>
+                <a:latin typeface="Menlo" panose="020B0609030804020204" pitchFamily="49" charset="0"/>
+              </a:rPr>
+              <a:t> get</a:t>
+            </a:r>
+            <a:br>
+              <a:rPr lang="en-GB" sz="1100" dirty="0">
+                <a:solidFill>
+                  <a:srgbClr val="4E5B61"/>
+                </a:solidFill>
+                <a:latin typeface="Menlo" panose="020B0609030804020204" pitchFamily="49" charset="0"/>
+              </a:rPr>
+            </a:br>
+            <a:r>
+              <a:rPr lang="en-GB" sz="1100" dirty="0">
+                <a:solidFill>
+                  <a:srgbClr val="4E5B61"/>
+                </a:solidFill>
+                <a:latin typeface="Menlo" panose="020B0609030804020204" pitchFamily="49" charset="0"/>
+              </a:rPr>
+              <a:t>	</a:t>
+            </a:r>
+            <a:r>
+              <a:rPr lang="en-GB" sz="1100" dirty="0" err="1">
+                <a:solidFill>
+                  <a:srgbClr val="4E5B61"/>
+                </a:solidFill>
+                <a:latin typeface="Menlo" panose="020B0609030804020204" pitchFamily="49" charset="0"/>
+              </a:rPr>
+              <a:t>tmElements_t</a:t>
+            </a:r>
+            <a:r>
+              <a:rPr lang="en-GB" sz="1100" dirty="0">
+                <a:solidFill>
+                  <a:srgbClr val="4E5B61"/>
+                </a:solidFill>
+                <a:latin typeface="Menlo" panose="020B0609030804020204" pitchFamily="49" charset="0"/>
+              </a:rPr>
+              <a:t> tm;</a:t>
+            </a:r>
+            <a:br>
+              <a:rPr lang="en-GB" sz="1100" dirty="0">
+                <a:solidFill>
+                  <a:srgbClr val="4E5B61"/>
+                </a:solidFill>
+                <a:latin typeface="Menlo" panose="020B0609030804020204" pitchFamily="49" charset="0"/>
+              </a:rPr>
+            </a:br>
+            <a:r>
+              <a:rPr lang="en-GB" sz="1100" dirty="0">
+                <a:solidFill>
+                  <a:srgbClr val="4E5B61"/>
+                </a:solidFill>
+                <a:latin typeface="Menlo" panose="020B0609030804020204" pitchFamily="49" charset="0"/>
+              </a:rPr>
+              <a:t>	….</a:t>
+            </a:r>
+            <a:br>
+              <a:rPr lang="en-GB" sz="1100" dirty="0">
+                <a:solidFill>
+                  <a:srgbClr val="4E5B61"/>
+                </a:solidFill>
+                <a:latin typeface="Menlo" panose="020B0609030804020204" pitchFamily="49" charset="0"/>
+              </a:rPr>
+            </a:br>
+            <a:r>
+              <a:rPr lang="en-GB" sz="1100" dirty="0">
+                <a:solidFill>
+                  <a:srgbClr val="4E5B61"/>
+                </a:solidFill>
+                <a:latin typeface="Menlo" panose="020B0609030804020204" pitchFamily="49" charset="0"/>
+              </a:rPr>
+              <a:t>	</a:t>
+            </a:r>
+            <a:r>
+              <a:rPr lang="en-GB" sz="1100" dirty="0" err="1">
+                <a:solidFill>
+                  <a:srgbClr val="4E5B61"/>
+                </a:solidFill>
+                <a:latin typeface="Menlo" panose="020B0609030804020204" pitchFamily="49" charset="0"/>
+              </a:rPr>
+              <a:t>makeTime</a:t>
+            </a:r>
+            <a:r>
+              <a:rPr lang="en-GB" sz="1100" dirty="0">
+                <a:solidFill>
+                  <a:srgbClr val="4E5B61"/>
+                </a:solidFill>
+                <a:latin typeface="Menlo" panose="020B0609030804020204" pitchFamily="49" charset="0"/>
+              </a:rPr>
+              <a:t>(tm)</a:t>
+            </a:r>
+          </a:p>
+          <a:p>
+            <a:r>
+              <a:rPr lang="en-GB" b="0" dirty="0">
+                <a:solidFill>
+                  <a:srgbClr val="4E5B61"/>
+                </a:solidFill>
+                <a:effectLst/>
+                <a:latin typeface="Menlo" panose="020B0609030804020204" pitchFamily="49" charset="0"/>
+              </a:rPr>
+              <a:t>Combine ESP NTP server with Time library</a:t>
+            </a:r>
+            <a:br>
+              <a:rPr lang="en-GB" sz="1200" b="0" dirty="0">
+                <a:solidFill>
+                  <a:srgbClr val="4E5B61"/>
+                </a:solidFill>
+                <a:effectLst/>
+                <a:latin typeface="Menlo" panose="020B0609030804020204" pitchFamily="49" charset="0"/>
+              </a:rPr>
+            </a:br>
+            <a:br>
+              <a:rPr lang="en-GB" sz="1200" b="0" dirty="0">
+                <a:solidFill>
+                  <a:srgbClr val="4E5B61"/>
+                </a:solidFill>
+                <a:effectLst/>
+                <a:latin typeface="Menlo" panose="020B0609030804020204" pitchFamily="49" charset="0"/>
+              </a:rPr>
+            </a:br>
+            <a:r>
+              <a:rPr lang="en-GB" sz="1200" b="0" dirty="0" err="1">
+                <a:solidFill>
+                  <a:srgbClr val="4E5B61"/>
+                </a:solidFill>
+                <a:effectLst/>
+                <a:latin typeface="Menlo" panose="020B0609030804020204" pitchFamily="49" charset="0"/>
+              </a:rPr>
+              <a:t>setSyncProvider</a:t>
+            </a:r>
+            <a:r>
+              <a:rPr lang="en-GB" sz="1200" b="0" dirty="0">
+                <a:solidFill>
+                  <a:srgbClr val="4E5B61"/>
+                </a:solidFill>
+                <a:effectLst/>
+                <a:latin typeface="Menlo" panose="020B0609030804020204" pitchFamily="49" charset="0"/>
+              </a:rPr>
+              <a:t>(</a:t>
+            </a:r>
+            <a:r>
+              <a:rPr lang="en-GB" sz="1200" b="0" dirty="0" err="1">
+                <a:solidFill>
+                  <a:srgbClr val="4E5B61"/>
+                </a:solidFill>
+                <a:effectLst/>
+                <a:latin typeface="Menlo" panose="020B0609030804020204" pitchFamily="49" charset="0"/>
+              </a:rPr>
+              <a:t>NTPgetTime</a:t>
+            </a:r>
+            <a:r>
+              <a:rPr lang="en-GB" sz="1200" b="0" dirty="0">
+                <a:solidFill>
+                  <a:srgbClr val="4E5B61"/>
+                </a:solidFill>
+                <a:effectLst/>
+                <a:latin typeface="Menlo" panose="020B0609030804020204" pitchFamily="49" charset="0"/>
+              </a:rPr>
+              <a:t>); </a:t>
+            </a:r>
+            <a:br>
+              <a:rPr lang="en-GB" sz="1200" b="0" dirty="0">
+                <a:solidFill>
+                  <a:srgbClr val="4E5B61"/>
+                </a:solidFill>
+                <a:effectLst/>
+                <a:latin typeface="Menlo" panose="020B0609030804020204" pitchFamily="49" charset="0"/>
+              </a:rPr>
+            </a:br>
+            <a:br>
+              <a:rPr lang="en-GB" sz="1200" b="0" dirty="0">
+                <a:solidFill>
+                  <a:srgbClr val="4E5B61"/>
+                </a:solidFill>
+                <a:effectLst/>
+                <a:latin typeface="Menlo" panose="020B0609030804020204" pitchFamily="49" charset="0"/>
+              </a:rPr>
+            </a:br>
+            <a:r>
+              <a:rPr lang="en-GB" sz="1200" b="0" dirty="0" err="1">
+                <a:solidFill>
+                  <a:srgbClr val="4E5B61"/>
+                </a:solidFill>
+                <a:effectLst/>
+                <a:latin typeface="Menlo" panose="020B0609030804020204" pitchFamily="49" charset="0"/>
+              </a:rPr>
+              <a:t>time_t</a:t>
+            </a:r>
+            <a:r>
+              <a:rPr lang="en-GB" sz="1200" b="0" dirty="0">
+                <a:solidFill>
+                  <a:srgbClr val="4E5B61"/>
+                </a:solidFill>
+                <a:effectLst/>
+                <a:latin typeface="Menlo" panose="020B0609030804020204" pitchFamily="49" charset="0"/>
+              </a:rPr>
+              <a:t> </a:t>
+            </a:r>
+            <a:r>
+              <a:rPr lang="en-GB" sz="1200" b="0" dirty="0" err="1">
+                <a:solidFill>
+                  <a:srgbClr val="4E5B61"/>
+                </a:solidFill>
+                <a:effectLst/>
+                <a:latin typeface="Menlo" panose="020B0609030804020204" pitchFamily="49" charset="0"/>
+              </a:rPr>
+              <a:t>NTPgetTime</a:t>
+            </a:r>
+            <a:r>
+              <a:rPr lang="en-GB" sz="1200" b="0" dirty="0">
+                <a:solidFill>
+                  <a:srgbClr val="4E5B61"/>
+                </a:solidFill>
+                <a:effectLst/>
+                <a:latin typeface="Menlo" panose="020B0609030804020204" pitchFamily="49" charset="0"/>
+              </a:rPr>
+              <a:t>() {</a:t>
+            </a:r>
+            <a:br>
+              <a:rPr lang="en-GB" sz="1200" b="0" dirty="0">
+                <a:solidFill>
+                  <a:srgbClr val="4E5B61"/>
+                </a:solidFill>
+                <a:effectLst/>
+                <a:latin typeface="Menlo" panose="020B0609030804020204" pitchFamily="49" charset="0"/>
+              </a:rPr>
+            </a:br>
+            <a:r>
+              <a:rPr lang="en-GB" sz="1200" b="0" dirty="0">
+                <a:solidFill>
+                  <a:srgbClr val="4E5B61"/>
+                </a:solidFill>
+                <a:effectLst/>
+                <a:latin typeface="Menlo" panose="020B0609030804020204" pitchFamily="49" charset="0"/>
+              </a:rPr>
+              <a:t> 	</a:t>
+            </a:r>
+            <a:r>
+              <a:rPr lang="en-GB" sz="1200" b="0" dirty="0" err="1">
+                <a:solidFill>
+                  <a:srgbClr val="D35400"/>
+                </a:solidFill>
+                <a:effectLst/>
+                <a:latin typeface="Menlo" panose="020B0609030804020204" pitchFamily="49" charset="0"/>
+              </a:rPr>
+              <a:t>getLocalTime</a:t>
+            </a:r>
+            <a:r>
+              <a:rPr lang="en-GB" sz="1200" b="0" dirty="0">
+                <a:solidFill>
+                  <a:srgbClr val="434F54"/>
+                </a:solidFill>
+                <a:effectLst/>
+                <a:latin typeface="Menlo" panose="020B0609030804020204" pitchFamily="49" charset="0"/>
+              </a:rPr>
+              <a:t>(</a:t>
+            </a:r>
+            <a:r>
+              <a:rPr lang="en-GB" sz="1200" b="0" dirty="0">
+                <a:solidFill>
+                  <a:srgbClr val="4E5B61"/>
+                </a:solidFill>
+                <a:effectLst/>
+                <a:latin typeface="Menlo" panose="020B0609030804020204" pitchFamily="49" charset="0"/>
+              </a:rPr>
+              <a:t>&amp;</a:t>
+            </a:r>
+            <a:r>
+              <a:rPr lang="en-GB" sz="1200" b="0" dirty="0" err="1">
+                <a:solidFill>
+                  <a:srgbClr val="4E5B61"/>
+                </a:solidFill>
+                <a:effectLst/>
+                <a:latin typeface="Menlo" panose="020B0609030804020204" pitchFamily="49" charset="0"/>
+              </a:rPr>
+              <a:t>timeinfo</a:t>
+            </a:r>
+            <a:r>
+              <a:rPr lang="en-GB" sz="1200" b="0" dirty="0">
+                <a:solidFill>
+                  <a:srgbClr val="434F54"/>
+                </a:solidFill>
+                <a:effectLst/>
+                <a:latin typeface="Menlo" panose="020B0609030804020204" pitchFamily="49" charset="0"/>
+              </a:rPr>
+              <a:t>)</a:t>
+            </a:r>
+            <a:r>
+              <a:rPr lang="en-GB" sz="1200" b="0" dirty="0">
+                <a:solidFill>
+                  <a:srgbClr val="4E5B61"/>
+                </a:solidFill>
+                <a:effectLst/>
+                <a:latin typeface="Menlo" panose="020B0609030804020204" pitchFamily="49" charset="0"/>
+              </a:rPr>
+              <a:t>;</a:t>
+            </a:r>
+            <a:br>
+              <a:rPr lang="en-GB" sz="1200" b="0" dirty="0">
+                <a:solidFill>
+                  <a:srgbClr val="4E5B61"/>
+                </a:solidFill>
+                <a:effectLst/>
+                <a:latin typeface="Menlo" panose="020B0609030804020204" pitchFamily="49" charset="0"/>
+              </a:rPr>
+            </a:br>
+            <a:r>
+              <a:rPr lang="en-GB" sz="1200" b="0" dirty="0">
+                <a:solidFill>
+                  <a:srgbClr val="4E5B61"/>
+                </a:solidFill>
+                <a:effectLst/>
+                <a:latin typeface="Menlo" panose="020B0609030804020204" pitchFamily="49" charset="0"/>
+              </a:rPr>
+              <a:t> 	return(</a:t>
+            </a:r>
+            <a:r>
+              <a:rPr lang="en-GB" sz="1200" b="0" dirty="0" err="1">
+                <a:solidFill>
+                  <a:srgbClr val="4E5B61"/>
+                </a:solidFill>
+                <a:effectLst/>
+                <a:latin typeface="Menlo" panose="020B0609030804020204" pitchFamily="49" charset="0"/>
+              </a:rPr>
+              <a:t>makeTime</a:t>
+            </a:r>
+            <a:r>
+              <a:rPr lang="en-GB" sz="1200" b="0" dirty="0">
+                <a:solidFill>
+                  <a:srgbClr val="4E5B61"/>
+                </a:solidFill>
+                <a:effectLst/>
+                <a:latin typeface="Menlo" panose="020B0609030804020204" pitchFamily="49" charset="0"/>
+              </a:rPr>
+              <a:t>(</a:t>
+            </a:r>
+            <a:r>
+              <a:rPr lang="en-GB" sz="1200" b="0" dirty="0" err="1">
+                <a:solidFill>
+                  <a:srgbClr val="4E5B61"/>
+                </a:solidFill>
+                <a:effectLst/>
+                <a:latin typeface="Menlo" panose="020B0609030804020204" pitchFamily="49" charset="0"/>
+              </a:rPr>
+              <a:t>timeinfo</a:t>
+            </a:r>
+            <a:r>
+              <a:rPr lang="en-GB" sz="1200" b="0" dirty="0">
+                <a:solidFill>
+                  <a:srgbClr val="4E5B61"/>
+                </a:solidFill>
+                <a:effectLst/>
+                <a:latin typeface="Menlo" panose="020B0609030804020204" pitchFamily="49" charset="0"/>
+              </a:rPr>
+              <a:t>);</a:t>
+            </a:r>
+            <a:br>
+              <a:rPr lang="en-GB" sz="1200" b="0" dirty="0">
+                <a:solidFill>
+                  <a:srgbClr val="4E5B61"/>
+                </a:solidFill>
+                <a:effectLst/>
+                <a:latin typeface="Menlo" panose="020B0609030804020204" pitchFamily="49" charset="0"/>
+              </a:rPr>
+            </a:br>
+            <a:r>
+              <a:rPr lang="en-GB" sz="1200" b="0" dirty="0">
+                <a:solidFill>
+                  <a:srgbClr val="4E5B61"/>
+                </a:solidFill>
+                <a:effectLst/>
+                <a:latin typeface="Menlo" panose="020B0609030804020204" pitchFamily="49" charset="0"/>
+              </a:rPr>
+              <a:t>}</a:t>
+            </a:r>
+            <a:endParaRPr lang="en-GB" b="0" dirty="0">
+              <a:solidFill>
+                <a:srgbClr val="4E5B61"/>
+              </a:solidFill>
+              <a:effectLst/>
+              <a:latin typeface="Menlo" panose="020B0609030804020204" pitchFamily="49" charset="0"/>
+            </a:endParaRPr>
+          </a:p>
+        </p:txBody>
+      </p:sp>
+    </p:spTree>
+    <p:extLst>
+      <p:ext uri="{BB962C8B-B14F-4D97-AF65-F5344CB8AC3E}">
+        <p14:creationId xmlns:p14="http://schemas.microsoft.com/office/powerpoint/2010/main" val="1187016029"/>
+      </p:ext>
+    </p:extLst>
+  </p:cSld>
+  <p:clrMapOvr>
+    <a:masterClrMapping/>
+  </p:clrMapOvr>
+</p:sld>
+</file>
+
+<file path=ppt/slides/slide8.xml><?xml version="1.0" encoding="utf-8"?>
+<p:sld xmlns:a="http://schemas.openxmlformats.org/drawingml/2006/main" xmlns:r="http://schemas.openxmlformats.org/officeDocument/2006/relationships" xmlns:p="http://schemas.openxmlformats.org/presentationml/2006/main">
+  <p:cSld>
+    <p:spTree>
+      <p:nvGrpSpPr>
+        <p:cNvPr id="1" name=""/>
+        <p:cNvGrpSpPr/>
+        <p:nvPr/>
+      </p:nvGrpSpPr>
+      <p:grpSpPr>
+        <a:xfrm>
+          <a:off x="0" y="0"/>
+          <a:ext cx="0" cy="0"/>
+          <a:chOff x="0" y="0"/>
+          <a:chExt cx="0" cy="0"/>
+        </a:xfrm>
+      </p:grpSpPr>
+      <p:sp>
+        <p:nvSpPr>
           <p:cNvPr id="2" name="Title 1">
             <a:extLst>
               <a:ext uri="{FF2B5EF4-FFF2-40B4-BE49-F238E27FC236}">
@@ -10832,8 +11576,46 @@
           </a:p>
           <a:p>
             <a:r>
-              <a:rPr lang="en-NL" dirty="0"/>
+              <a:rPr lang="en-NL" strike="sngStrike" dirty="0"/>
               <a:t>Update Config page for timing stuff</a:t>
+            </a:r>
+          </a:p>
+        </p:txBody>
+      </p:sp>
+      <p:sp>
+        <p:nvSpPr>
+          <p:cNvPr id="7" name="TextBox 6">
+            <a:extLst>
+              <a:ext uri="{FF2B5EF4-FFF2-40B4-BE49-F238E27FC236}">
+                <a16:creationId xmlns:a16="http://schemas.microsoft.com/office/drawing/2014/main" id="{E4B22031-F56A-76A8-E8CE-332E8D1E911F}"/>
+              </a:ext>
+            </a:extLst>
+          </p:cNvPr>
+          <p:cNvSpPr txBox="1"/>
+          <p:nvPr/>
+        </p:nvSpPr>
+        <p:spPr>
+          <a:xfrm>
+            <a:off x="8181046" y="2372417"/>
+            <a:ext cx="390440" cy="584775"/>
+          </a:xfrm>
+          <a:prstGeom prst="rect">
+            <a:avLst/>
+          </a:prstGeom>
+          <a:noFill/>
+        </p:spPr>
+        <p:txBody>
+          <a:bodyPr wrap="square">
+            <a:spAutoFit/>
+          </a:bodyPr>
+          <a:lstStyle/>
+          <a:p>
+            <a:r>
+              <a:rPr lang="en-NL" sz="3200" dirty="0">
+                <a:effectLst/>
+                <a:latin typeface="Apple Color Emoji" pitchFamily="2" charset="0"/>
+              </a:rPr>
+              <a:t>⁉️</a:t>
             </a:r>
           </a:p>
         </p:txBody>

--- a/Oli.pptx
+++ b/Oli.pptx
@@ -3815,7 +3815,7 @@
         </p:spPr>
         <p:txBody>
           <a:bodyPr>
-            <a:normAutofit fontScale="62500" lnSpcReduction="20000"/>
+            <a:normAutofit fontScale="55000" lnSpcReduction="20000"/>
           </a:bodyPr>
           <a:lstStyle/>
           <a:p>
@@ -3828,13 +3828,8 @@
             <a:pPr lvl="1"/>
             <a:r>
               <a:rPr lang="en-GB" dirty="0"/>
-              <a:t>Scenario </a:t>
-            </a:r>
-            <a:r>
-              <a:rPr lang="en-GB" dirty="0" err="1"/>
-              <a:t>editer</a:t>
-            </a:r>
-            <a:endParaRPr lang="en-GB" dirty="0"/>
+              <a:t>Scenario editor</a:t>
+            </a:r>
           </a:p>
           <a:p>
             <a:pPr lvl="2"/>
@@ -3971,6 +3966,21 @@
           </a:p>
           <a:p>
             <a:r>
+              <a:rPr lang="en-GB" b="1" dirty="0"/>
+              <a:t>D</a:t>
+            </a:r>
+            <a:r>
+              <a:rPr lang="en-NL" b="1" dirty="0"/>
+              <a:t>oorschakelen naar volgend scenario met schakelaar, hoe om je weer op de oude instelling? </a:t>
+            </a:r>
+            <a:r>
+              <a:rPr lang="en-NL" b="1"/>
+              <a:t>Bij de volgende trigger.</a:t>
+            </a:r>
+            <a:endParaRPr lang="en-NL" b="1" dirty="0"/>
+          </a:p>
+          <a:p>
+            <a:r>
               <a:rPr lang="en-NL" dirty="0"/>
               <a:t>Over the air update</a:t>
             </a:r>
@@ -4003,7 +4013,12 @@
               <a:rPr lang="en-NL" b="1" dirty="0"/>
               <a:t>s</a:t>
             </a:r>
-            <a:endParaRPr lang="en-NL" dirty="0"/>
+          </a:p>
+          <a:p>
+            <a:r>
+              <a:rPr lang="en-NL" dirty="0"/>
+              <a:t>What to do with RTC that has lost battery power</a:t>
+            </a:r>
           </a:p>
         </p:txBody>
       </p:sp>
